--- a/Multi-Hop LoRa Network Protocol with Minimized Latency.pptx
+++ b/Multi-Hop LoRa Network Protocol with Minimized Latency.pptx
@@ -5,7 +5,7 @@
     <p:sldMasterId id="2147483712" r:id="rId4"/>
   </p:sldMasterIdLst>
   <p:notesMasterIdLst>
-    <p:notesMasterId r:id="rId40"/>
+    <p:notesMasterId r:id="rId51"/>
   </p:notesMasterIdLst>
   <p:sldIdLst>
     <p:sldId id="257" r:id="rId5"/>
@@ -15,9 +15,9 @@
     <p:sldId id="269" r:id="rId9"/>
     <p:sldId id="264" r:id="rId10"/>
     <p:sldId id="263" r:id="rId11"/>
-    <p:sldId id="290" r:id="rId12"/>
-    <p:sldId id="265" r:id="rId13"/>
-    <p:sldId id="266" r:id="rId14"/>
+    <p:sldId id="265" r:id="rId12"/>
+    <p:sldId id="266" r:id="rId13"/>
+    <p:sldId id="290" r:id="rId14"/>
     <p:sldId id="267" r:id="rId15"/>
     <p:sldId id="270" r:id="rId16"/>
     <p:sldId id="271" r:id="rId17"/>
@@ -38,11 +38,22 @@
     <p:sldId id="291" r:id="rId32"/>
     <p:sldId id="292" r:id="rId33"/>
     <p:sldId id="285" r:id="rId34"/>
-    <p:sldId id="286" r:id="rId35"/>
-    <p:sldId id="287" r:id="rId36"/>
-    <p:sldId id="288" r:id="rId37"/>
-    <p:sldId id="289" r:id="rId38"/>
-    <p:sldId id="258" r:id="rId39"/>
+    <p:sldId id="293" r:id="rId35"/>
+    <p:sldId id="294" r:id="rId36"/>
+    <p:sldId id="286" r:id="rId37"/>
+    <p:sldId id="297" r:id="rId38"/>
+    <p:sldId id="287" r:id="rId39"/>
+    <p:sldId id="298" r:id="rId40"/>
+    <p:sldId id="288" r:id="rId41"/>
+    <p:sldId id="300" r:id="rId42"/>
+    <p:sldId id="301" r:id="rId43"/>
+    <p:sldId id="302" r:id="rId44"/>
+    <p:sldId id="304" r:id="rId45"/>
+    <p:sldId id="303" r:id="rId46"/>
+    <p:sldId id="289" r:id="rId47"/>
+    <p:sldId id="295" r:id="rId48"/>
+    <p:sldId id="296" r:id="rId49"/>
+    <p:sldId id="258" r:id="rId50"/>
   </p:sldIdLst>
   <p:sldSz cx="12192000" cy="6858000"/>
   <p:notesSz cx="6858000" cy="9144000"/>
@@ -5553,7 +5564,7 @@
     </p:spTree>
     <p:extLst>
       <p:ext uri="{BB962C8B-B14F-4D97-AF65-F5344CB8AC3E}">
-        <p14:creationId xmlns:p14="http://schemas.microsoft.com/office/powerpoint/2010/main" val="2149372376"/>
+        <p14:creationId xmlns:p14="http://schemas.microsoft.com/office/powerpoint/2010/main" val="3255091754"/>
       </p:ext>
     </p:extLst>
   </p:cSld>
@@ -5654,7 +5665,7 @@
     </p:spTree>
     <p:extLst>
       <p:ext uri="{BB962C8B-B14F-4D97-AF65-F5344CB8AC3E}">
-        <p14:creationId xmlns:p14="http://schemas.microsoft.com/office/powerpoint/2010/main" val="2756475053"/>
+        <p14:creationId xmlns:p14="http://schemas.microsoft.com/office/powerpoint/2010/main" val="644399317"/>
       </p:ext>
     </p:extLst>
   </p:cSld>
@@ -5859,7 +5870,7 @@
     </p:spTree>
     <p:extLst>
       <p:ext uri="{BB962C8B-B14F-4D97-AF65-F5344CB8AC3E}">
-        <p14:creationId xmlns:p14="http://schemas.microsoft.com/office/powerpoint/2010/main" val="3924672827"/>
+        <p14:creationId xmlns:p14="http://schemas.microsoft.com/office/powerpoint/2010/main" val="2149372376"/>
       </p:ext>
     </p:extLst>
   </p:cSld>
@@ -5960,7 +5971,815 @@
     </p:spTree>
     <p:extLst>
       <p:ext uri="{BB962C8B-B14F-4D97-AF65-F5344CB8AC3E}">
-        <p14:creationId xmlns:p14="http://schemas.microsoft.com/office/powerpoint/2010/main" val="3627179205"/>
+        <p14:creationId xmlns:p14="http://schemas.microsoft.com/office/powerpoint/2010/main" val="2249163725"/>
+      </p:ext>
+    </p:extLst>
+  </p:cSld>
+  <p:clrMapOvr>
+    <a:masterClrMapping/>
+  </p:clrMapOvr>
+</p:notes>
+</file>
+
+<file path=ppt/notesSlides/notesSlide22.xml><?xml version="1.0" encoding="utf-8"?>
+<p:notes xmlns:a="http://schemas.openxmlformats.org/drawingml/2006/main" xmlns:r="http://schemas.openxmlformats.org/officeDocument/2006/relationships" xmlns:p="http://schemas.openxmlformats.org/presentationml/2006/main">
+  <p:cSld>
+    <p:spTree>
+      <p:nvGrpSpPr>
+        <p:cNvPr id="1" name=""/>
+        <p:cNvGrpSpPr/>
+        <p:nvPr/>
+      </p:nvGrpSpPr>
+      <p:grpSpPr>
+        <a:xfrm>
+          <a:off x="0" y="0"/>
+          <a:ext cx="0" cy="0"/>
+          <a:chOff x="0" y="0"/>
+          <a:chExt cx="0" cy="0"/>
+        </a:xfrm>
+      </p:grpSpPr>
+      <p:sp>
+        <p:nvSpPr>
+          <p:cNvPr id="2" name="Slide Image Placeholder 1"/>
+          <p:cNvSpPr>
+            <a:spLocks noGrp="1" noRot="1" noChangeAspect="1"/>
+          </p:cNvSpPr>
+          <p:nvPr>
+            <p:ph type="sldImg"/>
+          </p:nvPr>
+        </p:nvSpPr>
+        <p:spPr/>
+      </p:sp>
+      <p:sp>
+        <p:nvSpPr>
+          <p:cNvPr id="3" name="Notes Placeholder 2"/>
+          <p:cNvSpPr>
+            <a:spLocks noGrp="1"/>
+          </p:cNvSpPr>
+          <p:nvPr>
+            <p:ph type="body" idx="1"/>
+          </p:nvPr>
+        </p:nvSpPr>
+        <p:spPr/>
+        <p:txBody>
+          <a:bodyPr/>
+          <a:lstStyle/>
+          <a:p>
+            <a:pPr marL="0" marR="0" lvl="0" indent="0" algn="l" defTabSz="914400" rtl="0" eaLnBrk="1" fontAlgn="auto" latinLnBrk="0" hangingPunct="1">
+              <a:lnSpc>
+                <a:spcPct val="100000"/>
+              </a:lnSpc>
+              <a:spcBef>
+                <a:spcPts val="0"/>
+              </a:spcBef>
+              <a:spcAft>
+                <a:spcPts val="0"/>
+              </a:spcAft>
+              <a:buClrTx/>
+              <a:buSzTx/>
+              <a:buFontTx/>
+              <a:buNone/>
+              <a:tabLst/>
+              <a:defRPr/>
+            </a:pPr>
+            <a:endParaRPr lang="en-US" dirty="0"/>
+          </a:p>
+        </p:txBody>
+      </p:sp>
+      <p:sp>
+        <p:nvSpPr>
+          <p:cNvPr id="4" name="Slide Number Placeholder 3"/>
+          <p:cNvSpPr>
+            <a:spLocks noGrp="1"/>
+          </p:cNvSpPr>
+          <p:nvPr>
+            <p:ph type="sldNum" sz="quarter" idx="5"/>
+          </p:nvPr>
+        </p:nvSpPr>
+        <p:spPr/>
+        <p:txBody>
+          <a:bodyPr/>
+          <a:lstStyle/>
+          <a:p>
+            <a:fld id="{7A6690C6-3487-4A2A-A435-A96B59A0BF17}" type="slidenum">
+              <a:rPr lang="th-TH" smtClean="0"/>
+              <a:t>35</a:t>
+            </a:fld>
+            <a:endParaRPr lang="th-TH"/>
+          </a:p>
+        </p:txBody>
+      </p:sp>
+    </p:spTree>
+    <p:extLst>
+      <p:ext uri="{BB962C8B-B14F-4D97-AF65-F5344CB8AC3E}">
+        <p14:creationId xmlns:p14="http://schemas.microsoft.com/office/powerpoint/2010/main" val="2756475053"/>
+      </p:ext>
+    </p:extLst>
+  </p:cSld>
+  <p:clrMapOvr>
+    <a:masterClrMapping/>
+  </p:clrMapOvr>
+</p:notes>
+</file>
+
+<file path=ppt/notesSlides/notesSlide23.xml><?xml version="1.0" encoding="utf-8"?>
+<p:notes xmlns:a="http://schemas.openxmlformats.org/drawingml/2006/main" xmlns:r="http://schemas.openxmlformats.org/officeDocument/2006/relationships" xmlns:p="http://schemas.openxmlformats.org/presentationml/2006/main">
+  <p:cSld>
+    <p:spTree>
+      <p:nvGrpSpPr>
+        <p:cNvPr id="1" name=""/>
+        <p:cNvGrpSpPr/>
+        <p:nvPr/>
+      </p:nvGrpSpPr>
+      <p:grpSpPr>
+        <a:xfrm>
+          <a:off x="0" y="0"/>
+          <a:ext cx="0" cy="0"/>
+          <a:chOff x="0" y="0"/>
+          <a:chExt cx="0" cy="0"/>
+        </a:xfrm>
+      </p:grpSpPr>
+      <p:sp>
+        <p:nvSpPr>
+          <p:cNvPr id="2" name="Slide Image Placeholder 1"/>
+          <p:cNvSpPr>
+            <a:spLocks noGrp="1" noRot="1" noChangeAspect="1"/>
+          </p:cNvSpPr>
+          <p:nvPr>
+            <p:ph type="sldImg"/>
+          </p:nvPr>
+        </p:nvSpPr>
+        <p:spPr/>
+      </p:sp>
+      <p:sp>
+        <p:nvSpPr>
+          <p:cNvPr id="3" name="Notes Placeholder 2"/>
+          <p:cNvSpPr>
+            <a:spLocks noGrp="1"/>
+          </p:cNvSpPr>
+          <p:nvPr>
+            <p:ph type="body" idx="1"/>
+          </p:nvPr>
+        </p:nvSpPr>
+        <p:spPr/>
+        <p:txBody>
+          <a:bodyPr/>
+          <a:lstStyle/>
+          <a:p>
+            <a:pPr marL="0" marR="0" lvl="0" indent="0" algn="l" defTabSz="914400" rtl="0" eaLnBrk="1" fontAlgn="auto" latinLnBrk="0" hangingPunct="1">
+              <a:lnSpc>
+                <a:spcPct val="100000"/>
+              </a:lnSpc>
+              <a:spcBef>
+                <a:spcPts val="0"/>
+              </a:spcBef>
+              <a:spcAft>
+                <a:spcPts val="0"/>
+              </a:spcAft>
+              <a:buClrTx/>
+              <a:buSzTx/>
+              <a:buFontTx/>
+              <a:buNone/>
+              <a:tabLst/>
+              <a:defRPr/>
+            </a:pPr>
+            <a:endParaRPr lang="en-US" dirty="0"/>
+          </a:p>
+        </p:txBody>
+      </p:sp>
+      <p:sp>
+        <p:nvSpPr>
+          <p:cNvPr id="4" name="Slide Number Placeholder 3"/>
+          <p:cNvSpPr>
+            <a:spLocks noGrp="1"/>
+          </p:cNvSpPr>
+          <p:nvPr>
+            <p:ph type="sldNum" sz="quarter" idx="5"/>
+          </p:nvPr>
+        </p:nvSpPr>
+        <p:spPr/>
+        <p:txBody>
+          <a:bodyPr/>
+          <a:lstStyle/>
+          <a:p>
+            <a:fld id="{7A6690C6-3487-4A2A-A435-A96B59A0BF17}" type="slidenum">
+              <a:rPr lang="th-TH" smtClean="0"/>
+              <a:t>36</a:t>
+            </a:fld>
+            <a:endParaRPr lang="th-TH"/>
+          </a:p>
+        </p:txBody>
+      </p:sp>
+    </p:spTree>
+    <p:extLst>
+      <p:ext uri="{BB962C8B-B14F-4D97-AF65-F5344CB8AC3E}">
+        <p14:creationId xmlns:p14="http://schemas.microsoft.com/office/powerpoint/2010/main" val="2749953881"/>
+      </p:ext>
+    </p:extLst>
+  </p:cSld>
+  <p:clrMapOvr>
+    <a:masterClrMapping/>
+  </p:clrMapOvr>
+</p:notes>
+</file>
+
+<file path=ppt/notesSlides/notesSlide24.xml><?xml version="1.0" encoding="utf-8"?>
+<p:notes xmlns:a="http://schemas.openxmlformats.org/drawingml/2006/main" xmlns:r="http://schemas.openxmlformats.org/officeDocument/2006/relationships" xmlns:p="http://schemas.openxmlformats.org/presentationml/2006/main">
+  <p:cSld>
+    <p:spTree>
+      <p:nvGrpSpPr>
+        <p:cNvPr id="1" name=""/>
+        <p:cNvGrpSpPr/>
+        <p:nvPr/>
+      </p:nvGrpSpPr>
+      <p:grpSpPr>
+        <a:xfrm>
+          <a:off x="0" y="0"/>
+          <a:ext cx="0" cy="0"/>
+          <a:chOff x="0" y="0"/>
+          <a:chExt cx="0" cy="0"/>
+        </a:xfrm>
+      </p:grpSpPr>
+      <p:sp>
+        <p:nvSpPr>
+          <p:cNvPr id="2" name="Slide Image Placeholder 1"/>
+          <p:cNvSpPr>
+            <a:spLocks noGrp="1" noRot="1" noChangeAspect="1"/>
+          </p:cNvSpPr>
+          <p:nvPr>
+            <p:ph type="sldImg"/>
+          </p:nvPr>
+        </p:nvSpPr>
+        <p:spPr/>
+      </p:sp>
+      <p:sp>
+        <p:nvSpPr>
+          <p:cNvPr id="3" name="Notes Placeholder 2"/>
+          <p:cNvSpPr>
+            <a:spLocks noGrp="1"/>
+          </p:cNvSpPr>
+          <p:nvPr>
+            <p:ph type="body" idx="1"/>
+          </p:nvPr>
+        </p:nvSpPr>
+        <p:spPr/>
+        <p:txBody>
+          <a:bodyPr/>
+          <a:lstStyle/>
+          <a:p>
+            <a:pPr marL="0" marR="0" lvl="0" indent="0" algn="l" defTabSz="914400" rtl="0" eaLnBrk="1" fontAlgn="auto" latinLnBrk="0" hangingPunct="1">
+              <a:lnSpc>
+                <a:spcPct val="100000"/>
+              </a:lnSpc>
+              <a:spcBef>
+                <a:spcPts val="0"/>
+              </a:spcBef>
+              <a:spcAft>
+                <a:spcPts val="0"/>
+              </a:spcAft>
+              <a:buClrTx/>
+              <a:buSzTx/>
+              <a:buFontTx/>
+              <a:buNone/>
+              <a:tabLst/>
+              <a:defRPr/>
+            </a:pPr>
+            <a:endParaRPr lang="en-US" dirty="0"/>
+          </a:p>
+        </p:txBody>
+      </p:sp>
+      <p:sp>
+        <p:nvSpPr>
+          <p:cNvPr id="4" name="Slide Number Placeholder 3"/>
+          <p:cNvSpPr>
+            <a:spLocks noGrp="1"/>
+          </p:cNvSpPr>
+          <p:nvPr>
+            <p:ph type="sldNum" sz="quarter" idx="5"/>
+          </p:nvPr>
+        </p:nvSpPr>
+        <p:spPr/>
+        <p:txBody>
+          <a:bodyPr/>
+          <a:lstStyle/>
+          <a:p>
+            <a:fld id="{7A6690C6-3487-4A2A-A435-A96B59A0BF17}" type="slidenum">
+              <a:rPr lang="th-TH" smtClean="0"/>
+              <a:t>37</a:t>
+            </a:fld>
+            <a:endParaRPr lang="th-TH"/>
+          </a:p>
+        </p:txBody>
+      </p:sp>
+    </p:spTree>
+    <p:extLst>
+      <p:ext uri="{BB962C8B-B14F-4D97-AF65-F5344CB8AC3E}">
+        <p14:creationId xmlns:p14="http://schemas.microsoft.com/office/powerpoint/2010/main" val="3924672827"/>
+      </p:ext>
+    </p:extLst>
+  </p:cSld>
+  <p:clrMapOvr>
+    <a:masterClrMapping/>
+  </p:clrMapOvr>
+</p:notes>
+</file>
+
+<file path=ppt/notesSlides/notesSlide25.xml><?xml version="1.0" encoding="utf-8"?>
+<p:notes xmlns:a="http://schemas.openxmlformats.org/drawingml/2006/main" xmlns:r="http://schemas.openxmlformats.org/officeDocument/2006/relationships" xmlns:p="http://schemas.openxmlformats.org/presentationml/2006/main">
+  <p:cSld>
+    <p:spTree>
+      <p:nvGrpSpPr>
+        <p:cNvPr id="1" name=""/>
+        <p:cNvGrpSpPr/>
+        <p:nvPr/>
+      </p:nvGrpSpPr>
+      <p:grpSpPr>
+        <a:xfrm>
+          <a:off x="0" y="0"/>
+          <a:ext cx="0" cy="0"/>
+          <a:chOff x="0" y="0"/>
+          <a:chExt cx="0" cy="0"/>
+        </a:xfrm>
+      </p:grpSpPr>
+      <p:sp>
+        <p:nvSpPr>
+          <p:cNvPr id="2" name="Slide Image Placeholder 1"/>
+          <p:cNvSpPr>
+            <a:spLocks noGrp="1" noRot="1" noChangeAspect="1"/>
+          </p:cNvSpPr>
+          <p:nvPr>
+            <p:ph type="sldImg"/>
+          </p:nvPr>
+        </p:nvSpPr>
+        <p:spPr/>
+      </p:sp>
+      <p:sp>
+        <p:nvSpPr>
+          <p:cNvPr id="3" name="Notes Placeholder 2"/>
+          <p:cNvSpPr>
+            <a:spLocks noGrp="1"/>
+          </p:cNvSpPr>
+          <p:nvPr>
+            <p:ph type="body" idx="1"/>
+          </p:nvPr>
+        </p:nvSpPr>
+        <p:spPr/>
+        <p:txBody>
+          <a:bodyPr/>
+          <a:lstStyle/>
+          <a:p>
+            <a:pPr marL="0" marR="0" lvl="0" indent="0" algn="l" defTabSz="914400" rtl="0" eaLnBrk="1" fontAlgn="auto" latinLnBrk="0" hangingPunct="1">
+              <a:lnSpc>
+                <a:spcPct val="100000"/>
+              </a:lnSpc>
+              <a:spcBef>
+                <a:spcPts val="0"/>
+              </a:spcBef>
+              <a:spcAft>
+                <a:spcPts val="0"/>
+              </a:spcAft>
+              <a:buClrTx/>
+              <a:buSzTx/>
+              <a:buFontTx/>
+              <a:buNone/>
+              <a:tabLst/>
+              <a:defRPr/>
+            </a:pPr>
+            <a:endParaRPr lang="en-US" dirty="0"/>
+          </a:p>
+        </p:txBody>
+      </p:sp>
+      <p:sp>
+        <p:nvSpPr>
+          <p:cNvPr id="4" name="Slide Number Placeholder 3"/>
+          <p:cNvSpPr>
+            <a:spLocks noGrp="1"/>
+          </p:cNvSpPr>
+          <p:nvPr>
+            <p:ph type="sldNum" sz="quarter" idx="5"/>
+          </p:nvPr>
+        </p:nvSpPr>
+        <p:spPr/>
+        <p:txBody>
+          <a:bodyPr/>
+          <a:lstStyle/>
+          <a:p>
+            <a:fld id="{7A6690C6-3487-4A2A-A435-A96B59A0BF17}" type="slidenum">
+              <a:rPr lang="th-TH" smtClean="0"/>
+              <a:t>38</a:t>
+            </a:fld>
+            <a:endParaRPr lang="th-TH"/>
+          </a:p>
+        </p:txBody>
+      </p:sp>
+    </p:spTree>
+    <p:extLst>
+      <p:ext uri="{BB962C8B-B14F-4D97-AF65-F5344CB8AC3E}">
+        <p14:creationId xmlns:p14="http://schemas.microsoft.com/office/powerpoint/2010/main" val="262883317"/>
+      </p:ext>
+    </p:extLst>
+  </p:cSld>
+  <p:clrMapOvr>
+    <a:masterClrMapping/>
+  </p:clrMapOvr>
+</p:notes>
+</file>
+
+<file path=ppt/notesSlides/notesSlide26.xml><?xml version="1.0" encoding="utf-8"?>
+<p:notes xmlns:a="http://schemas.openxmlformats.org/drawingml/2006/main" xmlns:r="http://schemas.openxmlformats.org/officeDocument/2006/relationships" xmlns:p="http://schemas.openxmlformats.org/presentationml/2006/main">
+  <p:cSld>
+    <p:spTree>
+      <p:nvGrpSpPr>
+        <p:cNvPr id="1" name=""/>
+        <p:cNvGrpSpPr/>
+        <p:nvPr/>
+      </p:nvGrpSpPr>
+      <p:grpSpPr>
+        <a:xfrm>
+          <a:off x="0" y="0"/>
+          <a:ext cx="0" cy="0"/>
+          <a:chOff x="0" y="0"/>
+          <a:chExt cx="0" cy="0"/>
+        </a:xfrm>
+      </p:grpSpPr>
+      <p:sp>
+        <p:nvSpPr>
+          <p:cNvPr id="2" name="Slide Image Placeholder 1"/>
+          <p:cNvSpPr>
+            <a:spLocks noGrp="1" noRot="1" noChangeAspect="1"/>
+          </p:cNvSpPr>
+          <p:nvPr>
+            <p:ph type="sldImg"/>
+          </p:nvPr>
+        </p:nvSpPr>
+        <p:spPr/>
+      </p:sp>
+      <p:sp>
+        <p:nvSpPr>
+          <p:cNvPr id="3" name="Notes Placeholder 2"/>
+          <p:cNvSpPr>
+            <a:spLocks noGrp="1"/>
+          </p:cNvSpPr>
+          <p:nvPr>
+            <p:ph type="body" idx="1"/>
+          </p:nvPr>
+        </p:nvSpPr>
+        <p:spPr/>
+        <p:txBody>
+          <a:bodyPr/>
+          <a:lstStyle/>
+          <a:p>
+            <a:pPr marL="0" marR="0" lvl="0" indent="0" algn="l" defTabSz="914400" rtl="0" eaLnBrk="1" fontAlgn="auto" latinLnBrk="0" hangingPunct="1">
+              <a:lnSpc>
+                <a:spcPct val="100000"/>
+              </a:lnSpc>
+              <a:spcBef>
+                <a:spcPts val="0"/>
+              </a:spcBef>
+              <a:spcAft>
+                <a:spcPts val="0"/>
+              </a:spcAft>
+              <a:buClrTx/>
+              <a:buSzTx/>
+              <a:buFontTx/>
+              <a:buNone/>
+              <a:tabLst/>
+              <a:defRPr/>
+            </a:pPr>
+            <a:endParaRPr lang="en-US" dirty="0"/>
+          </a:p>
+        </p:txBody>
+      </p:sp>
+      <p:sp>
+        <p:nvSpPr>
+          <p:cNvPr id="4" name="Slide Number Placeholder 3"/>
+          <p:cNvSpPr>
+            <a:spLocks noGrp="1"/>
+          </p:cNvSpPr>
+          <p:nvPr>
+            <p:ph type="sldNum" sz="quarter" idx="5"/>
+          </p:nvPr>
+        </p:nvSpPr>
+        <p:spPr/>
+        <p:txBody>
+          <a:bodyPr/>
+          <a:lstStyle/>
+          <a:p>
+            <a:fld id="{7A6690C6-3487-4A2A-A435-A96B59A0BF17}" type="slidenum">
+              <a:rPr lang="th-TH" smtClean="0"/>
+              <a:t>39</a:t>
+            </a:fld>
+            <a:endParaRPr lang="th-TH"/>
+          </a:p>
+        </p:txBody>
+      </p:sp>
+    </p:spTree>
+    <p:extLst>
+      <p:ext uri="{BB962C8B-B14F-4D97-AF65-F5344CB8AC3E}">
+        <p14:creationId xmlns:p14="http://schemas.microsoft.com/office/powerpoint/2010/main" val="3614505887"/>
+      </p:ext>
+    </p:extLst>
+  </p:cSld>
+  <p:clrMapOvr>
+    <a:masterClrMapping/>
+  </p:clrMapOvr>
+</p:notes>
+</file>
+
+<file path=ppt/notesSlides/notesSlide27.xml><?xml version="1.0" encoding="utf-8"?>
+<p:notes xmlns:a="http://schemas.openxmlformats.org/drawingml/2006/main" xmlns:r="http://schemas.openxmlformats.org/officeDocument/2006/relationships" xmlns:p="http://schemas.openxmlformats.org/presentationml/2006/main">
+  <p:cSld>
+    <p:spTree>
+      <p:nvGrpSpPr>
+        <p:cNvPr id="1" name=""/>
+        <p:cNvGrpSpPr/>
+        <p:nvPr/>
+      </p:nvGrpSpPr>
+      <p:grpSpPr>
+        <a:xfrm>
+          <a:off x="0" y="0"/>
+          <a:ext cx="0" cy="0"/>
+          <a:chOff x="0" y="0"/>
+          <a:chExt cx="0" cy="0"/>
+        </a:xfrm>
+      </p:grpSpPr>
+      <p:sp>
+        <p:nvSpPr>
+          <p:cNvPr id="2" name="Slide Image Placeholder 1"/>
+          <p:cNvSpPr>
+            <a:spLocks noGrp="1" noRot="1" noChangeAspect="1"/>
+          </p:cNvSpPr>
+          <p:nvPr>
+            <p:ph type="sldImg"/>
+          </p:nvPr>
+        </p:nvSpPr>
+        <p:spPr/>
+      </p:sp>
+      <p:sp>
+        <p:nvSpPr>
+          <p:cNvPr id="3" name="Notes Placeholder 2"/>
+          <p:cNvSpPr>
+            <a:spLocks noGrp="1"/>
+          </p:cNvSpPr>
+          <p:nvPr>
+            <p:ph type="body" idx="1"/>
+          </p:nvPr>
+        </p:nvSpPr>
+        <p:spPr/>
+        <p:txBody>
+          <a:bodyPr/>
+          <a:lstStyle/>
+          <a:p>
+            <a:pPr marL="0" marR="0" lvl="0" indent="0" algn="l" defTabSz="914400" rtl="0" eaLnBrk="1" fontAlgn="auto" latinLnBrk="0" hangingPunct="1">
+              <a:lnSpc>
+                <a:spcPct val="100000"/>
+              </a:lnSpc>
+              <a:spcBef>
+                <a:spcPts val="0"/>
+              </a:spcBef>
+              <a:spcAft>
+                <a:spcPts val="0"/>
+              </a:spcAft>
+              <a:buClrTx/>
+              <a:buSzTx/>
+              <a:buFontTx/>
+              <a:buNone/>
+              <a:tabLst/>
+              <a:defRPr/>
+            </a:pPr>
+            <a:endParaRPr lang="en-US" dirty="0"/>
+          </a:p>
+        </p:txBody>
+      </p:sp>
+      <p:sp>
+        <p:nvSpPr>
+          <p:cNvPr id="4" name="Slide Number Placeholder 3"/>
+          <p:cNvSpPr>
+            <a:spLocks noGrp="1"/>
+          </p:cNvSpPr>
+          <p:nvPr>
+            <p:ph type="sldNum" sz="quarter" idx="5"/>
+          </p:nvPr>
+        </p:nvSpPr>
+        <p:spPr/>
+        <p:txBody>
+          <a:bodyPr/>
+          <a:lstStyle/>
+          <a:p>
+            <a:fld id="{7A6690C6-3487-4A2A-A435-A96B59A0BF17}" type="slidenum">
+              <a:rPr lang="th-TH" smtClean="0"/>
+              <a:t>40</a:t>
+            </a:fld>
+            <a:endParaRPr lang="th-TH"/>
+          </a:p>
+        </p:txBody>
+      </p:sp>
+    </p:spTree>
+    <p:extLst>
+      <p:ext uri="{BB962C8B-B14F-4D97-AF65-F5344CB8AC3E}">
+        <p14:creationId xmlns:p14="http://schemas.microsoft.com/office/powerpoint/2010/main" val="4190930757"/>
+      </p:ext>
+    </p:extLst>
+  </p:cSld>
+  <p:clrMapOvr>
+    <a:masterClrMapping/>
+  </p:clrMapOvr>
+</p:notes>
+</file>
+
+<file path=ppt/notesSlides/notesSlide28.xml><?xml version="1.0" encoding="utf-8"?>
+<p:notes xmlns:a="http://schemas.openxmlformats.org/drawingml/2006/main" xmlns:r="http://schemas.openxmlformats.org/officeDocument/2006/relationships" xmlns:p="http://schemas.openxmlformats.org/presentationml/2006/main">
+  <p:cSld>
+    <p:spTree>
+      <p:nvGrpSpPr>
+        <p:cNvPr id="1" name=""/>
+        <p:cNvGrpSpPr/>
+        <p:nvPr/>
+      </p:nvGrpSpPr>
+      <p:grpSpPr>
+        <a:xfrm>
+          <a:off x="0" y="0"/>
+          <a:ext cx="0" cy="0"/>
+          <a:chOff x="0" y="0"/>
+          <a:chExt cx="0" cy="0"/>
+        </a:xfrm>
+      </p:grpSpPr>
+      <p:sp>
+        <p:nvSpPr>
+          <p:cNvPr id="2" name="Slide Image Placeholder 1"/>
+          <p:cNvSpPr>
+            <a:spLocks noGrp="1" noRot="1" noChangeAspect="1"/>
+          </p:cNvSpPr>
+          <p:nvPr>
+            <p:ph type="sldImg"/>
+          </p:nvPr>
+        </p:nvSpPr>
+        <p:spPr/>
+      </p:sp>
+      <p:sp>
+        <p:nvSpPr>
+          <p:cNvPr id="3" name="Notes Placeholder 2"/>
+          <p:cNvSpPr>
+            <a:spLocks noGrp="1"/>
+          </p:cNvSpPr>
+          <p:nvPr>
+            <p:ph type="body" idx="1"/>
+          </p:nvPr>
+        </p:nvSpPr>
+        <p:spPr/>
+        <p:txBody>
+          <a:bodyPr/>
+          <a:lstStyle/>
+          <a:p>
+            <a:pPr marL="0" marR="0" lvl="0" indent="0" algn="l" defTabSz="914400" rtl="0" eaLnBrk="1" fontAlgn="auto" latinLnBrk="0" hangingPunct="1">
+              <a:lnSpc>
+                <a:spcPct val="100000"/>
+              </a:lnSpc>
+              <a:spcBef>
+                <a:spcPts val="0"/>
+              </a:spcBef>
+              <a:spcAft>
+                <a:spcPts val="0"/>
+              </a:spcAft>
+              <a:buClrTx/>
+              <a:buSzTx/>
+              <a:buFontTx/>
+              <a:buNone/>
+              <a:tabLst/>
+              <a:defRPr/>
+            </a:pPr>
+            <a:endParaRPr lang="en-US" dirty="0"/>
+          </a:p>
+        </p:txBody>
+      </p:sp>
+      <p:sp>
+        <p:nvSpPr>
+          <p:cNvPr id="4" name="Slide Number Placeholder 3"/>
+          <p:cNvSpPr>
+            <a:spLocks noGrp="1"/>
+          </p:cNvSpPr>
+          <p:nvPr>
+            <p:ph type="sldNum" sz="quarter" idx="5"/>
+          </p:nvPr>
+        </p:nvSpPr>
+        <p:spPr/>
+        <p:txBody>
+          <a:bodyPr/>
+          <a:lstStyle/>
+          <a:p>
+            <a:fld id="{7A6690C6-3487-4A2A-A435-A96B59A0BF17}" type="slidenum">
+              <a:rPr lang="th-TH" smtClean="0"/>
+              <a:t>41</a:t>
+            </a:fld>
+            <a:endParaRPr lang="th-TH"/>
+          </a:p>
+        </p:txBody>
+      </p:sp>
+    </p:spTree>
+    <p:extLst>
+      <p:ext uri="{BB962C8B-B14F-4D97-AF65-F5344CB8AC3E}">
+        <p14:creationId xmlns:p14="http://schemas.microsoft.com/office/powerpoint/2010/main" val="994343962"/>
+      </p:ext>
+    </p:extLst>
+  </p:cSld>
+  <p:clrMapOvr>
+    <a:masterClrMapping/>
+  </p:clrMapOvr>
+</p:notes>
+</file>
+
+<file path=ppt/notesSlides/notesSlide29.xml><?xml version="1.0" encoding="utf-8"?>
+<p:notes xmlns:a="http://schemas.openxmlformats.org/drawingml/2006/main" xmlns:r="http://schemas.openxmlformats.org/officeDocument/2006/relationships" xmlns:p="http://schemas.openxmlformats.org/presentationml/2006/main">
+  <p:cSld>
+    <p:spTree>
+      <p:nvGrpSpPr>
+        <p:cNvPr id="1" name=""/>
+        <p:cNvGrpSpPr/>
+        <p:nvPr/>
+      </p:nvGrpSpPr>
+      <p:grpSpPr>
+        <a:xfrm>
+          <a:off x="0" y="0"/>
+          <a:ext cx="0" cy="0"/>
+          <a:chOff x="0" y="0"/>
+          <a:chExt cx="0" cy="0"/>
+        </a:xfrm>
+      </p:grpSpPr>
+      <p:sp>
+        <p:nvSpPr>
+          <p:cNvPr id="2" name="Slide Image Placeholder 1"/>
+          <p:cNvSpPr>
+            <a:spLocks noGrp="1" noRot="1" noChangeAspect="1"/>
+          </p:cNvSpPr>
+          <p:nvPr>
+            <p:ph type="sldImg"/>
+          </p:nvPr>
+        </p:nvSpPr>
+        <p:spPr/>
+      </p:sp>
+      <p:sp>
+        <p:nvSpPr>
+          <p:cNvPr id="3" name="Notes Placeholder 2"/>
+          <p:cNvSpPr>
+            <a:spLocks noGrp="1"/>
+          </p:cNvSpPr>
+          <p:nvPr>
+            <p:ph type="body" idx="1"/>
+          </p:nvPr>
+        </p:nvSpPr>
+        <p:spPr/>
+        <p:txBody>
+          <a:bodyPr/>
+          <a:lstStyle/>
+          <a:p>
+            <a:pPr marL="0" marR="0" lvl="0" indent="0" algn="l" defTabSz="914400" rtl="0" eaLnBrk="1" fontAlgn="auto" latinLnBrk="0" hangingPunct="1">
+              <a:lnSpc>
+                <a:spcPct val="100000"/>
+              </a:lnSpc>
+              <a:spcBef>
+                <a:spcPts val="0"/>
+              </a:spcBef>
+              <a:spcAft>
+                <a:spcPts val="0"/>
+              </a:spcAft>
+              <a:buClrTx/>
+              <a:buSzTx/>
+              <a:buFontTx/>
+              <a:buNone/>
+              <a:tabLst/>
+              <a:defRPr/>
+            </a:pPr>
+            <a:endParaRPr lang="en-US" dirty="0"/>
+          </a:p>
+        </p:txBody>
+      </p:sp>
+      <p:sp>
+        <p:nvSpPr>
+          <p:cNvPr id="4" name="Slide Number Placeholder 3"/>
+          <p:cNvSpPr>
+            <a:spLocks noGrp="1"/>
+          </p:cNvSpPr>
+          <p:nvPr>
+            <p:ph type="sldNum" sz="quarter" idx="5"/>
+          </p:nvPr>
+        </p:nvSpPr>
+        <p:spPr/>
+        <p:txBody>
+          <a:bodyPr/>
+          <a:lstStyle/>
+          <a:p>
+            <a:fld id="{7A6690C6-3487-4A2A-A435-A96B59A0BF17}" type="slidenum">
+              <a:rPr lang="th-TH" smtClean="0"/>
+              <a:t>42</a:t>
+            </a:fld>
+            <a:endParaRPr lang="th-TH"/>
+          </a:p>
+        </p:txBody>
+      </p:sp>
+    </p:spTree>
+    <p:extLst>
+      <p:ext uri="{BB962C8B-B14F-4D97-AF65-F5344CB8AC3E}">
+        <p14:creationId xmlns:p14="http://schemas.microsoft.com/office/powerpoint/2010/main" val="2855296764"/>
       </p:ext>
     </p:extLst>
   </p:cSld>
@@ -6062,6 +6881,309 @@
     <p:extLst>
       <p:ext uri="{BB962C8B-B14F-4D97-AF65-F5344CB8AC3E}">
         <p14:creationId xmlns:p14="http://schemas.microsoft.com/office/powerpoint/2010/main" val="728966586"/>
+      </p:ext>
+    </p:extLst>
+  </p:cSld>
+  <p:clrMapOvr>
+    <a:masterClrMapping/>
+  </p:clrMapOvr>
+</p:notes>
+</file>
+
+<file path=ppt/notesSlides/notesSlide30.xml><?xml version="1.0" encoding="utf-8"?>
+<p:notes xmlns:a="http://schemas.openxmlformats.org/drawingml/2006/main" xmlns:r="http://schemas.openxmlformats.org/officeDocument/2006/relationships" xmlns:p="http://schemas.openxmlformats.org/presentationml/2006/main">
+  <p:cSld>
+    <p:spTree>
+      <p:nvGrpSpPr>
+        <p:cNvPr id="1" name=""/>
+        <p:cNvGrpSpPr/>
+        <p:nvPr/>
+      </p:nvGrpSpPr>
+      <p:grpSpPr>
+        <a:xfrm>
+          <a:off x="0" y="0"/>
+          <a:ext cx="0" cy="0"/>
+          <a:chOff x="0" y="0"/>
+          <a:chExt cx="0" cy="0"/>
+        </a:xfrm>
+      </p:grpSpPr>
+      <p:sp>
+        <p:nvSpPr>
+          <p:cNvPr id="2" name="Slide Image Placeholder 1"/>
+          <p:cNvSpPr>
+            <a:spLocks noGrp="1" noRot="1" noChangeAspect="1"/>
+          </p:cNvSpPr>
+          <p:nvPr>
+            <p:ph type="sldImg"/>
+          </p:nvPr>
+        </p:nvSpPr>
+        <p:spPr/>
+      </p:sp>
+      <p:sp>
+        <p:nvSpPr>
+          <p:cNvPr id="3" name="Notes Placeholder 2"/>
+          <p:cNvSpPr>
+            <a:spLocks noGrp="1"/>
+          </p:cNvSpPr>
+          <p:nvPr>
+            <p:ph type="body" idx="1"/>
+          </p:nvPr>
+        </p:nvSpPr>
+        <p:spPr/>
+        <p:txBody>
+          <a:bodyPr/>
+          <a:lstStyle/>
+          <a:p>
+            <a:pPr marL="0" marR="0" lvl="0" indent="0" algn="l" defTabSz="914400" rtl="0" eaLnBrk="1" fontAlgn="auto" latinLnBrk="0" hangingPunct="1">
+              <a:lnSpc>
+                <a:spcPct val="100000"/>
+              </a:lnSpc>
+              <a:spcBef>
+                <a:spcPts val="0"/>
+              </a:spcBef>
+              <a:spcAft>
+                <a:spcPts val="0"/>
+              </a:spcAft>
+              <a:buClrTx/>
+              <a:buSzTx/>
+              <a:buFontTx/>
+              <a:buNone/>
+              <a:tabLst/>
+              <a:defRPr/>
+            </a:pPr>
+            <a:endParaRPr lang="en-US" dirty="0"/>
+          </a:p>
+        </p:txBody>
+      </p:sp>
+      <p:sp>
+        <p:nvSpPr>
+          <p:cNvPr id="4" name="Slide Number Placeholder 3"/>
+          <p:cNvSpPr>
+            <a:spLocks noGrp="1"/>
+          </p:cNvSpPr>
+          <p:nvPr>
+            <p:ph type="sldNum" sz="quarter" idx="5"/>
+          </p:nvPr>
+        </p:nvSpPr>
+        <p:spPr/>
+        <p:txBody>
+          <a:bodyPr/>
+          <a:lstStyle/>
+          <a:p>
+            <a:fld id="{7A6690C6-3487-4A2A-A435-A96B59A0BF17}" type="slidenum">
+              <a:rPr lang="th-TH" smtClean="0"/>
+              <a:t>43</a:t>
+            </a:fld>
+            <a:endParaRPr lang="th-TH"/>
+          </a:p>
+        </p:txBody>
+      </p:sp>
+    </p:spTree>
+    <p:extLst>
+      <p:ext uri="{BB962C8B-B14F-4D97-AF65-F5344CB8AC3E}">
+        <p14:creationId xmlns:p14="http://schemas.microsoft.com/office/powerpoint/2010/main" val="3627179205"/>
+      </p:ext>
+    </p:extLst>
+  </p:cSld>
+  <p:clrMapOvr>
+    <a:masterClrMapping/>
+  </p:clrMapOvr>
+</p:notes>
+</file>
+
+<file path=ppt/notesSlides/notesSlide31.xml><?xml version="1.0" encoding="utf-8"?>
+<p:notes xmlns:a="http://schemas.openxmlformats.org/drawingml/2006/main" xmlns:r="http://schemas.openxmlformats.org/officeDocument/2006/relationships" xmlns:p="http://schemas.openxmlformats.org/presentationml/2006/main">
+  <p:cSld>
+    <p:spTree>
+      <p:nvGrpSpPr>
+        <p:cNvPr id="1" name=""/>
+        <p:cNvGrpSpPr/>
+        <p:nvPr/>
+      </p:nvGrpSpPr>
+      <p:grpSpPr>
+        <a:xfrm>
+          <a:off x="0" y="0"/>
+          <a:ext cx="0" cy="0"/>
+          <a:chOff x="0" y="0"/>
+          <a:chExt cx="0" cy="0"/>
+        </a:xfrm>
+      </p:grpSpPr>
+      <p:sp>
+        <p:nvSpPr>
+          <p:cNvPr id="2" name="Slide Image Placeholder 1"/>
+          <p:cNvSpPr>
+            <a:spLocks noGrp="1" noRot="1" noChangeAspect="1"/>
+          </p:cNvSpPr>
+          <p:nvPr>
+            <p:ph type="sldImg"/>
+          </p:nvPr>
+        </p:nvSpPr>
+        <p:spPr/>
+      </p:sp>
+      <p:sp>
+        <p:nvSpPr>
+          <p:cNvPr id="3" name="Notes Placeholder 2"/>
+          <p:cNvSpPr>
+            <a:spLocks noGrp="1"/>
+          </p:cNvSpPr>
+          <p:nvPr>
+            <p:ph type="body" idx="1"/>
+          </p:nvPr>
+        </p:nvSpPr>
+        <p:spPr/>
+        <p:txBody>
+          <a:bodyPr/>
+          <a:lstStyle/>
+          <a:p>
+            <a:pPr marL="0" marR="0" lvl="0" indent="0" algn="l" defTabSz="914400" rtl="0" eaLnBrk="1" fontAlgn="auto" latinLnBrk="0" hangingPunct="1">
+              <a:lnSpc>
+                <a:spcPct val="100000"/>
+              </a:lnSpc>
+              <a:spcBef>
+                <a:spcPts val="0"/>
+              </a:spcBef>
+              <a:spcAft>
+                <a:spcPts val="0"/>
+              </a:spcAft>
+              <a:buClrTx/>
+              <a:buSzTx/>
+              <a:buFontTx/>
+              <a:buNone/>
+              <a:tabLst/>
+              <a:defRPr/>
+            </a:pPr>
+            <a:endParaRPr lang="en-US" dirty="0"/>
+          </a:p>
+        </p:txBody>
+      </p:sp>
+      <p:sp>
+        <p:nvSpPr>
+          <p:cNvPr id="4" name="Slide Number Placeholder 3"/>
+          <p:cNvSpPr>
+            <a:spLocks noGrp="1"/>
+          </p:cNvSpPr>
+          <p:nvPr>
+            <p:ph type="sldNum" sz="quarter" idx="5"/>
+          </p:nvPr>
+        </p:nvSpPr>
+        <p:spPr/>
+        <p:txBody>
+          <a:bodyPr/>
+          <a:lstStyle/>
+          <a:p>
+            <a:fld id="{7A6690C6-3487-4A2A-A435-A96B59A0BF17}" type="slidenum">
+              <a:rPr lang="th-TH" smtClean="0"/>
+              <a:t>44</a:t>
+            </a:fld>
+            <a:endParaRPr lang="th-TH"/>
+          </a:p>
+        </p:txBody>
+      </p:sp>
+    </p:spTree>
+    <p:extLst>
+      <p:ext uri="{BB962C8B-B14F-4D97-AF65-F5344CB8AC3E}">
+        <p14:creationId xmlns:p14="http://schemas.microsoft.com/office/powerpoint/2010/main" val="2979164168"/>
+      </p:ext>
+    </p:extLst>
+  </p:cSld>
+  <p:clrMapOvr>
+    <a:masterClrMapping/>
+  </p:clrMapOvr>
+</p:notes>
+</file>
+
+<file path=ppt/notesSlides/notesSlide32.xml><?xml version="1.0" encoding="utf-8"?>
+<p:notes xmlns:a="http://schemas.openxmlformats.org/drawingml/2006/main" xmlns:r="http://schemas.openxmlformats.org/officeDocument/2006/relationships" xmlns:p="http://schemas.openxmlformats.org/presentationml/2006/main">
+  <p:cSld>
+    <p:spTree>
+      <p:nvGrpSpPr>
+        <p:cNvPr id="1" name=""/>
+        <p:cNvGrpSpPr/>
+        <p:nvPr/>
+      </p:nvGrpSpPr>
+      <p:grpSpPr>
+        <a:xfrm>
+          <a:off x="0" y="0"/>
+          <a:ext cx="0" cy="0"/>
+          <a:chOff x="0" y="0"/>
+          <a:chExt cx="0" cy="0"/>
+        </a:xfrm>
+      </p:grpSpPr>
+      <p:sp>
+        <p:nvSpPr>
+          <p:cNvPr id="2" name="Slide Image Placeholder 1"/>
+          <p:cNvSpPr>
+            <a:spLocks noGrp="1" noRot="1" noChangeAspect="1"/>
+          </p:cNvSpPr>
+          <p:nvPr>
+            <p:ph type="sldImg"/>
+          </p:nvPr>
+        </p:nvSpPr>
+        <p:spPr/>
+      </p:sp>
+      <p:sp>
+        <p:nvSpPr>
+          <p:cNvPr id="3" name="Notes Placeholder 2"/>
+          <p:cNvSpPr>
+            <a:spLocks noGrp="1"/>
+          </p:cNvSpPr>
+          <p:nvPr>
+            <p:ph type="body" idx="1"/>
+          </p:nvPr>
+        </p:nvSpPr>
+        <p:spPr/>
+        <p:txBody>
+          <a:bodyPr/>
+          <a:lstStyle/>
+          <a:p>
+            <a:pPr marL="0" marR="0" lvl="0" indent="0" algn="l" defTabSz="914400" rtl="0" eaLnBrk="1" fontAlgn="auto" latinLnBrk="0" hangingPunct="1">
+              <a:lnSpc>
+                <a:spcPct val="100000"/>
+              </a:lnSpc>
+              <a:spcBef>
+                <a:spcPts val="0"/>
+              </a:spcBef>
+              <a:spcAft>
+                <a:spcPts val="0"/>
+              </a:spcAft>
+              <a:buClrTx/>
+              <a:buSzTx/>
+              <a:buFontTx/>
+              <a:buNone/>
+              <a:tabLst/>
+              <a:defRPr/>
+            </a:pPr>
+            <a:endParaRPr lang="en-US" dirty="0"/>
+          </a:p>
+        </p:txBody>
+      </p:sp>
+      <p:sp>
+        <p:nvSpPr>
+          <p:cNvPr id="4" name="Slide Number Placeholder 3"/>
+          <p:cNvSpPr>
+            <a:spLocks noGrp="1"/>
+          </p:cNvSpPr>
+          <p:nvPr>
+            <p:ph type="sldNum" sz="quarter" idx="5"/>
+          </p:nvPr>
+        </p:nvSpPr>
+        <p:spPr/>
+        <p:txBody>
+          <a:bodyPr/>
+          <a:lstStyle/>
+          <a:p>
+            <a:fld id="{7A6690C6-3487-4A2A-A435-A96B59A0BF17}" type="slidenum">
+              <a:rPr lang="th-TH" smtClean="0"/>
+              <a:t>45</a:t>
+            </a:fld>
+            <a:endParaRPr lang="th-TH"/>
+          </a:p>
+        </p:txBody>
+      </p:sp>
+    </p:spTree>
+    <p:extLst>
+      <p:ext uri="{BB962C8B-B14F-4D97-AF65-F5344CB8AC3E}">
+        <p14:creationId xmlns:p14="http://schemas.microsoft.com/office/powerpoint/2010/main" val="3333172747"/>
       </p:ext>
     </p:extLst>
   </p:cSld>
@@ -10913,7 +12035,7 @@
           <a:p>
             <a:r>
               <a:rPr lang="en-US" dirty="0"/>
-              <a:t>Network and Protocol Model</a:t>
+              <a:t>Research methodology</a:t>
             </a:r>
             <a:endParaRPr lang="th-TH" dirty="0">
               <a:solidFill>
@@ -10938,7 +12060,7 @@
         <p:spPr>
           <a:xfrm>
             <a:off x="813516" y="2135142"/>
-            <a:ext cx="10564968" cy="2585323"/>
+            <a:ext cx="10564968" cy="3797193"/>
           </a:xfrm>
           <a:prstGeom prst="rect">
             <a:avLst/>
@@ -10951,65 +12073,115 @@
           </a:bodyPr>
           <a:lstStyle/>
           <a:p>
-            <a:pPr algn="thaiDist"/>
-            <a:r>
-              <a:rPr lang="en-US" b="1" u="sng" dirty="0"/>
-              <a:t>Protocol Model</a:t>
-            </a:r>
-          </a:p>
-          <a:p>
             <a:pPr marL="342900" indent="-342900" algn="thaiDist">
+              <a:lnSpc>
+                <a:spcPct val="150000"/>
+              </a:lnSpc>
               <a:buFont typeface="+mj-lt"/>
               <a:buAutoNum type="arabicPeriod"/>
             </a:pPr>
             <a:r>
               <a:rPr lang="en-US" dirty="0"/>
-              <a:t>The protocol model is based on Time Division Multiple Access (TDMA) mechanism.</a:t>
+              <a:t>The protocol uses distributed aggregation scheduling to eliminates all collisions when transmitting data.</a:t>
+            </a:r>
+          </a:p>
+          <a:p>
+            <a:pPr marL="742950" lvl="1" indent="-285750" algn="thaiDist">
+              <a:lnSpc>
+                <a:spcPct val="150000"/>
+              </a:lnSpc>
+              <a:buFont typeface="Wingdings" panose="05000000000000000000" pitchFamily="2" charset="2"/>
+              <a:buChar char="Ø"/>
+            </a:pPr>
+            <a:r>
+              <a:rPr lang="en-US" dirty="0"/>
+              <a:t>the reliability of data transmission is high.</a:t>
             </a:r>
           </a:p>
           <a:p>
             <a:pPr marL="342900" indent="-342900" algn="thaiDist">
+              <a:lnSpc>
+                <a:spcPct val="150000"/>
+              </a:lnSpc>
               <a:buFont typeface="+mj-lt"/>
               <a:buAutoNum type="arabicPeriod"/>
             </a:pPr>
             <a:r>
               <a:rPr lang="en-US" dirty="0"/>
-              <a:t>All nodes in the network are assigned timeslot and channel to communicate to the parent node or child node, which is collision-free with the neighboring node in the tree construction period.</a:t>
+              <a:t>The protocol uses a parallel transmissions for utilized channel maximization.</a:t>
+            </a:r>
+          </a:p>
+          <a:p>
+            <a:pPr marL="800100" lvl="1" indent="-342900" algn="thaiDist">
+              <a:lnSpc>
+                <a:spcPct val="150000"/>
+              </a:lnSpc>
+              <a:buFont typeface="Wingdings" panose="05000000000000000000" pitchFamily="2" charset="2"/>
+              <a:buChar char="Ø"/>
+            </a:pPr>
+            <a:r>
+              <a:rPr lang="en-US" dirty="0"/>
+              <a:t>the number of neighbor nodes can be increased.</a:t>
             </a:r>
           </a:p>
           <a:p>
             <a:pPr marL="342900" indent="-342900" algn="thaiDist">
+              <a:lnSpc>
+                <a:spcPct val="150000"/>
+              </a:lnSpc>
               <a:buFont typeface="+mj-lt"/>
               <a:buAutoNum type="arabicPeriod"/>
             </a:pPr>
             <a:r>
               <a:rPr lang="en-US" dirty="0"/>
-              <a:t>Based on the timeslot and channel, In the data transmission period, the child node transmits the data packet to its parent node.</a:t>
+              <a:t>The protocol uses a tree construction algorithm, which achieves a high balance load.</a:t>
+            </a:r>
+          </a:p>
+          <a:p>
+            <a:pPr marL="800100" lvl="1" indent="-342900" algn="thaiDist">
+              <a:lnSpc>
+                <a:spcPct val="150000"/>
+              </a:lnSpc>
+              <a:buFont typeface="Wingdings" panose="05000000000000000000" pitchFamily="2" charset="2"/>
+              <a:buChar char="Ø"/>
+            </a:pPr>
+            <a:r>
+              <a:rPr lang="en-US" dirty="0"/>
+              <a:t>All power consumption of nodes are balanced.</a:t>
             </a:r>
           </a:p>
           <a:p>
             <a:pPr marL="342900" indent="-342900" algn="thaiDist">
+              <a:lnSpc>
+                <a:spcPct val="150000"/>
+              </a:lnSpc>
               <a:buFont typeface="+mj-lt"/>
               <a:buAutoNum type="arabicPeriod"/>
             </a:pPr>
             <a:r>
               <a:rPr lang="en-US" dirty="0"/>
-              <a:t>After receiving the data packet from all child nodes, the parent node combines all child nodes’ data with its own data and then transmits that to its parent node.</a:t>
-            </a:r>
-          </a:p>
-          <a:p>
-            <a:pPr marL="342900" indent="-342900" algn="thaiDist">
-              <a:buFont typeface="+mj-lt"/>
-              <a:buAutoNum type="arabicPeriod"/>
+              <a:t>The protocol uses a timeslot and channel assignment algorithm to support the parallel node transmit data.</a:t>
+            </a:r>
+          </a:p>
+          <a:p>
+            <a:pPr marL="800100" lvl="1" indent="-342900" algn="thaiDist">
+              <a:lnSpc>
+                <a:spcPct val="150000"/>
+              </a:lnSpc>
+              <a:buFont typeface="Wingdings" panose="05000000000000000000" pitchFamily="2" charset="2"/>
+              <a:buChar char="Ø"/>
             </a:pPr>
-            <a:endParaRPr lang="th-TH" dirty="0"/>
+            <a:r>
+              <a:rPr lang="en-US" dirty="0"/>
+              <a:t>The source node can send to the multi-destination nodes at the same time. </a:t>
+            </a:r>
           </a:p>
         </p:txBody>
       </p:sp>
     </p:spTree>
     <p:extLst>
       <p:ext uri="{BB962C8B-B14F-4D97-AF65-F5344CB8AC3E}">
-        <p14:creationId xmlns:p14="http://schemas.microsoft.com/office/powerpoint/2010/main" val="3600309590"/>
+        <p14:creationId xmlns:p14="http://schemas.microsoft.com/office/powerpoint/2010/main" val="445678229"/>
       </p:ext>
     </p:extLst>
   </p:cSld>
@@ -18004,7 +19176,7 @@
         <p:spPr>
           <a:xfrm>
             <a:off x="813516" y="2135142"/>
-            <a:ext cx="10564968" cy="457048"/>
+            <a:ext cx="10564968" cy="2534540"/>
           </a:xfrm>
           <a:prstGeom prst="rect">
             <a:avLst/>
@@ -18023,10 +19195,48 @@
               </a:lnSpc>
             </a:pPr>
             <a:r>
-              <a:rPr lang="en-US" dirty="0" err="1"/>
-              <a:t>LoRa’s</a:t>
-            </a:r>
-            <a:endParaRPr lang="en-US" dirty="0"/>
+              <a:rPr lang="en-US" dirty="0"/>
+              <a:t>Before the node receives a timeslot and channel assignment from the parent node, this node updates its parent based on the parent choice mechanism from the parent list as a priority, which is Rule 1 (described below):</a:t>
+            </a:r>
+          </a:p>
+          <a:p>
+            <a:pPr marL="285750" indent="-285750" algn="thaiDist">
+              <a:lnSpc>
+                <a:spcPct val="150000"/>
+              </a:lnSpc>
+              <a:buFont typeface="Arial" panose="020B0604020202020204" pitchFamily="34" charset="0"/>
+              <a:buChar char="•"/>
+            </a:pPr>
+            <a:r>
+              <a:rPr lang="en-US" dirty="0"/>
+              <a:t>The node has the lowest depth.</a:t>
+            </a:r>
+          </a:p>
+          <a:p>
+            <a:pPr marL="285750" indent="-285750" algn="thaiDist">
+              <a:lnSpc>
+                <a:spcPct val="150000"/>
+              </a:lnSpc>
+              <a:buFont typeface="Arial" panose="020B0604020202020204" pitchFamily="34" charset="0"/>
+              <a:buChar char="•"/>
+            </a:pPr>
+            <a:r>
+              <a:rPr lang="en-US" dirty="0"/>
+              <a:t>The node has the smallest number of children.</a:t>
+            </a:r>
+          </a:p>
+          <a:p>
+            <a:pPr marL="285750" indent="-285750" algn="thaiDist">
+              <a:lnSpc>
+                <a:spcPct val="150000"/>
+              </a:lnSpc>
+              <a:buFont typeface="Arial" panose="020B0604020202020204" pitchFamily="34" charset="0"/>
+              <a:buChar char="•"/>
+            </a:pPr>
+            <a:r>
+              <a:rPr lang="en-US" dirty="0"/>
+              <a:t>The node has the latest timeslot assigned for communication with its parent node. </a:t>
+            </a:r>
           </a:p>
         </p:txBody>
       </p:sp>
@@ -18083,7 +19293,7 @@
           <a:p>
             <a:r>
               <a:rPr lang="en-US" dirty="0"/>
-              <a:t>Data Transmission in the Proposed Protocol</a:t>
+              <a:t>Parent Choice Mechanism</a:t>
             </a:r>
             <a:endParaRPr lang="th-TH" dirty="0">
               <a:solidFill>
@@ -18108,7 +19318,7 @@
         <p:spPr>
           <a:xfrm>
             <a:off x="813516" y="2135142"/>
-            <a:ext cx="10564968" cy="457048"/>
+            <a:ext cx="10564968" cy="1703543"/>
           </a:xfrm>
           <a:prstGeom prst="rect">
             <a:avLst/>
@@ -18121,23 +19331,133 @@
           </a:bodyPr>
           <a:lstStyle/>
           <a:p>
+            <a:pPr marL="285750" indent="-285750" algn="thaiDist">
+              <a:lnSpc>
+                <a:spcPct val="150000"/>
+              </a:lnSpc>
+              <a:buFont typeface="Arial" panose="020B0604020202020204" pitchFamily="34" charset="0"/>
+              <a:buChar char="•"/>
+            </a:pPr>
+            <a:r>
+              <a:rPr lang="en-US" dirty="0"/>
+              <a:t>In Figure 8, node 6 can choose nodes 2, 3, 4 or 5 as a parent.</a:t>
+            </a:r>
+          </a:p>
+          <a:p>
+            <a:pPr marL="285750" indent="-285750" algn="thaiDist">
+              <a:lnSpc>
+                <a:spcPct val="150000"/>
+              </a:lnSpc>
+              <a:buFont typeface="Arial" panose="020B0604020202020204" pitchFamily="34" charset="0"/>
+              <a:buChar char="•"/>
+            </a:pPr>
+            <a:r>
+              <a:rPr lang="en-US" dirty="0"/>
+              <a:t>Based on Rule 1, node 6 chooses node 3 as its parent node </a:t>
+            </a:r>
+          </a:p>
+          <a:p>
             <a:pPr algn="thaiDist">
               <a:lnSpc>
                 <a:spcPct val="150000"/>
               </a:lnSpc>
             </a:pPr>
             <a:r>
-              <a:rPr lang="en-US" dirty="0" err="1"/>
-              <a:t>LoRa’s</a:t>
-            </a:r>
-            <a:endParaRPr lang="en-US" dirty="0"/>
-          </a:p>
-        </p:txBody>
-      </p:sp>
+              <a:rPr lang="en-US" dirty="0"/>
+              <a:t>(node 3 has the lowest depth at 1, and the smallest number of children at 0). </a:t>
+            </a:r>
+          </a:p>
+          <a:p>
+            <a:pPr marL="285750" indent="-285750" algn="thaiDist">
+              <a:lnSpc>
+                <a:spcPct val="150000"/>
+              </a:lnSpc>
+              <a:buFont typeface="Arial" panose="020B0604020202020204" pitchFamily="34" charset="0"/>
+              <a:buChar char="•"/>
+            </a:pPr>
+            <a:r>
+              <a:rPr lang="en-US" dirty="0"/>
+              <a:t>In this case, the end-to-end latency is the lowest because node 6 will have 2 hops.</a:t>
+            </a:r>
+          </a:p>
+        </p:txBody>
+      </p:sp>
+      <p:pic>
+        <p:nvPicPr>
+          <p:cNvPr id="9" name="Picture 8">
+            <a:extLst>
+              <a:ext uri="{FF2B5EF4-FFF2-40B4-BE49-F238E27FC236}">
+                <a16:creationId xmlns:a16="http://schemas.microsoft.com/office/drawing/2014/main" id="{67C1A462-D906-45E5-BE1F-769519A9BE54}"/>
+              </a:ext>
+            </a:extLst>
+          </p:cNvPr>
+          <p:cNvPicPr>
+            <a:picLocks noChangeAspect="1"/>
+          </p:cNvPicPr>
+          <p:nvPr/>
+        </p:nvPicPr>
+        <p:blipFill>
+          <a:blip r:embed="rId3"/>
+          <a:stretch>
+            <a:fillRect/>
+          </a:stretch>
+        </p:blipFill>
+        <p:spPr>
+          <a:xfrm>
+            <a:off x="4842836" y="4205886"/>
+            <a:ext cx="2506328" cy="2524424"/>
+          </a:xfrm>
+          <a:prstGeom prst="rect">
+            <a:avLst/>
+          </a:prstGeom>
+        </p:spPr>
+      </p:pic>
+      <p:cxnSp>
+        <p:nvCxnSpPr>
+          <p:cNvPr id="10" name="Straight Connector 9">
+            <a:extLst>
+              <a:ext uri="{FF2B5EF4-FFF2-40B4-BE49-F238E27FC236}">
+                <a16:creationId xmlns:a16="http://schemas.microsoft.com/office/drawing/2014/main" id="{97B611AC-618C-459E-A065-3D874041ABEE}"/>
+              </a:ext>
+            </a:extLst>
+          </p:cNvPr>
+          <p:cNvCxnSpPr/>
+          <p:nvPr/>
+        </p:nvCxnSpPr>
+        <p:spPr>
+          <a:xfrm flipH="1" flipV="1">
+            <a:off x="6583680" y="5218732"/>
+            <a:ext cx="182880" cy="346509"/>
+          </a:xfrm>
+          <a:prstGeom prst="line">
+            <a:avLst/>
+          </a:prstGeom>
+          <a:ln w="28575">
+            <a:solidFill>
+              <a:srgbClr val="FF0000"/>
+            </a:solidFill>
+            <a:prstDash val="sysDash"/>
+          </a:ln>
+        </p:spPr>
+        <p:style>
+          <a:lnRef idx="1">
+            <a:schemeClr val="accent1"/>
+          </a:lnRef>
+          <a:fillRef idx="0">
+            <a:schemeClr val="accent1"/>
+          </a:fillRef>
+          <a:effectRef idx="0">
+            <a:schemeClr val="accent1"/>
+          </a:effectRef>
+          <a:fontRef idx="minor">
+            <a:schemeClr val="tx1"/>
+          </a:fontRef>
+        </p:style>
+      </p:cxnSp>
     </p:spTree>
     <p:extLst>
       <p:ext uri="{BB962C8B-B14F-4D97-AF65-F5344CB8AC3E}">
-        <p14:creationId xmlns:p14="http://schemas.microsoft.com/office/powerpoint/2010/main" val="1289282481"/>
+        <p14:creationId xmlns:p14="http://schemas.microsoft.com/office/powerpoint/2010/main" val="2358010555"/>
       </p:ext>
     </p:extLst>
   </p:cSld>
@@ -18187,7 +19507,7 @@
           <a:p>
             <a:r>
               <a:rPr lang="en-US" dirty="0"/>
-              <a:t>Resynchronize Time Mechanism</a:t>
+              <a:t>Parent Choice Mechanism</a:t>
             </a:r>
             <a:endParaRPr lang="th-TH" dirty="0">
               <a:solidFill>
@@ -18197,6 +19517,78 @@
           </a:p>
         </p:txBody>
       </p:sp>
+      <p:pic>
+        <p:nvPicPr>
+          <p:cNvPr id="7" name="Picture 6">
+            <a:extLst>
+              <a:ext uri="{FF2B5EF4-FFF2-40B4-BE49-F238E27FC236}">
+                <a16:creationId xmlns:a16="http://schemas.microsoft.com/office/drawing/2014/main" id="{83BACE90-6084-407B-B7F0-4B4210F6D500}"/>
+              </a:ext>
+            </a:extLst>
+          </p:cNvPr>
+          <p:cNvPicPr>
+            <a:picLocks noChangeAspect="1"/>
+          </p:cNvPicPr>
+          <p:nvPr/>
+        </p:nvPicPr>
+        <p:blipFill>
+          <a:blip r:embed="rId3"/>
+          <a:stretch>
+            <a:fillRect/>
+          </a:stretch>
+        </p:blipFill>
+        <p:spPr>
+          <a:xfrm>
+            <a:off x="4842836" y="4205886"/>
+            <a:ext cx="2506328" cy="2524424"/>
+          </a:xfrm>
+          <a:prstGeom prst="rect">
+            <a:avLst/>
+          </a:prstGeom>
+        </p:spPr>
+      </p:pic>
+      <p:cxnSp>
+        <p:nvCxnSpPr>
+          <p:cNvPr id="8" name="Straight Connector 7">
+            <a:extLst>
+              <a:ext uri="{FF2B5EF4-FFF2-40B4-BE49-F238E27FC236}">
+                <a16:creationId xmlns:a16="http://schemas.microsoft.com/office/drawing/2014/main" id="{85567AF2-06F1-446B-B975-D6FE980B210C}"/>
+              </a:ext>
+            </a:extLst>
+          </p:cNvPr>
+          <p:cNvCxnSpPr/>
+          <p:nvPr/>
+        </p:nvCxnSpPr>
+        <p:spPr>
+          <a:xfrm flipH="1" flipV="1">
+            <a:off x="6583680" y="5218732"/>
+            <a:ext cx="182880" cy="346509"/>
+          </a:xfrm>
+          <a:prstGeom prst="line">
+            <a:avLst/>
+          </a:prstGeom>
+          <a:ln w="28575">
+            <a:solidFill>
+              <a:srgbClr val="FF0000"/>
+            </a:solidFill>
+            <a:prstDash val="sysDash"/>
+          </a:ln>
+        </p:spPr>
+        <p:style>
+          <a:lnRef idx="1">
+            <a:schemeClr val="accent1"/>
+          </a:lnRef>
+          <a:fillRef idx="0">
+            <a:schemeClr val="accent1"/>
+          </a:fillRef>
+          <a:effectRef idx="0">
+            <a:schemeClr val="accent1"/>
+          </a:effectRef>
+          <a:fontRef idx="minor">
+            <a:schemeClr val="tx1"/>
+          </a:fontRef>
+        </p:style>
+      </p:cxnSp>
       <p:sp>
         <p:nvSpPr>
           <p:cNvPr id="6" name="TextBox 5">
@@ -18212,7 +19604,7 @@
         <p:spPr>
           <a:xfrm>
             <a:off x="813516" y="2135142"/>
-            <a:ext cx="10564968" cy="457048"/>
+            <a:ext cx="10564968" cy="2534540"/>
           </a:xfrm>
           <a:prstGeom prst="rect">
             <a:avLst/>
@@ -18231,17 +19623,185 @@
               </a:lnSpc>
             </a:pPr>
             <a:r>
-              <a:rPr lang="en-US" dirty="0" err="1"/>
-              <a:t>LoRa’s</a:t>
-            </a:r>
-            <a:endParaRPr lang="en-US" dirty="0"/>
+              <a:rPr lang="en-US" dirty="0"/>
+              <a:t>In data aggregation, we assume that every node has 60 bytes as the data size.</a:t>
+            </a:r>
+          </a:p>
+          <a:p>
+            <a:pPr marL="285750" indent="-285750" algn="thaiDist">
+              <a:lnSpc>
+                <a:spcPct val="150000"/>
+              </a:lnSpc>
+              <a:buFont typeface="Arial" panose="020B0604020202020204" pitchFamily="34" charset="0"/>
+              <a:buChar char="•"/>
+            </a:pPr>
+            <a:r>
+              <a:rPr lang="en-US" dirty="0"/>
+              <a:t>If node 2 is chosen, it will have a 240 bytes packet size, </a:t>
+            </a:r>
+          </a:p>
+          <a:p>
+            <a:pPr marL="285750" indent="-285750" algn="thaiDist">
+              <a:lnSpc>
+                <a:spcPct val="150000"/>
+              </a:lnSpc>
+              <a:buFont typeface="Arial" panose="020B0604020202020204" pitchFamily="34" charset="0"/>
+              <a:buChar char="•"/>
+            </a:pPr>
+            <a:r>
+              <a:rPr lang="en-US" dirty="0"/>
+              <a:t>but if node 3 is chosen it will have 120 bytes as the packet size. </a:t>
+            </a:r>
+          </a:p>
+          <a:p>
+            <a:pPr algn="thaiDist">
+              <a:lnSpc>
+                <a:spcPct val="150000"/>
+              </a:lnSpc>
+            </a:pPr>
+            <a:r>
+              <a:rPr lang="en-US" dirty="0"/>
+              <a:t>To avoid exceeding the packet size, node 6 rejects node 2 as its parent to avoid exceeding the packet size. For that reason, node 6 chooses node 3, proving that Rule 1 will minimize the end-to-end latency as well as the packet size distribution</a:t>
+            </a:r>
+          </a:p>
+        </p:txBody>
+      </p:sp>
+      <p:cxnSp>
+        <p:nvCxnSpPr>
+          <p:cNvPr id="9" name="Straight Connector 8">
+            <a:extLst>
+              <a:ext uri="{FF2B5EF4-FFF2-40B4-BE49-F238E27FC236}">
+                <a16:creationId xmlns:a16="http://schemas.microsoft.com/office/drawing/2014/main" id="{03775AAC-1DD3-4776-BA15-9D3A29534C87}"/>
+              </a:ext>
+            </a:extLst>
+          </p:cNvPr>
+          <p:cNvCxnSpPr>
+            <a:cxnSpLocks/>
+          </p:cNvCxnSpPr>
+          <p:nvPr/>
+        </p:nvCxnSpPr>
+        <p:spPr>
+          <a:xfrm flipH="1" flipV="1">
+            <a:off x="5909912" y="5078962"/>
+            <a:ext cx="765208" cy="562391"/>
+          </a:xfrm>
+          <a:prstGeom prst="line">
+            <a:avLst/>
+          </a:prstGeom>
+          <a:ln w="28575">
+            <a:solidFill>
+              <a:srgbClr val="0070C0"/>
+            </a:solidFill>
+            <a:prstDash val="sysDash"/>
+          </a:ln>
+        </p:spPr>
+        <p:style>
+          <a:lnRef idx="1">
+            <a:schemeClr val="accent1"/>
+          </a:lnRef>
+          <a:fillRef idx="0">
+            <a:schemeClr val="accent1"/>
+          </a:fillRef>
+          <a:effectRef idx="0">
+            <a:schemeClr val="accent1"/>
+          </a:effectRef>
+          <a:fontRef idx="minor">
+            <a:schemeClr val="tx1"/>
+          </a:fontRef>
+        </p:style>
+      </p:cxnSp>
+      <p:sp>
+        <p:nvSpPr>
+          <p:cNvPr id="10" name="TextBox 9">
+            <a:extLst>
+              <a:ext uri="{FF2B5EF4-FFF2-40B4-BE49-F238E27FC236}">
+                <a16:creationId xmlns:a16="http://schemas.microsoft.com/office/drawing/2014/main" id="{F7CB973E-8C13-4A2F-BE3F-F67DBE48F144}"/>
+              </a:ext>
+            </a:extLst>
+          </p:cNvPr>
+          <p:cNvSpPr txBox="1"/>
+          <p:nvPr/>
+        </p:nvSpPr>
+        <p:spPr>
+          <a:xfrm>
+            <a:off x="4697128" y="4606171"/>
+            <a:ext cx="1039529" cy="307777"/>
+          </a:xfrm>
+          <a:prstGeom prst="rect">
+            <a:avLst/>
+          </a:prstGeom>
+          <a:noFill/>
+        </p:spPr>
+        <p:txBody>
+          <a:bodyPr wrap="square" rtlCol="0">
+            <a:spAutoFit/>
+          </a:bodyPr>
+          <a:lstStyle/>
+          <a:p>
+            <a:r>
+              <a:rPr lang="en-US" sz="1400" dirty="0">
+                <a:solidFill>
+                  <a:srgbClr val="0070C0"/>
+                </a:solidFill>
+              </a:rPr>
+              <a:t>4x60 bytes</a:t>
+            </a:r>
+            <a:endParaRPr lang="th-TH" sz="1400" dirty="0">
+              <a:solidFill>
+                <a:srgbClr val="0070C0"/>
+              </a:solidFill>
+            </a:endParaRPr>
+          </a:p>
+        </p:txBody>
+      </p:sp>
+      <p:sp>
+        <p:nvSpPr>
+          <p:cNvPr id="11" name="TextBox 10">
+            <a:extLst>
+              <a:ext uri="{FF2B5EF4-FFF2-40B4-BE49-F238E27FC236}">
+                <a16:creationId xmlns:a16="http://schemas.microsoft.com/office/drawing/2014/main" id="{4BDC6158-FEF8-4622-8DE1-DFD98D0E44C3}"/>
+              </a:ext>
+            </a:extLst>
+          </p:cNvPr>
+          <p:cNvSpPr txBox="1"/>
+          <p:nvPr/>
+        </p:nvSpPr>
+        <p:spPr>
+          <a:xfrm>
+            <a:off x="6675120" y="4681611"/>
+            <a:ext cx="1039529" cy="307777"/>
+          </a:xfrm>
+          <a:prstGeom prst="rect">
+            <a:avLst/>
+          </a:prstGeom>
+          <a:noFill/>
+        </p:spPr>
+        <p:txBody>
+          <a:bodyPr wrap="square" rtlCol="0">
+            <a:spAutoFit/>
+          </a:bodyPr>
+          <a:lstStyle/>
+          <a:p>
+            <a:r>
+              <a:rPr lang="en-US" sz="1400" dirty="0">
+                <a:solidFill>
+                  <a:srgbClr val="FF0000"/>
+                </a:solidFill>
+              </a:rPr>
+              <a:t>2x60 bytes</a:t>
+            </a:r>
+            <a:endParaRPr lang="th-TH" sz="1400" dirty="0">
+              <a:solidFill>
+                <a:srgbClr val="FF0000"/>
+              </a:solidFill>
+            </a:endParaRPr>
           </a:p>
         </p:txBody>
       </p:sp>
     </p:spTree>
     <p:extLst>
       <p:ext uri="{BB962C8B-B14F-4D97-AF65-F5344CB8AC3E}">
-        <p14:creationId xmlns:p14="http://schemas.microsoft.com/office/powerpoint/2010/main" val="4219928725"/>
+        <p14:creationId xmlns:p14="http://schemas.microsoft.com/office/powerpoint/2010/main" val="3892378871"/>
       </p:ext>
     </p:extLst>
   </p:cSld>
@@ -18291,7 +19851,7 @@
           <a:p>
             <a:r>
               <a:rPr lang="en-US" dirty="0"/>
-              <a:t>Experiment Evaluation</a:t>
+              <a:t>Data Transmission in the Proposed Protocol</a:t>
             </a:r>
             <a:endParaRPr lang="th-TH" dirty="0">
               <a:solidFill>
@@ -18316,7 +19876,7 @@
         <p:spPr>
           <a:xfrm>
             <a:off x="813516" y="2135142"/>
-            <a:ext cx="10564968" cy="457048"/>
+            <a:ext cx="10564968" cy="1288045"/>
           </a:xfrm>
           <a:prstGeom prst="rect">
             <a:avLst/>
@@ -18335,17 +19895,16 @@
               </a:lnSpc>
             </a:pPr>
             <a:r>
-              <a:rPr lang="en-US" dirty="0" err="1"/>
-              <a:t>LoRa’s</a:t>
-            </a:r>
-            <a:endParaRPr lang="en-US" dirty="0"/>
+              <a:rPr lang="en-US" dirty="0"/>
+              <a:t>In each UTC, each node transmits one data packet. If the parent node receives all the data packets from its child, it combines its own data, then transmits the packet using the channel and timeslot that is assigned during the NCP.</a:t>
+            </a:r>
           </a:p>
         </p:txBody>
       </p:sp>
     </p:spTree>
     <p:extLst>
       <p:ext uri="{BB962C8B-B14F-4D97-AF65-F5344CB8AC3E}">
-        <p14:creationId xmlns:p14="http://schemas.microsoft.com/office/powerpoint/2010/main" val="3497450510"/>
+        <p14:creationId xmlns:p14="http://schemas.microsoft.com/office/powerpoint/2010/main" val="1289282481"/>
       </p:ext>
     </p:extLst>
   </p:cSld>
@@ -18372,6 +19931,36 @@
           <a:chExt cx="0" cy="0"/>
         </a:xfrm>
       </p:grpSpPr>
+      <p:pic>
+        <p:nvPicPr>
+          <p:cNvPr id="4" name="Picture 3">
+            <a:extLst>
+              <a:ext uri="{FF2B5EF4-FFF2-40B4-BE49-F238E27FC236}">
+                <a16:creationId xmlns:a16="http://schemas.microsoft.com/office/drawing/2014/main" id="{D8988952-6A52-4E94-AAE8-DB3FC009741E}"/>
+              </a:ext>
+            </a:extLst>
+          </p:cNvPr>
+          <p:cNvPicPr>
+            <a:picLocks noChangeAspect="1"/>
+          </p:cNvPicPr>
+          <p:nvPr/>
+        </p:nvPicPr>
+        <p:blipFill>
+          <a:blip r:embed="rId3"/>
+          <a:stretch>
+            <a:fillRect/>
+          </a:stretch>
+        </p:blipFill>
+        <p:spPr>
+          <a:xfrm>
+            <a:off x="7430703" y="1622635"/>
+            <a:ext cx="4761297" cy="5235365"/>
+          </a:xfrm>
+          <a:prstGeom prst="rect">
+            <a:avLst/>
+          </a:prstGeom>
+        </p:spPr>
+      </p:pic>
       <p:sp>
         <p:nvSpPr>
           <p:cNvPr id="2" name="Title 1">
@@ -18395,7 +19984,816 @@
           <a:p>
             <a:r>
               <a:rPr lang="en-US" dirty="0"/>
-              <a:t>Conclusions</a:t>
+              <a:t>REDUCE command packet</a:t>
+            </a:r>
+            <a:endParaRPr lang="th-TH" dirty="0">
+              <a:solidFill>
+                <a:schemeClr val="tx1"/>
+              </a:solidFill>
+            </a:endParaRPr>
+          </a:p>
+        </p:txBody>
+      </p:sp>
+      <p:sp>
+        <p:nvSpPr>
+          <p:cNvPr id="6" name="TextBox 5">
+            <a:extLst>
+              <a:ext uri="{FF2B5EF4-FFF2-40B4-BE49-F238E27FC236}">
+                <a16:creationId xmlns:a16="http://schemas.microsoft.com/office/drawing/2014/main" id="{D6600F39-D50B-40E0-B05C-4BA417758BE0}"/>
+              </a:ext>
+            </a:extLst>
+          </p:cNvPr>
+          <p:cNvSpPr txBox="1"/>
+          <p:nvPr/>
+        </p:nvSpPr>
+        <p:spPr>
+          <a:xfrm>
+            <a:off x="813516" y="2135142"/>
+            <a:ext cx="6463183" cy="2119042"/>
+          </a:xfrm>
+          <a:prstGeom prst="rect">
+            <a:avLst/>
+          </a:prstGeom>
+          <a:noFill/>
+        </p:spPr>
+        <p:txBody>
+          <a:bodyPr wrap="square" rtlCol="0">
+            <a:spAutoFit/>
+          </a:bodyPr>
+          <a:lstStyle/>
+          <a:p>
+            <a:pPr algn="thaiDist">
+              <a:lnSpc>
+                <a:spcPct val="150000"/>
+              </a:lnSpc>
+            </a:pPr>
+            <a:r>
+              <a:rPr lang="en-US" dirty="0"/>
+              <a:t>In Figure 9, we can see that two timeslots, T1 and T2, are not used; thus, to minimize the delay time and maximize the data rate, we removed these timeslots by REDUCE command packet. </a:t>
+            </a:r>
+          </a:p>
+          <a:p>
+            <a:pPr algn="thaiDist">
+              <a:lnSpc>
+                <a:spcPct val="150000"/>
+              </a:lnSpc>
+            </a:pPr>
+            <a:r>
+              <a:rPr lang="en-US" dirty="0"/>
+              <a:t>Figure 10 shows data transmissions after all the nodes received the REDUCE command packet.</a:t>
+            </a:r>
+          </a:p>
+        </p:txBody>
+      </p:sp>
+    </p:spTree>
+    <p:extLst>
+      <p:ext uri="{BB962C8B-B14F-4D97-AF65-F5344CB8AC3E}">
+        <p14:creationId xmlns:p14="http://schemas.microsoft.com/office/powerpoint/2010/main" val="2298318322"/>
+      </p:ext>
+    </p:extLst>
+  </p:cSld>
+  <p:clrMapOvr>
+    <a:masterClrMapping/>
+  </p:clrMapOvr>
+</p:sld>
+</file>
+
+<file path=ppt/slides/slide35.xml><?xml version="1.0" encoding="utf-8"?>
+<p:sld xmlns:a="http://schemas.openxmlformats.org/drawingml/2006/main" xmlns:r="http://schemas.openxmlformats.org/officeDocument/2006/relationships" xmlns:p="http://schemas.openxmlformats.org/presentationml/2006/main">
+  <p:cSld>
+    <p:spTree>
+      <p:nvGrpSpPr>
+        <p:cNvPr id="1" name=""/>
+        <p:cNvGrpSpPr/>
+        <p:nvPr/>
+      </p:nvGrpSpPr>
+      <p:grpSpPr>
+        <a:xfrm>
+          <a:off x="0" y="0"/>
+          <a:ext cx="0" cy="0"/>
+          <a:chOff x="0" y="0"/>
+          <a:chExt cx="0" cy="0"/>
+        </a:xfrm>
+      </p:grpSpPr>
+      <p:sp>
+        <p:nvSpPr>
+          <p:cNvPr id="2" name="Title 1">
+            <a:extLst>
+              <a:ext uri="{FF2B5EF4-FFF2-40B4-BE49-F238E27FC236}">
+                <a16:creationId xmlns:a16="http://schemas.microsoft.com/office/drawing/2014/main" id="{08069A03-1512-4369-9FE2-D698F3178988}"/>
+              </a:ext>
+            </a:extLst>
+          </p:cNvPr>
+          <p:cNvSpPr>
+            <a:spLocks noGrp="1"/>
+          </p:cNvSpPr>
+          <p:nvPr>
+            <p:ph type="title"/>
+          </p:nvPr>
+        </p:nvSpPr>
+        <p:spPr/>
+        <p:txBody>
+          <a:bodyPr/>
+          <a:lstStyle/>
+          <a:p>
+            <a:r>
+              <a:rPr lang="en-US" dirty="0"/>
+              <a:t>Resynchronize Time Mechanism</a:t>
+            </a:r>
+            <a:endParaRPr lang="th-TH" dirty="0">
+              <a:solidFill>
+                <a:schemeClr val="tx1"/>
+              </a:solidFill>
+            </a:endParaRPr>
+          </a:p>
+        </p:txBody>
+      </p:sp>
+      <p:sp>
+        <p:nvSpPr>
+          <p:cNvPr id="6" name="TextBox 5">
+            <a:extLst>
+              <a:ext uri="{FF2B5EF4-FFF2-40B4-BE49-F238E27FC236}">
+                <a16:creationId xmlns:a16="http://schemas.microsoft.com/office/drawing/2014/main" id="{D6600F39-D50B-40E0-B05C-4BA417758BE0}"/>
+              </a:ext>
+            </a:extLst>
+          </p:cNvPr>
+          <p:cNvSpPr txBox="1"/>
+          <p:nvPr/>
+        </p:nvSpPr>
+        <p:spPr>
+          <a:xfrm>
+            <a:off x="813516" y="2135142"/>
+            <a:ext cx="10564968" cy="872547"/>
+          </a:xfrm>
+          <a:prstGeom prst="rect">
+            <a:avLst/>
+          </a:prstGeom>
+          <a:noFill/>
+        </p:spPr>
+        <p:txBody>
+          <a:bodyPr wrap="square" rtlCol="0">
+            <a:spAutoFit/>
+          </a:bodyPr>
+          <a:lstStyle/>
+          <a:p>
+            <a:pPr algn="thaiDist">
+              <a:lnSpc>
+                <a:spcPct val="150000"/>
+              </a:lnSpc>
+            </a:pPr>
+            <a:r>
+              <a:rPr lang="en-US" dirty="0"/>
+              <a:t>After receiving a command packet, based on Equation (1), we calculated the time on air based on the received packet size, Spreading Factor (SF) and Coding Rate (CR).</a:t>
+            </a:r>
+          </a:p>
+        </p:txBody>
+      </p:sp>
+      <p:pic>
+        <p:nvPicPr>
+          <p:cNvPr id="4" name="Picture 3">
+            <a:extLst>
+              <a:ext uri="{FF2B5EF4-FFF2-40B4-BE49-F238E27FC236}">
+                <a16:creationId xmlns:a16="http://schemas.microsoft.com/office/drawing/2014/main" id="{34D4D017-E006-4478-8812-A457D0336F6A}"/>
+              </a:ext>
+            </a:extLst>
+          </p:cNvPr>
+          <p:cNvPicPr>
+            <a:picLocks noChangeAspect="1"/>
+          </p:cNvPicPr>
+          <p:nvPr/>
+        </p:nvPicPr>
+        <p:blipFill>
+          <a:blip r:embed="rId3"/>
+          <a:stretch>
+            <a:fillRect/>
+          </a:stretch>
+        </p:blipFill>
+        <p:spPr>
+          <a:xfrm>
+            <a:off x="1287203" y="3667453"/>
+            <a:ext cx="9617593" cy="1083554"/>
+          </a:xfrm>
+          <a:prstGeom prst="rect">
+            <a:avLst/>
+          </a:prstGeom>
+        </p:spPr>
+      </p:pic>
+      <p:pic>
+        <p:nvPicPr>
+          <p:cNvPr id="7" name="Picture 6">
+            <a:extLst>
+              <a:ext uri="{FF2B5EF4-FFF2-40B4-BE49-F238E27FC236}">
+                <a16:creationId xmlns:a16="http://schemas.microsoft.com/office/drawing/2014/main" id="{FE2A7AE1-F35D-49BC-871C-4E928B15F5ED}"/>
+              </a:ext>
+            </a:extLst>
+          </p:cNvPr>
+          <p:cNvPicPr>
+            <a:picLocks noChangeAspect="1"/>
+          </p:cNvPicPr>
+          <p:nvPr/>
+        </p:nvPicPr>
+        <p:blipFill>
+          <a:blip r:embed="rId4"/>
+          <a:stretch>
+            <a:fillRect/>
+          </a:stretch>
+        </p:blipFill>
+        <p:spPr>
+          <a:xfrm>
+            <a:off x="1911511" y="4896139"/>
+            <a:ext cx="5795065" cy="1756611"/>
+          </a:xfrm>
+          <a:prstGeom prst="rect">
+            <a:avLst/>
+          </a:prstGeom>
+        </p:spPr>
+      </p:pic>
+    </p:spTree>
+    <p:extLst>
+      <p:ext uri="{BB962C8B-B14F-4D97-AF65-F5344CB8AC3E}">
+        <p14:creationId xmlns:p14="http://schemas.microsoft.com/office/powerpoint/2010/main" val="4219928725"/>
+      </p:ext>
+    </p:extLst>
+  </p:cSld>
+  <p:clrMapOvr>
+    <a:masterClrMapping/>
+  </p:clrMapOvr>
+</p:sld>
+</file>
+
+<file path=ppt/slides/slide36.xml><?xml version="1.0" encoding="utf-8"?>
+<p:sld xmlns:a="http://schemas.openxmlformats.org/drawingml/2006/main" xmlns:r="http://schemas.openxmlformats.org/officeDocument/2006/relationships" xmlns:p="http://schemas.openxmlformats.org/presentationml/2006/main">
+  <p:cSld>
+    <p:spTree>
+      <p:nvGrpSpPr>
+        <p:cNvPr id="1" name=""/>
+        <p:cNvGrpSpPr/>
+        <p:nvPr/>
+      </p:nvGrpSpPr>
+      <p:grpSpPr>
+        <a:xfrm>
+          <a:off x="0" y="0"/>
+          <a:ext cx="0" cy="0"/>
+          <a:chOff x="0" y="0"/>
+          <a:chExt cx="0" cy="0"/>
+        </a:xfrm>
+      </p:grpSpPr>
+      <p:sp>
+        <p:nvSpPr>
+          <p:cNvPr id="2" name="Title 1">
+            <a:extLst>
+              <a:ext uri="{FF2B5EF4-FFF2-40B4-BE49-F238E27FC236}">
+                <a16:creationId xmlns:a16="http://schemas.microsoft.com/office/drawing/2014/main" id="{08069A03-1512-4369-9FE2-D698F3178988}"/>
+              </a:ext>
+            </a:extLst>
+          </p:cNvPr>
+          <p:cNvSpPr>
+            <a:spLocks noGrp="1"/>
+          </p:cNvSpPr>
+          <p:nvPr>
+            <p:ph type="title"/>
+          </p:nvPr>
+        </p:nvSpPr>
+        <p:spPr/>
+        <p:txBody>
+          <a:bodyPr/>
+          <a:lstStyle/>
+          <a:p>
+            <a:r>
+              <a:rPr lang="en-US" dirty="0"/>
+              <a:t>Resynchronize Time Mechanism</a:t>
+            </a:r>
+            <a:endParaRPr lang="th-TH" dirty="0">
+              <a:solidFill>
+                <a:schemeClr val="tx1"/>
+              </a:solidFill>
+            </a:endParaRPr>
+          </a:p>
+        </p:txBody>
+      </p:sp>
+      <p:sp>
+        <p:nvSpPr>
+          <p:cNvPr id="6" name="TextBox 5">
+            <a:extLst>
+              <a:ext uri="{FF2B5EF4-FFF2-40B4-BE49-F238E27FC236}">
+                <a16:creationId xmlns:a16="http://schemas.microsoft.com/office/drawing/2014/main" id="{D6600F39-D50B-40E0-B05C-4BA417758BE0}"/>
+              </a:ext>
+            </a:extLst>
+          </p:cNvPr>
+          <p:cNvSpPr txBox="1"/>
+          <p:nvPr/>
+        </p:nvSpPr>
+        <p:spPr>
+          <a:xfrm>
+            <a:off x="813516" y="2135142"/>
+            <a:ext cx="10564968" cy="872547"/>
+          </a:xfrm>
+          <a:prstGeom prst="rect">
+            <a:avLst/>
+          </a:prstGeom>
+          <a:noFill/>
+        </p:spPr>
+        <p:txBody>
+          <a:bodyPr wrap="square" rtlCol="0">
+            <a:spAutoFit/>
+          </a:bodyPr>
+          <a:lstStyle/>
+          <a:p>
+            <a:pPr algn="thaiDist">
+              <a:lnSpc>
+                <a:spcPct val="150000"/>
+              </a:lnSpc>
+            </a:pPr>
+            <a:r>
+              <a:rPr lang="en-US" dirty="0"/>
+              <a:t>If we knew the time on air, then we estimated when the next timeslot starts, as shown in Figure 13, to resynchronize the time between the child nodes and the parent nodes.</a:t>
+            </a:r>
+          </a:p>
+        </p:txBody>
+      </p:sp>
+      <p:pic>
+        <p:nvPicPr>
+          <p:cNvPr id="5" name="Picture 4">
+            <a:extLst>
+              <a:ext uri="{FF2B5EF4-FFF2-40B4-BE49-F238E27FC236}">
+                <a16:creationId xmlns:a16="http://schemas.microsoft.com/office/drawing/2014/main" id="{E15B352A-A68A-4B96-9274-CA46ECDD1642}"/>
+              </a:ext>
+            </a:extLst>
+          </p:cNvPr>
+          <p:cNvPicPr>
+            <a:picLocks noChangeAspect="1"/>
+          </p:cNvPicPr>
+          <p:nvPr/>
+        </p:nvPicPr>
+        <p:blipFill>
+          <a:blip r:embed="rId3"/>
+          <a:stretch>
+            <a:fillRect/>
+          </a:stretch>
+        </p:blipFill>
+        <p:spPr>
+          <a:xfrm>
+            <a:off x="1425249" y="3457552"/>
+            <a:ext cx="9341502" cy="2698292"/>
+          </a:xfrm>
+          <a:prstGeom prst="rect">
+            <a:avLst/>
+          </a:prstGeom>
+        </p:spPr>
+      </p:pic>
+    </p:spTree>
+    <p:extLst>
+      <p:ext uri="{BB962C8B-B14F-4D97-AF65-F5344CB8AC3E}">
+        <p14:creationId xmlns:p14="http://schemas.microsoft.com/office/powerpoint/2010/main" val="2392052200"/>
+      </p:ext>
+    </p:extLst>
+  </p:cSld>
+  <p:clrMapOvr>
+    <a:masterClrMapping/>
+  </p:clrMapOvr>
+</p:sld>
+</file>
+
+<file path=ppt/slides/slide37.xml><?xml version="1.0" encoding="utf-8"?>
+<p:sld xmlns:a="http://schemas.openxmlformats.org/drawingml/2006/main" xmlns:r="http://schemas.openxmlformats.org/officeDocument/2006/relationships" xmlns:p="http://schemas.openxmlformats.org/presentationml/2006/main">
+  <p:cSld>
+    <p:spTree>
+      <p:nvGrpSpPr>
+        <p:cNvPr id="1" name=""/>
+        <p:cNvGrpSpPr/>
+        <p:nvPr/>
+      </p:nvGrpSpPr>
+      <p:grpSpPr>
+        <a:xfrm>
+          <a:off x="0" y="0"/>
+          <a:ext cx="0" cy="0"/>
+          <a:chOff x="0" y="0"/>
+          <a:chExt cx="0" cy="0"/>
+        </a:xfrm>
+      </p:grpSpPr>
+      <p:sp>
+        <p:nvSpPr>
+          <p:cNvPr id="2" name="Title 1">
+            <a:extLst>
+              <a:ext uri="{FF2B5EF4-FFF2-40B4-BE49-F238E27FC236}">
+                <a16:creationId xmlns:a16="http://schemas.microsoft.com/office/drawing/2014/main" id="{08069A03-1512-4369-9FE2-D698F3178988}"/>
+              </a:ext>
+            </a:extLst>
+          </p:cNvPr>
+          <p:cNvSpPr>
+            <a:spLocks noGrp="1"/>
+          </p:cNvSpPr>
+          <p:nvPr>
+            <p:ph type="title"/>
+          </p:nvPr>
+        </p:nvSpPr>
+        <p:spPr/>
+        <p:txBody>
+          <a:bodyPr/>
+          <a:lstStyle/>
+          <a:p>
+            <a:r>
+              <a:rPr lang="en-US" dirty="0"/>
+              <a:t>Experiment Evaluation</a:t>
+            </a:r>
+            <a:endParaRPr lang="th-TH" dirty="0">
+              <a:solidFill>
+                <a:schemeClr val="tx1"/>
+              </a:solidFill>
+            </a:endParaRPr>
+          </a:p>
+        </p:txBody>
+      </p:sp>
+      <p:grpSp>
+        <p:nvGrpSpPr>
+          <p:cNvPr id="3" name="Group 2">
+            <a:extLst>
+              <a:ext uri="{FF2B5EF4-FFF2-40B4-BE49-F238E27FC236}">
+                <a16:creationId xmlns:a16="http://schemas.microsoft.com/office/drawing/2014/main" id="{99EFFEEB-E1E2-40BE-935A-5601FEC87E83}"/>
+              </a:ext>
+            </a:extLst>
+          </p:cNvPr>
+          <p:cNvGrpSpPr/>
+          <p:nvPr/>
+        </p:nvGrpSpPr>
+        <p:grpSpPr>
+          <a:xfrm>
+            <a:off x="7218947" y="1296516"/>
+            <a:ext cx="3603028" cy="1637740"/>
+            <a:chOff x="2905827" y="1673351"/>
+            <a:chExt cx="6286500" cy="2857500"/>
+          </a:xfrm>
+        </p:grpSpPr>
+        <p:pic>
+          <p:nvPicPr>
+            <p:cNvPr id="4" name="Picture 2" descr="Semtech_SX1272_f">
+              <a:extLst>
+                <a:ext uri="{FF2B5EF4-FFF2-40B4-BE49-F238E27FC236}">
+                  <a16:creationId xmlns:a16="http://schemas.microsoft.com/office/drawing/2014/main" id="{A54E9BF8-1BB4-4493-81DB-BCB3A85D521A}"/>
+                </a:ext>
+              </a:extLst>
+            </p:cNvPr>
+            <p:cNvPicPr>
+              <a:picLocks noChangeAspect="1" noChangeArrowheads="1"/>
+            </p:cNvPicPr>
+            <p:nvPr/>
+          </p:nvPicPr>
+          <p:blipFill>
+            <a:blip r:embed="rId3">
+              <a:extLst>
+                <a:ext uri="{28A0092B-C50C-407E-A947-70E740481C1C}">
+                  <a14:useLocalDpi xmlns:a14="http://schemas.microsoft.com/office/drawing/2010/main" val="0"/>
+                </a:ext>
+              </a:extLst>
+            </a:blip>
+            <a:srcRect/>
+            <a:stretch>
+              <a:fillRect/>
+            </a:stretch>
+          </p:blipFill>
+          <p:spPr bwMode="auto">
+            <a:xfrm>
+              <a:off x="2905827" y="1673351"/>
+              <a:ext cx="2857500" cy="2857500"/>
+            </a:xfrm>
+            <a:prstGeom prst="rect">
+              <a:avLst/>
+            </a:prstGeom>
+            <a:noFill/>
+            <a:extLst>
+              <a:ext uri="{909E8E84-426E-40DD-AFC4-6F175D3DCCD1}">
+                <a14:hiddenFill xmlns:a14="http://schemas.microsoft.com/office/drawing/2010/main">
+                  <a:solidFill>
+                    <a:srgbClr val="FFFFFF"/>
+                  </a:solidFill>
+                </a14:hiddenFill>
+              </a:ext>
+            </a:extLst>
+          </p:spPr>
+        </p:pic>
+        <p:pic>
+          <p:nvPicPr>
+            <p:cNvPr id="5" name="Picture 2" descr="MultiTech Developer Resources » mDot">
+              <a:extLst>
+                <a:ext uri="{FF2B5EF4-FFF2-40B4-BE49-F238E27FC236}">
+                  <a16:creationId xmlns:a16="http://schemas.microsoft.com/office/drawing/2014/main" id="{F2B0D70D-08B8-4DCB-BB84-76E7D251BC02}"/>
+                </a:ext>
+              </a:extLst>
+            </p:cNvPr>
+            <p:cNvPicPr>
+              <a:picLocks noChangeAspect="1" noChangeArrowheads="1"/>
+            </p:cNvPicPr>
+            <p:nvPr/>
+          </p:nvPicPr>
+          <p:blipFill>
+            <a:blip r:embed="rId4">
+              <a:extLst>
+                <a:ext uri="{28A0092B-C50C-407E-A947-70E740481C1C}">
+                  <a14:useLocalDpi xmlns:a14="http://schemas.microsoft.com/office/drawing/2010/main" val="0"/>
+                </a:ext>
+              </a:extLst>
+            </a:blip>
+            <a:srcRect/>
+            <a:stretch>
+              <a:fillRect/>
+            </a:stretch>
+          </p:blipFill>
+          <p:spPr bwMode="auto">
+            <a:xfrm>
+              <a:off x="5763327" y="2256022"/>
+              <a:ext cx="3429000" cy="2076450"/>
+            </a:xfrm>
+            <a:prstGeom prst="rect">
+              <a:avLst/>
+            </a:prstGeom>
+            <a:noFill/>
+            <a:extLst>
+              <a:ext uri="{909E8E84-426E-40DD-AFC4-6F175D3DCCD1}">
+                <a14:hiddenFill xmlns:a14="http://schemas.microsoft.com/office/drawing/2010/main">
+                  <a:solidFill>
+                    <a:srgbClr val="FFFFFF"/>
+                  </a:solidFill>
+                </a14:hiddenFill>
+              </a:ext>
+            </a:extLst>
+          </p:spPr>
+        </p:pic>
+        <p:sp>
+          <p:nvSpPr>
+            <p:cNvPr id="7" name="Isosceles Triangle 6">
+              <a:extLst>
+                <a:ext uri="{FF2B5EF4-FFF2-40B4-BE49-F238E27FC236}">
+                  <a16:creationId xmlns:a16="http://schemas.microsoft.com/office/drawing/2014/main" id="{AFFC1620-6427-4BC3-9A23-792AAFCBACFE}"/>
+                </a:ext>
+              </a:extLst>
+            </p:cNvPr>
+            <p:cNvSpPr/>
+            <p:nvPr/>
+          </p:nvSpPr>
+          <p:spPr>
+            <a:xfrm rot="5400000">
+              <a:off x="4778856" y="2129877"/>
+              <a:ext cx="1990393" cy="1985012"/>
+            </a:xfrm>
+            <a:prstGeom prst="triangle">
+              <a:avLst>
+                <a:gd name="adj" fmla="val 56287"/>
+              </a:avLst>
+            </a:prstGeom>
+            <a:solidFill>
+              <a:srgbClr val="00B0F0">
+                <a:alpha val="30000"/>
+              </a:srgbClr>
+            </a:solidFill>
+            <a:ln>
+              <a:noFill/>
+            </a:ln>
+          </p:spPr>
+          <p:style>
+            <a:lnRef idx="2">
+              <a:schemeClr val="accent1">
+                <a:shade val="50000"/>
+              </a:schemeClr>
+            </a:lnRef>
+            <a:fillRef idx="1">
+              <a:schemeClr val="accent1"/>
+            </a:fillRef>
+            <a:effectRef idx="0">
+              <a:schemeClr val="accent1"/>
+            </a:effectRef>
+            <a:fontRef idx="minor">
+              <a:schemeClr val="lt1"/>
+            </a:fontRef>
+          </p:style>
+          <p:txBody>
+            <a:bodyPr rtlCol="0" anchor="ctr"/>
+            <a:lstStyle/>
+            <a:p>
+              <a:pPr algn="ctr"/>
+              <a:endParaRPr lang="th-TH" dirty="0"/>
+            </a:p>
+          </p:txBody>
+        </p:sp>
+      </p:grpSp>
+      <p:pic>
+        <p:nvPicPr>
+          <p:cNvPr id="9" name="Picture 8">
+            <a:extLst>
+              <a:ext uri="{FF2B5EF4-FFF2-40B4-BE49-F238E27FC236}">
+                <a16:creationId xmlns:a16="http://schemas.microsoft.com/office/drawing/2014/main" id="{71AC416E-2AFD-44F1-BCCB-9C07DE0D022A}"/>
+              </a:ext>
+            </a:extLst>
+          </p:cNvPr>
+          <p:cNvPicPr>
+            <a:picLocks noChangeAspect="1"/>
+          </p:cNvPicPr>
+          <p:nvPr/>
+        </p:nvPicPr>
+        <p:blipFill rotWithShape="1">
+          <a:blip r:embed="rId5"/>
+          <a:srcRect l="50323"/>
+          <a:stretch/>
+        </p:blipFill>
+        <p:spPr>
+          <a:xfrm>
+            <a:off x="9182939" y="3194366"/>
+            <a:ext cx="2566737" cy="3012426"/>
+          </a:xfrm>
+          <a:prstGeom prst="rect">
+            <a:avLst/>
+          </a:prstGeom>
+        </p:spPr>
+      </p:pic>
+      <p:sp>
+        <p:nvSpPr>
+          <p:cNvPr id="10" name="Isosceles Triangle 9">
+            <a:extLst>
+              <a:ext uri="{FF2B5EF4-FFF2-40B4-BE49-F238E27FC236}">
+                <a16:creationId xmlns:a16="http://schemas.microsoft.com/office/drawing/2014/main" id="{2BE959BC-4785-4F9C-A483-CA4817B545AB}"/>
+              </a:ext>
+            </a:extLst>
+          </p:cNvPr>
+          <p:cNvSpPr/>
+          <p:nvPr/>
+        </p:nvSpPr>
+        <p:spPr>
+          <a:xfrm rot="9347001">
+            <a:off x="10082175" y="2672718"/>
+            <a:ext cx="1140769" cy="1805000"/>
+          </a:xfrm>
+          <a:prstGeom prst="triangle">
+            <a:avLst>
+              <a:gd name="adj" fmla="val 88647"/>
+            </a:avLst>
+          </a:prstGeom>
+          <a:solidFill>
+            <a:srgbClr val="00B0F0">
+              <a:alpha val="30000"/>
+            </a:srgbClr>
+          </a:solidFill>
+          <a:ln>
+            <a:noFill/>
+          </a:ln>
+        </p:spPr>
+        <p:style>
+          <a:lnRef idx="2">
+            <a:schemeClr val="accent1">
+              <a:shade val="50000"/>
+            </a:schemeClr>
+          </a:lnRef>
+          <a:fillRef idx="1">
+            <a:schemeClr val="accent1"/>
+          </a:fillRef>
+          <a:effectRef idx="0">
+            <a:schemeClr val="accent1"/>
+          </a:effectRef>
+          <a:fontRef idx="minor">
+            <a:schemeClr val="lt1"/>
+          </a:fontRef>
+        </p:style>
+        <p:txBody>
+          <a:bodyPr rtlCol="0" anchor="ctr"/>
+          <a:lstStyle/>
+          <a:p>
+            <a:pPr algn="ctr"/>
+            <a:endParaRPr lang="th-TH" dirty="0"/>
+          </a:p>
+        </p:txBody>
+      </p:sp>
+      <p:sp>
+        <p:nvSpPr>
+          <p:cNvPr id="11" name="TextBox 10">
+            <a:extLst>
+              <a:ext uri="{FF2B5EF4-FFF2-40B4-BE49-F238E27FC236}">
+                <a16:creationId xmlns:a16="http://schemas.microsoft.com/office/drawing/2014/main" id="{959086FD-40CF-436A-883D-1C034DBA463C}"/>
+              </a:ext>
+            </a:extLst>
+          </p:cNvPr>
+          <p:cNvSpPr txBox="1"/>
+          <p:nvPr/>
+        </p:nvSpPr>
+        <p:spPr>
+          <a:xfrm>
+            <a:off x="813516" y="2135142"/>
+            <a:ext cx="6405431" cy="2119042"/>
+          </a:xfrm>
+          <a:prstGeom prst="rect">
+            <a:avLst/>
+          </a:prstGeom>
+          <a:noFill/>
+        </p:spPr>
+        <p:txBody>
+          <a:bodyPr wrap="square" rtlCol="0">
+            <a:spAutoFit/>
+          </a:bodyPr>
+          <a:lstStyle/>
+          <a:p>
+            <a:pPr algn="thaiDist">
+              <a:lnSpc>
+                <a:spcPct val="150000"/>
+              </a:lnSpc>
+            </a:pPr>
+            <a:r>
+              <a:rPr lang="en-US" dirty="0"/>
+              <a:t>We developed the proposed protocol using the MultiTech </a:t>
+            </a:r>
+            <a:r>
+              <a:rPr lang="en-US" dirty="0" err="1"/>
+              <a:t>mDot</a:t>
+            </a:r>
+            <a:r>
+              <a:rPr lang="en-US" dirty="0"/>
+              <a:t> module, which consists of a </a:t>
+            </a:r>
+            <a:r>
+              <a:rPr lang="en-US" dirty="0" err="1"/>
+              <a:t>Semtech</a:t>
+            </a:r>
+            <a:r>
+              <a:rPr lang="en-US" dirty="0"/>
+              <a:t> SX1272 </a:t>
+            </a:r>
+            <a:r>
+              <a:rPr lang="en-US" dirty="0" err="1"/>
+              <a:t>LoRa</a:t>
+            </a:r>
+            <a:r>
+              <a:rPr lang="en-US" dirty="0"/>
+              <a:t> transceiver (</a:t>
+            </a:r>
+            <a:r>
+              <a:rPr lang="en-US" dirty="0" err="1"/>
+              <a:t>Semtech</a:t>
+            </a:r>
+            <a:r>
+              <a:rPr lang="en-US" dirty="0"/>
+              <a:t>, Camarillo, CA, USA), and an STM32F411RET processor (STMicroelectronics, Geneva, Switzerland) based on </a:t>
+            </a:r>
+            <a:r>
+              <a:rPr lang="en-US" dirty="0" err="1"/>
+              <a:t>Mbed</a:t>
+            </a:r>
+            <a:r>
+              <a:rPr lang="en-US" dirty="0"/>
+              <a:t> OS.</a:t>
+            </a:r>
+          </a:p>
+        </p:txBody>
+      </p:sp>
+    </p:spTree>
+    <p:extLst>
+      <p:ext uri="{BB962C8B-B14F-4D97-AF65-F5344CB8AC3E}">
+        <p14:creationId xmlns:p14="http://schemas.microsoft.com/office/powerpoint/2010/main" val="3497450510"/>
+      </p:ext>
+    </p:extLst>
+  </p:cSld>
+  <p:clrMapOvr>
+    <a:masterClrMapping/>
+  </p:clrMapOvr>
+</p:sld>
+</file>
+
+<file path=ppt/slides/slide38.xml><?xml version="1.0" encoding="utf-8"?>
+<p:sld xmlns:a="http://schemas.openxmlformats.org/drawingml/2006/main" xmlns:r="http://schemas.openxmlformats.org/officeDocument/2006/relationships" xmlns:p="http://schemas.openxmlformats.org/presentationml/2006/main">
+  <p:cSld>
+    <p:spTree>
+      <p:nvGrpSpPr>
+        <p:cNvPr id="1" name=""/>
+        <p:cNvGrpSpPr/>
+        <p:nvPr/>
+      </p:nvGrpSpPr>
+      <p:grpSpPr>
+        <a:xfrm>
+          <a:off x="0" y="0"/>
+          <a:ext cx="0" cy="0"/>
+          <a:chOff x="0" y="0"/>
+          <a:chExt cx="0" cy="0"/>
+        </a:xfrm>
+      </p:grpSpPr>
+      <p:sp>
+        <p:nvSpPr>
+          <p:cNvPr id="2" name="Title 1">
+            <a:extLst>
+              <a:ext uri="{FF2B5EF4-FFF2-40B4-BE49-F238E27FC236}">
+                <a16:creationId xmlns:a16="http://schemas.microsoft.com/office/drawing/2014/main" id="{08069A03-1512-4369-9FE2-D698F3178988}"/>
+              </a:ext>
+            </a:extLst>
+          </p:cNvPr>
+          <p:cNvSpPr>
+            <a:spLocks noGrp="1"/>
+          </p:cNvSpPr>
+          <p:nvPr>
+            <p:ph type="title"/>
+          </p:nvPr>
+        </p:nvSpPr>
+        <p:spPr/>
+        <p:txBody>
+          <a:bodyPr/>
+          <a:lstStyle/>
+          <a:p>
+            <a:r>
+              <a:rPr lang="en-US" dirty="0"/>
+              <a:t>parameters</a:t>
             </a:r>
             <a:endParaRPr lang="th-TH" dirty="0">
               <a:solidFill>
@@ -18439,10 +20837,1101 @@
               </a:lnSpc>
             </a:pPr>
             <a:r>
+              <a:rPr lang="en-US" dirty="0"/>
+              <a:t>we conducted an experiment by deploying 16 nodes with the set of parameters in Table 2.</a:t>
+            </a:r>
+          </a:p>
+        </p:txBody>
+      </p:sp>
+      <p:pic>
+        <p:nvPicPr>
+          <p:cNvPr id="5" name="Picture 4">
+            <a:extLst>
+              <a:ext uri="{FF2B5EF4-FFF2-40B4-BE49-F238E27FC236}">
+                <a16:creationId xmlns:a16="http://schemas.microsoft.com/office/drawing/2014/main" id="{F99ACA89-DB6D-42A1-B42D-7B55E7866D4A}"/>
+              </a:ext>
+            </a:extLst>
+          </p:cNvPr>
+          <p:cNvPicPr>
+            <a:picLocks noChangeAspect="1"/>
+          </p:cNvPicPr>
+          <p:nvPr/>
+        </p:nvPicPr>
+        <p:blipFill>
+          <a:blip r:embed="rId3"/>
+          <a:stretch>
+            <a:fillRect/>
+          </a:stretch>
+        </p:blipFill>
+        <p:spPr>
+          <a:xfrm>
+            <a:off x="2411178" y="2836456"/>
+            <a:ext cx="7369643" cy="1558226"/>
+          </a:xfrm>
+          <a:prstGeom prst="rect">
+            <a:avLst/>
+          </a:prstGeom>
+        </p:spPr>
+      </p:pic>
+    </p:spTree>
+    <p:extLst>
+      <p:ext uri="{BB962C8B-B14F-4D97-AF65-F5344CB8AC3E}">
+        <p14:creationId xmlns:p14="http://schemas.microsoft.com/office/powerpoint/2010/main" val="2932262253"/>
+      </p:ext>
+    </p:extLst>
+  </p:cSld>
+  <p:clrMapOvr>
+    <a:masterClrMapping/>
+  </p:clrMapOvr>
+</p:sld>
+</file>
+
+<file path=ppt/slides/slide39.xml><?xml version="1.0" encoding="utf-8"?>
+<p:sld xmlns:a="http://schemas.openxmlformats.org/drawingml/2006/main" xmlns:r="http://schemas.openxmlformats.org/officeDocument/2006/relationships" xmlns:p="http://schemas.openxmlformats.org/presentationml/2006/main">
+  <p:cSld>
+    <p:spTree>
+      <p:nvGrpSpPr>
+        <p:cNvPr id="1" name=""/>
+        <p:cNvGrpSpPr/>
+        <p:nvPr/>
+      </p:nvGrpSpPr>
+      <p:grpSpPr>
+        <a:xfrm>
+          <a:off x="0" y="0"/>
+          <a:ext cx="0" cy="0"/>
+          <a:chOff x="0" y="0"/>
+          <a:chExt cx="0" cy="0"/>
+        </a:xfrm>
+      </p:grpSpPr>
+      <p:sp>
+        <p:nvSpPr>
+          <p:cNvPr id="2" name="Title 1">
+            <a:extLst>
+              <a:ext uri="{FF2B5EF4-FFF2-40B4-BE49-F238E27FC236}">
+                <a16:creationId xmlns:a16="http://schemas.microsoft.com/office/drawing/2014/main" id="{08069A03-1512-4369-9FE2-D698F3178988}"/>
+              </a:ext>
+            </a:extLst>
+          </p:cNvPr>
+          <p:cNvSpPr>
+            <a:spLocks noGrp="1"/>
+          </p:cNvSpPr>
+          <p:nvPr>
+            <p:ph type="title"/>
+          </p:nvPr>
+        </p:nvSpPr>
+        <p:spPr/>
+        <p:txBody>
+          <a:bodyPr/>
+          <a:lstStyle/>
+          <a:p>
+            <a:r>
+              <a:rPr lang="en-US" dirty="0"/>
+              <a:t>performance</a:t>
+            </a:r>
+            <a:endParaRPr lang="th-TH" dirty="0">
+              <a:solidFill>
+                <a:schemeClr val="tx1"/>
+              </a:solidFill>
+            </a:endParaRPr>
+          </a:p>
+        </p:txBody>
+      </p:sp>
+      <p:sp>
+        <p:nvSpPr>
+          <p:cNvPr id="6" name="TextBox 5">
+            <a:extLst>
+              <a:ext uri="{FF2B5EF4-FFF2-40B4-BE49-F238E27FC236}">
+                <a16:creationId xmlns:a16="http://schemas.microsoft.com/office/drawing/2014/main" id="{D6600F39-D50B-40E0-B05C-4BA417758BE0}"/>
+              </a:ext>
+            </a:extLst>
+          </p:cNvPr>
+          <p:cNvSpPr txBox="1"/>
+          <p:nvPr/>
+        </p:nvSpPr>
+        <p:spPr>
+          <a:xfrm>
+            <a:off x="813516" y="2135142"/>
+            <a:ext cx="10564968" cy="2534540"/>
+          </a:xfrm>
+          <a:prstGeom prst="rect">
+            <a:avLst/>
+          </a:prstGeom>
+          <a:noFill/>
+        </p:spPr>
+        <p:txBody>
+          <a:bodyPr wrap="square" rtlCol="0">
+            <a:spAutoFit/>
+          </a:bodyPr>
+          <a:lstStyle/>
+          <a:p>
+            <a:pPr algn="thaiDist">
+              <a:lnSpc>
+                <a:spcPct val="150000"/>
+              </a:lnSpc>
+            </a:pPr>
+            <a:r>
+              <a:rPr lang="en-US" dirty="0"/>
+              <a:t>We measured the performance from a successful tree construction of the proposed protocol in terms of contention window size, successful data reception ratio at the sink after tree construction and the end-to-end (E2E) delay average.</a:t>
+            </a:r>
+          </a:p>
+          <a:p>
+            <a:pPr algn="thaiDist">
+              <a:lnSpc>
+                <a:spcPct val="150000"/>
+              </a:lnSpc>
+            </a:pPr>
+            <a:r>
+              <a:rPr lang="en-US" dirty="0"/>
+              <a:t>The experiment was performed under the following scenario. </a:t>
+            </a:r>
+          </a:p>
+          <a:p>
+            <a:pPr algn="thaiDist">
+              <a:lnSpc>
+                <a:spcPct val="150000"/>
+              </a:lnSpc>
+            </a:pPr>
+            <a:r>
+              <a:rPr lang="en-US" dirty="0"/>
+              <a:t>	Scenario: nodes are deployed on the university campus area (400 m × 400 m) as shown in Figure 14, and the density of the nodes is 1 node/10,000 m</a:t>
+            </a:r>
+            <a:r>
+              <a:rPr lang="en-US" baseline="30000" dirty="0"/>
+              <a:t>2</a:t>
+            </a:r>
+          </a:p>
+        </p:txBody>
+      </p:sp>
+      <p:pic>
+        <p:nvPicPr>
+          <p:cNvPr id="7" name="Picture 6">
+            <a:extLst>
+              <a:ext uri="{FF2B5EF4-FFF2-40B4-BE49-F238E27FC236}">
+                <a16:creationId xmlns:a16="http://schemas.microsoft.com/office/drawing/2014/main" id="{720DCAD8-976D-4B2F-B2B8-B2B1F1C5EC2F}"/>
+              </a:ext>
+            </a:extLst>
+          </p:cNvPr>
+          <p:cNvPicPr>
+            <a:picLocks noChangeAspect="1"/>
+          </p:cNvPicPr>
+          <p:nvPr/>
+        </p:nvPicPr>
+        <p:blipFill rotWithShape="1">
+          <a:blip r:embed="rId3"/>
+          <a:srcRect l="283" r="36349"/>
+          <a:stretch/>
+        </p:blipFill>
+        <p:spPr>
+          <a:xfrm>
+            <a:off x="6945839" y="4247535"/>
+            <a:ext cx="2837258" cy="2610465"/>
+          </a:xfrm>
+          <a:prstGeom prst="rect">
+            <a:avLst/>
+          </a:prstGeom>
+        </p:spPr>
+      </p:pic>
+    </p:spTree>
+    <p:extLst>
+      <p:ext uri="{BB962C8B-B14F-4D97-AF65-F5344CB8AC3E}">
+        <p14:creationId xmlns:p14="http://schemas.microsoft.com/office/powerpoint/2010/main" val="3582678304"/>
+      </p:ext>
+    </p:extLst>
+  </p:cSld>
+  <p:clrMapOvr>
+    <a:masterClrMapping/>
+  </p:clrMapOvr>
+</p:sld>
+</file>
+
+<file path=ppt/slides/slide4.xml><?xml version="1.0" encoding="utf-8"?>
+<p:sld xmlns:a="http://schemas.openxmlformats.org/drawingml/2006/main" xmlns:r="http://schemas.openxmlformats.org/officeDocument/2006/relationships" xmlns:p="http://schemas.openxmlformats.org/presentationml/2006/main">
+  <p:cSld>
+    <p:spTree>
+      <p:nvGrpSpPr>
+        <p:cNvPr id="1" name=""/>
+        <p:cNvGrpSpPr/>
+        <p:nvPr/>
+      </p:nvGrpSpPr>
+      <p:grpSpPr>
+        <a:xfrm>
+          <a:off x="0" y="0"/>
+          <a:ext cx="0" cy="0"/>
+          <a:chOff x="0" y="0"/>
+          <a:chExt cx="0" cy="0"/>
+        </a:xfrm>
+      </p:grpSpPr>
+      <p:pic>
+        <p:nvPicPr>
+          <p:cNvPr id="5" name="Content Placeholder 4" descr="Diagram&#10;&#10;Description automatically generated">
+            <a:extLst>
+              <a:ext uri="{FF2B5EF4-FFF2-40B4-BE49-F238E27FC236}">
+                <a16:creationId xmlns:a16="http://schemas.microsoft.com/office/drawing/2014/main" id="{071FA6B8-C997-4BBE-A590-D38EB38071B5}"/>
+              </a:ext>
+            </a:extLst>
+          </p:cNvPr>
+          <p:cNvPicPr>
+            <a:picLocks noGrp="1" noChangeAspect="1"/>
+          </p:cNvPicPr>
+          <p:nvPr>
+            <p:ph idx="1"/>
+          </p:nvPr>
+        </p:nvPicPr>
+        <p:blipFill>
+          <a:blip r:embed="rId2"/>
+          <a:stretch>
+            <a:fillRect/>
+          </a:stretch>
+        </p:blipFill>
+        <p:spPr>
+          <a:xfrm>
+            <a:off x="2670167" y="1269000"/>
+            <a:ext cx="6851666" cy="4320000"/>
+          </a:xfrm>
+        </p:spPr>
+      </p:pic>
+      <p:sp>
+        <p:nvSpPr>
+          <p:cNvPr id="2" name="Title 1">
+            <a:extLst>
+              <a:ext uri="{FF2B5EF4-FFF2-40B4-BE49-F238E27FC236}">
+                <a16:creationId xmlns:a16="http://schemas.microsoft.com/office/drawing/2014/main" id="{08069A03-1512-4369-9FE2-D698F3178988}"/>
+              </a:ext>
+            </a:extLst>
+          </p:cNvPr>
+          <p:cNvSpPr>
+            <a:spLocks noGrp="1"/>
+          </p:cNvSpPr>
+          <p:nvPr>
+            <p:ph type="title"/>
+          </p:nvPr>
+        </p:nvSpPr>
+        <p:spPr/>
+        <p:txBody>
+          <a:bodyPr/>
+          <a:lstStyle/>
+          <a:p>
+            <a:r>
+              <a:rPr lang="en-US" dirty="0">
+                <a:solidFill>
+                  <a:schemeClr val="tx1"/>
+                </a:solidFill>
+              </a:rPr>
+              <a:t>Introduction</a:t>
+            </a:r>
+            <a:endParaRPr lang="th-TH" dirty="0">
+              <a:solidFill>
+                <a:schemeClr val="tx1"/>
+              </a:solidFill>
+            </a:endParaRPr>
+          </a:p>
+        </p:txBody>
+      </p:sp>
+      <p:sp>
+        <p:nvSpPr>
+          <p:cNvPr id="6" name="TextBox 5">
+            <a:extLst>
+              <a:ext uri="{FF2B5EF4-FFF2-40B4-BE49-F238E27FC236}">
+                <a16:creationId xmlns:a16="http://schemas.microsoft.com/office/drawing/2014/main" id="{D6600F39-D50B-40E0-B05C-4BA417758BE0}"/>
+              </a:ext>
+            </a:extLst>
+          </p:cNvPr>
+          <p:cNvSpPr txBox="1"/>
+          <p:nvPr/>
+        </p:nvSpPr>
+        <p:spPr>
+          <a:xfrm>
+            <a:off x="813516" y="5708075"/>
+            <a:ext cx="10564968" cy="369332"/>
+          </a:xfrm>
+          <a:prstGeom prst="rect">
+            <a:avLst/>
+          </a:prstGeom>
+          <a:noFill/>
+        </p:spPr>
+        <p:txBody>
+          <a:bodyPr wrap="square" rtlCol="0">
+            <a:spAutoFit/>
+          </a:bodyPr>
+          <a:lstStyle/>
+          <a:p>
+            <a:pPr algn="ctr"/>
+            <a:r>
+              <a:rPr lang="en-US" dirty="0"/>
+              <a:t>The disadvantages of multi-hop are high latency and low reliability.</a:t>
+            </a:r>
+            <a:endParaRPr lang="th-TH" dirty="0"/>
+          </a:p>
+        </p:txBody>
+      </p:sp>
+      <p:sp>
+        <p:nvSpPr>
+          <p:cNvPr id="3" name="TextBox 2">
+            <a:extLst>
+              <a:ext uri="{FF2B5EF4-FFF2-40B4-BE49-F238E27FC236}">
+                <a16:creationId xmlns:a16="http://schemas.microsoft.com/office/drawing/2014/main" id="{BB59678F-6587-4D03-99D8-F886D3C4E257}"/>
+              </a:ext>
+            </a:extLst>
+          </p:cNvPr>
+          <p:cNvSpPr txBox="1"/>
+          <p:nvPr/>
+        </p:nvSpPr>
+        <p:spPr>
+          <a:xfrm>
+            <a:off x="3547533" y="2794001"/>
+            <a:ext cx="933845" cy="369332"/>
+          </a:xfrm>
+          <a:prstGeom prst="rect">
+            <a:avLst/>
+          </a:prstGeom>
+          <a:noFill/>
+        </p:spPr>
+        <p:txBody>
+          <a:bodyPr wrap="none" rtlCol="0">
+            <a:spAutoFit/>
+          </a:bodyPr>
+          <a:lstStyle/>
+          <a:p>
+            <a:r>
+              <a:rPr lang="en-US" dirty="0"/>
+              <a:t>100 </a:t>
+            </a:r>
+            <a:r>
               <a:rPr lang="en-US" dirty="0" err="1"/>
-              <a:t>LoRa’s</a:t>
-            </a:r>
-            <a:endParaRPr lang="en-US" dirty="0"/>
+              <a:t>ms</a:t>
+            </a:r>
+            <a:endParaRPr lang="th-TH" dirty="0"/>
+          </a:p>
+        </p:txBody>
+      </p:sp>
+      <p:sp>
+        <p:nvSpPr>
+          <p:cNvPr id="4" name="TextBox 3">
+            <a:extLst>
+              <a:ext uri="{FF2B5EF4-FFF2-40B4-BE49-F238E27FC236}">
+                <a16:creationId xmlns:a16="http://schemas.microsoft.com/office/drawing/2014/main" id="{D8EB6544-7F82-4B71-9EAB-9C8B0A42AEB2}"/>
+              </a:ext>
+            </a:extLst>
+          </p:cNvPr>
+          <p:cNvSpPr txBox="1"/>
+          <p:nvPr/>
+        </p:nvSpPr>
+        <p:spPr>
+          <a:xfrm>
+            <a:off x="5130803" y="3059668"/>
+            <a:ext cx="941283" cy="369332"/>
+          </a:xfrm>
+          <a:prstGeom prst="rect">
+            <a:avLst/>
+          </a:prstGeom>
+          <a:noFill/>
+        </p:spPr>
+        <p:txBody>
+          <a:bodyPr wrap="none" rtlCol="0">
+            <a:spAutoFit/>
+          </a:bodyPr>
+          <a:lstStyle/>
+          <a:p>
+            <a:r>
+              <a:rPr lang="en-US" dirty="0"/>
+              <a:t>500 </a:t>
+            </a:r>
+            <a:r>
+              <a:rPr lang="en-US" dirty="0" err="1"/>
+              <a:t>ms</a:t>
+            </a:r>
+            <a:endParaRPr lang="th-TH" dirty="0"/>
+          </a:p>
+        </p:txBody>
+      </p:sp>
+      <p:sp>
+        <p:nvSpPr>
+          <p:cNvPr id="9" name="TextBox 8">
+            <a:extLst>
+              <a:ext uri="{FF2B5EF4-FFF2-40B4-BE49-F238E27FC236}">
+                <a16:creationId xmlns:a16="http://schemas.microsoft.com/office/drawing/2014/main" id="{9155D04B-C144-465D-BF00-461D73D0A99A}"/>
+              </a:ext>
+            </a:extLst>
+          </p:cNvPr>
+          <p:cNvSpPr txBox="1"/>
+          <p:nvPr/>
+        </p:nvSpPr>
+        <p:spPr>
+          <a:xfrm>
+            <a:off x="5960533" y="2157772"/>
+            <a:ext cx="941283" cy="369332"/>
+          </a:xfrm>
+          <a:prstGeom prst="rect">
+            <a:avLst/>
+          </a:prstGeom>
+          <a:noFill/>
+        </p:spPr>
+        <p:txBody>
+          <a:bodyPr wrap="none" rtlCol="0">
+            <a:spAutoFit/>
+          </a:bodyPr>
+          <a:lstStyle/>
+          <a:p>
+            <a:r>
+              <a:rPr lang="en-US" dirty="0"/>
+              <a:t>200 </a:t>
+            </a:r>
+            <a:r>
+              <a:rPr lang="en-US" dirty="0" err="1"/>
+              <a:t>ms</a:t>
+            </a:r>
+            <a:endParaRPr lang="th-TH" dirty="0"/>
+          </a:p>
+        </p:txBody>
+      </p:sp>
+      <p:sp>
+        <p:nvSpPr>
+          <p:cNvPr id="11" name="TextBox 10">
+            <a:extLst>
+              <a:ext uri="{FF2B5EF4-FFF2-40B4-BE49-F238E27FC236}">
+                <a16:creationId xmlns:a16="http://schemas.microsoft.com/office/drawing/2014/main" id="{DFCF06A7-BE4D-48F1-AF5F-CF8BD73C66F6}"/>
+              </a:ext>
+            </a:extLst>
+          </p:cNvPr>
+          <p:cNvSpPr txBox="1"/>
+          <p:nvPr/>
+        </p:nvSpPr>
+        <p:spPr>
+          <a:xfrm>
+            <a:off x="7005020" y="1890876"/>
+            <a:ext cx="941283" cy="369332"/>
+          </a:xfrm>
+          <a:prstGeom prst="rect">
+            <a:avLst/>
+          </a:prstGeom>
+          <a:noFill/>
+        </p:spPr>
+        <p:txBody>
+          <a:bodyPr wrap="none" rtlCol="0">
+            <a:spAutoFit/>
+          </a:bodyPr>
+          <a:lstStyle/>
+          <a:p>
+            <a:r>
+              <a:rPr lang="en-US" dirty="0"/>
+              <a:t>500 </a:t>
+            </a:r>
+            <a:r>
+              <a:rPr lang="en-US" dirty="0" err="1"/>
+              <a:t>ms</a:t>
+            </a:r>
+            <a:endParaRPr lang="th-TH" dirty="0"/>
+          </a:p>
+        </p:txBody>
+      </p:sp>
+      <p:sp>
+        <p:nvSpPr>
+          <p:cNvPr id="13" name="TextBox 12">
+            <a:extLst>
+              <a:ext uri="{FF2B5EF4-FFF2-40B4-BE49-F238E27FC236}">
+                <a16:creationId xmlns:a16="http://schemas.microsoft.com/office/drawing/2014/main" id="{623905E5-E91C-4BC2-BB18-474015408A33}"/>
+              </a:ext>
+            </a:extLst>
+          </p:cNvPr>
+          <p:cNvSpPr txBox="1"/>
+          <p:nvPr/>
+        </p:nvSpPr>
+        <p:spPr>
+          <a:xfrm>
+            <a:off x="8323442" y="4341925"/>
+            <a:ext cx="3590919" cy="369332"/>
+          </a:xfrm>
+          <a:prstGeom prst="rect">
+            <a:avLst/>
+          </a:prstGeom>
+          <a:noFill/>
+        </p:spPr>
+        <p:txBody>
+          <a:bodyPr wrap="none" rtlCol="0">
+            <a:spAutoFit/>
+          </a:bodyPr>
+          <a:lstStyle/>
+          <a:p>
+            <a:r>
+              <a:rPr lang="en-US" dirty="0"/>
+              <a:t>Total latency is 1300 milliseconds </a:t>
+            </a:r>
+            <a:endParaRPr lang="th-TH" dirty="0"/>
+          </a:p>
+        </p:txBody>
+      </p:sp>
+    </p:spTree>
+    <p:extLst>
+      <p:ext uri="{BB962C8B-B14F-4D97-AF65-F5344CB8AC3E}">
+        <p14:creationId xmlns:p14="http://schemas.microsoft.com/office/powerpoint/2010/main" val="1648085931"/>
+      </p:ext>
+    </p:extLst>
+  </p:cSld>
+  <p:clrMapOvr>
+    <a:masterClrMapping/>
+  </p:clrMapOvr>
+</p:sld>
+</file>
+
+<file path=ppt/slides/slide40.xml><?xml version="1.0" encoding="utf-8"?>
+<p:sld xmlns:a="http://schemas.openxmlformats.org/drawingml/2006/main" xmlns:r="http://schemas.openxmlformats.org/officeDocument/2006/relationships" xmlns:p="http://schemas.openxmlformats.org/presentationml/2006/main">
+  <p:cSld>
+    <p:spTree>
+      <p:nvGrpSpPr>
+        <p:cNvPr id="1" name=""/>
+        <p:cNvGrpSpPr/>
+        <p:nvPr/>
+      </p:nvGrpSpPr>
+      <p:grpSpPr>
+        <a:xfrm>
+          <a:off x="0" y="0"/>
+          <a:ext cx="0" cy="0"/>
+          <a:chOff x="0" y="0"/>
+          <a:chExt cx="0" cy="0"/>
+        </a:xfrm>
+      </p:grpSpPr>
+      <p:sp>
+        <p:nvSpPr>
+          <p:cNvPr id="2" name="Title 1">
+            <a:extLst>
+              <a:ext uri="{FF2B5EF4-FFF2-40B4-BE49-F238E27FC236}">
+                <a16:creationId xmlns:a16="http://schemas.microsoft.com/office/drawing/2014/main" id="{08069A03-1512-4369-9FE2-D698F3178988}"/>
+              </a:ext>
+            </a:extLst>
+          </p:cNvPr>
+          <p:cNvSpPr>
+            <a:spLocks noGrp="1"/>
+          </p:cNvSpPr>
+          <p:nvPr>
+            <p:ph type="title"/>
+          </p:nvPr>
+        </p:nvSpPr>
+        <p:spPr/>
+        <p:txBody>
+          <a:bodyPr/>
+          <a:lstStyle/>
+          <a:p>
+            <a:r>
+              <a:rPr lang="en-US" dirty="0"/>
+              <a:t>result</a:t>
+            </a:r>
+            <a:endParaRPr lang="th-TH" dirty="0">
+              <a:solidFill>
+                <a:schemeClr val="tx1"/>
+              </a:solidFill>
+            </a:endParaRPr>
+          </a:p>
+        </p:txBody>
+      </p:sp>
+      <p:sp>
+        <p:nvSpPr>
+          <p:cNvPr id="6" name="TextBox 5">
+            <a:extLst>
+              <a:ext uri="{FF2B5EF4-FFF2-40B4-BE49-F238E27FC236}">
+                <a16:creationId xmlns:a16="http://schemas.microsoft.com/office/drawing/2014/main" id="{D6600F39-D50B-40E0-B05C-4BA417758BE0}"/>
+              </a:ext>
+            </a:extLst>
+          </p:cNvPr>
+          <p:cNvSpPr txBox="1"/>
+          <p:nvPr/>
+        </p:nvSpPr>
+        <p:spPr>
+          <a:xfrm>
+            <a:off x="813516" y="2135142"/>
+            <a:ext cx="10564968" cy="872547"/>
+          </a:xfrm>
+          <a:prstGeom prst="rect">
+            <a:avLst/>
+          </a:prstGeom>
+          <a:noFill/>
+        </p:spPr>
+        <p:txBody>
+          <a:bodyPr wrap="square" rtlCol="0">
+            <a:spAutoFit/>
+          </a:bodyPr>
+          <a:lstStyle/>
+          <a:p>
+            <a:pPr algn="thaiDist">
+              <a:lnSpc>
+                <a:spcPct val="150000"/>
+              </a:lnSpc>
+            </a:pPr>
+            <a:r>
+              <a:rPr lang="en-US" dirty="0"/>
+              <a:t>Figure 15 shows the percentages of joined nodes after the NCP for 16 nodes when we increase the contention window size, the percentages of joined nodes as the NCP increased.</a:t>
+            </a:r>
+          </a:p>
+        </p:txBody>
+      </p:sp>
+      <p:pic>
+        <p:nvPicPr>
+          <p:cNvPr id="4" name="Picture 3">
+            <a:extLst>
+              <a:ext uri="{FF2B5EF4-FFF2-40B4-BE49-F238E27FC236}">
+                <a16:creationId xmlns:a16="http://schemas.microsoft.com/office/drawing/2014/main" id="{04E97FA3-A8E0-4689-BA6A-BFAC1399EA59}"/>
+              </a:ext>
+            </a:extLst>
+          </p:cNvPr>
+          <p:cNvPicPr>
+            <a:picLocks noChangeAspect="1"/>
+          </p:cNvPicPr>
+          <p:nvPr/>
+        </p:nvPicPr>
+        <p:blipFill>
+          <a:blip r:embed="rId3"/>
+          <a:stretch>
+            <a:fillRect/>
+          </a:stretch>
+        </p:blipFill>
+        <p:spPr>
+          <a:xfrm>
+            <a:off x="2450744" y="3251955"/>
+            <a:ext cx="7290511" cy="3503730"/>
+          </a:xfrm>
+          <a:prstGeom prst="rect">
+            <a:avLst/>
+          </a:prstGeom>
+        </p:spPr>
+      </p:pic>
+    </p:spTree>
+    <p:extLst>
+      <p:ext uri="{BB962C8B-B14F-4D97-AF65-F5344CB8AC3E}">
+        <p14:creationId xmlns:p14="http://schemas.microsoft.com/office/powerpoint/2010/main" val="2713112893"/>
+      </p:ext>
+    </p:extLst>
+  </p:cSld>
+  <p:clrMapOvr>
+    <a:masterClrMapping/>
+  </p:clrMapOvr>
+</p:sld>
+</file>
+
+<file path=ppt/slides/slide41.xml><?xml version="1.0" encoding="utf-8"?>
+<p:sld xmlns:a="http://schemas.openxmlformats.org/drawingml/2006/main" xmlns:r="http://schemas.openxmlformats.org/officeDocument/2006/relationships" xmlns:p="http://schemas.openxmlformats.org/presentationml/2006/main">
+  <p:cSld>
+    <p:spTree>
+      <p:nvGrpSpPr>
+        <p:cNvPr id="1" name=""/>
+        <p:cNvGrpSpPr/>
+        <p:nvPr/>
+      </p:nvGrpSpPr>
+      <p:grpSpPr>
+        <a:xfrm>
+          <a:off x="0" y="0"/>
+          <a:ext cx="0" cy="0"/>
+          <a:chOff x="0" y="0"/>
+          <a:chExt cx="0" cy="0"/>
+        </a:xfrm>
+      </p:grpSpPr>
+      <p:sp>
+        <p:nvSpPr>
+          <p:cNvPr id="2" name="Title 1">
+            <a:extLst>
+              <a:ext uri="{FF2B5EF4-FFF2-40B4-BE49-F238E27FC236}">
+                <a16:creationId xmlns:a16="http://schemas.microsoft.com/office/drawing/2014/main" id="{08069A03-1512-4369-9FE2-D698F3178988}"/>
+              </a:ext>
+            </a:extLst>
+          </p:cNvPr>
+          <p:cNvSpPr>
+            <a:spLocks noGrp="1"/>
+          </p:cNvSpPr>
+          <p:nvPr>
+            <p:ph type="title"/>
+          </p:nvPr>
+        </p:nvSpPr>
+        <p:spPr/>
+        <p:txBody>
+          <a:bodyPr/>
+          <a:lstStyle/>
+          <a:p>
+            <a:r>
+              <a:rPr lang="en-US" dirty="0"/>
+              <a:t>result</a:t>
+            </a:r>
+            <a:endParaRPr lang="th-TH" dirty="0">
+              <a:solidFill>
+                <a:schemeClr val="tx1"/>
+              </a:solidFill>
+            </a:endParaRPr>
+          </a:p>
+        </p:txBody>
+      </p:sp>
+      <p:sp>
+        <p:nvSpPr>
+          <p:cNvPr id="6" name="TextBox 5">
+            <a:extLst>
+              <a:ext uri="{FF2B5EF4-FFF2-40B4-BE49-F238E27FC236}">
+                <a16:creationId xmlns:a16="http://schemas.microsoft.com/office/drawing/2014/main" id="{D6600F39-D50B-40E0-B05C-4BA417758BE0}"/>
+              </a:ext>
+            </a:extLst>
+          </p:cNvPr>
+          <p:cNvSpPr txBox="1"/>
+          <p:nvPr/>
+        </p:nvSpPr>
+        <p:spPr>
+          <a:xfrm>
+            <a:off x="813516" y="2135142"/>
+            <a:ext cx="10564968" cy="2119042"/>
+          </a:xfrm>
+          <a:prstGeom prst="rect">
+            <a:avLst/>
+          </a:prstGeom>
+          <a:noFill/>
+        </p:spPr>
+        <p:txBody>
+          <a:bodyPr wrap="square" rtlCol="0">
+            <a:spAutoFit/>
+          </a:bodyPr>
+          <a:lstStyle/>
+          <a:p>
+            <a:pPr algn="thaiDist">
+              <a:lnSpc>
+                <a:spcPct val="150000"/>
+              </a:lnSpc>
+            </a:pPr>
+            <a:r>
+              <a:rPr lang="en-US" dirty="0"/>
+              <a:t>The number of timeslots that the proposed protocol used is low because the proposed protocol allows parallel transmissions to minimize the number timeslots used by all nodes in the network; thus, the proposed protocol can increase the </a:t>
+            </a:r>
+            <a:r>
+              <a:rPr lang="en-US" dirty="0" err="1"/>
+              <a:t>LoRa</a:t>
+            </a:r>
+            <a:r>
+              <a:rPr lang="en-US" dirty="0"/>
+              <a:t> data rate. The result is better than the </a:t>
+            </a:r>
+            <a:r>
+              <a:rPr lang="en-US" dirty="0" err="1"/>
+              <a:t>LoRa</a:t>
+            </a:r>
+            <a:r>
+              <a:rPr lang="en-US" dirty="0"/>
+              <a:t> linear multi-hop protocol because the </a:t>
+            </a:r>
+            <a:r>
+              <a:rPr lang="en-US" dirty="0" err="1"/>
+              <a:t>LoRa</a:t>
+            </a:r>
+            <a:r>
+              <a:rPr lang="en-US" dirty="0"/>
+              <a:t> linear multi-hop protocol needs the same number of timeslots as there are nodes in the network.</a:t>
+            </a:r>
+          </a:p>
+        </p:txBody>
+      </p:sp>
+      <p:pic>
+        <p:nvPicPr>
+          <p:cNvPr id="5" name="Picture 4">
+            <a:extLst>
+              <a:ext uri="{FF2B5EF4-FFF2-40B4-BE49-F238E27FC236}">
+                <a16:creationId xmlns:a16="http://schemas.microsoft.com/office/drawing/2014/main" id="{E7325C2D-EE76-495F-9FAF-2C725E4097F4}"/>
+              </a:ext>
+            </a:extLst>
+          </p:cNvPr>
+          <p:cNvPicPr>
+            <a:picLocks noChangeAspect="1"/>
+          </p:cNvPicPr>
+          <p:nvPr/>
+        </p:nvPicPr>
+        <p:blipFill>
+          <a:blip r:embed="rId3"/>
+          <a:stretch>
+            <a:fillRect/>
+          </a:stretch>
+        </p:blipFill>
+        <p:spPr>
+          <a:xfrm>
+            <a:off x="2680410" y="4518188"/>
+            <a:ext cx="6831179" cy="1637656"/>
+          </a:xfrm>
+          <a:prstGeom prst="rect">
+            <a:avLst/>
+          </a:prstGeom>
+        </p:spPr>
+      </p:pic>
+    </p:spTree>
+    <p:extLst>
+      <p:ext uri="{BB962C8B-B14F-4D97-AF65-F5344CB8AC3E}">
+        <p14:creationId xmlns:p14="http://schemas.microsoft.com/office/powerpoint/2010/main" val="3169299740"/>
+      </p:ext>
+    </p:extLst>
+  </p:cSld>
+  <p:clrMapOvr>
+    <a:masterClrMapping/>
+  </p:clrMapOvr>
+</p:sld>
+</file>
+
+<file path=ppt/slides/slide42.xml><?xml version="1.0" encoding="utf-8"?>
+<p:sld xmlns:a="http://schemas.openxmlformats.org/drawingml/2006/main" xmlns:r="http://schemas.openxmlformats.org/officeDocument/2006/relationships" xmlns:p="http://schemas.openxmlformats.org/presentationml/2006/main">
+  <p:cSld>
+    <p:spTree>
+      <p:nvGrpSpPr>
+        <p:cNvPr id="1" name=""/>
+        <p:cNvGrpSpPr/>
+        <p:nvPr/>
+      </p:nvGrpSpPr>
+      <p:grpSpPr>
+        <a:xfrm>
+          <a:off x="0" y="0"/>
+          <a:ext cx="0" cy="0"/>
+          <a:chOff x="0" y="0"/>
+          <a:chExt cx="0" cy="0"/>
+        </a:xfrm>
+      </p:grpSpPr>
+      <p:sp>
+        <p:nvSpPr>
+          <p:cNvPr id="2" name="Title 1">
+            <a:extLst>
+              <a:ext uri="{FF2B5EF4-FFF2-40B4-BE49-F238E27FC236}">
+                <a16:creationId xmlns:a16="http://schemas.microsoft.com/office/drawing/2014/main" id="{08069A03-1512-4369-9FE2-D698F3178988}"/>
+              </a:ext>
+            </a:extLst>
+          </p:cNvPr>
+          <p:cNvSpPr>
+            <a:spLocks noGrp="1"/>
+          </p:cNvSpPr>
+          <p:nvPr>
+            <p:ph type="title"/>
+          </p:nvPr>
+        </p:nvSpPr>
+        <p:spPr/>
+        <p:txBody>
+          <a:bodyPr/>
+          <a:lstStyle/>
+          <a:p>
+            <a:r>
+              <a:rPr lang="en-US" dirty="0"/>
+              <a:t>result</a:t>
+            </a:r>
+            <a:endParaRPr lang="th-TH" dirty="0">
+              <a:solidFill>
+                <a:schemeClr val="tx1"/>
+              </a:solidFill>
+            </a:endParaRPr>
+          </a:p>
+        </p:txBody>
+      </p:sp>
+      <p:sp>
+        <p:nvSpPr>
+          <p:cNvPr id="6" name="TextBox 5">
+            <a:extLst>
+              <a:ext uri="{FF2B5EF4-FFF2-40B4-BE49-F238E27FC236}">
+                <a16:creationId xmlns:a16="http://schemas.microsoft.com/office/drawing/2014/main" id="{D6600F39-D50B-40E0-B05C-4BA417758BE0}"/>
+              </a:ext>
+            </a:extLst>
+          </p:cNvPr>
+          <p:cNvSpPr txBox="1"/>
+          <p:nvPr/>
+        </p:nvSpPr>
+        <p:spPr>
+          <a:xfrm>
+            <a:off x="813516" y="2135142"/>
+            <a:ext cx="10564968" cy="872547"/>
+          </a:xfrm>
+          <a:prstGeom prst="rect">
+            <a:avLst/>
+          </a:prstGeom>
+          <a:noFill/>
+        </p:spPr>
+        <p:txBody>
+          <a:bodyPr wrap="square" rtlCol="0">
+            <a:spAutoFit/>
+          </a:bodyPr>
+          <a:lstStyle/>
+          <a:p>
+            <a:pPr algn="thaiDist">
+              <a:lnSpc>
+                <a:spcPct val="150000"/>
+              </a:lnSpc>
+            </a:pPr>
+            <a:r>
+              <a:rPr lang="en-US" dirty="0"/>
+              <a:t>The proposed protocol has a low E2E delay average because it uses parallel transmissions; therefore, the proposed protocol can be applied to low-latency applications.</a:t>
+            </a:r>
+          </a:p>
+        </p:txBody>
+      </p:sp>
+      <p:pic>
+        <p:nvPicPr>
+          <p:cNvPr id="8" name="Picture 7">
+            <a:extLst>
+              <a:ext uri="{FF2B5EF4-FFF2-40B4-BE49-F238E27FC236}">
+                <a16:creationId xmlns:a16="http://schemas.microsoft.com/office/drawing/2014/main" id="{6565ED73-580E-4D5F-A0E6-D3EAF6581730}"/>
+              </a:ext>
+            </a:extLst>
+          </p:cNvPr>
+          <p:cNvPicPr>
+            <a:picLocks noChangeAspect="1"/>
+          </p:cNvPicPr>
+          <p:nvPr/>
+        </p:nvPicPr>
+        <p:blipFill>
+          <a:blip r:embed="rId3"/>
+          <a:stretch>
+            <a:fillRect/>
+          </a:stretch>
+        </p:blipFill>
+        <p:spPr>
+          <a:xfrm>
+            <a:off x="2693459" y="3604434"/>
+            <a:ext cx="6805081" cy="1598509"/>
+          </a:xfrm>
+          <a:prstGeom prst="rect">
+            <a:avLst/>
+          </a:prstGeom>
+        </p:spPr>
+      </p:pic>
+    </p:spTree>
+    <p:extLst>
+      <p:ext uri="{BB962C8B-B14F-4D97-AF65-F5344CB8AC3E}">
+        <p14:creationId xmlns:p14="http://schemas.microsoft.com/office/powerpoint/2010/main" val="7938750"/>
+      </p:ext>
+    </p:extLst>
+  </p:cSld>
+  <p:clrMapOvr>
+    <a:masterClrMapping/>
+  </p:clrMapOvr>
+</p:sld>
+</file>
+
+<file path=ppt/slides/slide43.xml><?xml version="1.0" encoding="utf-8"?>
+<p:sld xmlns:a="http://schemas.openxmlformats.org/drawingml/2006/main" xmlns:r="http://schemas.openxmlformats.org/officeDocument/2006/relationships" xmlns:p="http://schemas.openxmlformats.org/presentationml/2006/main">
+  <p:cSld>
+    <p:spTree>
+      <p:nvGrpSpPr>
+        <p:cNvPr id="1" name=""/>
+        <p:cNvGrpSpPr/>
+        <p:nvPr/>
+      </p:nvGrpSpPr>
+      <p:grpSpPr>
+        <a:xfrm>
+          <a:off x="0" y="0"/>
+          <a:ext cx="0" cy="0"/>
+          <a:chOff x="0" y="0"/>
+          <a:chExt cx="0" cy="0"/>
+        </a:xfrm>
+      </p:grpSpPr>
+      <p:sp>
+        <p:nvSpPr>
+          <p:cNvPr id="2" name="Title 1">
+            <a:extLst>
+              <a:ext uri="{FF2B5EF4-FFF2-40B4-BE49-F238E27FC236}">
+                <a16:creationId xmlns:a16="http://schemas.microsoft.com/office/drawing/2014/main" id="{08069A03-1512-4369-9FE2-D698F3178988}"/>
+              </a:ext>
+            </a:extLst>
+          </p:cNvPr>
+          <p:cNvSpPr>
+            <a:spLocks noGrp="1"/>
+          </p:cNvSpPr>
+          <p:nvPr>
+            <p:ph type="title"/>
+          </p:nvPr>
+        </p:nvSpPr>
+        <p:spPr/>
+        <p:txBody>
+          <a:bodyPr/>
+          <a:lstStyle/>
+          <a:p>
+            <a:r>
+              <a:rPr lang="en-US" dirty="0"/>
+              <a:t>Conclusions</a:t>
+            </a:r>
+            <a:endParaRPr lang="th-TH" dirty="0">
+              <a:solidFill>
+                <a:schemeClr val="tx1"/>
+              </a:solidFill>
+            </a:endParaRPr>
+          </a:p>
+        </p:txBody>
+      </p:sp>
+      <p:sp>
+        <p:nvSpPr>
+          <p:cNvPr id="6" name="TextBox 5">
+            <a:extLst>
+              <a:ext uri="{FF2B5EF4-FFF2-40B4-BE49-F238E27FC236}">
+                <a16:creationId xmlns:a16="http://schemas.microsoft.com/office/drawing/2014/main" id="{D6600F39-D50B-40E0-B05C-4BA417758BE0}"/>
+              </a:ext>
+            </a:extLst>
+          </p:cNvPr>
+          <p:cNvSpPr txBox="1"/>
+          <p:nvPr/>
+        </p:nvSpPr>
+        <p:spPr>
+          <a:xfrm>
+            <a:off x="813516" y="2135142"/>
+            <a:ext cx="10564968" cy="2950038"/>
+          </a:xfrm>
+          <a:prstGeom prst="rect">
+            <a:avLst/>
+          </a:prstGeom>
+          <a:noFill/>
+        </p:spPr>
+        <p:txBody>
+          <a:bodyPr wrap="square" rtlCol="0">
+            <a:spAutoFit/>
+          </a:bodyPr>
+          <a:lstStyle/>
+          <a:p>
+            <a:pPr marL="285750" indent="-285750" algn="thaiDist">
+              <a:lnSpc>
+                <a:spcPct val="150000"/>
+              </a:lnSpc>
+              <a:buFont typeface="Arial" panose="020B0604020202020204" pitchFamily="34" charset="0"/>
+              <a:buChar char="•"/>
+            </a:pPr>
+            <a:r>
+              <a:rPr lang="en-US" dirty="0"/>
+              <a:t>This protocol is more suitable for </a:t>
+            </a:r>
+            <a:r>
+              <a:rPr lang="en-US" dirty="0" err="1"/>
+              <a:t>LoRa</a:t>
+            </a:r>
+            <a:r>
+              <a:rPr lang="en-US" dirty="0"/>
+              <a:t> communication technology because the time we transmit a packet is much longer than with other technologies in WSNs.</a:t>
+            </a:r>
+          </a:p>
+          <a:p>
+            <a:pPr marL="285750" indent="-285750" algn="thaiDist">
+              <a:lnSpc>
+                <a:spcPct val="150000"/>
+              </a:lnSpc>
+              <a:buFont typeface="Arial" panose="020B0604020202020204" pitchFamily="34" charset="0"/>
+              <a:buChar char="•"/>
+            </a:pPr>
+            <a:r>
+              <a:rPr lang="en-US" dirty="0"/>
+              <a:t>In the proposed protocol, each node can transmit data reliably by eliminating data packet collisions with neighbor nodes.</a:t>
+            </a:r>
+          </a:p>
+          <a:p>
+            <a:pPr marL="285750" indent="-285750" algn="thaiDist">
+              <a:lnSpc>
+                <a:spcPct val="150000"/>
+              </a:lnSpc>
+              <a:buFont typeface="Arial" panose="020B0604020202020204" pitchFamily="34" charset="0"/>
+              <a:buChar char="•"/>
+            </a:pPr>
+            <a:r>
+              <a:rPr lang="en-US" dirty="0"/>
+              <a:t>The experiments demonstrate that the proposed protocol has high data reliability and low latency.</a:t>
+            </a:r>
+          </a:p>
+          <a:p>
+            <a:pPr marL="285750" indent="-285750" algn="thaiDist">
+              <a:lnSpc>
+                <a:spcPct val="150000"/>
+              </a:lnSpc>
+              <a:buFont typeface="Arial" panose="020B0604020202020204" pitchFamily="34" charset="0"/>
+              <a:buChar char="•"/>
+            </a:pPr>
+            <a:r>
+              <a:rPr lang="en-US" dirty="0"/>
+              <a:t>In future research, we will analyze the energy consumption of our protocol, and improve its performance in terms of energy consumption.</a:t>
+            </a:r>
           </a:p>
         </p:txBody>
       </p:sp>
@@ -18459,7 +21948,987 @@
 </p:sld>
 </file>
 
-<file path=ppt/slides/slide35.xml><?xml version="1.0" encoding="utf-8"?>
+<file path=ppt/slides/slide44.xml><?xml version="1.0" encoding="utf-8"?>
+<p:sld xmlns:a="http://schemas.openxmlformats.org/drawingml/2006/main" xmlns:r="http://schemas.openxmlformats.org/officeDocument/2006/relationships" xmlns:p="http://schemas.openxmlformats.org/presentationml/2006/main">
+  <p:cSld>
+    <p:spTree>
+      <p:nvGrpSpPr>
+        <p:cNvPr id="1" name=""/>
+        <p:cNvGrpSpPr/>
+        <p:nvPr/>
+      </p:nvGrpSpPr>
+      <p:grpSpPr>
+        <a:xfrm>
+          <a:off x="0" y="0"/>
+          <a:ext cx="0" cy="0"/>
+          <a:chOff x="0" y="0"/>
+          <a:chExt cx="0" cy="0"/>
+        </a:xfrm>
+      </p:grpSpPr>
+      <p:pic>
+        <p:nvPicPr>
+          <p:cNvPr id="2050" name="Picture 2" descr="Semtech_SX1272_f">
+            <a:extLst>
+              <a:ext uri="{FF2B5EF4-FFF2-40B4-BE49-F238E27FC236}">
+                <a16:creationId xmlns:a16="http://schemas.microsoft.com/office/drawing/2014/main" id="{62D178E3-9156-497F-A1F0-E90B14BFF18C}"/>
+              </a:ext>
+            </a:extLst>
+          </p:cNvPr>
+          <p:cNvPicPr>
+            <a:picLocks noChangeAspect="1" noChangeArrowheads="1"/>
+          </p:cNvPicPr>
+          <p:nvPr/>
+        </p:nvPicPr>
+        <p:blipFill>
+          <a:blip r:embed="rId3">
+            <a:extLst>
+              <a:ext uri="{28A0092B-C50C-407E-A947-70E740481C1C}">
+                <a14:useLocalDpi xmlns:a14="http://schemas.microsoft.com/office/drawing/2010/main" val="0"/>
+              </a:ext>
+            </a:extLst>
+          </a:blip>
+          <a:srcRect/>
+          <a:stretch>
+            <a:fillRect/>
+          </a:stretch>
+        </p:blipFill>
+        <p:spPr bwMode="auto">
+          <a:xfrm>
+            <a:off x="2905827" y="1673351"/>
+            <a:ext cx="2857500" cy="2857500"/>
+          </a:xfrm>
+          <a:prstGeom prst="rect">
+            <a:avLst/>
+          </a:prstGeom>
+          <a:noFill/>
+          <a:extLst>
+            <a:ext uri="{909E8E84-426E-40DD-AFC4-6F175D3DCCD1}">
+              <a14:hiddenFill xmlns:a14="http://schemas.microsoft.com/office/drawing/2010/main">
+                <a:solidFill>
+                  <a:srgbClr val="FFFFFF"/>
+                </a:solidFill>
+              </a14:hiddenFill>
+            </a:ext>
+          </a:extLst>
+        </p:spPr>
+      </p:pic>
+      <p:sp>
+        <p:nvSpPr>
+          <p:cNvPr id="2" name="Title 1">
+            <a:extLst>
+              <a:ext uri="{FF2B5EF4-FFF2-40B4-BE49-F238E27FC236}">
+                <a16:creationId xmlns:a16="http://schemas.microsoft.com/office/drawing/2014/main" id="{08069A03-1512-4369-9FE2-D698F3178988}"/>
+              </a:ext>
+            </a:extLst>
+          </p:cNvPr>
+          <p:cNvSpPr>
+            <a:spLocks noGrp="1"/>
+          </p:cNvSpPr>
+          <p:nvPr>
+            <p:ph type="title"/>
+          </p:nvPr>
+        </p:nvSpPr>
+        <p:spPr/>
+        <p:txBody>
+          <a:bodyPr/>
+          <a:lstStyle/>
+          <a:p>
+            <a:r>
+              <a:rPr lang="en-US" dirty="0"/>
+              <a:t>Data Transmission in the Proposed Protocol</a:t>
+            </a:r>
+            <a:endParaRPr lang="th-TH" dirty="0">
+              <a:solidFill>
+                <a:schemeClr val="tx1"/>
+              </a:solidFill>
+            </a:endParaRPr>
+          </a:p>
+        </p:txBody>
+      </p:sp>
+      <p:sp>
+        <p:nvSpPr>
+          <p:cNvPr id="6" name="TextBox 5">
+            <a:extLst>
+              <a:ext uri="{FF2B5EF4-FFF2-40B4-BE49-F238E27FC236}">
+                <a16:creationId xmlns:a16="http://schemas.microsoft.com/office/drawing/2014/main" id="{D6600F39-D50B-40E0-B05C-4BA417758BE0}"/>
+              </a:ext>
+            </a:extLst>
+          </p:cNvPr>
+          <p:cNvSpPr txBox="1"/>
+          <p:nvPr/>
+        </p:nvSpPr>
+        <p:spPr>
+          <a:xfrm>
+            <a:off x="813516" y="4530851"/>
+            <a:ext cx="10564968" cy="1287917"/>
+          </a:xfrm>
+          <a:prstGeom prst="rect">
+            <a:avLst/>
+          </a:prstGeom>
+          <a:noFill/>
+        </p:spPr>
+        <p:txBody>
+          <a:bodyPr wrap="square" rtlCol="0">
+            <a:spAutoFit/>
+          </a:bodyPr>
+          <a:lstStyle/>
+          <a:p>
+            <a:pPr algn="thaiDist">
+              <a:lnSpc>
+                <a:spcPct val="150000"/>
+              </a:lnSpc>
+            </a:pPr>
+            <a:r>
+              <a:rPr lang="en-US" dirty="0"/>
+              <a:t>An SX1272 </a:t>
+            </a:r>
+            <a:r>
+              <a:rPr lang="en-US" dirty="0" err="1"/>
+              <a:t>LoRa</a:t>
+            </a:r>
+            <a:r>
+              <a:rPr lang="en-US" dirty="0"/>
+              <a:t> transceiver has a maximum Rx buffer of 256B.</a:t>
+            </a:r>
+          </a:p>
+          <a:p>
+            <a:pPr algn="thaiDist">
+              <a:lnSpc>
+                <a:spcPct val="150000"/>
+              </a:lnSpc>
+            </a:pPr>
+            <a:r>
+              <a:rPr lang="en-US" dirty="0"/>
+              <a:t>To allow data aggregation, we restrict the degree (d) and depth (m) of the tree as follows: d × m ≤ ⌊256/L⌋, where L is the size of the data generated in each node.</a:t>
+            </a:r>
+          </a:p>
+        </p:txBody>
+      </p:sp>
+      <p:pic>
+        <p:nvPicPr>
+          <p:cNvPr id="3074" name="Picture 2" descr="MultiTech Developer Resources » mDot">
+            <a:extLst>
+              <a:ext uri="{FF2B5EF4-FFF2-40B4-BE49-F238E27FC236}">
+                <a16:creationId xmlns:a16="http://schemas.microsoft.com/office/drawing/2014/main" id="{DF4398B7-F51E-4011-A4B0-EA23A93842D9}"/>
+              </a:ext>
+            </a:extLst>
+          </p:cNvPr>
+          <p:cNvPicPr>
+            <a:picLocks noChangeAspect="1" noChangeArrowheads="1"/>
+          </p:cNvPicPr>
+          <p:nvPr/>
+        </p:nvPicPr>
+        <p:blipFill>
+          <a:blip r:embed="rId4">
+            <a:extLst>
+              <a:ext uri="{28A0092B-C50C-407E-A947-70E740481C1C}">
+                <a14:useLocalDpi xmlns:a14="http://schemas.microsoft.com/office/drawing/2010/main" val="0"/>
+              </a:ext>
+            </a:extLst>
+          </a:blip>
+          <a:srcRect/>
+          <a:stretch>
+            <a:fillRect/>
+          </a:stretch>
+        </p:blipFill>
+        <p:spPr bwMode="auto">
+          <a:xfrm>
+            <a:off x="5763327" y="2256022"/>
+            <a:ext cx="3429000" cy="2076450"/>
+          </a:xfrm>
+          <a:prstGeom prst="rect">
+            <a:avLst/>
+          </a:prstGeom>
+          <a:noFill/>
+          <a:extLst>
+            <a:ext uri="{909E8E84-426E-40DD-AFC4-6F175D3DCCD1}">
+              <a14:hiddenFill xmlns:a14="http://schemas.microsoft.com/office/drawing/2010/main">
+                <a:solidFill>
+                  <a:srgbClr val="FFFFFF"/>
+                </a:solidFill>
+              </a14:hiddenFill>
+            </a:ext>
+          </a:extLst>
+        </p:spPr>
+      </p:pic>
+      <p:sp>
+        <p:nvSpPr>
+          <p:cNvPr id="3" name="Isosceles Triangle 2">
+            <a:extLst>
+              <a:ext uri="{FF2B5EF4-FFF2-40B4-BE49-F238E27FC236}">
+                <a16:creationId xmlns:a16="http://schemas.microsoft.com/office/drawing/2014/main" id="{511C5811-8957-4756-AE97-BA8A20F29971}"/>
+              </a:ext>
+            </a:extLst>
+          </p:cNvPr>
+          <p:cNvSpPr/>
+          <p:nvPr/>
+        </p:nvSpPr>
+        <p:spPr>
+          <a:xfrm rot="5400000">
+            <a:off x="4778856" y="2129877"/>
+            <a:ext cx="1990393" cy="1985012"/>
+          </a:xfrm>
+          <a:prstGeom prst="triangle">
+            <a:avLst>
+              <a:gd name="adj" fmla="val 56287"/>
+            </a:avLst>
+          </a:prstGeom>
+          <a:solidFill>
+            <a:srgbClr val="00B0F0">
+              <a:alpha val="30000"/>
+            </a:srgbClr>
+          </a:solidFill>
+          <a:ln>
+            <a:noFill/>
+          </a:ln>
+        </p:spPr>
+        <p:style>
+          <a:lnRef idx="2">
+            <a:schemeClr val="accent1">
+              <a:shade val="50000"/>
+            </a:schemeClr>
+          </a:lnRef>
+          <a:fillRef idx="1">
+            <a:schemeClr val="accent1"/>
+          </a:fillRef>
+          <a:effectRef idx="0">
+            <a:schemeClr val="accent1"/>
+          </a:effectRef>
+          <a:fontRef idx="minor">
+            <a:schemeClr val="lt1"/>
+          </a:fontRef>
+        </p:style>
+        <p:txBody>
+          <a:bodyPr rtlCol="0" anchor="ctr"/>
+          <a:lstStyle/>
+          <a:p>
+            <a:pPr algn="ctr"/>
+            <a:endParaRPr lang="th-TH" dirty="0"/>
+          </a:p>
+        </p:txBody>
+      </p:sp>
+    </p:spTree>
+    <p:extLst>
+      <p:ext uri="{BB962C8B-B14F-4D97-AF65-F5344CB8AC3E}">
+        <p14:creationId xmlns:p14="http://schemas.microsoft.com/office/powerpoint/2010/main" val="3797471803"/>
+      </p:ext>
+    </p:extLst>
+  </p:cSld>
+  <p:clrMapOvr>
+    <a:masterClrMapping/>
+  </p:clrMapOvr>
+</p:sld>
+</file>
+
+<file path=ppt/slides/slide45.xml><?xml version="1.0" encoding="utf-8"?>
+<p:sld xmlns:a="http://schemas.openxmlformats.org/drawingml/2006/main" xmlns:r="http://schemas.openxmlformats.org/officeDocument/2006/relationships" xmlns:p="http://schemas.openxmlformats.org/presentationml/2006/main">
+  <p:cSld>
+    <p:spTree>
+      <p:nvGrpSpPr>
+        <p:cNvPr id="1" name=""/>
+        <p:cNvGrpSpPr/>
+        <p:nvPr/>
+      </p:nvGrpSpPr>
+      <p:grpSpPr>
+        <a:xfrm>
+          <a:off x="0" y="0"/>
+          <a:ext cx="0" cy="0"/>
+          <a:chOff x="0" y="0"/>
+          <a:chExt cx="0" cy="0"/>
+        </a:xfrm>
+      </p:grpSpPr>
+      <p:sp>
+        <p:nvSpPr>
+          <p:cNvPr id="2" name="Title 1">
+            <a:extLst>
+              <a:ext uri="{FF2B5EF4-FFF2-40B4-BE49-F238E27FC236}">
+                <a16:creationId xmlns:a16="http://schemas.microsoft.com/office/drawing/2014/main" id="{08069A03-1512-4369-9FE2-D698F3178988}"/>
+              </a:ext>
+            </a:extLst>
+          </p:cNvPr>
+          <p:cNvSpPr>
+            <a:spLocks noGrp="1"/>
+          </p:cNvSpPr>
+          <p:nvPr>
+            <p:ph type="title"/>
+          </p:nvPr>
+        </p:nvSpPr>
+        <p:spPr/>
+        <p:txBody>
+          <a:bodyPr/>
+          <a:lstStyle/>
+          <a:p>
+            <a:r>
+              <a:rPr lang="en-US" dirty="0"/>
+              <a:t>Data Transmission in the Proposed Protocol</a:t>
+            </a:r>
+            <a:endParaRPr lang="th-TH" dirty="0">
+              <a:solidFill>
+                <a:schemeClr val="tx1"/>
+              </a:solidFill>
+            </a:endParaRPr>
+          </a:p>
+        </p:txBody>
+      </p:sp>
+      <p:grpSp>
+        <p:nvGrpSpPr>
+          <p:cNvPr id="3" name="Group 2">
+            <a:extLst>
+              <a:ext uri="{FF2B5EF4-FFF2-40B4-BE49-F238E27FC236}">
+                <a16:creationId xmlns:a16="http://schemas.microsoft.com/office/drawing/2014/main" id="{A5128D5E-3B06-4622-8F2D-2D02A09D03D8}"/>
+              </a:ext>
+            </a:extLst>
+          </p:cNvPr>
+          <p:cNvGrpSpPr/>
+          <p:nvPr/>
+        </p:nvGrpSpPr>
+        <p:grpSpPr>
+          <a:xfrm>
+            <a:off x="4056108" y="2223081"/>
+            <a:ext cx="4079783" cy="3638704"/>
+            <a:chOff x="4842836" y="2848724"/>
+            <a:chExt cx="2506328" cy="2235360"/>
+          </a:xfrm>
+        </p:grpSpPr>
+        <p:pic>
+          <p:nvPicPr>
+            <p:cNvPr id="5" name="Picture 4">
+              <a:extLst>
+                <a:ext uri="{FF2B5EF4-FFF2-40B4-BE49-F238E27FC236}">
+                  <a16:creationId xmlns:a16="http://schemas.microsoft.com/office/drawing/2014/main" id="{BA9FEE85-D606-4DC5-BCFD-ED91D3B5768A}"/>
+                </a:ext>
+              </a:extLst>
+            </p:cNvPr>
+            <p:cNvPicPr>
+              <a:picLocks noChangeAspect="1"/>
+            </p:cNvPicPr>
+            <p:nvPr/>
+          </p:nvPicPr>
+          <p:blipFill rotWithShape="1">
+            <a:blip r:embed="rId3"/>
+            <a:srcRect b="11451"/>
+            <a:stretch/>
+          </p:blipFill>
+          <p:spPr>
+            <a:xfrm>
+              <a:off x="4842836" y="2848724"/>
+              <a:ext cx="2506328" cy="2235360"/>
+            </a:xfrm>
+            <a:prstGeom prst="rect">
+              <a:avLst/>
+            </a:prstGeom>
+          </p:spPr>
+        </p:pic>
+        <p:cxnSp>
+          <p:nvCxnSpPr>
+            <p:cNvPr id="7" name="Straight Connector 6">
+              <a:extLst>
+                <a:ext uri="{FF2B5EF4-FFF2-40B4-BE49-F238E27FC236}">
+                  <a16:creationId xmlns:a16="http://schemas.microsoft.com/office/drawing/2014/main" id="{C74ED233-92B2-4DB5-9318-764E4F04D620}"/>
+                </a:ext>
+              </a:extLst>
+            </p:cNvPr>
+            <p:cNvCxnSpPr/>
+            <p:nvPr/>
+          </p:nvCxnSpPr>
+          <p:spPr>
+            <a:xfrm flipH="1" flipV="1">
+              <a:off x="6583680" y="3861570"/>
+              <a:ext cx="182880" cy="346509"/>
+            </a:xfrm>
+            <a:prstGeom prst="line">
+              <a:avLst/>
+            </a:prstGeom>
+            <a:ln w="19050"/>
+          </p:spPr>
+          <p:style>
+            <a:lnRef idx="1">
+              <a:schemeClr val="dk1"/>
+            </a:lnRef>
+            <a:fillRef idx="0">
+              <a:schemeClr val="dk1"/>
+            </a:fillRef>
+            <a:effectRef idx="0">
+              <a:schemeClr val="dk1"/>
+            </a:effectRef>
+            <a:fontRef idx="minor">
+              <a:schemeClr val="tx1"/>
+            </a:fontRef>
+          </p:style>
+        </p:cxnSp>
+      </p:grpSp>
+      <p:sp>
+        <p:nvSpPr>
+          <p:cNvPr id="4" name="TextBox 3">
+            <a:extLst>
+              <a:ext uri="{FF2B5EF4-FFF2-40B4-BE49-F238E27FC236}">
+                <a16:creationId xmlns:a16="http://schemas.microsoft.com/office/drawing/2014/main" id="{3D128F0D-BDA1-4690-A6C0-89EC9E0EC37F}"/>
+              </a:ext>
+            </a:extLst>
+          </p:cNvPr>
+          <p:cNvSpPr txBox="1"/>
+          <p:nvPr/>
+        </p:nvSpPr>
+        <p:spPr>
+          <a:xfrm>
+            <a:off x="5736657" y="2038415"/>
+            <a:ext cx="1049153" cy="369332"/>
+          </a:xfrm>
+          <a:prstGeom prst="rect">
+            <a:avLst/>
+          </a:prstGeom>
+          <a:noFill/>
+        </p:spPr>
+        <p:txBody>
+          <a:bodyPr wrap="square" rtlCol="0">
+            <a:spAutoFit/>
+          </a:bodyPr>
+          <a:lstStyle/>
+          <a:p>
+            <a:r>
+              <a:rPr lang="en-US" dirty="0"/>
+              <a:t>d:2, m:0</a:t>
+            </a:r>
+            <a:endParaRPr lang="th-TH" dirty="0"/>
+          </a:p>
+        </p:txBody>
+      </p:sp>
+      <p:sp>
+        <p:nvSpPr>
+          <p:cNvPr id="9" name="TextBox 8">
+            <a:extLst>
+              <a:ext uri="{FF2B5EF4-FFF2-40B4-BE49-F238E27FC236}">
+                <a16:creationId xmlns:a16="http://schemas.microsoft.com/office/drawing/2014/main" id="{1CB6FDD8-C92E-441F-AE12-91EFD91FFFCE}"/>
+              </a:ext>
+            </a:extLst>
+          </p:cNvPr>
+          <p:cNvSpPr txBox="1"/>
+          <p:nvPr/>
+        </p:nvSpPr>
+        <p:spPr>
+          <a:xfrm>
+            <a:off x="4687504" y="2883833"/>
+            <a:ext cx="1049153" cy="369332"/>
+          </a:xfrm>
+          <a:prstGeom prst="rect">
+            <a:avLst/>
+          </a:prstGeom>
+          <a:noFill/>
+        </p:spPr>
+        <p:txBody>
+          <a:bodyPr wrap="square" rtlCol="0">
+            <a:spAutoFit/>
+          </a:bodyPr>
+          <a:lstStyle/>
+          <a:p>
+            <a:r>
+              <a:rPr lang="en-US" dirty="0"/>
+              <a:t>d:2, m:1</a:t>
+            </a:r>
+            <a:endParaRPr lang="th-TH" dirty="0"/>
+          </a:p>
+        </p:txBody>
+      </p:sp>
+      <p:sp>
+        <p:nvSpPr>
+          <p:cNvPr id="10" name="TextBox 9">
+            <a:extLst>
+              <a:ext uri="{FF2B5EF4-FFF2-40B4-BE49-F238E27FC236}">
+                <a16:creationId xmlns:a16="http://schemas.microsoft.com/office/drawing/2014/main" id="{AE6A119B-3758-41D2-8A78-3D62D0E18981}"/>
+              </a:ext>
+            </a:extLst>
+          </p:cNvPr>
+          <p:cNvSpPr txBox="1"/>
+          <p:nvPr/>
+        </p:nvSpPr>
+        <p:spPr>
+          <a:xfrm>
+            <a:off x="6662956" y="2915115"/>
+            <a:ext cx="1049153" cy="369332"/>
+          </a:xfrm>
+          <a:prstGeom prst="rect">
+            <a:avLst/>
+          </a:prstGeom>
+          <a:noFill/>
+        </p:spPr>
+        <p:txBody>
+          <a:bodyPr wrap="square" rtlCol="0">
+            <a:spAutoFit/>
+          </a:bodyPr>
+          <a:lstStyle/>
+          <a:p>
+            <a:r>
+              <a:rPr lang="en-US" dirty="0"/>
+              <a:t>d:1, m:1</a:t>
+            </a:r>
+            <a:endParaRPr lang="th-TH" dirty="0"/>
+          </a:p>
+        </p:txBody>
+      </p:sp>
+      <p:sp>
+        <p:nvSpPr>
+          <p:cNvPr id="11" name="TextBox 10">
+            <a:extLst>
+              <a:ext uri="{FF2B5EF4-FFF2-40B4-BE49-F238E27FC236}">
+                <a16:creationId xmlns:a16="http://schemas.microsoft.com/office/drawing/2014/main" id="{5A16788A-9446-4784-B769-58CD34D1A048}"/>
+              </a:ext>
+            </a:extLst>
+          </p:cNvPr>
+          <p:cNvSpPr txBox="1"/>
+          <p:nvPr/>
+        </p:nvSpPr>
+        <p:spPr>
+          <a:xfrm>
+            <a:off x="4056108" y="4093035"/>
+            <a:ext cx="1049153" cy="369332"/>
+          </a:xfrm>
+          <a:prstGeom prst="rect">
+            <a:avLst/>
+          </a:prstGeom>
+          <a:noFill/>
+        </p:spPr>
+        <p:txBody>
+          <a:bodyPr wrap="square" rtlCol="0">
+            <a:spAutoFit/>
+          </a:bodyPr>
+          <a:lstStyle/>
+          <a:p>
+            <a:r>
+              <a:rPr lang="en-US" dirty="0"/>
+              <a:t>d:0, m:2</a:t>
+            </a:r>
+            <a:endParaRPr lang="th-TH" dirty="0"/>
+          </a:p>
+        </p:txBody>
+      </p:sp>
+      <p:sp>
+        <p:nvSpPr>
+          <p:cNvPr id="12" name="TextBox 11">
+            <a:extLst>
+              <a:ext uri="{FF2B5EF4-FFF2-40B4-BE49-F238E27FC236}">
+                <a16:creationId xmlns:a16="http://schemas.microsoft.com/office/drawing/2014/main" id="{93440285-BB15-4D4F-8BCB-B86B64CDD49A}"/>
+              </a:ext>
+            </a:extLst>
+          </p:cNvPr>
+          <p:cNvSpPr txBox="1"/>
+          <p:nvPr/>
+        </p:nvSpPr>
+        <p:spPr>
+          <a:xfrm>
+            <a:off x="5464951" y="4066498"/>
+            <a:ext cx="1049153" cy="369332"/>
+          </a:xfrm>
+          <a:prstGeom prst="rect">
+            <a:avLst/>
+          </a:prstGeom>
+          <a:noFill/>
+        </p:spPr>
+        <p:txBody>
+          <a:bodyPr wrap="square" rtlCol="0">
+            <a:spAutoFit/>
+          </a:bodyPr>
+          <a:lstStyle/>
+          <a:p>
+            <a:r>
+              <a:rPr lang="en-US" dirty="0"/>
+              <a:t>d:0, m:2</a:t>
+            </a:r>
+            <a:endParaRPr lang="th-TH" dirty="0"/>
+          </a:p>
+        </p:txBody>
+      </p:sp>
+      <p:sp>
+        <p:nvSpPr>
+          <p:cNvPr id="13" name="TextBox 12">
+            <a:extLst>
+              <a:ext uri="{FF2B5EF4-FFF2-40B4-BE49-F238E27FC236}">
+                <a16:creationId xmlns:a16="http://schemas.microsoft.com/office/drawing/2014/main" id="{F38A4F54-3174-42AD-9B7F-60AA1909D2F8}"/>
+              </a:ext>
+            </a:extLst>
+          </p:cNvPr>
+          <p:cNvSpPr txBox="1"/>
+          <p:nvPr/>
+        </p:nvSpPr>
+        <p:spPr>
+          <a:xfrm>
+            <a:off x="7132666" y="4048026"/>
+            <a:ext cx="1049153" cy="369332"/>
+          </a:xfrm>
+          <a:prstGeom prst="rect">
+            <a:avLst/>
+          </a:prstGeom>
+          <a:noFill/>
+        </p:spPr>
+        <p:txBody>
+          <a:bodyPr wrap="square" rtlCol="0">
+            <a:spAutoFit/>
+          </a:bodyPr>
+          <a:lstStyle/>
+          <a:p>
+            <a:r>
+              <a:rPr lang="en-US" dirty="0"/>
+              <a:t>d:0, m:2</a:t>
+            </a:r>
+            <a:endParaRPr lang="th-TH" dirty="0"/>
+          </a:p>
+        </p:txBody>
+      </p:sp>
+      <p:sp>
+        <p:nvSpPr>
+          <p:cNvPr id="15" name="TextBox 14">
+            <a:extLst>
+              <a:ext uri="{FF2B5EF4-FFF2-40B4-BE49-F238E27FC236}">
+                <a16:creationId xmlns:a16="http://schemas.microsoft.com/office/drawing/2014/main" id="{B4D5F4D2-A211-4BC9-ACBE-95E7BA0A1697}"/>
+              </a:ext>
+            </a:extLst>
+          </p:cNvPr>
+          <p:cNvSpPr txBox="1"/>
+          <p:nvPr/>
+        </p:nvSpPr>
+        <p:spPr>
+          <a:xfrm>
+            <a:off x="835588" y="2010507"/>
+            <a:ext cx="1870439" cy="369332"/>
+          </a:xfrm>
+          <a:prstGeom prst="rect">
+            <a:avLst/>
+          </a:prstGeom>
+          <a:noFill/>
+          <a:ln>
+            <a:solidFill>
+              <a:schemeClr val="tx1"/>
+            </a:solidFill>
+          </a:ln>
+        </p:spPr>
+        <p:txBody>
+          <a:bodyPr wrap="square">
+            <a:spAutoFit/>
+          </a:bodyPr>
+          <a:lstStyle/>
+          <a:p>
+            <a:pPr algn="ctr"/>
+            <a:r>
+              <a:rPr lang="en-US" dirty="0"/>
+              <a:t>d × m ≤ ⌊256/L⌋</a:t>
+            </a:r>
+            <a:endParaRPr lang="th-TH" dirty="0"/>
+          </a:p>
+        </p:txBody>
+      </p:sp>
+      <p:sp>
+        <p:nvSpPr>
+          <p:cNvPr id="16" name="TextBox 15">
+            <a:extLst>
+              <a:ext uri="{FF2B5EF4-FFF2-40B4-BE49-F238E27FC236}">
+                <a16:creationId xmlns:a16="http://schemas.microsoft.com/office/drawing/2014/main" id="{C0AFC5A4-3057-4E91-9820-32B06F58DBED}"/>
+              </a:ext>
+            </a:extLst>
+          </p:cNvPr>
+          <p:cNvSpPr txBox="1"/>
+          <p:nvPr/>
+        </p:nvSpPr>
+        <p:spPr>
+          <a:xfrm>
+            <a:off x="4475748" y="4932905"/>
+            <a:ext cx="948088" cy="369332"/>
+          </a:xfrm>
+          <a:prstGeom prst="rect">
+            <a:avLst/>
+          </a:prstGeom>
+          <a:noFill/>
+          <a:ln>
+            <a:solidFill>
+              <a:srgbClr val="00B050"/>
+            </a:solidFill>
+          </a:ln>
+        </p:spPr>
+        <p:txBody>
+          <a:bodyPr wrap="square">
+            <a:spAutoFit/>
+          </a:bodyPr>
+          <a:lstStyle/>
+          <a:p>
+            <a:pPr algn="ctr"/>
+            <a:r>
+              <a:rPr lang="en-US" dirty="0">
+                <a:solidFill>
+                  <a:srgbClr val="00B050"/>
+                </a:solidFill>
+              </a:rPr>
+              <a:t>L ≤ 256</a:t>
+            </a:r>
+            <a:endParaRPr lang="th-TH" dirty="0">
+              <a:solidFill>
+                <a:srgbClr val="00B050"/>
+              </a:solidFill>
+            </a:endParaRPr>
+          </a:p>
+        </p:txBody>
+      </p:sp>
+      <p:sp>
+        <p:nvSpPr>
+          <p:cNvPr id="22" name="TextBox 21">
+            <a:extLst>
+              <a:ext uri="{FF2B5EF4-FFF2-40B4-BE49-F238E27FC236}">
+                <a16:creationId xmlns:a16="http://schemas.microsoft.com/office/drawing/2014/main" id="{D9731920-DFE9-4CA0-80BC-A0B669574CE1}"/>
+              </a:ext>
+            </a:extLst>
+          </p:cNvPr>
+          <p:cNvSpPr txBox="1"/>
+          <p:nvPr/>
+        </p:nvSpPr>
+        <p:spPr>
+          <a:xfrm>
+            <a:off x="5719681" y="4928279"/>
+            <a:ext cx="948088" cy="369332"/>
+          </a:xfrm>
+          <a:prstGeom prst="rect">
+            <a:avLst/>
+          </a:prstGeom>
+          <a:noFill/>
+          <a:ln>
+            <a:solidFill>
+              <a:srgbClr val="00B050"/>
+            </a:solidFill>
+          </a:ln>
+        </p:spPr>
+        <p:txBody>
+          <a:bodyPr wrap="square">
+            <a:spAutoFit/>
+          </a:bodyPr>
+          <a:lstStyle/>
+          <a:p>
+            <a:pPr algn="ctr"/>
+            <a:r>
+              <a:rPr lang="en-US" dirty="0">
+                <a:solidFill>
+                  <a:srgbClr val="00B050"/>
+                </a:solidFill>
+              </a:rPr>
+              <a:t>L ≤ 256</a:t>
+            </a:r>
+            <a:endParaRPr lang="th-TH" dirty="0">
+              <a:solidFill>
+                <a:srgbClr val="00B050"/>
+              </a:solidFill>
+            </a:endParaRPr>
+          </a:p>
+        </p:txBody>
+      </p:sp>
+      <p:sp>
+        <p:nvSpPr>
+          <p:cNvPr id="23" name="TextBox 22">
+            <a:extLst>
+              <a:ext uri="{FF2B5EF4-FFF2-40B4-BE49-F238E27FC236}">
+                <a16:creationId xmlns:a16="http://schemas.microsoft.com/office/drawing/2014/main" id="{9CF64774-7737-44D0-B510-AAD3F4870E8F}"/>
+              </a:ext>
+            </a:extLst>
+          </p:cNvPr>
+          <p:cNvSpPr txBox="1"/>
+          <p:nvPr/>
+        </p:nvSpPr>
+        <p:spPr>
+          <a:xfrm>
+            <a:off x="6995373" y="4923602"/>
+            <a:ext cx="948088" cy="369332"/>
+          </a:xfrm>
+          <a:prstGeom prst="rect">
+            <a:avLst/>
+          </a:prstGeom>
+          <a:noFill/>
+          <a:ln>
+            <a:solidFill>
+              <a:srgbClr val="00B050"/>
+            </a:solidFill>
+          </a:ln>
+        </p:spPr>
+        <p:txBody>
+          <a:bodyPr wrap="square">
+            <a:spAutoFit/>
+          </a:bodyPr>
+          <a:lstStyle/>
+          <a:p>
+            <a:pPr algn="ctr"/>
+            <a:r>
+              <a:rPr lang="en-US" dirty="0">
+                <a:solidFill>
+                  <a:srgbClr val="00B050"/>
+                </a:solidFill>
+              </a:rPr>
+              <a:t>L ≤ 256</a:t>
+            </a:r>
+            <a:endParaRPr lang="th-TH" dirty="0">
+              <a:solidFill>
+                <a:srgbClr val="00B050"/>
+              </a:solidFill>
+            </a:endParaRPr>
+          </a:p>
+        </p:txBody>
+      </p:sp>
+      <p:sp>
+        <p:nvSpPr>
+          <p:cNvPr id="24" name="TextBox 23">
+            <a:extLst>
+              <a:ext uri="{FF2B5EF4-FFF2-40B4-BE49-F238E27FC236}">
+                <a16:creationId xmlns:a16="http://schemas.microsoft.com/office/drawing/2014/main" id="{E2895D32-5607-458F-A765-D59BDEC82BE3}"/>
+              </a:ext>
+            </a:extLst>
+          </p:cNvPr>
+          <p:cNvSpPr txBox="1"/>
+          <p:nvPr/>
+        </p:nvSpPr>
+        <p:spPr>
+          <a:xfrm>
+            <a:off x="7132666" y="3276022"/>
+            <a:ext cx="948088" cy="369332"/>
+          </a:xfrm>
+          <a:prstGeom prst="rect">
+            <a:avLst/>
+          </a:prstGeom>
+          <a:noFill/>
+          <a:ln>
+            <a:solidFill>
+              <a:srgbClr val="00B050"/>
+            </a:solidFill>
+          </a:ln>
+        </p:spPr>
+        <p:txBody>
+          <a:bodyPr wrap="square">
+            <a:spAutoFit/>
+          </a:bodyPr>
+          <a:lstStyle/>
+          <a:p>
+            <a:pPr algn="ctr"/>
+            <a:r>
+              <a:rPr lang="en-US" dirty="0">
+                <a:solidFill>
+                  <a:srgbClr val="00B050"/>
+                </a:solidFill>
+              </a:rPr>
+              <a:t>L ≤ 256</a:t>
+            </a:r>
+            <a:endParaRPr lang="th-TH" dirty="0">
+              <a:solidFill>
+                <a:srgbClr val="00B050"/>
+              </a:solidFill>
+            </a:endParaRPr>
+          </a:p>
+        </p:txBody>
+      </p:sp>
+      <p:sp>
+        <p:nvSpPr>
+          <p:cNvPr id="25" name="TextBox 24">
+            <a:extLst>
+              <a:ext uri="{FF2B5EF4-FFF2-40B4-BE49-F238E27FC236}">
+                <a16:creationId xmlns:a16="http://schemas.microsoft.com/office/drawing/2014/main" id="{E32DC973-63F9-4463-AE86-16CDDB47AF61}"/>
+              </a:ext>
+            </a:extLst>
+          </p:cNvPr>
+          <p:cNvSpPr txBox="1"/>
+          <p:nvPr/>
+        </p:nvSpPr>
+        <p:spPr>
+          <a:xfrm>
+            <a:off x="4263722" y="3203159"/>
+            <a:ext cx="948088" cy="369332"/>
+          </a:xfrm>
+          <a:prstGeom prst="rect">
+            <a:avLst/>
+          </a:prstGeom>
+          <a:noFill/>
+          <a:ln>
+            <a:solidFill>
+              <a:srgbClr val="00B050"/>
+            </a:solidFill>
+          </a:ln>
+        </p:spPr>
+        <p:txBody>
+          <a:bodyPr wrap="square">
+            <a:spAutoFit/>
+          </a:bodyPr>
+          <a:lstStyle/>
+          <a:p>
+            <a:pPr algn="ctr"/>
+            <a:r>
+              <a:rPr lang="en-US" dirty="0">
+                <a:solidFill>
+                  <a:srgbClr val="00B050"/>
+                </a:solidFill>
+              </a:rPr>
+              <a:t>L ≤ 128</a:t>
+            </a:r>
+            <a:endParaRPr lang="th-TH" dirty="0">
+              <a:solidFill>
+                <a:srgbClr val="00B050"/>
+              </a:solidFill>
+            </a:endParaRPr>
+          </a:p>
+        </p:txBody>
+      </p:sp>
+      <p:sp>
+        <p:nvSpPr>
+          <p:cNvPr id="26" name="TextBox 25">
+            <a:extLst>
+              <a:ext uri="{FF2B5EF4-FFF2-40B4-BE49-F238E27FC236}">
+                <a16:creationId xmlns:a16="http://schemas.microsoft.com/office/drawing/2014/main" id="{7E90AE00-F603-42C1-AC0D-2DEE38A9CA7A}"/>
+              </a:ext>
+            </a:extLst>
+          </p:cNvPr>
+          <p:cNvSpPr txBox="1"/>
+          <p:nvPr/>
+        </p:nvSpPr>
+        <p:spPr>
+          <a:xfrm>
+            <a:off x="4990907" y="2324285"/>
+            <a:ext cx="948088" cy="369332"/>
+          </a:xfrm>
+          <a:prstGeom prst="rect">
+            <a:avLst/>
+          </a:prstGeom>
+          <a:noFill/>
+          <a:ln>
+            <a:solidFill>
+              <a:srgbClr val="00B050"/>
+            </a:solidFill>
+          </a:ln>
+        </p:spPr>
+        <p:txBody>
+          <a:bodyPr wrap="square">
+            <a:spAutoFit/>
+          </a:bodyPr>
+          <a:lstStyle/>
+          <a:p>
+            <a:pPr algn="ctr"/>
+            <a:r>
+              <a:rPr lang="en-US" dirty="0">
+                <a:solidFill>
+                  <a:srgbClr val="00B050"/>
+                </a:solidFill>
+              </a:rPr>
+              <a:t>L ≤ 256</a:t>
+            </a:r>
+            <a:endParaRPr lang="th-TH" dirty="0">
+              <a:solidFill>
+                <a:srgbClr val="00B050"/>
+              </a:solidFill>
+            </a:endParaRPr>
+          </a:p>
+        </p:txBody>
+      </p:sp>
+    </p:spTree>
+    <p:extLst>
+      <p:ext uri="{BB962C8B-B14F-4D97-AF65-F5344CB8AC3E}">
+        <p14:creationId xmlns:p14="http://schemas.microsoft.com/office/powerpoint/2010/main" val="2830249349"/>
+      </p:ext>
+    </p:extLst>
+  </p:cSld>
+  <p:clrMapOvr>
+    <a:masterClrMapping/>
+  </p:clrMapOvr>
+</p:sld>
+</file>
+
+<file path=ppt/slides/slide46.xml><?xml version="1.0" encoding="utf-8"?>
 <p:sld xmlns:a="http://schemas.openxmlformats.org/drawingml/2006/main" xmlns:r="http://schemas.openxmlformats.org/officeDocument/2006/relationships" xmlns:p="http://schemas.openxmlformats.org/presentationml/2006/main">
   <p:cSld>
     <p:spTree>
@@ -18548,335 +23017,6 @@
 </p:sld>
 </file>
 
-<file path=ppt/slides/slide4.xml><?xml version="1.0" encoding="utf-8"?>
-<p:sld xmlns:a="http://schemas.openxmlformats.org/drawingml/2006/main" xmlns:r="http://schemas.openxmlformats.org/officeDocument/2006/relationships" xmlns:p="http://schemas.openxmlformats.org/presentationml/2006/main">
-  <p:cSld>
-    <p:spTree>
-      <p:nvGrpSpPr>
-        <p:cNvPr id="1" name=""/>
-        <p:cNvGrpSpPr/>
-        <p:nvPr/>
-      </p:nvGrpSpPr>
-      <p:grpSpPr>
-        <a:xfrm>
-          <a:off x="0" y="0"/>
-          <a:ext cx="0" cy="0"/>
-          <a:chOff x="0" y="0"/>
-          <a:chExt cx="0" cy="0"/>
-        </a:xfrm>
-      </p:grpSpPr>
-      <p:pic>
-        <p:nvPicPr>
-          <p:cNvPr id="5" name="Content Placeholder 4" descr="Diagram&#10;&#10;Description automatically generated">
-            <a:extLst>
-              <a:ext uri="{FF2B5EF4-FFF2-40B4-BE49-F238E27FC236}">
-                <a16:creationId xmlns:a16="http://schemas.microsoft.com/office/drawing/2014/main" id="{071FA6B8-C997-4BBE-A590-D38EB38071B5}"/>
-              </a:ext>
-            </a:extLst>
-          </p:cNvPr>
-          <p:cNvPicPr>
-            <a:picLocks noGrp="1" noChangeAspect="1"/>
-          </p:cNvPicPr>
-          <p:nvPr>
-            <p:ph idx="1"/>
-          </p:nvPr>
-        </p:nvPicPr>
-        <p:blipFill>
-          <a:blip r:embed="rId2"/>
-          <a:stretch>
-            <a:fillRect/>
-          </a:stretch>
-        </p:blipFill>
-        <p:spPr>
-          <a:xfrm>
-            <a:off x="2670167" y="1269000"/>
-            <a:ext cx="6851666" cy="4320000"/>
-          </a:xfrm>
-        </p:spPr>
-      </p:pic>
-      <p:sp>
-        <p:nvSpPr>
-          <p:cNvPr id="2" name="Title 1">
-            <a:extLst>
-              <a:ext uri="{FF2B5EF4-FFF2-40B4-BE49-F238E27FC236}">
-                <a16:creationId xmlns:a16="http://schemas.microsoft.com/office/drawing/2014/main" id="{08069A03-1512-4369-9FE2-D698F3178988}"/>
-              </a:ext>
-            </a:extLst>
-          </p:cNvPr>
-          <p:cNvSpPr>
-            <a:spLocks noGrp="1"/>
-          </p:cNvSpPr>
-          <p:nvPr>
-            <p:ph type="title"/>
-          </p:nvPr>
-        </p:nvSpPr>
-        <p:spPr/>
-        <p:txBody>
-          <a:bodyPr/>
-          <a:lstStyle/>
-          <a:p>
-            <a:r>
-              <a:rPr lang="en-US" dirty="0">
-                <a:solidFill>
-                  <a:schemeClr val="tx1"/>
-                </a:solidFill>
-              </a:rPr>
-              <a:t>Introduction</a:t>
-            </a:r>
-            <a:endParaRPr lang="th-TH" dirty="0">
-              <a:solidFill>
-                <a:schemeClr val="tx1"/>
-              </a:solidFill>
-            </a:endParaRPr>
-          </a:p>
-        </p:txBody>
-      </p:sp>
-      <p:sp>
-        <p:nvSpPr>
-          <p:cNvPr id="6" name="TextBox 5">
-            <a:extLst>
-              <a:ext uri="{FF2B5EF4-FFF2-40B4-BE49-F238E27FC236}">
-                <a16:creationId xmlns:a16="http://schemas.microsoft.com/office/drawing/2014/main" id="{D6600F39-D50B-40E0-B05C-4BA417758BE0}"/>
-              </a:ext>
-            </a:extLst>
-          </p:cNvPr>
-          <p:cNvSpPr txBox="1"/>
-          <p:nvPr/>
-        </p:nvSpPr>
-        <p:spPr>
-          <a:xfrm>
-            <a:off x="813516" y="5708075"/>
-            <a:ext cx="10564968" cy="369332"/>
-          </a:xfrm>
-          <a:prstGeom prst="rect">
-            <a:avLst/>
-          </a:prstGeom>
-          <a:noFill/>
-        </p:spPr>
-        <p:txBody>
-          <a:bodyPr wrap="square" rtlCol="0">
-            <a:spAutoFit/>
-          </a:bodyPr>
-          <a:lstStyle/>
-          <a:p>
-            <a:pPr algn="ctr"/>
-            <a:r>
-              <a:rPr lang="en-US" dirty="0"/>
-              <a:t>The disadvantages of multi-hop are high latency and low reliability.</a:t>
-            </a:r>
-            <a:endParaRPr lang="th-TH" dirty="0"/>
-          </a:p>
-        </p:txBody>
-      </p:sp>
-      <p:sp>
-        <p:nvSpPr>
-          <p:cNvPr id="3" name="TextBox 2">
-            <a:extLst>
-              <a:ext uri="{FF2B5EF4-FFF2-40B4-BE49-F238E27FC236}">
-                <a16:creationId xmlns:a16="http://schemas.microsoft.com/office/drawing/2014/main" id="{BB59678F-6587-4D03-99D8-F886D3C4E257}"/>
-              </a:ext>
-            </a:extLst>
-          </p:cNvPr>
-          <p:cNvSpPr txBox="1"/>
-          <p:nvPr/>
-        </p:nvSpPr>
-        <p:spPr>
-          <a:xfrm>
-            <a:off x="3547533" y="2794001"/>
-            <a:ext cx="933845" cy="369332"/>
-          </a:xfrm>
-          <a:prstGeom prst="rect">
-            <a:avLst/>
-          </a:prstGeom>
-          <a:noFill/>
-        </p:spPr>
-        <p:txBody>
-          <a:bodyPr wrap="none" rtlCol="0">
-            <a:spAutoFit/>
-          </a:bodyPr>
-          <a:lstStyle/>
-          <a:p>
-            <a:r>
-              <a:rPr lang="en-US" dirty="0"/>
-              <a:t>100 </a:t>
-            </a:r>
-            <a:r>
-              <a:rPr lang="en-US" dirty="0" err="1"/>
-              <a:t>ms</a:t>
-            </a:r>
-            <a:endParaRPr lang="th-TH" dirty="0"/>
-          </a:p>
-        </p:txBody>
-      </p:sp>
-      <p:sp>
-        <p:nvSpPr>
-          <p:cNvPr id="4" name="TextBox 3">
-            <a:extLst>
-              <a:ext uri="{FF2B5EF4-FFF2-40B4-BE49-F238E27FC236}">
-                <a16:creationId xmlns:a16="http://schemas.microsoft.com/office/drawing/2014/main" id="{D8EB6544-7F82-4B71-9EAB-9C8B0A42AEB2}"/>
-              </a:ext>
-            </a:extLst>
-          </p:cNvPr>
-          <p:cNvSpPr txBox="1"/>
-          <p:nvPr/>
-        </p:nvSpPr>
-        <p:spPr>
-          <a:xfrm>
-            <a:off x="5130803" y="3059668"/>
-            <a:ext cx="941283" cy="369332"/>
-          </a:xfrm>
-          <a:prstGeom prst="rect">
-            <a:avLst/>
-          </a:prstGeom>
-          <a:noFill/>
-        </p:spPr>
-        <p:txBody>
-          <a:bodyPr wrap="none" rtlCol="0">
-            <a:spAutoFit/>
-          </a:bodyPr>
-          <a:lstStyle/>
-          <a:p>
-            <a:r>
-              <a:rPr lang="en-US" dirty="0"/>
-              <a:t>500 </a:t>
-            </a:r>
-            <a:r>
-              <a:rPr lang="en-US" dirty="0" err="1"/>
-              <a:t>ms</a:t>
-            </a:r>
-            <a:endParaRPr lang="th-TH" dirty="0"/>
-          </a:p>
-        </p:txBody>
-      </p:sp>
-      <p:sp>
-        <p:nvSpPr>
-          <p:cNvPr id="9" name="TextBox 8">
-            <a:extLst>
-              <a:ext uri="{FF2B5EF4-FFF2-40B4-BE49-F238E27FC236}">
-                <a16:creationId xmlns:a16="http://schemas.microsoft.com/office/drawing/2014/main" id="{9155D04B-C144-465D-BF00-461D73D0A99A}"/>
-              </a:ext>
-            </a:extLst>
-          </p:cNvPr>
-          <p:cNvSpPr txBox="1"/>
-          <p:nvPr/>
-        </p:nvSpPr>
-        <p:spPr>
-          <a:xfrm>
-            <a:off x="5960533" y="2157772"/>
-            <a:ext cx="941283" cy="369332"/>
-          </a:xfrm>
-          <a:prstGeom prst="rect">
-            <a:avLst/>
-          </a:prstGeom>
-          <a:noFill/>
-        </p:spPr>
-        <p:txBody>
-          <a:bodyPr wrap="none" rtlCol="0">
-            <a:spAutoFit/>
-          </a:bodyPr>
-          <a:lstStyle/>
-          <a:p>
-            <a:r>
-              <a:rPr lang="en-US" dirty="0"/>
-              <a:t>200 </a:t>
-            </a:r>
-            <a:r>
-              <a:rPr lang="en-US" dirty="0" err="1"/>
-              <a:t>ms</a:t>
-            </a:r>
-            <a:endParaRPr lang="th-TH" dirty="0"/>
-          </a:p>
-        </p:txBody>
-      </p:sp>
-      <p:sp>
-        <p:nvSpPr>
-          <p:cNvPr id="11" name="TextBox 10">
-            <a:extLst>
-              <a:ext uri="{FF2B5EF4-FFF2-40B4-BE49-F238E27FC236}">
-                <a16:creationId xmlns:a16="http://schemas.microsoft.com/office/drawing/2014/main" id="{DFCF06A7-BE4D-48F1-AF5F-CF8BD73C66F6}"/>
-              </a:ext>
-            </a:extLst>
-          </p:cNvPr>
-          <p:cNvSpPr txBox="1"/>
-          <p:nvPr/>
-        </p:nvSpPr>
-        <p:spPr>
-          <a:xfrm>
-            <a:off x="7005020" y="1890876"/>
-            <a:ext cx="941283" cy="369332"/>
-          </a:xfrm>
-          <a:prstGeom prst="rect">
-            <a:avLst/>
-          </a:prstGeom>
-          <a:noFill/>
-        </p:spPr>
-        <p:txBody>
-          <a:bodyPr wrap="none" rtlCol="0">
-            <a:spAutoFit/>
-          </a:bodyPr>
-          <a:lstStyle/>
-          <a:p>
-            <a:r>
-              <a:rPr lang="en-US" dirty="0"/>
-              <a:t>500 </a:t>
-            </a:r>
-            <a:r>
-              <a:rPr lang="en-US" dirty="0" err="1"/>
-              <a:t>ms</a:t>
-            </a:r>
-            <a:endParaRPr lang="th-TH" dirty="0"/>
-          </a:p>
-        </p:txBody>
-      </p:sp>
-      <p:sp>
-        <p:nvSpPr>
-          <p:cNvPr id="13" name="TextBox 12">
-            <a:extLst>
-              <a:ext uri="{FF2B5EF4-FFF2-40B4-BE49-F238E27FC236}">
-                <a16:creationId xmlns:a16="http://schemas.microsoft.com/office/drawing/2014/main" id="{623905E5-E91C-4BC2-BB18-474015408A33}"/>
-              </a:ext>
-            </a:extLst>
-          </p:cNvPr>
-          <p:cNvSpPr txBox="1"/>
-          <p:nvPr/>
-        </p:nvSpPr>
-        <p:spPr>
-          <a:xfrm>
-            <a:off x="8323442" y="4341925"/>
-            <a:ext cx="3590919" cy="369332"/>
-          </a:xfrm>
-          <a:prstGeom prst="rect">
-            <a:avLst/>
-          </a:prstGeom>
-          <a:noFill/>
-        </p:spPr>
-        <p:txBody>
-          <a:bodyPr wrap="none" rtlCol="0">
-            <a:spAutoFit/>
-          </a:bodyPr>
-          <a:lstStyle/>
-          <a:p>
-            <a:r>
-              <a:rPr lang="en-US" dirty="0"/>
-              <a:t>Total latency is 1300 milliseconds </a:t>
-            </a:r>
-            <a:endParaRPr lang="th-TH" dirty="0"/>
-          </a:p>
-        </p:txBody>
-      </p:sp>
-    </p:spTree>
-    <p:extLst>
-      <p:ext uri="{BB962C8B-B14F-4D97-AF65-F5344CB8AC3E}">
-        <p14:creationId xmlns:p14="http://schemas.microsoft.com/office/powerpoint/2010/main" val="1648085931"/>
-      </p:ext>
-    </p:extLst>
-  </p:cSld>
-  <p:clrMapOvr>
-    <a:masterClrMapping/>
-  </p:clrMapOvr>
-</p:sld>
-</file>
-
 <file path=ppt/slides/slide5.xml><?xml version="1.0" encoding="utf-8"?>
 <p:sld xmlns:a="http://schemas.openxmlformats.org/drawingml/2006/main" xmlns:r="http://schemas.openxmlformats.org/officeDocument/2006/relationships" xmlns:p="http://schemas.openxmlformats.org/presentationml/2006/main">
   <p:cSld>
@@ -19402,7 +23542,7 @@
           <a:p>
             <a:r>
               <a:rPr lang="en-US" dirty="0"/>
-              <a:t>Research methodology</a:t>
+              <a:t>scope of the study</a:t>
             </a:r>
             <a:endParaRPr lang="th-TH" dirty="0">
               <a:solidFill>
@@ -19412,6 +23552,36 @@
           </a:p>
         </p:txBody>
       </p:sp>
+      <p:pic>
+        <p:nvPicPr>
+          <p:cNvPr id="4" name="Picture 3">
+            <a:extLst>
+              <a:ext uri="{FF2B5EF4-FFF2-40B4-BE49-F238E27FC236}">
+                <a16:creationId xmlns:a16="http://schemas.microsoft.com/office/drawing/2014/main" id="{C13DBFE4-916C-4781-BE39-61717FB1D035}"/>
+              </a:ext>
+            </a:extLst>
+          </p:cNvPr>
+          <p:cNvPicPr>
+            <a:picLocks noChangeAspect="1"/>
+          </p:cNvPicPr>
+          <p:nvPr/>
+        </p:nvPicPr>
+        <p:blipFill>
+          <a:blip r:embed="rId2"/>
+          <a:stretch>
+            <a:fillRect/>
+          </a:stretch>
+        </p:blipFill>
+        <p:spPr>
+          <a:xfrm>
+            <a:off x="8143708" y="3122229"/>
+            <a:ext cx="3467100" cy="3421480"/>
+          </a:xfrm>
+          <a:prstGeom prst="rect">
+            <a:avLst/>
+          </a:prstGeom>
+        </p:spPr>
+      </p:pic>
       <p:sp>
         <p:nvSpPr>
           <p:cNvPr id="6" name="TextBox 5">
@@ -19427,7 +23597,7 @@
         <p:spPr>
           <a:xfrm>
             <a:off x="813516" y="2135142"/>
-            <a:ext cx="10564968" cy="3797193"/>
+            <a:ext cx="10564968" cy="2031325"/>
           </a:xfrm>
           <a:prstGeom prst="rect">
             <a:avLst/>
@@ -19440,115 +23610,69 @@
           </a:bodyPr>
           <a:lstStyle/>
           <a:p>
+            <a:pPr algn="thaiDist"/>
+            <a:r>
+              <a:rPr lang="en-US" b="1" u="sng" dirty="0"/>
+              <a:t>Network Model</a:t>
+            </a:r>
+          </a:p>
+          <a:p>
             <a:pPr marL="342900" indent="-342900" algn="thaiDist">
-              <a:lnSpc>
-                <a:spcPct val="150000"/>
-              </a:lnSpc>
               <a:buFont typeface="+mj-lt"/>
               <a:buAutoNum type="arabicPeriod"/>
             </a:pPr>
             <a:r>
               <a:rPr lang="en-US" dirty="0"/>
-              <a:t>The protocol uses distributed aggregation scheduling to eliminates all collisions when transmitting data.</a:t>
-            </a:r>
-          </a:p>
-          <a:p>
-            <a:pPr marL="742950" lvl="1" indent="-285750" algn="thaiDist">
-              <a:lnSpc>
-                <a:spcPct val="150000"/>
-              </a:lnSpc>
-              <a:buFont typeface="Wingdings" panose="05000000000000000000" pitchFamily="2" charset="2"/>
-              <a:buChar char="Ø"/>
-            </a:pPr>
-            <a:r>
-              <a:rPr lang="en-US" dirty="0"/>
-              <a:t>the reliability of data transmission is high.</a:t>
+              <a:t>The Low Power Wide Area Network (LP-WAN) consists of one sink and several sensor nodes for tree topology.</a:t>
             </a:r>
           </a:p>
           <a:p>
             <a:pPr marL="342900" indent="-342900" algn="thaiDist">
-              <a:lnSpc>
-                <a:spcPct val="150000"/>
-              </a:lnSpc>
               <a:buFont typeface="+mj-lt"/>
               <a:buAutoNum type="arabicPeriod"/>
             </a:pPr>
             <a:r>
               <a:rPr lang="en-US" dirty="0"/>
-              <a:t>The protocol uses a parallel transmissions for utilized channel maximization.</a:t>
-            </a:r>
-          </a:p>
-          <a:p>
-            <a:pPr marL="800100" lvl="1" indent="-342900" algn="thaiDist">
-              <a:lnSpc>
-                <a:spcPct val="150000"/>
-              </a:lnSpc>
-              <a:buFont typeface="Wingdings" panose="05000000000000000000" pitchFamily="2" charset="2"/>
-              <a:buChar char="Ø"/>
-            </a:pPr>
-            <a:r>
-              <a:rPr lang="en-US" dirty="0"/>
-              <a:t>the number of neighbor nodes can be increased.</a:t>
+              <a:t>All nodes are assigned identification numbers (IDs) during network configuration.</a:t>
             </a:r>
           </a:p>
           <a:p>
             <a:pPr marL="342900" indent="-342900" algn="thaiDist">
-              <a:lnSpc>
-                <a:spcPct val="150000"/>
-              </a:lnSpc>
               <a:buFont typeface="+mj-lt"/>
               <a:buAutoNum type="arabicPeriod"/>
             </a:pPr>
             <a:r>
               <a:rPr lang="en-US" dirty="0"/>
-              <a:t>The protocol uses a tree construction algorithm, which achieves a high balance load.</a:t>
-            </a:r>
-          </a:p>
-          <a:p>
-            <a:pPr marL="800100" lvl="1" indent="-342900" algn="thaiDist">
-              <a:lnSpc>
-                <a:spcPct val="150000"/>
-              </a:lnSpc>
-              <a:buFont typeface="Wingdings" panose="05000000000000000000" pitchFamily="2" charset="2"/>
-              <a:buChar char="Ø"/>
-            </a:pPr>
-            <a:r>
-              <a:rPr lang="en-US" dirty="0"/>
-              <a:t>All power consumption of nodes are balanced.</a:t>
+              <a:t>All sensor nodes transmit data to a sink (s) periodically along the tree path.</a:t>
             </a:r>
           </a:p>
           <a:p>
             <a:pPr marL="342900" indent="-342900" algn="thaiDist">
-              <a:lnSpc>
-                <a:spcPct val="150000"/>
-              </a:lnSpc>
               <a:buFont typeface="+mj-lt"/>
               <a:buAutoNum type="arabicPeriod"/>
             </a:pPr>
             <a:r>
               <a:rPr lang="en-US" dirty="0"/>
-              <a:t>The protocol uses a timeslot and channel (radio frequency) assignment algorithm to support the parallel node transmit data.</a:t>
-            </a:r>
-          </a:p>
-          <a:p>
-            <a:pPr marL="800100" lvl="1" indent="-342900" algn="thaiDist">
-              <a:lnSpc>
-                <a:spcPct val="150000"/>
-              </a:lnSpc>
-              <a:buFont typeface="Wingdings" panose="05000000000000000000" pitchFamily="2" charset="2"/>
-              <a:buChar char="Ø"/>
+              <a:t>Two nodes have a link if they can transmit directly to each other.</a:t>
+            </a:r>
+          </a:p>
+          <a:p>
+            <a:pPr marL="342900" indent="-342900" algn="thaiDist">
+              <a:buFont typeface="+mj-lt"/>
+              <a:buAutoNum type="arabicPeriod"/>
             </a:pPr>
             <a:r>
               <a:rPr lang="en-US" dirty="0"/>
-              <a:t>The source node can send to the multi-destination nodes at the same time. </a:t>
-            </a:r>
+              <a:t>A link on which a child and parent node communicates together is tree link.</a:t>
+            </a:r>
+            <a:endParaRPr lang="th-TH" dirty="0"/>
           </a:p>
         </p:txBody>
       </p:sp>
     </p:spTree>
     <p:extLst>
       <p:ext uri="{BB962C8B-B14F-4D97-AF65-F5344CB8AC3E}">
-        <p14:creationId xmlns:p14="http://schemas.microsoft.com/office/powerpoint/2010/main" val="445678229"/>
+        <p14:creationId xmlns:p14="http://schemas.microsoft.com/office/powerpoint/2010/main" val="1832073123"/>
       </p:ext>
     </p:extLst>
   </p:cSld>
@@ -19598,7 +23722,7 @@
           <a:p>
             <a:r>
               <a:rPr lang="en-US" dirty="0"/>
-              <a:t>Network and Protocol Model</a:t>
+              <a:t>scope of the study</a:t>
             </a:r>
             <a:endParaRPr lang="th-TH" dirty="0">
               <a:solidFill>
@@ -19608,36 +23732,6 @@
           </a:p>
         </p:txBody>
       </p:sp>
-      <p:pic>
-        <p:nvPicPr>
-          <p:cNvPr id="4" name="Picture 3">
-            <a:extLst>
-              <a:ext uri="{FF2B5EF4-FFF2-40B4-BE49-F238E27FC236}">
-                <a16:creationId xmlns:a16="http://schemas.microsoft.com/office/drawing/2014/main" id="{C13DBFE4-916C-4781-BE39-61717FB1D035}"/>
-              </a:ext>
-            </a:extLst>
-          </p:cNvPr>
-          <p:cNvPicPr>
-            <a:picLocks noChangeAspect="1"/>
-          </p:cNvPicPr>
-          <p:nvPr/>
-        </p:nvPicPr>
-        <p:blipFill>
-          <a:blip r:embed="rId2"/>
-          <a:stretch>
-            <a:fillRect/>
-          </a:stretch>
-        </p:blipFill>
-        <p:spPr>
-          <a:xfrm>
-            <a:off x="8143708" y="3122229"/>
-            <a:ext cx="3467100" cy="3421480"/>
-          </a:xfrm>
-          <a:prstGeom prst="rect">
-            <a:avLst/>
-          </a:prstGeom>
-        </p:spPr>
-      </p:pic>
       <p:sp>
         <p:nvSpPr>
           <p:cNvPr id="6" name="TextBox 5">
@@ -19653,7 +23747,7 @@
         <p:spPr>
           <a:xfrm>
             <a:off x="813516" y="2135142"/>
-            <a:ext cx="10564968" cy="2031325"/>
+            <a:ext cx="10564968" cy="2862322"/>
           </a:xfrm>
           <a:prstGeom prst="rect">
             <a:avLst/>
@@ -19669,7 +23763,7 @@
             <a:pPr algn="thaiDist"/>
             <a:r>
               <a:rPr lang="en-US" b="1" u="sng" dirty="0"/>
-              <a:t>Network Model</a:t>
+              <a:t>Protocol Model</a:t>
             </a:r>
           </a:p>
           <a:p>
@@ -19679,7 +23773,7 @@
             </a:pPr>
             <a:r>
               <a:rPr lang="en-US" dirty="0"/>
-              <a:t>The Low Power Wide Area Network (LP-WAN) consists of one sink and several sensor nodes for tree topology.</a:t>
+              <a:t>The protocol model is based on Time Division Multiple Access (TDMA) mechanism.</a:t>
             </a:r>
           </a:p>
           <a:p>
@@ -19689,7 +23783,7 @@
             </a:pPr>
             <a:r>
               <a:rPr lang="en-US" dirty="0"/>
-              <a:t>All nodes are assigned identification numbers (IDs) during network configuration.</a:t>
+              <a:t>All nodes in the network are assigned timeslot and channel (radio frequency) to communicate to the parent node or child node, which is collision-free with the neighboring node in the tree construction period.</a:t>
             </a:r>
           </a:p>
           <a:p>
@@ -19699,7 +23793,7 @@
             </a:pPr>
             <a:r>
               <a:rPr lang="en-US" dirty="0"/>
-              <a:t>All sensor nodes transmit data to a sink (s) periodically along the tree path.</a:t>
+              <a:t>Based on the timeslot and channel, In the data transmission period, the child node transmits the data packet to its parent node.</a:t>
             </a:r>
           </a:p>
           <a:p>
@@ -19709,7 +23803,7 @@
             </a:pPr>
             <a:r>
               <a:rPr lang="en-US" dirty="0"/>
-              <a:t>Two nodes have a link if they can transmit directly to each other.</a:t>
+              <a:t>After receiving the data packet from all child nodes, the parent node combines all child nodes’ data with its own data and then transmits that to its parent node.</a:t>
             </a:r>
           </a:p>
           <a:p>
@@ -19717,10 +23811,6 @@
               <a:buFont typeface="+mj-lt"/>
               <a:buAutoNum type="arabicPeriod"/>
             </a:pPr>
-            <a:r>
-              <a:rPr lang="en-US" dirty="0"/>
-              <a:t>A link on which a child and parent node communicates together is tree link.</a:t>
-            </a:r>
             <a:endParaRPr lang="th-TH" dirty="0"/>
           </a:p>
         </p:txBody>
@@ -19728,7 +23818,7 @@
     </p:spTree>
     <p:extLst>
       <p:ext uri="{BB962C8B-B14F-4D97-AF65-F5344CB8AC3E}">
-        <p14:creationId xmlns:p14="http://schemas.microsoft.com/office/powerpoint/2010/main" val="1832073123"/>
+        <p14:creationId xmlns:p14="http://schemas.microsoft.com/office/powerpoint/2010/main" val="3600309590"/>
       </p:ext>
     </p:extLst>
   </p:cSld>
@@ -20303,21 +24393,21 @@
 </file>
 
 <file path=customXml/item1.xml><?xml version="1.0" encoding="utf-8"?>
+<p:properties xmlns:p="http://schemas.microsoft.com/office/2006/metadata/properties" xmlns:xsi="http://www.w3.org/2001/XMLSchema-instance" xmlns:pc="http://schemas.microsoft.com/office/infopath/2007/PartnerControls">
+  <documentManagement>
+    <Status xmlns="71af3243-3dd4-4a8d-8c0d-dd76da1f02a5">Not started</Status>
+    <MediaServiceKeyPoints xmlns="71af3243-3dd4-4a8d-8c0d-dd76da1f02a5" xsi:nil="true"/>
+  </documentManagement>
+</p:properties>
+</file>
+
+<file path=customXml/item2.xml><?xml version="1.0" encoding="utf-8"?>
 <?mso-contentType ?>
 <FormTemplates xmlns="http://schemas.microsoft.com/sharepoint/v3/contenttype/forms">
   <Display>DocumentLibraryForm</Display>
   <Edit>DocumentLibraryForm</Edit>
   <New>DocumentLibraryForm</New>
 </FormTemplates>
-</file>
-
-<file path=customXml/item2.xml><?xml version="1.0" encoding="utf-8"?>
-<p:properties xmlns:p="http://schemas.microsoft.com/office/2006/metadata/properties" xmlns:xsi="http://www.w3.org/2001/XMLSchema-instance" xmlns:pc="http://schemas.microsoft.com/office/infopath/2007/PartnerControls">
-  <documentManagement>
-    <Status xmlns="71af3243-3dd4-4a8d-8c0d-dd76da1f02a5">Not started</Status>
-    <MediaServiceKeyPoints xmlns="71af3243-3dd4-4a8d-8c0d-dd76da1f02a5" xsi:nil="true"/>
-  </documentManagement>
-</p:properties>
 </file>
 
 <file path=customXml/item3.xml><?xml version="1.0" encoding="utf-8"?>
@@ -20542,19 +24632,19 @@
 </file>
 
 <file path=customXml/itemProps1.xml><?xml version="1.0" encoding="utf-8"?>
-<ds:datastoreItem xmlns:ds="http://schemas.openxmlformats.org/officeDocument/2006/customXml" ds:itemID="{927BD4C1-B6B1-4715-ABF9-E660A51A4EA0}">
+<ds:datastoreItem xmlns:ds="http://schemas.openxmlformats.org/officeDocument/2006/customXml" ds:itemID="{8D289AE2-D2AE-49D1-AFAC-3A79F6794255}">
   <ds:schemaRefs>
-    <ds:schemaRef ds:uri="http://schemas.microsoft.com/sharepoint/v3/contenttype/forms"/>
+    <ds:schemaRef ds:uri="http://schemas.microsoft.com/office/2006/metadata/properties"/>
+    <ds:schemaRef ds:uri="http://schemas.microsoft.com/office/infopath/2007/PartnerControls"/>
+    <ds:schemaRef ds:uri="71af3243-3dd4-4a8d-8c0d-dd76da1f02a5"/>
   </ds:schemaRefs>
 </ds:datastoreItem>
 </file>
 
 <file path=customXml/itemProps2.xml><?xml version="1.0" encoding="utf-8"?>
-<ds:datastoreItem xmlns:ds="http://schemas.openxmlformats.org/officeDocument/2006/customXml" ds:itemID="{8D289AE2-D2AE-49D1-AFAC-3A79F6794255}">
+<ds:datastoreItem xmlns:ds="http://schemas.openxmlformats.org/officeDocument/2006/customXml" ds:itemID="{927BD4C1-B6B1-4715-ABF9-E660A51A4EA0}">
   <ds:schemaRefs>
-    <ds:schemaRef ds:uri="http://schemas.microsoft.com/office/2006/metadata/properties"/>
-    <ds:schemaRef ds:uri="http://schemas.microsoft.com/office/infopath/2007/PartnerControls"/>
-    <ds:schemaRef ds:uri="71af3243-3dd4-4a8d-8c0d-dd76da1f02a5"/>
+    <ds:schemaRef ds:uri="http://schemas.microsoft.com/sharepoint/v3/contenttype/forms"/>
   </ds:schemaRefs>
 </ds:datastoreItem>
 </file>

--- a/Multi-Hop LoRa Network Protocol with Minimized Latency.pptx
+++ b/Multi-Hop LoRa Network Protocol with Minimized Latency.pptx
@@ -5,7 +5,7 @@
     <p:sldMasterId id="2147483712" r:id="rId4"/>
   </p:sldMasterIdLst>
   <p:notesMasterIdLst>
-    <p:notesMasterId r:id="rId51"/>
+    <p:notesMasterId r:id="rId54"/>
   </p:notesMasterIdLst>
   <p:sldIdLst>
     <p:sldId id="257" r:id="rId5"/>
@@ -17,13 +17,13 @@
     <p:sldId id="263" r:id="rId11"/>
     <p:sldId id="265" r:id="rId12"/>
     <p:sldId id="266" r:id="rId13"/>
-    <p:sldId id="290" r:id="rId14"/>
+    <p:sldId id="273" r:id="rId14"/>
     <p:sldId id="267" r:id="rId15"/>
     <p:sldId id="270" r:id="rId16"/>
     <p:sldId id="271" r:id="rId17"/>
     <p:sldId id="272" r:id="rId18"/>
-    <p:sldId id="268" r:id="rId19"/>
-    <p:sldId id="273" r:id="rId20"/>
+    <p:sldId id="281" r:id="rId19"/>
+    <p:sldId id="268" r:id="rId20"/>
     <p:sldId id="274" r:id="rId21"/>
     <p:sldId id="275" r:id="rId22"/>
     <p:sldId id="276" r:id="rId23"/>
@@ -31,29 +31,32 @@
     <p:sldId id="277" r:id="rId25"/>
     <p:sldId id="278" r:id="rId26"/>
     <p:sldId id="280" r:id="rId27"/>
-    <p:sldId id="281" r:id="rId28"/>
-    <p:sldId id="282" r:id="rId29"/>
-    <p:sldId id="283" r:id="rId30"/>
-    <p:sldId id="284" r:id="rId31"/>
-    <p:sldId id="291" r:id="rId32"/>
-    <p:sldId id="292" r:id="rId33"/>
-    <p:sldId id="285" r:id="rId34"/>
-    <p:sldId id="293" r:id="rId35"/>
-    <p:sldId id="294" r:id="rId36"/>
-    <p:sldId id="286" r:id="rId37"/>
-    <p:sldId id="297" r:id="rId38"/>
-    <p:sldId id="287" r:id="rId39"/>
-    <p:sldId id="298" r:id="rId40"/>
+    <p:sldId id="282" r:id="rId28"/>
+    <p:sldId id="283" r:id="rId29"/>
+    <p:sldId id="284" r:id="rId30"/>
+    <p:sldId id="291" r:id="rId31"/>
+    <p:sldId id="292" r:id="rId32"/>
+    <p:sldId id="285" r:id="rId33"/>
+    <p:sldId id="293" r:id="rId34"/>
+    <p:sldId id="294" r:id="rId35"/>
+    <p:sldId id="297" r:id="rId36"/>
+    <p:sldId id="305" r:id="rId37"/>
+    <p:sldId id="306" r:id="rId38"/>
+    <p:sldId id="298" r:id="rId39"/>
+    <p:sldId id="287" r:id="rId40"/>
     <p:sldId id="288" r:id="rId41"/>
     <p:sldId id="300" r:id="rId42"/>
     <p:sldId id="301" r:id="rId43"/>
-    <p:sldId id="302" r:id="rId44"/>
-    <p:sldId id="304" r:id="rId45"/>
-    <p:sldId id="303" r:id="rId46"/>
-    <p:sldId id="289" r:id="rId47"/>
-    <p:sldId id="295" r:id="rId48"/>
-    <p:sldId id="296" r:id="rId49"/>
-    <p:sldId id="258" r:id="rId50"/>
+    <p:sldId id="307" r:id="rId44"/>
+    <p:sldId id="302" r:id="rId45"/>
+    <p:sldId id="304" r:id="rId46"/>
+    <p:sldId id="303" r:id="rId47"/>
+    <p:sldId id="289" r:id="rId48"/>
+    <p:sldId id="286" r:id="rId49"/>
+    <p:sldId id="295" r:id="rId50"/>
+    <p:sldId id="290" r:id="rId51"/>
+    <p:sldId id="296" r:id="rId52"/>
+    <p:sldId id="258" r:id="rId53"/>
   </p:sldIdLst>
   <p:sldSz cx="12192000" cy="6858000"/>
   <p:notesSz cx="6858000" cy="9144000"/>
@@ -3877,7 +3880,7 @@
           <a:p>
             <a:fld id="{019ECE35-052C-4519-883A-20811486312B}" type="datetimeFigureOut">
               <a:rPr lang="th-TH" smtClean="0"/>
-              <a:t>26/11/63</a:t>
+              <a:t>03/12/63</a:t>
             </a:fld>
             <a:endParaRPr lang="th-TH"/>
           </a:p>
@@ -4310,423 +4313,7 @@
               <a:tabLst/>
               <a:defRPr/>
             </a:pPr>
-            <a:r>
-              <a:rPr lang="en-US" dirty="0"/>
-              <a:t>NCP process with six nodes. At first, each node initializes its P, D, Cd and UC information, as shown in Table 1. We assume that TUTC = 5 × TS. </a:t>
-            </a:r>
-          </a:p>
-          <a:p>
-            <a:pPr marL="0" marR="0" lvl="0" indent="0" algn="l" defTabSz="914400" rtl="0" eaLnBrk="1" fontAlgn="auto" latinLnBrk="0" hangingPunct="1">
-              <a:lnSpc>
-                <a:spcPct val="100000"/>
-              </a:lnSpc>
-              <a:spcBef>
-                <a:spcPts val="0"/>
-              </a:spcBef>
-              <a:spcAft>
-                <a:spcPts val="0"/>
-              </a:spcAft>
-              <a:buClrTx/>
-              <a:buSzTx/>
-              <a:buFontTx/>
-              <a:buNone/>
-              <a:tabLst/>
-              <a:defRPr/>
-            </a:pPr>
             <a:endParaRPr lang="en-US" dirty="0"/>
-          </a:p>
-          <a:p>
-            <a:pPr marL="0" marR="0" lvl="0" indent="0" algn="l" defTabSz="914400" rtl="0" eaLnBrk="1" fontAlgn="auto" latinLnBrk="0" hangingPunct="1">
-              <a:lnSpc>
-                <a:spcPct val="100000"/>
-              </a:lnSpc>
-              <a:spcBef>
-                <a:spcPts val="0"/>
-              </a:spcBef>
-              <a:spcAft>
-                <a:spcPts val="0"/>
-              </a:spcAft>
-              <a:buClrTx/>
-              <a:buSzTx/>
-              <a:buFontTx/>
-              <a:buNone/>
-              <a:tabLst/>
-              <a:defRPr/>
-            </a:pPr>
-            <a:r>
-              <a:rPr lang="en-US" dirty="0"/>
-              <a:t>First, the sink node transmits INIT(0,S,0,5) </a:t>
-            </a:r>
-          </a:p>
-          <a:p>
-            <a:pPr marL="0" marR="0" lvl="0" indent="0" algn="l" defTabSz="914400" rtl="0" eaLnBrk="1" fontAlgn="auto" latinLnBrk="0" hangingPunct="1">
-              <a:lnSpc>
-                <a:spcPct val="100000"/>
-              </a:lnSpc>
-              <a:spcBef>
-                <a:spcPts val="0"/>
-              </a:spcBef>
-              <a:spcAft>
-                <a:spcPts val="0"/>
-              </a:spcAft>
-              <a:buClrTx/>
-              <a:buSzTx/>
-              <a:buFontTx/>
-              <a:buNone/>
-              <a:tabLst/>
-              <a:defRPr/>
-            </a:pPr>
-            <a:r>
-              <a:rPr lang="en-US" dirty="0"/>
-              <a:t>in timeslot TS1 in the first cycle (cycle 0). Nodes A and B receive the INIT packet from node S, and after that, </a:t>
-            </a:r>
-          </a:p>
-          <a:p>
-            <a:pPr marL="0" marR="0" lvl="0" indent="0" algn="l" defTabSz="914400" rtl="0" eaLnBrk="1" fontAlgn="auto" latinLnBrk="0" hangingPunct="1">
-              <a:lnSpc>
-                <a:spcPct val="100000"/>
-              </a:lnSpc>
-              <a:spcBef>
-                <a:spcPts val="0"/>
-              </a:spcBef>
-              <a:spcAft>
-                <a:spcPts val="0"/>
-              </a:spcAft>
-              <a:buClrTx/>
-              <a:buSzTx/>
-              <a:buFontTx/>
-              <a:buNone/>
-              <a:tabLst/>
-              <a:defRPr/>
-            </a:pPr>
-            <a:endParaRPr lang="en-US" dirty="0"/>
-          </a:p>
-          <a:p>
-            <a:pPr marL="0" marR="0" lvl="0" indent="0" algn="l" defTabSz="914400" rtl="0" eaLnBrk="1" fontAlgn="auto" latinLnBrk="0" hangingPunct="1">
-              <a:lnSpc>
-                <a:spcPct val="100000"/>
-              </a:lnSpc>
-              <a:spcBef>
-                <a:spcPts val="0"/>
-              </a:spcBef>
-              <a:spcAft>
-                <a:spcPts val="0"/>
-              </a:spcAft>
-              <a:buClrTx/>
-              <a:buSzTx/>
-              <a:buFontTx/>
-              <a:buNone/>
-              <a:tabLst/>
-              <a:defRPr/>
-            </a:pPr>
-            <a:r>
-              <a:rPr lang="en-US" dirty="0"/>
-              <a:t>nodes A and B compete to transmit a JOIN packet to node S. We assume node B wins, and node B transmits JOIN(1,B,S,{}). Node A determines it lost the competition and waits until TS2 (in the next cycle) to retransmit the JOIN packet. Node S receives the JOIN packet from node B and accepts node B as its child node. Based on UC and Cd, node S decides to assign timeslot T5 and channel Ch0 to node B to communicate with node S, as explained in the next sub-section.</a:t>
-            </a:r>
-          </a:p>
-          <a:p>
-            <a:pPr marL="0" marR="0" lvl="0" indent="0" algn="l" defTabSz="914400" rtl="0" eaLnBrk="1" fontAlgn="auto" latinLnBrk="0" hangingPunct="1">
-              <a:lnSpc>
-                <a:spcPct val="100000"/>
-              </a:lnSpc>
-              <a:spcBef>
-                <a:spcPts val="0"/>
-              </a:spcBef>
-              <a:spcAft>
-                <a:spcPts val="0"/>
-              </a:spcAft>
-              <a:buClrTx/>
-              <a:buSzTx/>
-              <a:buFontTx/>
-              <a:buNone/>
-              <a:tabLst/>
-              <a:defRPr/>
-            </a:pPr>
-            <a:r>
-              <a:rPr lang="en-US" dirty="0"/>
-              <a:t> </a:t>
-            </a:r>
-          </a:p>
-          <a:p>
-            <a:pPr marL="0" marR="0" lvl="0" indent="0" algn="l" defTabSz="914400" rtl="0" eaLnBrk="1" fontAlgn="auto" latinLnBrk="0" hangingPunct="1">
-              <a:lnSpc>
-                <a:spcPct val="100000"/>
-              </a:lnSpc>
-              <a:spcBef>
-                <a:spcPts val="0"/>
-              </a:spcBef>
-              <a:spcAft>
-                <a:spcPts val="0"/>
-              </a:spcAft>
-              <a:buClrTx/>
-              <a:buSzTx/>
-              <a:buFontTx/>
-              <a:buNone/>
-              <a:tabLst/>
-              <a:defRPr/>
-            </a:pPr>
-            <a:r>
-              <a:rPr lang="en-US" dirty="0"/>
-              <a:t>Node S transmits CON (0,S,B,T5,Ch0) to node B at TS3 to inform node B of its assignment. Nodes A and B receive the CON packet, B sets its parent as S and the cell assignment to P and UC, while node A adds (Ch0, T5) to its UC list. In TS4, node B broadcasts ADV (1,B,T5,Ch0) to inform its neighbor nodes of the cell assignment. After receiving the ADV packet, nodes A, C and D add (Ch0, T5) to their UC lists.</a:t>
-            </a:r>
-          </a:p>
-          <a:p>
-            <a:pPr marL="0" marR="0" lvl="0" indent="0" algn="l" defTabSz="914400" rtl="0" eaLnBrk="1" fontAlgn="auto" latinLnBrk="0" hangingPunct="1">
-              <a:lnSpc>
-                <a:spcPct val="100000"/>
-              </a:lnSpc>
-              <a:spcBef>
-                <a:spcPts val="0"/>
-              </a:spcBef>
-              <a:spcAft>
-                <a:spcPts val="0"/>
-              </a:spcAft>
-              <a:buClrTx/>
-              <a:buSzTx/>
-              <a:buFontTx/>
-              <a:buNone/>
-              <a:tabLst/>
-              <a:defRPr/>
-            </a:pPr>
-            <a:endParaRPr lang="en-US" dirty="0"/>
-          </a:p>
-          <a:p>
-            <a:pPr marL="0" marR="0" lvl="0" indent="0" algn="l" defTabSz="914400" rtl="0" eaLnBrk="1" fontAlgn="auto" latinLnBrk="0" hangingPunct="1">
-              <a:lnSpc>
-                <a:spcPct val="100000"/>
-              </a:lnSpc>
-              <a:spcBef>
-                <a:spcPts val="0"/>
-              </a:spcBef>
-              <a:spcAft>
-                <a:spcPts val="0"/>
-              </a:spcAft>
-              <a:buClrTx/>
-              <a:buSzTx/>
-              <a:buFontTx/>
-              <a:buNone/>
-              <a:tabLst/>
-              <a:defRPr/>
-            </a:pPr>
-            <a:r>
-              <a:rPr lang="en-US" dirty="0"/>
-              <a:t>In TS4, node B broadcasts ADV (1,B,T5,Ch0) to inform its neighbor nodes of the cell assignment. After receiving the ADV packet, nodes A, C and D add (Ch0, T5) to their UC lists. </a:t>
-            </a:r>
-          </a:p>
-          <a:p>
-            <a:pPr marL="0" marR="0" lvl="0" indent="0" algn="l" defTabSz="914400" rtl="0" eaLnBrk="1" fontAlgn="auto" latinLnBrk="0" hangingPunct="1">
-              <a:lnSpc>
-                <a:spcPct val="100000"/>
-              </a:lnSpc>
-              <a:spcBef>
-                <a:spcPts val="0"/>
-              </a:spcBef>
-              <a:spcAft>
-                <a:spcPts val="0"/>
-              </a:spcAft>
-              <a:buClrTx/>
-              <a:buSzTx/>
-              <a:buFontTx/>
-              <a:buNone/>
-              <a:tabLst/>
-              <a:defRPr/>
-            </a:pPr>
-            <a:endParaRPr lang="en-US" dirty="0"/>
-          </a:p>
-          <a:p>
-            <a:pPr marL="0" marR="0" lvl="0" indent="0" algn="l" defTabSz="914400" rtl="0" eaLnBrk="1" fontAlgn="auto" latinLnBrk="0" hangingPunct="1">
-              <a:lnSpc>
-                <a:spcPct val="100000"/>
-              </a:lnSpc>
-              <a:spcBef>
-                <a:spcPts val="0"/>
-              </a:spcBef>
-              <a:spcAft>
-                <a:spcPts val="0"/>
-              </a:spcAft>
-              <a:buClrTx/>
-              <a:buSzTx/>
-              <a:buFontTx/>
-              <a:buNone/>
-              <a:tabLst/>
-              <a:defRPr/>
-            </a:pPr>
-            <a:r>
-              <a:rPr lang="en-US" dirty="0"/>
-              <a:t>In TS1 of the next cycle (Cycle 1), node B sends INIT (1,B,1,5), and nodes A, C and E receive this packet and add node B to their parent lists. </a:t>
-            </a:r>
-          </a:p>
-          <a:p>
-            <a:pPr marL="0" marR="0" lvl="0" indent="0" algn="l" defTabSz="914400" rtl="0" eaLnBrk="1" fontAlgn="auto" latinLnBrk="0" hangingPunct="1">
-              <a:lnSpc>
-                <a:spcPct val="100000"/>
-              </a:lnSpc>
-              <a:spcBef>
-                <a:spcPts val="0"/>
-              </a:spcBef>
-              <a:spcAft>
-                <a:spcPts val="0"/>
-              </a:spcAft>
-              <a:buClrTx/>
-              <a:buSzTx/>
-              <a:buFontTx/>
-              <a:buNone/>
-              <a:tabLst/>
-              <a:defRPr/>
-            </a:pPr>
-            <a:endParaRPr lang="en-US" dirty="0"/>
-          </a:p>
-          <a:p>
-            <a:pPr marL="0" marR="0" lvl="0" indent="0" algn="l" defTabSz="914400" rtl="0" eaLnBrk="1" fontAlgn="auto" latinLnBrk="0" hangingPunct="1">
-              <a:lnSpc>
-                <a:spcPct val="100000"/>
-              </a:lnSpc>
-              <a:spcBef>
-                <a:spcPts val="0"/>
-              </a:spcBef>
-              <a:spcAft>
-                <a:spcPts val="0"/>
-              </a:spcAft>
-              <a:buClrTx/>
-              <a:buSzTx/>
-              <a:buFontTx/>
-              <a:buNone/>
-              <a:tabLst/>
-              <a:defRPr/>
-            </a:pPr>
-            <a:r>
-              <a:rPr lang="en-US" dirty="0"/>
-              <a:t>In TS2, nodes A, C and D choose their parents as described in the next sub-section and compete to transmit a JOIN packet to the parent node. Node A wins then, sending JOIN (1,A,S,{(T5, Ch0)}) to node S. Nodes C and E determine that they lost the competition when overhearing the JOIN packet, and wait until TS3 (in the next cycle) to retransmit the JOIN packet. After receiving the JOIN packet from node A, node S accepts node A as its child and chooses TS4 and channel Ch0 as the link from A to S. </a:t>
-            </a:r>
-          </a:p>
-          <a:p>
-            <a:pPr marL="0" marR="0" lvl="0" indent="0" algn="l" defTabSz="914400" rtl="0" eaLnBrk="1" fontAlgn="auto" latinLnBrk="0" hangingPunct="1">
-              <a:lnSpc>
-                <a:spcPct val="100000"/>
-              </a:lnSpc>
-              <a:spcBef>
-                <a:spcPts val="0"/>
-              </a:spcBef>
-              <a:spcAft>
-                <a:spcPts val="0"/>
-              </a:spcAft>
-              <a:buClrTx/>
-              <a:buSzTx/>
-              <a:buFontTx/>
-              <a:buNone/>
-              <a:tabLst/>
-              <a:defRPr/>
-            </a:pPr>
-            <a:endParaRPr lang="en-US" dirty="0"/>
-          </a:p>
-          <a:p>
-            <a:pPr marL="0" marR="0" lvl="0" indent="0" algn="l" defTabSz="914400" rtl="0" eaLnBrk="1" fontAlgn="auto" latinLnBrk="0" hangingPunct="1">
-              <a:lnSpc>
-                <a:spcPct val="100000"/>
-              </a:lnSpc>
-              <a:spcBef>
-                <a:spcPts val="0"/>
-              </a:spcBef>
-              <a:spcAft>
-                <a:spcPts val="0"/>
-              </a:spcAft>
-              <a:buClrTx/>
-              <a:buSzTx/>
-              <a:buFontTx/>
-              <a:buNone/>
-              <a:tabLst/>
-              <a:defRPr/>
-            </a:pPr>
-            <a:r>
-              <a:rPr lang="en-US" dirty="0"/>
-              <a:t>Node S transmits CON (0,S,A,T4,Ch0) to node A at TS3 to inform node A of its assignment. Nodes C, B and D overhear this packet and add (Ch0, T4) to their UC lists. Node A receives this packet and sets its parent as S, adding the cell assignment to P. </a:t>
-            </a:r>
-          </a:p>
-          <a:p>
-            <a:pPr marL="0" marR="0" lvl="0" indent="0" algn="l" defTabSz="914400" rtl="0" eaLnBrk="1" fontAlgn="auto" latinLnBrk="0" hangingPunct="1">
-              <a:lnSpc>
-                <a:spcPct val="100000"/>
-              </a:lnSpc>
-              <a:spcBef>
-                <a:spcPts val="0"/>
-              </a:spcBef>
-              <a:spcAft>
-                <a:spcPts val="0"/>
-              </a:spcAft>
-              <a:buClrTx/>
-              <a:buSzTx/>
-              <a:buFontTx/>
-              <a:buNone/>
-              <a:tabLst/>
-              <a:defRPr/>
-            </a:pPr>
-            <a:endParaRPr lang="en-US" dirty="0"/>
-          </a:p>
-          <a:p>
-            <a:pPr marL="0" marR="0" lvl="0" indent="0" algn="l" defTabSz="914400" rtl="0" eaLnBrk="1" fontAlgn="auto" latinLnBrk="0" hangingPunct="1">
-              <a:lnSpc>
-                <a:spcPct val="100000"/>
-              </a:lnSpc>
-              <a:spcBef>
-                <a:spcPts val="0"/>
-              </a:spcBef>
-              <a:spcAft>
-                <a:spcPts val="0"/>
-              </a:spcAft>
-              <a:buClrTx/>
-              <a:buSzTx/>
-              <a:buFontTx/>
-              <a:buNone/>
-              <a:tabLst/>
-              <a:defRPr/>
-            </a:pPr>
-            <a:r>
-              <a:rPr lang="en-US" dirty="0"/>
-              <a:t>In TS4, node A broadcasts ADV(1,A,T4,Ch0) to inform the neighbor nodes about the cell assignment. </a:t>
-            </a:r>
-          </a:p>
-          <a:p>
-            <a:pPr marL="0" marR="0" lvl="0" indent="0" algn="l" defTabSz="914400" rtl="0" eaLnBrk="1" fontAlgn="auto" latinLnBrk="0" hangingPunct="1">
-              <a:lnSpc>
-                <a:spcPct val="100000"/>
-              </a:lnSpc>
-              <a:spcBef>
-                <a:spcPts val="0"/>
-              </a:spcBef>
-              <a:spcAft>
-                <a:spcPts val="0"/>
-              </a:spcAft>
-              <a:buClrTx/>
-              <a:buSzTx/>
-              <a:buFontTx/>
-              <a:buNone/>
-              <a:tabLst/>
-              <a:defRPr/>
-            </a:pPr>
-            <a:endParaRPr lang="en-US" dirty="0"/>
-          </a:p>
-          <a:p>
-            <a:pPr marL="0" marR="0" lvl="0" indent="0" algn="l" defTabSz="914400" rtl="0" eaLnBrk="1" fontAlgn="auto" latinLnBrk="0" hangingPunct="1">
-              <a:lnSpc>
-                <a:spcPct val="100000"/>
-              </a:lnSpc>
-              <a:spcBef>
-                <a:spcPts val="0"/>
-              </a:spcBef>
-              <a:spcAft>
-                <a:spcPts val="0"/>
-              </a:spcAft>
-              <a:buClrTx/>
-              <a:buSzTx/>
-              <a:buFontTx/>
-              <a:buNone/>
-              <a:tabLst/>
-              <a:defRPr/>
-            </a:pPr>
-            <a:r>
-              <a:rPr lang="en-US" dirty="0"/>
-              <a:t>This process is repeated until the network construction is completed. Figure 6 shows the NCP process, and Table 1 shows the information maintained by each node after the NCP finishes.</a:t>
-            </a:r>
           </a:p>
         </p:txBody>
       </p:sp>
@@ -4747,7 +4334,7 @@
           <a:p>
             <a:fld id="{7A6690C6-3487-4A2A-A435-A96B59A0BF17}" type="slidenum">
               <a:rPr lang="th-TH" smtClean="0"/>
-              <a:t>23</a:t>
+              <a:t>18</a:t>
             </a:fld>
             <a:endParaRPr lang="th-TH"/>
           </a:p>
@@ -4756,7 +4343,7 @@
     </p:spTree>
     <p:extLst>
       <p:ext uri="{BB962C8B-B14F-4D97-AF65-F5344CB8AC3E}">
-        <p14:creationId xmlns:p14="http://schemas.microsoft.com/office/powerpoint/2010/main" val="4064396793"/>
+        <p14:creationId xmlns:p14="http://schemas.microsoft.com/office/powerpoint/2010/main" val="1585484010"/>
       </p:ext>
     </p:extLst>
   </p:cSld>
@@ -4848,7 +4435,7 @@
           <a:p>
             <a:fld id="{7A6690C6-3487-4A2A-A435-A96B59A0BF17}" type="slidenum">
               <a:rPr lang="th-TH" smtClean="0"/>
-              <a:t>24</a:t>
+              <a:t>19</a:t>
             </a:fld>
             <a:endParaRPr lang="th-TH"/>
           </a:p>
@@ -4857,7 +4444,7 @@
     </p:spTree>
     <p:extLst>
       <p:ext uri="{BB962C8B-B14F-4D97-AF65-F5344CB8AC3E}">
-        <p14:creationId xmlns:p14="http://schemas.microsoft.com/office/powerpoint/2010/main" val="1852440564"/>
+        <p14:creationId xmlns:p14="http://schemas.microsoft.com/office/powerpoint/2010/main" val="3176834282"/>
       </p:ext>
     </p:extLst>
   </p:cSld>
@@ -4949,7 +4536,7 @@
           <a:p>
             <a:fld id="{7A6690C6-3487-4A2A-A435-A96B59A0BF17}" type="slidenum">
               <a:rPr lang="th-TH" smtClean="0"/>
-              <a:t>25</a:t>
+              <a:t>20</a:t>
             </a:fld>
             <a:endParaRPr lang="th-TH"/>
           </a:p>
@@ -4958,7 +4545,7 @@
     </p:spTree>
     <p:extLst>
       <p:ext uri="{BB962C8B-B14F-4D97-AF65-F5344CB8AC3E}">
-        <p14:creationId xmlns:p14="http://schemas.microsoft.com/office/powerpoint/2010/main" val="847033098"/>
+        <p14:creationId xmlns:p14="http://schemas.microsoft.com/office/powerpoint/2010/main" val="1315445525"/>
       </p:ext>
     </p:extLst>
   </p:cSld>
@@ -5050,7 +4637,7 @@
           <a:p>
             <a:fld id="{7A6690C6-3487-4A2A-A435-A96B59A0BF17}" type="slidenum">
               <a:rPr lang="th-TH" smtClean="0"/>
-              <a:t>26</a:t>
+              <a:t>21</a:t>
             </a:fld>
             <a:endParaRPr lang="th-TH"/>
           </a:p>
@@ -5059,7 +4646,7 @@
     </p:spTree>
     <p:extLst>
       <p:ext uri="{BB962C8B-B14F-4D97-AF65-F5344CB8AC3E}">
-        <p14:creationId xmlns:p14="http://schemas.microsoft.com/office/powerpoint/2010/main" val="3576439858"/>
+        <p14:creationId xmlns:p14="http://schemas.microsoft.com/office/powerpoint/2010/main" val="1473444794"/>
       </p:ext>
     </p:extLst>
   </p:cSld>
@@ -5151,7 +4738,7 @@
           <a:p>
             <a:fld id="{7A6690C6-3487-4A2A-A435-A96B59A0BF17}" type="slidenum">
               <a:rPr lang="th-TH" smtClean="0"/>
-              <a:t>27</a:t>
+              <a:t>22</a:t>
             </a:fld>
             <a:endParaRPr lang="th-TH"/>
           </a:p>
@@ -5160,7 +4747,7 @@
     </p:spTree>
     <p:extLst>
       <p:ext uri="{BB962C8B-B14F-4D97-AF65-F5344CB8AC3E}">
-        <p14:creationId xmlns:p14="http://schemas.microsoft.com/office/powerpoint/2010/main" val="2922517693"/>
+        <p14:creationId xmlns:p14="http://schemas.microsoft.com/office/powerpoint/2010/main" val="2617019540"/>
       </p:ext>
     </p:extLst>
   </p:cSld>
@@ -5231,7 +4818,423 @@
               <a:tabLst/>
               <a:defRPr/>
             </a:pPr>
+            <a:r>
+              <a:rPr lang="en-US" dirty="0"/>
+              <a:t>NCP process with six nodes. At first, each node initializes its P, D, Cd and UC information, as shown in Table 1. We assume that TUTC = 5 × TS. </a:t>
+            </a:r>
+          </a:p>
+          <a:p>
+            <a:pPr marL="0" marR="0" lvl="0" indent="0" algn="l" defTabSz="914400" rtl="0" eaLnBrk="1" fontAlgn="auto" latinLnBrk="0" hangingPunct="1">
+              <a:lnSpc>
+                <a:spcPct val="100000"/>
+              </a:lnSpc>
+              <a:spcBef>
+                <a:spcPts val="0"/>
+              </a:spcBef>
+              <a:spcAft>
+                <a:spcPts val="0"/>
+              </a:spcAft>
+              <a:buClrTx/>
+              <a:buSzTx/>
+              <a:buFontTx/>
+              <a:buNone/>
+              <a:tabLst/>
+              <a:defRPr/>
+            </a:pPr>
             <a:endParaRPr lang="en-US" dirty="0"/>
+          </a:p>
+          <a:p>
+            <a:pPr marL="0" marR="0" lvl="0" indent="0" algn="l" defTabSz="914400" rtl="0" eaLnBrk="1" fontAlgn="auto" latinLnBrk="0" hangingPunct="1">
+              <a:lnSpc>
+                <a:spcPct val="100000"/>
+              </a:lnSpc>
+              <a:spcBef>
+                <a:spcPts val="0"/>
+              </a:spcBef>
+              <a:spcAft>
+                <a:spcPts val="0"/>
+              </a:spcAft>
+              <a:buClrTx/>
+              <a:buSzTx/>
+              <a:buFontTx/>
+              <a:buNone/>
+              <a:tabLst/>
+              <a:defRPr/>
+            </a:pPr>
+            <a:r>
+              <a:rPr lang="en-US" dirty="0"/>
+              <a:t>First, the sink node transmits INIT(0,S,0,5) </a:t>
+            </a:r>
+          </a:p>
+          <a:p>
+            <a:pPr marL="0" marR="0" lvl="0" indent="0" algn="l" defTabSz="914400" rtl="0" eaLnBrk="1" fontAlgn="auto" latinLnBrk="0" hangingPunct="1">
+              <a:lnSpc>
+                <a:spcPct val="100000"/>
+              </a:lnSpc>
+              <a:spcBef>
+                <a:spcPts val="0"/>
+              </a:spcBef>
+              <a:spcAft>
+                <a:spcPts val="0"/>
+              </a:spcAft>
+              <a:buClrTx/>
+              <a:buSzTx/>
+              <a:buFontTx/>
+              <a:buNone/>
+              <a:tabLst/>
+              <a:defRPr/>
+            </a:pPr>
+            <a:r>
+              <a:rPr lang="en-US" dirty="0"/>
+              <a:t>in timeslot TS1 in the first cycle (cycle 0). Nodes A and B receive the INIT packet from node S, and after that, </a:t>
+            </a:r>
+          </a:p>
+          <a:p>
+            <a:pPr marL="0" marR="0" lvl="0" indent="0" algn="l" defTabSz="914400" rtl="0" eaLnBrk="1" fontAlgn="auto" latinLnBrk="0" hangingPunct="1">
+              <a:lnSpc>
+                <a:spcPct val="100000"/>
+              </a:lnSpc>
+              <a:spcBef>
+                <a:spcPts val="0"/>
+              </a:spcBef>
+              <a:spcAft>
+                <a:spcPts val="0"/>
+              </a:spcAft>
+              <a:buClrTx/>
+              <a:buSzTx/>
+              <a:buFontTx/>
+              <a:buNone/>
+              <a:tabLst/>
+              <a:defRPr/>
+            </a:pPr>
+            <a:endParaRPr lang="en-US" dirty="0"/>
+          </a:p>
+          <a:p>
+            <a:pPr marL="0" marR="0" lvl="0" indent="0" algn="l" defTabSz="914400" rtl="0" eaLnBrk="1" fontAlgn="auto" latinLnBrk="0" hangingPunct="1">
+              <a:lnSpc>
+                <a:spcPct val="100000"/>
+              </a:lnSpc>
+              <a:spcBef>
+                <a:spcPts val="0"/>
+              </a:spcBef>
+              <a:spcAft>
+                <a:spcPts val="0"/>
+              </a:spcAft>
+              <a:buClrTx/>
+              <a:buSzTx/>
+              <a:buFontTx/>
+              <a:buNone/>
+              <a:tabLst/>
+              <a:defRPr/>
+            </a:pPr>
+            <a:r>
+              <a:rPr lang="en-US" dirty="0"/>
+              <a:t>nodes A and B compete to transmit a JOIN packet to node S. We assume node B wins, and node B transmits JOIN(1,B,S,{}). Node A determines it lost the competition and waits until TS2 (in the next cycle) to retransmit the JOIN packet. Node S receives the JOIN packet from node B and accepts node B as its child node. Based on UC and Cd, node S decides to assign timeslot T5 and channel Ch0 to node B to communicate with node S, as explained in the next sub-section.</a:t>
+            </a:r>
+          </a:p>
+          <a:p>
+            <a:pPr marL="0" marR="0" lvl="0" indent="0" algn="l" defTabSz="914400" rtl="0" eaLnBrk="1" fontAlgn="auto" latinLnBrk="0" hangingPunct="1">
+              <a:lnSpc>
+                <a:spcPct val="100000"/>
+              </a:lnSpc>
+              <a:spcBef>
+                <a:spcPts val="0"/>
+              </a:spcBef>
+              <a:spcAft>
+                <a:spcPts val="0"/>
+              </a:spcAft>
+              <a:buClrTx/>
+              <a:buSzTx/>
+              <a:buFontTx/>
+              <a:buNone/>
+              <a:tabLst/>
+              <a:defRPr/>
+            </a:pPr>
+            <a:r>
+              <a:rPr lang="en-US" dirty="0"/>
+              <a:t> </a:t>
+            </a:r>
+          </a:p>
+          <a:p>
+            <a:pPr marL="0" marR="0" lvl="0" indent="0" algn="l" defTabSz="914400" rtl="0" eaLnBrk="1" fontAlgn="auto" latinLnBrk="0" hangingPunct="1">
+              <a:lnSpc>
+                <a:spcPct val="100000"/>
+              </a:lnSpc>
+              <a:spcBef>
+                <a:spcPts val="0"/>
+              </a:spcBef>
+              <a:spcAft>
+                <a:spcPts val="0"/>
+              </a:spcAft>
+              <a:buClrTx/>
+              <a:buSzTx/>
+              <a:buFontTx/>
+              <a:buNone/>
+              <a:tabLst/>
+              <a:defRPr/>
+            </a:pPr>
+            <a:r>
+              <a:rPr lang="en-US" dirty="0"/>
+              <a:t>Node S transmits CON (0,S,B,T5,Ch0) to node B at TS3 to inform node B of its assignment. Nodes A and B receive the CON packet, B sets its parent as S and the cell assignment to P and UC, while node A adds (Ch0, T5) to its UC list. In TS4, node B broadcasts ADV (1,B,T5,Ch0) to inform its neighbor nodes of the cell assignment. After receiving the ADV packet, nodes A, C and D add (Ch0, T5) to their UC lists.</a:t>
+            </a:r>
+          </a:p>
+          <a:p>
+            <a:pPr marL="0" marR="0" lvl="0" indent="0" algn="l" defTabSz="914400" rtl="0" eaLnBrk="1" fontAlgn="auto" latinLnBrk="0" hangingPunct="1">
+              <a:lnSpc>
+                <a:spcPct val="100000"/>
+              </a:lnSpc>
+              <a:spcBef>
+                <a:spcPts val="0"/>
+              </a:spcBef>
+              <a:spcAft>
+                <a:spcPts val="0"/>
+              </a:spcAft>
+              <a:buClrTx/>
+              <a:buSzTx/>
+              <a:buFontTx/>
+              <a:buNone/>
+              <a:tabLst/>
+              <a:defRPr/>
+            </a:pPr>
+            <a:endParaRPr lang="en-US" dirty="0"/>
+          </a:p>
+          <a:p>
+            <a:pPr marL="0" marR="0" lvl="0" indent="0" algn="l" defTabSz="914400" rtl="0" eaLnBrk="1" fontAlgn="auto" latinLnBrk="0" hangingPunct="1">
+              <a:lnSpc>
+                <a:spcPct val="100000"/>
+              </a:lnSpc>
+              <a:spcBef>
+                <a:spcPts val="0"/>
+              </a:spcBef>
+              <a:spcAft>
+                <a:spcPts val="0"/>
+              </a:spcAft>
+              <a:buClrTx/>
+              <a:buSzTx/>
+              <a:buFontTx/>
+              <a:buNone/>
+              <a:tabLst/>
+              <a:defRPr/>
+            </a:pPr>
+            <a:r>
+              <a:rPr lang="en-US" dirty="0"/>
+              <a:t>In TS4, node B broadcasts ADV (1,B,T5,Ch0) to inform its neighbor nodes of the cell assignment. After receiving the ADV packet, nodes A, C and D add (Ch0, T5) to their UC lists. </a:t>
+            </a:r>
+          </a:p>
+          <a:p>
+            <a:pPr marL="0" marR="0" lvl="0" indent="0" algn="l" defTabSz="914400" rtl="0" eaLnBrk="1" fontAlgn="auto" latinLnBrk="0" hangingPunct="1">
+              <a:lnSpc>
+                <a:spcPct val="100000"/>
+              </a:lnSpc>
+              <a:spcBef>
+                <a:spcPts val="0"/>
+              </a:spcBef>
+              <a:spcAft>
+                <a:spcPts val="0"/>
+              </a:spcAft>
+              <a:buClrTx/>
+              <a:buSzTx/>
+              <a:buFontTx/>
+              <a:buNone/>
+              <a:tabLst/>
+              <a:defRPr/>
+            </a:pPr>
+            <a:endParaRPr lang="en-US" dirty="0"/>
+          </a:p>
+          <a:p>
+            <a:pPr marL="0" marR="0" lvl="0" indent="0" algn="l" defTabSz="914400" rtl="0" eaLnBrk="1" fontAlgn="auto" latinLnBrk="0" hangingPunct="1">
+              <a:lnSpc>
+                <a:spcPct val="100000"/>
+              </a:lnSpc>
+              <a:spcBef>
+                <a:spcPts val="0"/>
+              </a:spcBef>
+              <a:spcAft>
+                <a:spcPts val="0"/>
+              </a:spcAft>
+              <a:buClrTx/>
+              <a:buSzTx/>
+              <a:buFontTx/>
+              <a:buNone/>
+              <a:tabLst/>
+              <a:defRPr/>
+            </a:pPr>
+            <a:r>
+              <a:rPr lang="en-US" dirty="0"/>
+              <a:t>In TS1 of the next cycle (Cycle 1), node B sends INIT (1,B,1,5), and nodes A, C and E receive this packet and add node B to their parent lists. </a:t>
+            </a:r>
+          </a:p>
+          <a:p>
+            <a:pPr marL="0" marR="0" lvl="0" indent="0" algn="l" defTabSz="914400" rtl="0" eaLnBrk="1" fontAlgn="auto" latinLnBrk="0" hangingPunct="1">
+              <a:lnSpc>
+                <a:spcPct val="100000"/>
+              </a:lnSpc>
+              <a:spcBef>
+                <a:spcPts val="0"/>
+              </a:spcBef>
+              <a:spcAft>
+                <a:spcPts val="0"/>
+              </a:spcAft>
+              <a:buClrTx/>
+              <a:buSzTx/>
+              <a:buFontTx/>
+              <a:buNone/>
+              <a:tabLst/>
+              <a:defRPr/>
+            </a:pPr>
+            <a:endParaRPr lang="en-US" dirty="0"/>
+          </a:p>
+          <a:p>
+            <a:pPr marL="0" marR="0" lvl="0" indent="0" algn="l" defTabSz="914400" rtl="0" eaLnBrk="1" fontAlgn="auto" latinLnBrk="0" hangingPunct="1">
+              <a:lnSpc>
+                <a:spcPct val="100000"/>
+              </a:lnSpc>
+              <a:spcBef>
+                <a:spcPts val="0"/>
+              </a:spcBef>
+              <a:spcAft>
+                <a:spcPts val="0"/>
+              </a:spcAft>
+              <a:buClrTx/>
+              <a:buSzTx/>
+              <a:buFontTx/>
+              <a:buNone/>
+              <a:tabLst/>
+              <a:defRPr/>
+            </a:pPr>
+            <a:r>
+              <a:rPr lang="en-US" dirty="0"/>
+              <a:t>In TS2, nodes A, C and D choose their parents as described in the next sub-section and compete to transmit a JOIN packet to the parent node. Node A wins then, sending JOIN (1,A,S,{(T5, Ch0)}) to node S. Nodes C and E determine that they lost the competition when overhearing the JOIN packet, and wait until TS3 (in the next cycle) to retransmit the JOIN packet. After receiving the JOIN packet from node A, node S accepts node A as its child and chooses TS4 and channel Ch0 as the link from A to S. </a:t>
+            </a:r>
+          </a:p>
+          <a:p>
+            <a:pPr marL="0" marR="0" lvl="0" indent="0" algn="l" defTabSz="914400" rtl="0" eaLnBrk="1" fontAlgn="auto" latinLnBrk="0" hangingPunct="1">
+              <a:lnSpc>
+                <a:spcPct val="100000"/>
+              </a:lnSpc>
+              <a:spcBef>
+                <a:spcPts val="0"/>
+              </a:spcBef>
+              <a:spcAft>
+                <a:spcPts val="0"/>
+              </a:spcAft>
+              <a:buClrTx/>
+              <a:buSzTx/>
+              <a:buFontTx/>
+              <a:buNone/>
+              <a:tabLst/>
+              <a:defRPr/>
+            </a:pPr>
+            <a:endParaRPr lang="en-US" dirty="0"/>
+          </a:p>
+          <a:p>
+            <a:pPr marL="0" marR="0" lvl="0" indent="0" algn="l" defTabSz="914400" rtl="0" eaLnBrk="1" fontAlgn="auto" latinLnBrk="0" hangingPunct="1">
+              <a:lnSpc>
+                <a:spcPct val="100000"/>
+              </a:lnSpc>
+              <a:spcBef>
+                <a:spcPts val="0"/>
+              </a:spcBef>
+              <a:spcAft>
+                <a:spcPts val="0"/>
+              </a:spcAft>
+              <a:buClrTx/>
+              <a:buSzTx/>
+              <a:buFontTx/>
+              <a:buNone/>
+              <a:tabLst/>
+              <a:defRPr/>
+            </a:pPr>
+            <a:r>
+              <a:rPr lang="en-US" dirty="0"/>
+              <a:t>Node S transmits CON (0,S,A,T4,Ch0) to node A at TS3 to inform node A of its assignment. Nodes C, B and D overhear this packet and add (Ch0, T4) to their UC lists. Node A receives this packet and sets its parent as S, adding the cell assignment to P. </a:t>
+            </a:r>
+          </a:p>
+          <a:p>
+            <a:pPr marL="0" marR="0" lvl="0" indent="0" algn="l" defTabSz="914400" rtl="0" eaLnBrk="1" fontAlgn="auto" latinLnBrk="0" hangingPunct="1">
+              <a:lnSpc>
+                <a:spcPct val="100000"/>
+              </a:lnSpc>
+              <a:spcBef>
+                <a:spcPts val="0"/>
+              </a:spcBef>
+              <a:spcAft>
+                <a:spcPts val="0"/>
+              </a:spcAft>
+              <a:buClrTx/>
+              <a:buSzTx/>
+              <a:buFontTx/>
+              <a:buNone/>
+              <a:tabLst/>
+              <a:defRPr/>
+            </a:pPr>
+            <a:endParaRPr lang="en-US" dirty="0"/>
+          </a:p>
+          <a:p>
+            <a:pPr marL="0" marR="0" lvl="0" indent="0" algn="l" defTabSz="914400" rtl="0" eaLnBrk="1" fontAlgn="auto" latinLnBrk="0" hangingPunct="1">
+              <a:lnSpc>
+                <a:spcPct val="100000"/>
+              </a:lnSpc>
+              <a:spcBef>
+                <a:spcPts val="0"/>
+              </a:spcBef>
+              <a:spcAft>
+                <a:spcPts val="0"/>
+              </a:spcAft>
+              <a:buClrTx/>
+              <a:buSzTx/>
+              <a:buFontTx/>
+              <a:buNone/>
+              <a:tabLst/>
+              <a:defRPr/>
+            </a:pPr>
+            <a:r>
+              <a:rPr lang="en-US" dirty="0"/>
+              <a:t>In TS4, node A broadcasts ADV(1,A,T4,Ch0) to inform the neighbor nodes about the cell assignment. </a:t>
+            </a:r>
+          </a:p>
+          <a:p>
+            <a:pPr marL="0" marR="0" lvl="0" indent="0" algn="l" defTabSz="914400" rtl="0" eaLnBrk="1" fontAlgn="auto" latinLnBrk="0" hangingPunct="1">
+              <a:lnSpc>
+                <a:spcPct val="100000"/>
+              </a:lnSpc>
+              <a:spcBef>
+                <a:spcPts val="0"/>
+              </a:spcBef>
+              <a:spcAft>
+                <a:spcPts val="0"/>
+              </a:spcAft>
+              <a:buClrTx/>
+              <a:buSzTx/>
+              <a:buFontTx/>
+              <a:buNone/>
+              <a:tabLst/>
+              <a:defRPr/>
+            </a:pPr>
+            <a:endParaRPr lang="en-US" dirty="0"/>
+          </a:p>
+          <a:p>
+            <a:pPr marL="0" marR="0" lvl="0" indent="0" algn="l" defTabSz="914400" rtl="0" eaLnBrk="1" fontAlgn="auto" latinLnBrk="0" hangingPunct="1">
+              <a:lnSpc>
+                <a:spcPct val="100000"/>
+              </a:lnSpc>
+              <a:spcBef>
+                <a:spcPts val="0"/>
+              </a:spcBef>
+              <a:spcAft>
+                <a:spcPts val="0"/>
+              </a:spcAft>
+              <a:buClrTx/>
+              <a:buSzTx/>
+              <a:buFontTx/>
+              <a:buNone/>
+              <a:tabLst/>
+              <a:defRPr/>
+            </a:pPr>
+            <a:r>
+              <a:rPr lang="en-US" dirty="0"/>
+              <a:t>This process is repeated until the network construction is completed. Figure 6 shows the NCP process, and Table 1 shows the information maintained by each node after the NCP finishes.</a:t>
+            </a:r>
           </a:p>
         </p:txBody>
       </p:sp>
@@ -5252,7 +5255,7 @@
           <a:p>
             <a:fld id="{7A6690C6-3487-4A2A-A435-A96B59A0BF17}" type="slidenum">
               <a:rPr lang="th-TH" smtClean="0"/>
-              <a:t>28</a:t>
+              <a:t>23</a:t>
             </a:fld>
             <a:endParaRPr lang="th-TH"/>
           </a:p>
@@ -5261,7 +5264,7 @@
     </p:spTree>
     <p:extLst>
       <p:ext uri="{BB962C8B-B14F-4D97-AF65-F5344CB8AC3E}">
-        <p14:creationId xmlns:p14="http://schemas.microsoft.com/office/powerpoint/2010/main" val="33350191"/>
+        <p14:creationId xmlns:p14="http://schemas.microsoft.com/office/powerpoint/2010/main" val="4064396793"/>
       </p:ext>
     </p:extLst>
   </p:cSld>
@@ -5332,7 +5335,18 @@
               <a:tabLst/>
               <a:defRPr/>
             </a:pPr>
-            <a:endParaRPr lang="en-US" dirty="0"/>
+            <a:r>
+              <a:rPr lang="en-US" dirty="0"/>
+              <a:t>in the next sub-section, they explained a </a:t>
+            </a:r>
+            <a:r>
+              <a:rPr lang="en-US" b="1" u="sng" dirty="0"/>
+              <a:t>packet collision–avoidance mechanism</a:t>
+            </a:r>
+            <a:r>
+              <a:rPr lang="en-US" dirty="0"/>
+              <a:t>, to avoid the collision</a:t>
+            </a:r>
           </a:p>
         </p:txBody>
       </p:sp>
@@ -5353,7 +5367,7 @@
           <a:p>
             <a:fld id="{7A6690C6-3487-4A2A-A435-A96B59A0BF17}" type="slidenum">
               <a:rPr lang="th-TH" smtClean="0"/>
-              <a:t>29</a:t>
+              <a:t>24</a:t>
             </a:fld>
             <a:endParaRPr lang="th-TH"/>
           </a:p>
@@ -5362,7 +5376,7 @@
     </p:spTree>
     <p:extLst>
       <p:ext uri="{BB962C8B-B14F-4D97-AF65-F5344CB8AC3E}">
-        <p14:creationId xmlns:p14="http://schemas.microsoft.com/office/powerpoint/2010/main" val="3004611128"/>
+        <p14:creationId xmlns:p14="http://schemas.microsoft.com/office/powerpoint/2010/main" val="847033098"/>
       </p:ext>
     </p:extLst>
   </p:cSld>
@@ -5454,7 +5468,7 @@
           <a:p>
             <a:fld id="{7A6690C6-3487-4A2A-A435-A96B59A0BF17}" type="slidenum">
               <a:rPr lang="th-TH" smtClean="0"/>
-              <a:t>30</a:t>
+              <a:t>25</a:t>
             </a:fld>
             <a:endParaRPr lang="th-TH"/>
           </a:p>
@@ -5463,7 +5477,7 @@
     </p:spTree>
     <p:extLst>
       <p:ext uri="{BB962C8B-B14F-4D97-AF65-F5344CB8AC3E}">
-        <p14:creationId xmlns:p14="http://schemas.microsoft.com/office/powerpoint/2010/main" val="567092429"/>
+        <p14:creationId xmlns:p14="http://schemas.microsoft.com/office/powerpoint/2010/main" val="3576439858"/>
       </p:ext>
     </p:extLst>
   </p:cSld>
@@ -5534,7 +5548,10 @@
               <a:tabLst/>
               <a:defRPr/>
             </a:pPr>
-            <a:endParaRPr lang="en-US" dirty="0"/>
+            <a:r>
+              <a:rPr lang="en-US" dirty="0"/>
+              <a:t>in the next sub-section, they explained Timeslot and Channel Assignment</a:t>
+            </a:r>
           </a:p>
         </p:txBody>
       </p:sp>
@@ -5555,7 +5572,7 @@
           <a:p>
             <a:fld id="{7A6690C6-3487-4A2A-A435-A96B59A0BF17}" type="slidenum">
               <a:rPr lang="th-TH" smtClean="0"/>
-              <a:t>31</a:t>
+              <a:t>26</a:t>
             </a:fld>
             <a:endParaRPr lang="th-TH"/>
           </a:p>
@@ -5564,7 +5581,7 @@
     </p:spTree>
     <p:extLst>
       <p:ext uri="{BB962C8B-B14F-4D97-AF65-F5344CB8AC3E}">
-        <p14:creationId xmlns:p14="http://schemas.microsoft.com/office/powerpoint/2010/main" val="3255091754"/>
+        <p14:creationId xmlns:p14="http://schemas.microsoft.com/office/powerpoint/2010/main" val="2922517693"/>
       </p:ext>
     </p:extLst>
   </p:cSld>
@@ -5656,7 +5673,7 @@
           <a:p>
             <a:fld id="{7A6690C6-3487-4A2A-A435-A96B59A0BF17}" type="slidenum">
               <a:rPr lang="th-TH" smtClean="0"/>
-              <a:t>32</a:t>
+              <a:t>27</a:t>
             </a:fld>
             <a:endParaRPr lang="th-TH"/>
           </a:p>
@@ -5665,7 +5682,7 @@
     </p:spTree>
     <p:extLst>
       <p:ext uri="{BB962C8B-B14F-4D97-AF65-F5344CB8AC3E}">
-        <p14:creationId xmlns:p14="http://schemas.microsoft.com/office/powerpoint/2010/main" val="644399317"/>
+        <p14:creationId xmlns:p14="http://schemas.microsoft.com/office/powerpoint/2010/main" val="33350191"/>
       </p:ext>
     </p:extLst>
   </p:cSld>
@@ -5719,27 +5736,11 @@
           <a:bodyPr/>
           <a:lstStyle/>
           <a:p>
-            <a:pPr marL="0" marR="0" lvl="0" indent="0" algn="l" defTabSz="914400" rtl="0" eaLnBrk="1" fontAlgn="auto" latinLnBrk="0" hangingPunct="1">
-              <a:lnSpc>
-                <a:spcPct val="100000"/>
-              </a:lnSpc>
-              <a:spcBef>
-                <a:spcPts val="0"/>
-              </a:spcBef>
-              <a:spcAft>
-                <a:spcPts val="0"/>
-              </a:spcAft>
-              <a:buClrTx/>
-              <a:buSzTx/>
-              <a:buFontTx/>
-              <a:buNone/>
-              <a:tabLst/>
-              <a:defRPr/>
-            </a:pPr>
             <a:r>
               <a:rPr lang="en-US" dirty="0"/>
-              <a:t>In each cycle of the NCP, we have four timeslots, as shown in Figure 2. In NCP, it contains N cycles as shown in Figure 3.</a:t>
-            </a:r>
+              <a:t>Some multi-hop network such as AODV or DSR protocol</a:t>
+            </a:r>
+            <a:endParaRPr lang="th-TH" dirty="0"/>
           </a:p>
         </p:txBody>
       </p:sp>
@@ -5760,7 +5761,7 @@
           <a:p>
             <a:fld id="{7A6690C6-3487-4A2A-A435-A96B59A0BF17}" type="slidenum">
               <a:rPr lang="th-TH" smtClean="0"/>
-              <a:t>15</a:t>
+              <a:t>6</a:t>
             </a:fld>
             <a:endParaRPr lang="th-TH"/>
           </a:p>
@@ -5769,7 +5770,7 @@
     </p:spTree>
     <p:extLst>
       <p:ext uri="{BB962C8B-B14F-4D97-AF65-F5344CB8AC3E}">
-        <p14:creationId xmlns:p14="http://schemas.microsoft.com/office/powerpoint/2010/main" val="3382936620"/>
+        <p14:creationId xmlns:p14="http://schemas.microsoft.com/office/powerpoint/2010/main" val="378134538"/>
       </p:ext>
     </p:extLst>
   </p:cSld>
@@ -5861,7 +5862,7 @@
           <a:p>
             <a:fld id="{7A6690C6-3487-4A2A-A435-A96B59A0BF17}" type="slidenum">
               <a:rPr lang="th-TH" smtClean="0"/>
-              <a:t>33</a:t>
+              <a:t>28</a:t>
             </a:fld>
             <a:endParaRPr lang="th-TH"/>
           </a:p>
@@ -5870,7 +5871,7 @@
     </p:spTree>
     <p:extLst>
       <p:ext uri="{BB962C8B-B14F-4D97-AF65-F5344CB8AC3E}">
-        <p14:creationId xmlns:p14="http://schemas.microsoft.com/office/powerpoint/2010/main" val="2149372376"/>
+        <p14:creationId xmlns:p14="http://schemas.microsoft.com/office/powerpoint/2010/main" val="3004611128"/>
       </p:ext>
     </p:extLst>
   </p:cSld>
@@ -5962,7 +5963,7 @@
           <a:p>
             <a:fld id="{7A6690C6-3487-4A2A-A435-A96B59A0BF17}" type="slidenum">
               <a:rPr lang="th-TH" smtClean="0"/>
-              <a:t>34</a:t>
+              <a:t>29</a:t>
             </a:fld>
             <a:endParaRPr lang="th-TH"/>
           </a:p>
@@ -5971,7 +5972,7 @@
     </p:spTree>
     <p:extLst>
       <p:ext uri="{BB962C8B-B14F-4D97-AF65-F5344CB8AC3E}">
-        <p14:creationId xmlns:p14="http://schemas.microsoft.com/office/powerpoint/2010/main" val="2249163725"/>
+        <p14:creationId xmlns:p14="http://schemas.microsoft.com/office/powerpoint/2010/main" val="567092429"/>
       </p:ext>
     </p:extLst>
   </p:cSld>
@@ -6063,7 +6064,7 @@
           <a:p>
             <a:fld id="{7A6690C6-3487-4A2A-A435-A96B59A0BF17}" type="slidenum">
               <a:rPr lang="th-TH" smtClean="0"/>
-              <a:t>35</a:t>
+              <a:t>30</a:t>
             </a:fld>
             <a:endParaRPr lang="th-TH"/>
           </a:p>
@@ -6072,7 +6073,7 @@
     </p:spTree>
     <p:extLst>
       <p:ext uri="{BB962C8B-B14F-4D97-AF65-F5344CB8AC3E}">
-        <p14:creationId xmlns:p14="http://schemas.microsoft.com/office/powerpoint/2010/main" val="2756475053"/>
+        <p14:creationId xmlns:p14="http://schemas.microsoft.com/office/powerpoint/2010/main" val="3255091754"/>
       </p:ext>
     </p:extLst>
   </p:cSld>
@@ -6164,7 +6165,7 @@
           <a:p>
             <a:fld id="{7A6690C6-3487-4A2A-A435-A96B59A0BF17}" type="slidenum">
               <a:rPr lang="th-TH" smtClean="0"/>
-              <a:t>36</a:t>
+              <a:t>31</a:t>
             </a:fld>
             <a:endParaRPr lang="th-TH"/>
           </a:p>
@@ -6173,7 +6174,7 @@
     </p:spTree>
     <p:extLst>
       <p:ext uri="{BB962C8B-B14F-4D97-AF65-F5344CB8AC3E}">
-        <p14:creationId xmlns:p14="http://schemas.microsoft.com/office/powerpoint/2010/main" val="2749953881"/>
+        <p14:creationId xmlns:p14="http://schemas.microsoft.com/office/powerpoint/2010/main" val="644399317"/>
       </p:ext>
     </p:extLst>
   </p:cSld>
@@ -6244,7 +6245,10 @@
               <a:tabLst/>
               <a:defRPr/>
             </a:pPr>
-            <a:endParaRPr lang="en-US" dirty="0"/>
+            <a:r>
+              <a:rPr lang="en-US" dirty="0"/>
+              <a:t>Furthermore, they proposed the REDUCE command packet</a:t>
+            </a:r>
           </a:p>
         </p:txBody>
       </p:sp>
@@ -6265,7 +6269,7 @@
           <a:p>
             <a:fld id="{7A6690C6-3487-4A2A-A435-A96B59A0BF17}" type="slidenum">
               <a:rPr lang="th-TH" smtClean="0"/>
-              <a:t>37</a:t>
+              <a:t>32</a:t>
             </a:fld>
             <a:endParaRPr lang="th-TH"/>
           </a:p>
@@ -6274,7 +6278,7 @@
     </p:spTree>
     <p:extLst>
       <p:ext uri="{BB962C8B-B14F-4D97-AF65-F5344CB8AC3E}">
-        <p14:creationId xmlns:p14="http://schemas.microsoft.com/office/powerpoint/2010/main" val="3924672827"/>
+        <p14:creationId xmlns:p14="http://schemas.microsoft.com/office/powerpoint/2010/main" val="2249163725"/>
       </p:ext>
     </p:extLst>
   </p:cSld>
@@ -6366,7 +6370,7 @@
           <a:p>
             <a:fld id="{7A6690C6-3487-4A2A-A435-A96B59A0BF17}" type="slidenum">
               <a:rPr lang="th-TH" smtClean="0"/>
-              <a:t>38</a:t>
+              <a:t>33</a:t>
             </a:fld>
             <a:endParaRPr lang="th-TH"/>
           </a:p>
@@ -6375,7 +6379,7 @@
     </p:spTree>
     <p:extLst>
       <p:ext uri="{BB962C8B-B14F-4D97-AF65-F5344CB8AC3E}">
-        <p14:creationId xmlns:p14="http://schemas.microsoft.com/office/powerpoint/2010/main" val="262883317"/>
+        <p14:creationId xmlns:p14="http://schemas.microsoft.com/office/powerpoint/2010/main" val="2848744169"/>
       </p:ext>
     </p:extLst>
   </p:cSld>
@@ -6467,7 +6471,7 @@
           <a:p>
             <a:fld id="{7A6690C6-3487-4A2A-A435-A96B59A0BF17}" type="slidenum">
               <a:rPr lang="th-TH" smtClean="0"/>
-              <a:t>39</a:t>
+              <a:t>34</a:t>
             </a:fld>
             <a:endParaRPr lang="th-TH"/>
           </a:p>
@@ -6476,7 +6480,7 @@
     </p:spTree>
     <p:extLst>
       <p:ext uri="{BB962C8B-B14F-4D97-AF65-F5344CB8AC3E}">
-        <p14:creationId xmlns:p14="http://schemas.microsoft.com/office/powerpoint/2010/main" val="3614505887"/>
+        <p14:creationId xmlns:p14="http://schemas.microsoft.com/office/powerpoint/2010/main" val="659914560"/>
       </p:ext>
     </p:extLst>
   </p:cSld>
@@ -6547,7 +6551,10 @@
               <a:tabLst/>
               <a:defRPr/>
             </a:pPr>
-            <a:endParaRPr lang="en-US" dirty="0"/>
+            <a:r>
+              <a:rPr lang="en-US" dirty="0"/>
+              <a:t>However, If we knew the time on air</a:t>
+            </a:r>
           </a:p>
         </p:txBody>
       </p:sp>
@@ -6568,7 +6575,7 @@
           <a:p>
             <a:fld id="{7A6690C6-3487-4A2A-A435-A96B59A0BF17}" type="slidenum">
               <a:rPr lang="th-TH" smtClean="0"/>
-              <a:t>40</a:t>
+              <a:t>35</a:t>
             </a:fld>
             <a:endParaRPr lang="th-TH"/>
           </a:p>
@@ -6577,7 +6584,7 @@
     </p:spTree>
     <p:extLst>
       <p:ext uri="{BB962C8B-B14F-4D97-AF65-F5344CB8AC3E}">
-        <p14:creationId xmlns:p14="http://schemas.microsoft.com/office/powerpoint/2010/main" val="4190930757"/>
+        <p14:creationId xmlns:p14="http://schemas.microsoft.com/office/powerpoint/2010/main" val="2749953881"/>
       </p:ext>
     </p:extLst>
   </p:cSld>
@@ -6669,7 +6676,7 @@
           <a:p>
             <a:fld id="{7A6690C6-3487-4A2A-A435-A96B59A0BF17}" type="slidenum">
               <a:rPr lang="th-TH" smtClean="0"/>
-              <a:t>41</a:t>
+              <a:t>36</a:t>
             </a:fld>
             <a:endParaRPr lang="th-TH"/>
           </a:p>
@@ -6678,7 +6685,7 @@
     </p:spTree>
     <p:extLst>
       <p:ext uri="{BB962C8B-B14F-4D97-AF65-F5344CB8AC3E}">
-        <p14:creationId xmlns:p14="http://schemas.microsoft.com/office/powerpoint/2010/main" val="994343962"/>
+        <p14:creationId xmlns:p14="http://schemas.microsoft.com/office/powerpoint/2010/main" val="2756475053"/>
       </p:ext>
     </p:extLst>
   </p:cSld>
@@ -6770,7 +6777,7 @@
           <a:p>
             <a:fld id="{7A6690C6-3487-4A2A-A435-A96B59A0BF17}" type="slidenum">
               <a:rPr lang="th-TH" smtClean="0"/>
-              <a:t>42</a:t>
+              <a:t>37</a:t>
             </a:fld>
             <a:endParaRPr lang="th-TH"/>
           </a:p>
@@ -6779,7 +6786,7 @@
     </p:spTree>
     <p:extLst>
       <p:ext uri="{BB962C8B-B14F-4D97-AF65-F5344CB8AC3E}">
-        <p14:creationId xmlns:p14="http://schemas.microsoft.com/office/powerpoint/2010/main" val="2855296764"/>
+        <p14:creationId xmlns:p14="http://schemas.microsoft.com/office/powerpoint/2010/main" val="3924672827"/>
       </p:ext>
     </p:extLst>
   </p:cSld>
@@ -6833,24 +6840,11 @@
           <a:bodyPr/>
           <a:lstStyle/>
           <a:p>
-            <a:pPr marL="0" marR="0" lvl="0" indent="0" algn="l" defTabSz="914400" rtl="0" eaLnBrk="1" fontAlgn="auto" latinLnBrk="0" hangingPunct="1">
-              <a:lnSpc>
-                <a:spcPct val="100000"/>
-              </a:lnSpc>
-              <a:spcBef>
-                <a:spcPts val="0"/>
-              </a:spcBef>
-              <a:spcAft>
-                <a:spcPts val="0"/>
-              </a:spcAft>
-              <a:buClrTx/>
-              <a:buSzTx/>
-              <a:buFontTx/>
-              <a:buNone/>
-              <a:tabLst/>
-              <a:defRPr/>
-            </a:pPr>
-            <a:endParaRPr lang="en-US" dirty="0"/>
+            <a:r>
+              <a:rPr lang="en-US" dirty="0"/>
+              <a:t>Because monitoring and controlling need minimum latency.</a:t>
+            </a:r>
+            <a:endParaRPr lang="th-TH" dirty="0"/>
           </a:p>
         </p:txBody>
       </p:sp>
@@ -6871,7 +6865,7 @@
           <a:p>
             <a:fld id="{7A6690C6-3487-4A2A-A435-A96B59A0BF17}" type="slidenum">
               <a:rPr lang="th-TH" smtClean="0"/>
-              <a:t>16</a:t>
+              <a:t>7</a:t>
             </a:fld>
             <a:endParaRPr lang="th-TH"/>
           </a:p>
@@ -6880,7 +6874,7 @@
     </p:spTree>
     <p:extLst>
       <p:ext uri="{BB962C8B-B14F-4D97-AF65-F5344CB8AC3E}">
-        <p14:creationId xmlns:p14="http://schemas.microsoft.com/office/powerpoint/2010/main" val="728966586"/>
+        <p14:creationId xmlns:p14="http://schemas.microsoft.com/office/powerpoint/2010/main" val="393160035"/>
       </p:ext>
     </p:extLst>
   </p:cSld>
@@ -6972,7 +6966,7 @@
           <a:p>
             <a:fld id="{7A6690C6-3487-4A2A-A435-A96B59A0BF17}" type="slidenum">
               <a:rPr lang="th-TH" smtClean="0"/>
-              <a:t>43</a:t>
+              <a:t>38</a:t>
             </a:fld>
             <a:endParaRPr lang="th-TH"/>
           </a:p>
@@ -6981,7 +6975,7 @@
     </p:spTree>
     <p:extLst>
       <p:ext uri="{BB962C8B-B14F-4D97-AF65-F5344CB8AC3E}">
-        <p14:creationId xmlns:p14="http://schemas.microsoft.com/office/powerpoint/2010/main" val="3627179205"/>
+        <p14:creationId xmlns:p14="http://schemas.microsoft.com/office/powerpoint/2010/main" val="262883317"/>
       </p:ext>
     </p:extLst>
   </p:cSld>
@@ -7073,7 +7067,7 @@
           <a:p>
             <a:fld id="{7A6690C6-3487-4A2A-A435-A96B59A0BF17}" type="slidenum">
               <a:rPr lang="th-TH" smtClean="0"/>
-              <a:t>44</a:t>
+              <a:t>39</a:t>
             </a:fld>
             <a:endParaRPr lang="th-TH"/>
           </a:p>
@@ -7082,7 +7076,7 @@
     </p:spTree>
     <p:extLst>
       <p:ext uri="{BB962C8B-B14F-4D97-AF65-F5344CB8AC3E}">
-        <p14:creationId xmlns:p14="http://schemas.microsoft.com/office/powerpoint/2010/main" val="2979164168"/>
+        <p14:creationId xmlns:p14="http://schemas.microsoft.com/office/powerpoint/2010/main" val="3614505887"/>
       </p:ext>
     </p:extLst>
   </p:cSld>
@@ -7174,6 +7168,511 @@
           <a:p>
             <a:fld id="{7A6690C6-3487-4A2A-A435-A96B59A0BF17}" type="slidenum">
               <a:rPr lang="th-TH" smtClean="0"/>
+              <a:t>40</a:t>
+            </a:fld>
+            <a:endParaRPr lang="th-TH"/>
+          </a:p>
+        </p:txBody>
+      </p:sp>
+    </p:spTree>
+    <p:extLst>
+      <p:ext uri="{BB962C8B-B14F-4D97-AF65-F5344CB8AC3E}">
+        <p14:creationId xmlns:p14="http://schemas.microsoft.com/office/powerpoint/2010/main" val="113893489"/>
+      </p:ext>
+    </p:extLst>
+  </p:cSld>
+  <p:clrMapOvr>
+    <a:masterClrMapping/>
+  </p:clrMapOvr>
+</p:notes>
+</file>
+
+<file path=ppt/notesSlides/notesSlide33.xml><?xml version="1.0" encoding="utf-8"?>
+<p:notes xmlns:a="http://schemas.openxmlformats.org/drawingml/2006/main" xmlns:r="http://schemas.openxmlformats.org/officeDocument/2006/relationships" xmlns:p="http://schemas.openxmlformats.org/presentationml/2006/main">
+  <p:cSld>
+    <p:spTree>
+      <p:nvGrpSpPr>
+        <p:cNvPr id="1" name=""/>
+        <p:cNvGrpSpPr/>
+        <p:nvPr/>
+      </p:nvGrpSpPr>
+      <p:grpSpPr>
+        <a:xfrm>
+          <a:off x="0" y="0"/>
+          <a:ext cx="0" cy="0"/>
+          <a:chOff x="0" y="0"/>
+          <a:chExt cx="0" cy="0"/>
+        </a:xfrm>
+      </p:grpSpPr>
+      <p:sp>
+        <p:nvSpPr>
+          <p:cNvPr id="2" name="Slide Image Placeholder 1"/>
+          <p:cNvSpPr>
+            <a:spLocks noGrp="1" noRot="1" noChangeAspect="1"/>
+          </p:cNvSpPr>
+          <p:nvPr>
+            <p:ph type="sldImg"/>
+          </p:nvPr>
+        </p:nvSpPr>
+        <p:spPr/>
+      </p:sp>
+      <p:sp>
+        <p:nvSpPr>
+          <p:cNvPr id="3" name="Notes Placeholder 2"/>
+          <p:cNvSpPr>
+            <a:spLocks noGrp="1"/>
+          </p:cNvSpPr>
+          <p:nvPr>
+            <p:ph type="body" idx="1"/>
+          </p:nvPr>
+        </p:nvSpPr>
+        <p:spPr/>
+        <p:txBody>
+          <a:bodyPr/>
+          <a:lstStyle/>
+          <a:p>
+            <a:pPr marL="0" marR="0" lvl="0" indent="0" algn="l" defTabSz="914400" rtl="0" eaLnBrk="1" fontAlgn="auto" latinLnBrk="0" hangingPunct="1">
+              <a:lnSpc>
+                <a:spcPct val="100000"/>
+              </a:lnSpc>
+              <a:spcBef>
+                <a:spcPts val="0"/>
+              </a:spcBef>
+              <a:spcAft>
+                <a:spcPts val="0"/>
+              </a:spcAft>
+              <a:buClrTx/>
+              <a:buSzTx/>
+              <a:buFontTx/>
+              <a:buNone/>
+              <a:tabLst/>
+              <a:defRPr/>
+            </a:pPr>
+            <a:endParaRPr lang="en-US" dirty="0"/>
+          </a:p>
+        </p:txBody>
+      </p:sp>
+      <p:sp>
+        <p:nvSpPr>
+          <p:cNvPr id="4" name="Slide Number Placeholder 3"/>
+          <p:cNvSpPr>
+            <a:spLocks noGrp="1"/>
+          </p:cNvSpPr>
+          <p:nvPr>
+            <p:ph type="sldNum" sz="quarter" idx="5"/>
+          </p:nvPr>
+        </p:nvSpPr>
+        <p:spPr/>
+        <p:txBody>
+          <a:bodyPr/>
+          <a:lstStyle/>
+          <a:p>
+            <a:fld id="{7A6690C6-3487-4A2A-A435-A96B59A0BF17}" type="slidenum">
+              <a:rPr lang="th-TH" smtClean="0"/>
+              <a:t>41</a:t>
+            </a:fld>
+            <a:endParaRPr lang="th-TH"/>
+          </a:p>
+        </p:txBody>
+      </p:sp>
+    </p:spTree>
+    <p:extLst>
+      <p:ext uri="{BB962C8B-B14F-4D97-AF65-F5344CB8AC3E}">
+        <p14:creationId xmlns:p14="http://schemas.microsoft.com/office/powerpoint/2010/main" val="4190930757"/>
+      </p:ext>
+    </p:extLst>
+  </p:cSld>
+  <p:clrMapOvr>
+    <a:masterClrMapping/>
+  </p:clrMapOvr>
+</p:notes>
+</file>
+
+<file path=ppt/notesSlides/notesSlide34.xml><?xml version="1.0" encoding="utf-8"?>
+<p:notes xmlns:a="http://schemas.openxmlformats.org/drawingml/2006/main" xmlns:r="http://schemas.openxmlformats.org/officeDocument/2006/relationships" xmlns:p="http://schemas.openxmlformats.org/presentationml/2006/main">
+  <p:cSld>
+    <p:spTree>
+      <p:nvGrpSpPr>
+        <p:cNvPr id="1" name=""/>
+        <p:cNvGrpSpPr/>
+        <p:nvPr/>
+      </p:nvGrpSpPr>
+      <p:grpSpPr>
+        <a:xfrm>
+          <a:off x="0" y="0"/>
+          <a:ext cx="0" cy="0"/>
+          <a:chOff x="0" y="0"/>
+          <a:chExt cx="0" cy="0"/>
+        </a:xfrm>
+      </p:grpSpPr>
+      <p:sp>
+        <p:nvSpPr>
+          <p:cNvPr id="2" name="Slide Image Placeholder 1"/>
+          <p:cNvSpPr>
+            <a:spLocks noGrp="1" noRot="1" noChangeAspect="1"/>
+          </p:cNvSpPr>
+          <p:nvPr>
+            <p:ph type="sldImg"/>
+          </p:nvPr>
+        </p:nvSpPr>
+        <p:spPr/>
+      </p:sp>
+      <p:sp>
+        <p:nvSpPr>
+          <p:cNvPr id="3" name="Notes Placeholder 2"/>
+          <p:cNvSpPr>
+            <a:spLocks noGrp="1"/>
+          </p:cNvSpPr>
+          <p:nvPr>
+            <p:ph type="body" idx="1"/>
+          </p:nvPr>
+        </p:nvSpPr>
+        <p:spPr/>
+        <p:txBody>
+          <a:bodyPr/>
+          <a:lstStyle/>
+          <a:p>
+            <a:pPr marL="0" marR="0" lvl="0" indent="0" algn="l" defTabSz="914400" rtl="0" eaLnBrk="1" fontAlgn="auto" latinLnBrk="0" hangingPunct="1">
+              <a:lnSpc>
+                <a:spcPct val="100000"/>
+              </a:lnSpc>
+              <a:spcBef>
+                <a:spcPts val="0"/>
+              </a:spcBef>
+              <a:spcAft>
+                <a:spcPts val="0"/>
+              </a:spcAft>
+              <a:buClrTx/>
+              <a:buSzTx/>
+              <a:buFontTx/>
+              <a:buNone/>
+              <a:tabLst/>
+              <a:defRPr/>
+            </a:pPr>
+            <a:endParaRPr lang="en-US" dirty="0"/>
+          </a:p>
+        </p:txBody>
+      </p:sp>
+      <p:sp>
+        <p:nvSpPr>
+          <p:cNvPr id="4" name="Slide Number Placeholder 3"/>
+          <p:cNvSpPr>
+            <a:spLocks noGrp="1"/>
+          </p:cNvSpPr>
+          <p:nvPr>
+            <p:ph type="sldNum" sz="quarter" idx="5"/>
+          </p:nvPr>
+        </p:nvSpPr>
+        <p:spPr/>
+        <p:txBody>
+          <a:bodyPr/>
+          <a:lstStyle/>
+          <a:p>
+            <a:fld id="{7A6690C6-3487-4A2A-A435-A96B59A0BF17}" type="slidenum">
+              <a:rPr lang="th-TH" smtClean="0"/>
+              <a:t>42</a:t>
+            </a:fld>
+            <a:endParaRPr lang="th-TH"/>
+          </a:p>
+        </p:txBody>
+      </p:sp>
+    </p:spTree>
+    <p:extLst>
+      <p:ext uri="{BB962C8B-B14F-4D97-AF65-F5344CB8AC3E}">
+        <p14:creationId xmlns:p14="http://schemas.microsoft.com/office/powerpoint/2010/main" val="994343962"/>
+      </p:ext>
+    </p:extLst>
+  </p:cSld>
+  <p:clrMapOvr>
+    <a:masterClrMapping/>
+  </p:clrMapOvr>
+</p:notes>
+</file>
+
+<file path=ppt/notesSlides/notesSlide35.xml><?xml version="1.0" encoding="utf-8"?>
+<p:notes xmlns:a="http://schemas.openxmlformats.org/drawingml/2006/main" xmlns:r="http://schemas.openxmlformats.org/officeDocument/2006/relationships" xmlns:p="http://schemas.openxmlformats.org/presentationml/2006/main">
+  <p:cSld>
+    <p:spTree>
+      <p:nvGrpSpPr>
+        <p:cNvPr id="1" name=""/>
+        <p:cNvGrpSpPr/>
+        <p:nvPr/>
+      </p:nvGrpSpPr>
+      <p:grpSpPr>
+        <a:xfrm>
+          <a:off x="0" y="0"/>
+          <a:ext cx="0" cy="0"/>
+          <a:chOff x="0" y="0"/>
+          <a:chExt cx="0" cy="0"/>
+        </a:xfrm>
+      </p:grpSpPr>
+      <p:sp>
+        <p:nvSpPr>
+          <p:cNvPr id="2" name="Slide Image Placeholder 1"/>
+          <p:cNvSpPr>
+            <a:spLocks noGrp="1" noRot="1" noChangeAspect="1"/>
+          </p:cNvSpPr>
+          <p:nvPr>
+            <p:ph type="sldImg"/>
+          </p:nvPr>
+        </p:nvSpPr>
+        <p:spPr/>
+      </p:sp>
+      <p:sp>
+        <p:nvSpPr>
+          <p:cNvPr id="3" name="Notes Placeholder 2"/>
+          <p:cNvSpPr>
+            <a:spLocks noGrp="1"/>
+          </p:cNvSpPr>
+          <p:nvPr>
+            <p:ph type="body" idx="1"/>
+          </p:nvPr>
+        </p:nvSpPr>
+        <p:spPr/>
+        <p:txBody>
+          <a:bodyPr/>
+          <a:lstStyle/>
+          <a:p>
+            <a:pPr marL="0" marR="0" lvl="0" indent="0" algn="l" defTabSz="914400" rtl="0" eaLnBrk="1" fontAlgn="auto" latinLnBrk="0" hangingPunct="1">
+              <a:lnSpc>
+                <a:spcPct val="100000"/>
+              </a:lnSpc>
+              <a:spcBef>
+                <a:spcPts val="0"/>
+              </a:spcBef>
+              <a:spcAft>
+                <a:spcPts val="0"/>
+              </a:spcAft>
+              <a:buClrTx/>
+              <a:buSzTx/>
+              <a:buFontTx/>
+              <a:buNone/>
+              <a:tabLst/>
+              <a:defRPr/>
+            </a:pPr>
+            <a:endParaRPr lang="en-US" dirty="0"/>
+          </a:p>
+        </p:txBody>
+      </p:sp>
+      <p:sp>
+        <p:nvSpPr>
+          <p:cNvPr id="4" name="Slide Number Placeholder 3"/>
+          <p:cNvSpPr>
+            <a:spLocks noGrp="1"/>
+          </p:cNvSpPr>
+          <p:nvPr>
+            <p:ph type="sldNum" sz="quarter" idx="5"/>
+          </p:nvPr>
+        </p:nvSpPr>
+        <p:spPr/>
+        <p:txBody>
+          <a:bodyPr/>
+          <a:lstStyle/>
+          <a:p>
+            <a:fld id="{7A6690C6-3487-4A2A-A435-A96B59A0BF17}" type="slidenum">
+              <a:rPr lang="th-TH" smtClean="0"/>
+              <a:t>43</a:t>
+            </a:fld>
+            <a:endParaRPr lang="th-TH"/>
+          </a:p>
+        </p:txBody>
+      </p:sp>
+    </p:spTree>
+    <p:extLst>
+      <p:ext uri="{BB962C8B-B14F-4D97-AF65-F5344CB8AC3E}">
+        <p14:creationId xmlns:p14="http://schemas.microsoft.com/office/powerpoint/2010/main" val="2855296764"/>
+      </p:ext>
+    </p:extLst>
+  </p:cSld>
+  <p:clrMapOvr>
+    <a:masterClrMapping/>
+  </p:clrMapOvr>
+</p:notes>
+</file>
+
+<file path=ppt/notesSlides/notesSlide36.xml><?xml version="1.0" encoding="utf-8"?>
+<p:notes xmlns:a="http://schemas.openxmlformats.org/drawingml/2006/main" xmlns:r="http://schemas.openxmlformats.org/officeDocument/2006/relationships" xmlns:p="http://schemas.openxmlformats.org/presentationml/2006/main">
+  <p:cSld>
+    <p:spTree>
+      <p:nvGrpSpPr>
+        <p:cNvPr id="1" name=""/>
+        <p:cNvGrpSpPr/>
+        <p:nvPr/>
+      </p:nvGrpSpPr>
+      <p:grpSpPr>
+        <a:xfrm>
+          <a:off x="0" y="0"/>
+          <a:ext cx="0" cy="0"/>
+          <a:chOff x="0" y="0"/>
+          <a:chExt cx="0" cy="0"/>
+        </a:xfrm>
+      </p:grpSpPr>
+      <p:sp>
+        <p:nvSpPr>
+          <p:cNvPr id="2" name="Slide Image Placeholder 1"/>
+          <p:cNvSpPr>
+            <a:spLocks noGrp="1" noRot="1" noChangeAspect="1"/>
+          </p:cNvSpPr>
+          <p:nvPr>
+            <p:ph type="sldImg"/>
+          </p:nvPr>
+        </p:nvSpPr>
+        <p:spPr/>
+      </p:sp>
+      <p:sp>
+        <p:nvSpPr>
+          <p:cNvPr id="3" name="Notes Placeholder 2"/>
+          <p:cNvSpPr>
+            <a:spLocks noGrp="1"/>
+          </p:cNvSpPr>
+          <p:nvPr>
+            <p:ph type="body" idx="1"/>
+          </p:nvPr>
+        </p:nvSpPr>
+        <p:spPr/>
+        <p:txBody>
+          <a:bodyPr/>
+          <a:lstStyle/>
+          <a:p>
+            <a:pPr marL="0" marR="0" lvl="0" indent="0" algn="l" defTabSz="914400" rtl="0" eaLnBrk="1" fontAlgn="auto" latinLnBrk="0" hangingPunct="1">
+              <a:lnSpc>
+                <a:spcPct val="100000"/>
+              </a:lnSpc>
+              <a:spcBef>
+                <a:spcPts val="0"/>
+              </a:spcBef>
+              <a:spcAft>
+                <a:spcPts val="0"/>
+              </a:spcAft>
+              <a:buClrTx/>
+              <a:buSzTx/>
+              <a:buFontTx/>
+              <a:buNone/>
+              <a:tabLst/>
+              <a:defRPr/>
+            </a:pPr>
+            <a:endParaRPr lang="en-US" dirty="0"/>
+          </a:p>
+        </p:txBody>
+      </p:sp>
+      <p:sp>
+        <p:nvSpPr>
+          <p:cNvPr id="4" name="Slide Number Placeholder 3"/>
+          <p:cNvSpPr>
+            <a:spLocks noGrp="1"/>
+          </p:cNvSpPr>
+          <p:nvPr>
+            <p:ph type="sldNum" sz="quarter" idx="5"/>
+          </p:nvPr>
+        </p:nvSpPr>
+        <p:spPr/>
+        <p:txBody>
+          <a:bodyPr/>
+          <a:lstStyle/>
+          <a:p>
+            <a:fld id="{7A6690C6-3487-4A2A-A435-A96B59A0BF17}" type="slidenum">
+              <a:rPr lang="th-TH" smtClean="0"/>
+              <a:t>44</a:t>
+            </a:fld>
+            <a:endParaRPr lang="th-TH"/>
+          </a:p>
+        </p:txBody>
+      </p:sp>
+    </p:spTree>
+    <p:extLst>
+      <p:ext uri="{BB962C8B-B14F-4D97-AF65-F5344CB8AC3E}">
+        <p14:creationId xmlns:p14="http://schemas.microsoft.com/office/powerpoint/2010/main" val="3627179205"/>
+      </p:ext>
+    </p:extLst>
+  </p:cSld>
+  <p:clrMapOvr>
+    <a:masterClrMapping/>
+  </p:clrMapOvr>
+</p:notes>
+</file>
+
+<file path=ppt/notesSlides/notesSlide37.xml><?xml version="1.0" encoding="utf-8"?>
+<p:notes xmlns:a="http://schemas.openxmlformats.org/drawingml/2006/main" xmlns:r="http://schemas.openxmlformats.org/officeDocument/2006/relationships" xmlns:p="http://schemas.openxmlformats.org/presentationml/2006/main">
+  <p:cSld>
+    <p:spTree>
+      <p:nvGrpSpPr>
+        <p:cNvPr id="1" name=""/>
+        <p:cNvGrpSpPr/>
+        <p:nvPr/>
+      </p:nvGrpSpPr>
+      <p:grpSpPr>
+        <a:xfrm>
+          <a:off x="0" y="0"/>
+          <a:ext cx="0" cy="0"/>
+          <a:chOff x="0" y="0"/>
+          <a:chExt cx="0" cy="0"/>
+        </a:xfrm>
+      </p:grpSpPr>
+      <p:sp>
+        <p:nvSpPr>
+          <p:cNvPr id="2" name="Slide Image Placeholder 1"/>
+          <p:cNvSpPr>
+            <a:spLocks noGrp="1" noRot="1" noChangeAspect="1"/>
+          </p:cNvSpPr>
+          <p:nvPr>
+            <p:ph type="sldImg"/>
+          </p:nvPr>
+        </p:nvSpPr>
+        <p:spPr/>
+      </p:sp>
+      <p:sp>
+        <p:nvSpPr>
+          <p:cNvPr id="3" name="Notes Placeholder 2"/>
+          <p:cNvSpPr>
+            <a:spLocks noGrp="1"/>
+          </p:cNvSpPr>
+          <p:nvPr>
+            <p:ph type="body" idx="1"/>
+          </p:nvPr>
+        </p:nvSpPr>
+        <p:spPr/>
+        <p:txBody>
+          <a:bodyPr/>
+          <a:lstStyle/>
+          <a:p>
+            <a:pPr marL="0" marR="0" lvl="0" indent="0" algn="l" defTabSz="914400" rtl="0" eaLnBrk="1" fontAlgn="auto" latinLnBrk="0" hangingPunct="1">
+              <a:lnSpc>
+                <a:spcPct val="100000"/>
+              </a:lnSpc>
+              <a:spcBef>
+                <a:spcPts val="0"/>
+              </a:spcBef>
+              <a:spcAft>
+                <a:spcPts val="0"/>
+              </a:spcAft>
+              <a:buClrTx/>
+              <a:buSzTx/>
+              <a:buFontTx/>
+              <a:buNone/>
+              <a:tabLst/>
+              <a:defRPr/>
+            </a:pPr>
+            <a:endParaRPr lang="en-US" dirty="0"/>
+          </a:p>
+        </p:txBody>
+      </p:sp>
+      <p:sp>
+        <p:nvSpPr>
+          <p:cNvPr id="4" name="Slide Number Placeholder 3"/>
+          <p:cNvSpPr>
+            <a:spLocks noGrp="1"/>
+          </p:cNvSpPr>
+          <p:nvPr>
+            <p:ph type="sldNum" sz="quarter" idx="5"/>
+          </p:nvPr>
+        </p:nvSpPr>
+        <p:spPr/>
+        <p:txBody>
+          <a:bodyPr/>
+          <a:lstStyle/>
+          <a:p>
+            <a:fld id="{7A6690C6-3487-4A2A-A435-A96B59A0BF17}" type="slidenum">
+              <a:rPr lang="th-TH" smtClean="0"/>
               <a:t>45</a:t>
             </a:fld>
             <a:endParaRPr lang="th-TH"/>
@@ -7183,7 +7682,213 @@
     </p:spTree>
     <p:extLst>
       <p:ext uri="{BB962C8B-B14F-4D97-AF65-F5344CB8AC3E}">
-        <p14:creationId xmlns:p14="http://schemas.microsoft.com/office/powerpoint/2010/main" val="3333172747"/>
+        <p14:creationId xmlns:p14="http://schemas.microsoft.com/office/powerpoint/2010/main" val="2149372376"/>
+      </p:ext>
+    </p:extLst>
+  </p:cSld>
+  <p:clrMapOvr>
+    <a:masterClrMapping/>
+  </p:clrMapOvr>
+</p:notes>
+</file>
+
+<file path=ppt/notesSlides/notesSlide38.xml><?xml version="1.0" encoding="utf-8"?>
+<p:notes xmlns:a="http://schemas.openxmlformats.org/drawingml/2006/main" xmlns:r="http://schemas.openxmlformats.org/officeDocument/2006/relationships" xmlns:p="http://schemas.openxmlformats.org/presentationml/2006/main">
+  <p:cSld>
+    <p:spTree>
+      <p:nvGrpSpPr>
+        <p:cNvPr id="1" name=""/>
+        <p:cNvGrpSpPr/>
+        <p:nvPr/>
+      </p:nvGrpSpPr>
+      <p:grpSpPr>
+        <a:xfrm>
+          <a:off x="0" y="0"/>
+          <a:ext cx="0" cy="0"/>
+          <a:chOff x="0" y="0"/>
+          <a:chExt cx="0" cy="0"/>
+        </a:xfrm>
+      </p:grpSpPr>
+      <p:sp>
+        <p:nvSpPr>
+          <p:cNvPr id="2" name="Slide Image Placeholder 1"/>
+          <p:cNvSpPr>
+            <a:spLocks noGrp="1" noRot="1" noChangeAspect="1"/>
+          </p:cNvSpPr>
+          <p:nvPr>
+            <p:ph type="sldImg"/>
+          </p:nvPr>
+        </p:nvSpPr>
+        <p:spPr/>
+      </p:sp>
+      <p:sp>
+        <p:nvSpPr>
+          <p:cNvPr id="3" name="Notes Placeholder 2"/>
+          <p:cNvSpPr>
+            <a:spLocks noGrp="1"/>
+          </p:cNvSpPr>
+          <p:nvPr>
+            <p:ph type="body" idx="1"/>
+          </p:nvPr>
+        </p:nvSpPr>
+        <p:spPr/>
+        <p:txBody>
+          <a:bodyPr/>
+          <a:lstStyle/>
+          <a:p>
+            <a:pPr marL="0" marR="0" lvl="0" indent="0" algn="l" defTabSz="914400" rtl="0" eaLnBrk="1" fontAlgn="auto" latinLnBrk="0" hangingPunct="1">
+              <a:lnSpc>
+                <a:spcPct val="100000"/>
+              </a:lnSpc>
+              <a:spcBef>
+                <a:spcPts val="0"/>
+              </a:spcBef>
+              <a:spcAft>
+                <a:spcPts val="0"/>
+              </a:spcAft>
+              <a:buClrTx/>
+              <a:buSzTx/>
+              <a:buFontTx/>
+              <a:buNone/>
+              <a:tabLst/>
+              <a:defRPr/>
+            </a:pPr>
+            <a:endParaRPr lang="en-US" dirty="0"/>
+          </a:p>
+        </p:txBody>
+      </p:sp>
+      <p:sp>
+        <p:nvSpPr>
+          <p:cNvPr id="4" name="Slide Number Placeholder 3"/>
+          <p:cNvSpPr>
+            <a:spLocks noGrp="1"/>
+          </p:cNvSpPr>
+          <p:nvPr>
+            <p:ph type="sldNum" sz="quarter" idx="5"/>
+          </p:nvPr>
+        </p:nvSpPr>
+        <p:spPr/>
+        <p:txBody>
+          <a:bodyPr/>
+          <a:lstStyle/>
+          <a:p>
+            <a:fld id="{7A6690C6-3487-4A2A-A435-A96B59A0BF17}" type="slidenum">
+              <a:rPr lang="th-TH" smtClean="0"/>
+              <a:t>46</a:t>
+            </a:fld>
+            <a:endParaRPr lang="th-TH"/>
+          </a:p>
+        </p:txBody>
+      </p:sp>
+    </p:spTree>
+    <p:extLst>
+      <p:ext uri="{BB962C8B-B14F-4D97-AF65-F5344CB8AC3E}">
+        <p14:creationId xmlns:p14="http://schemas.microsoft.com/office/powerpoint/2010/main" val="2979164168"/>
+      </p:ext>
+    </p:extLst>
+  </p:cSld>
+  <p:clrMapOvr>
+    <a:masterClrMapping/>
+  </p:clrMapOvr>
+</p:notes>
+</file>
+
+<file path=ppt/notesSlides/notesSlide39.xml><?xml version="1.0" encoding="utf-8"?>
+<p:notes xmlns:a="http://schemas.openxmlformats.org/drawingml/2006/main" xmlns:r="http://schemas.openxmlformats.org/officeDocument/2006/relationships" xmlns:p="http://schemas.openxmlformats.org/presentationml/2006/main">
+  <p:cSld>
+    <p:spTree>
+      <p:nvGrpSpPr>
+        <p:cNvPr id="1" name=""/>
+        <p:cNvGrpSpPr/>
+        <p:nvPr/>
+      </p:nvGrpSpPr>
+      <p:grpSpPr>
+        <a:xfrm>
+          <a:off x="0" y="0"/>
+          <a:ext cx="0" cy="0"/>
+          <a:chOff x="0" y="0"/>
+          <a:chExt cx="0" cy="0"/>
+        </a:xfrm>
+      </p:grpSpPr>
+      <p:sp>
+        <p:nvSpPr>
+          <p:cNvPr id="2" name="Slide Image Placeholder 1"/>
+          <p:cNvSpPr>
+            <a:spLocks noGrp="1" noRot="1" noChangeAspect="1"/>
+          </p:cNvSpPr>
+          <p:nvPr>
+            <p:ph type="sldImg"/>
+          </p:nvPr>
+        </p:nvSpPr>
+        <p:spPr/>
+      </p:sp>
+      <p:sp>
+        <p:nvSpPr>
+          <p:cNvPr id="3" name="Notes Placeholder 2"/>
+          <p:cNvSpPr>
+            <a:spLocks noGrp="1"/>
+          </p:cNvSpPr>
+          <p:nvPr>
+            <p:ph type="body" idx="1"/>
+          </p:nvPr>
+        </p:nvSpPr>
+        <p:spPr/>
+        <p:txBody>
+          <a:bodyPr/>
+          <a:lstStyle/>
+          <a:p>
+            <a:pPr marL="0" marR="0" lvl="0" indent="0" algn="l" defTabSz="914400" rtl="0" eaLnBrk="1" fontAlgn="auto" latinLnBrk="0" hangingPunct="1">
+              <a:lnSpc>
+                <a:spcPct val="100000"/>
+              </a:lnSpc>
+              <a:spcBef>
+                <a:spcPts val="0"/>
+              </a:spcBef>
+              <a:spcAft>
+                <a:spcPts val="0"/>
+              </a:spcAft>
+              <a:buClrTx/>
+              <a:buSzTx/>
+              <a:buFontTx/>
+              <a:buNone/>
+              <a:tabLst/>
+              <a:defRPr/>
+            </a:pPr>
+            <a:r>
+              <a:rPr lang="en-US" dirty="0"/>
+              <a:t>Research methodology consist of 4 properties</a:t>
+            </a:r>
+            <a:endParaRPr lang="th-TH" dirty="0"/>
+          </a:p>
+        </p:txBody>
+      </p:sp>
+      <p:sp>
+        <p:nvSpPr>
+          <p:cNvPr id="4" name="Slide Number Placeholder 3"/>
+          <p:cNvSpPr>
+            <a:spLocks noGrp="1"/>
+          </p:cNvSpPr>
+          <p:nvPr>
+            <p:ph type="sldNum" sz="quarter" idx="5"/>
+          </p:nvPr>
+        </p:nvSpPr>
+        <p:spPr/>
+        <p:txBody>
+          <a:bodyPr/>
+          <a:lstStyle/>
+          <a:p>
+            <a:fld id="{7A6690C6-3487-4A2A-A435-A96B59A0BF17}" type="slidenum">
+              <a:rPr lang="th-TH" smtClean="0"/>
+              <a:t>47</a:t>
+            </a:fld>
+            <a:endParaRPr lang="th-TH"/>
+          </a:p>
+        </p:txBody>
+      </p:sp>
+    </p:spTree>
+    <p:extLst>
+      <p:ext uri="{BB962C8B-B14F-4D97-AF65-F5344CB8AC3E}">
+        <p14:creationId xmlns:p14="http://schemas.microsoft.com/office/powerpoint/2010/main" val="4084286550"/>
       </p:ext>
     </p:extLst>
   </p:cSld>
@@ -7237,6 +7942,94 @@
           <a:bodyPr/>
           <a:lstStyle/>
           <a:p>
+            <a:r>
+              <a:rPr lang="en-US" dirty="0"/>
+              <a:t>Low Power Wide Area Network model in this scope consist of 5 properties</a:t>
+            </a:r>
+            <a:endParaRPr lang="th-TH" dirty="0"/>
+          </a:p>
+        </p:txBody>
+      </p:sp>
+      <p:sp>
+        <p:nvSpPr>
+          <p:cNvPr id="4" name="Slide Number Placeholder 3"/>
+          <p:cNvSpPr>
+            <a:spLocks noGrp="1"/>
+          </p:cNvSpPr>
+          <p:nvPr>
+            <p:ph type="sldNum" sz="quarter" idx="5"/>
+          </p:nvPr>
+        </p:nvSpPr>
+        <p:spPr/>
+        <p:txBody>
+          <a:bodyPr/>
+          <a:lstStyle/>
+          <a:p>
+            <a:fld id="{7A6690C6-3487-4A2A-A435-A96B59A0BF17}" type="slidenum">
+              <a:rPr lang="th-TH" smtClean="0"/>
+              <a:t>8</a:t>
+            </a:fld>
+            <a:endParaRPr lang="th-TH"/>
+          </a:p>
+        </p:txBody>
+      </p:sp>
+    </p:spTree>
+    <p:extLst>
+      <p:ext uri="{BB962C8B-B14F-4D97-AF65-F5344CB8AC3E}">
+        <p14:creationId xmlns:p14="http://schemas.microsoft.com/office/powerpoint/2010/main" val="3210965154"/>
+      </p:ext>
+    </p:extLst>
+  </p:cSld>
+  <p:clrMapOvr>
+    <a:masterClrMapping/>
+  </p:clrMapOvr>
+</p:notes>
+</file>
+
+<file path=ppt/notesSlides/notesSlide40.xml><?xml version="1.0" encoding="utf-8"?>
+<p:notes xmlns:a="http://schemas.openxmlformats.org/drawingml/2006/main" xmlns:r="http://schemas.openxmlformats.org/officeDocument/2006/relationships" xmlns:p="http://schemas.openxmlformats.org/presentationml/2006/main">
+  <p:cSld>
+    <p:spTree>
+      <p:nvGrpSpPr>
+        <p:cNvPr id="1" name=""/>
+        <p:cNvGrpSpPr/>
+        <p:nvPr/>
+      </p:nvGrpSpPr>
+      <p:grpSpPr>
+        <a:xfrm>
+          <a:off x="0" y="0"/>
+          <a:ext cx="0" cy="0"/>
+          <a:chOff x="0" y="0"/>
+          <a:chExt cx="0" cy="0"/>
+        </a:xfrm>
+      </p:grpSpPr>
+      <p:sp>
+        <p:nvSpPr>
+          <p:cNvPr id="2" name="Slide Image Placeholder 1"/>
+          <p:cNvSpPr>
+            <a:spLocks noGrp="1" noRot="1" noChangeAspect="1"/>
+          </p:cNvSpPr>
+          <p:nvPr>
+            <p:ph type="sldImg"/>
+          </p:nvPr>
+        </p:nvSpPr>
+        <p:spPr/>
+      </p:sp>
+      <p:sp>
+        <p:nvSpPr>
+          <p:cNvPr id="3" name="Notes Placeholder 2"/>
+          <p:cNvSpPr>
+            <a:spLocks noGrp="1"/>
+          </p:cNvSpPr>
+          <p:nvPr>
+            <p:ph type="body" idx="1"/>
+          </p:nvPr>
+        </p:nvSpPr>
+        <p:spPr/>
+        <p:txBody>
+          <a:bodyPr/>
+          <a:lstStyle/>
+          <a:p>
             <a:pPr marL="0" marR="0" lvl="0" indent="0" algn="l" defTabSz="914400" rtl="0" eaLnBrk="1" fontAlgn="auto" latinLnBrk="0" hangingPunct="1">
               <a:lnSpc>
                 <a:spcPct val="100000"/>
@@ -7275,7 +8068,7 @@
           <a:p>
             <a:fld id="{7A6690C6-3487-4A2A-A435-A96B59A0BF17}" type="slidenum">
               <a:rPr lang="th-TH" smtClean="0"/>
-              <a:t>17</a:t>
+              <a:t>48</a:t>
             </a:fld>
             <a:endParaRPr lang="th-TH"/>
           </a:p>
@@ -7284,7 +8077,7 @@
     </p:spTree>
     <p:extLst>
       <p:ext uri="{BB962C8B-B14F-4D97-AF65-F5344CB8AC3E}">
-        <p14:creationId xmlns:p14="http://schemas.microsoft.com/office/powerpoint/2010/main" val="2145367814"/>
+        <p14:creationId xmlns:p14="http://schemas.microsoft.com/office/powerpoint/2010/main" val="3333172747"/>
       </p:ext>
     </p:extLst>
   </p:cSld>
@@ -7355,7 +8148,14 @@
               <a:tabLst/>
               <a:defRPr/>
             </a:pPr>
-            <a:endParaRPr lang="en-US" dirty="0"/>
+            <a:r>
+              <a:rPr lang="en-US" dirty="0"/>
+              <a:t>Protocol model in this scope consist of 4 properties</a:t>
+            </a:r>
+            <a:endParaRPr lang="th-TH" dirty="0"/>
+          </a:p>
+          <a:p>
+            <a:endParaRPr lang="th-TH" dirty="0"/>
           </a:p>
         </p:txBody>
       </p:sp>
@@ -7376,7 +8176,7 @@
           <a:p>
             <a:fld id="{7A6690C6-3487-4A2A-A435-A96B59A0BF17}" type="slidenum">
               <a:rPr lang="th-TH" smtClean="0"/>
-              <a:t>18</a:t>
+              <a:t>9</a:t>
             </a:fld>
             <a:endParaRPr lang="th-TH"/>
           </a:p>
@@ -7385,7 +8185,7 @@
     </p:spTree>
     <p:extLst>
       <p:ext uri="{BB962C8B-B14F-4D97-AF65-F5344CB8AC3E}">
-        <p14:creationId xmlns:p14="http://schemas.microsoft.com/office/powerpoint/2010/main" val="1585484010"/>
+        <p14:creationId xmlns:p14="http://schemas.microsoft.com/office/powerpoint/2010/main" val="3135980067"/>
       </p:ext>
     </p:extLst>
   </p:cSld>
@@ -7477,7 +8277,7 @@
           <a:p>
             <a:fld id="{7A6690C6-3487-4A2A-A435-A96B59A0BF17}" type="slidenum">
               <a:rPr lang="th-TH" smtClean="0"/>
-              <a:t>19</a:t>
+              <a:t>10</a:t>
             </a:fld>
             <a:endParaRPr lang="th-TH"/>
           </a:p>
@@ -7486,7 +8286,7 @@
     </p:spTree>
     <p:extLst>
       <p:ext uri="{BB962C8B-B14F-4D97-AF65-F5344CB8AC3E}">
-        <p14:creationId xmlns:p14="http://schemas.microsoft.com/office/powerpoint/2010/main" val="3176834282"/>
+        <p14:creationId xmlns:p14="http://schemas.microsoft.com/office/powerpoint/2010/main" val="728966586"/>
       </p:ext>
     </p:extLst>
   </p:cSld>
@@ -7578,7 +8378,7 @@
           <a:p>
             <a:fld id="{7A6690C6-3487-4A2A-A435-A96B59A0BF17}" type="slidenum">
               <a:rPr lang="th-TH" smtClean="0"/>
-              <a:t>20</a:t>
+              <a:t>15</a:t>
             </a:fld>
             <a:endParaRPr lang="th-TH"/>
           </a:p>
@@ -7587,7 +8387,7 @@
     </p:spTree>
     <p:extLst>
       <p:ext uri="{BB962C8B-B14F-4D97-AF65-F5344CB8AC3E}">
-        <p14:creationId xmlns:p14="http://schemas.microsoft.com/office/powerpoint/2010/main" val="1315445525"/>
+        <p14:creationId xmlns:p14="http://schemas.microsoft.com/office/powerpoint/2010/main" val="1852440564"/>
       </p:ext>
     </p:extLst>
   </p:cSld>
@@ -7658,7 +8458,10 @@
               <a:tabLst/>
               <a:defRPr/>
             </a:pPr>
-            <a:endParaRPr lang="en-US" dirty="0"/>
+            <a:r>
+              <a:rPr lang="en-US" dirty="0"/>
+              <a:t>In each cycle of the NCP, we have four timeslots, as shown in Figure 2. In NCP, it contains N cycles as shown in Figure 3.</a:t>
+            </a:r>
           </a:p>
         </p:txBody>
       </p:sp>
@@ -7679,7 +8482,7 @@
           <a:p>
             <a:fld id="{7A6690C6-3487-4A2A-A435-A96B59A0BF17}" type="slidenum">
               <a:rPr lang="th-TH" smtClean="0"/>
-              <a:t>21</a:t>
+              <a:t>16</a:t>
             </a:fld>
             <a:endParaRPr lang="th-TH"/>
           </a:p>
@@ -7688,7 +8491,7 @@
     </p:spTree>
     <p:extLst>
       <p:ext uri="{BB962C8B-B14F-4D97-AF65-F5344CB8AC3E}">
-        <p14:creationId xmlns:p14="http://schemas.microsoft.com/office/powerpoint/2010/main" val="1473444794"/>
+        <p14:creationId xmlns:p14="http://schemas.microsoft.com/office/powerpoint/2010/main" val="3382936620"/>
       </p:ext>
     </p:extLst>
   </p:cSld>
@@ -7780,7 +8583,7 @@
           <a:p>
             <a:fld id="{7A6690C6-3487-4A2A-A435-A96B59A0BF17}" type="slidenum">
               <a:rPr lang="th-TH" smtClean="0"/>
-              <a:t>22</a:t>
+              <a:t>17</a:t>
             </a:fld>
             <a:endParaRPr lang="th-TH"/>
           </a:p>
@@ -7789,7 +8592,7 @@
     </p:spTree>
     <p:extLst>
       <p:ext uri="{BB962C8B-B14F-4D97-AF65-F5344CB8AC3E}">
-        <p14:creationId xmlns:p14="http://schemas.microsoft.com/office/powerpoint/2010/main" val="2617019540"/>
+        <p14:creationId xmlns:p14="http://schemas.microsoft.com/office/powerpoint/2010/main" val="2145367814"/>
       </p:ext>
     </p:extLst>
   </p:cSld>
@@ -8037,7 +8840,7 @@
           <a:p>
             <a:fld id="{ED291B17-9318-49DB-B28B-6E5994AE9581}" type="datetime1">
               <a:rPr lang="en-US" smtClean="0"/>
-              <a:t>11/26/2020</a:t>
+              <a:t>12/3/2020</a:t>
             </a:fld>
             <a:endParaRPr lang="en-US" dirty="0"/>
           </a:p>
@@ -8240,7 +9043,7 @@
           <a:p>
             <a:fld id="{2CED4963-E985-44C4-B8C4-FDD613B7C2F8}" type="datetime1">
               <a:rPr lang="en-US" smtClean="0"/>
-              <a:t>11/26/2020</a:t>
+              <a:t>12/3/2020</a:t>
             </a:fld>
             <a:endParaRPr lang="en-US" dirty="0"/>
           </a:p>
@@ -8602,7 +9405,7 @@
           <a:p>
             <a:fld id="{ED291B17-9318-49DB-B28B-6E5994AE9581}" type="datetime1">
               <a:rPr lang="en-US" smtClean="0"/>
-              <a:t>11/26/2020</a:t>
+              <a:t>12/3/2020</a:t>
             </a:fld>
             <a:endParaRPr lang="en-US" dirty="0"/>
           </a:p>
@@ -8800,7 +9603,7 @@
           <a:p>
             <a:fld id="{78DD82B9-B8EE-4375-B6FF-88FA6ABB15D9}" type="datetime1">
               <a:rPr lang="en-US" smtClean="0"/>
-              <a:t>11/26/2020</a:t>
+              <a:t>12/3/2020</a:t>
             </a:fld>
             <a:endParaRPr lang="en-US" dirty="0"/>
           </a:p>
@@ -9112,7 +9915,7 @@
           <a:p>
             <a:fld id="{B2497495-0637-405E-AE64-5CC7506D51F5}" type="datetime1">
               <a:rPr lang="en-US" smtClean="0"/>
-              <a:t>11/26/2020</a:t>
+              <a:t>12/3/2020</a:t>
             </a:fld>
             <a:endParaRPr lang="en-US" dirty="0"/>
           </a:p>
@@ -9365,7 +10168,7 @@
           <a:p>
             <a:fld id="{7BFFD690-9426-415D-8B65-26881E07B2D4}" type="datetime1">
               <a:rPr lang="en-US" smtClean="0"/>
-              <a:t>11/26/2020</a:t>
+              <a:t>12/3/2020</a:t>
             </a:fld>
             <a:endParaRPr lang="en-US" dirty="0"/>
           </a:p>
@@ -9787,7 +10590,7 @@
           <a:p>
             <a:fld id="{04C4989A-474C-40DE-95B9-011C28B71673}" type="datetime1">
               <a:rPr lang="en-US" smtClean="0"/>
-              <a:t>11/26/2020</a:t>
+              <a:t>12/3/2020</a:t>
             </a:fld>
             <a:endParaRPr lang="en-US" dirty="0"/>
           </a:p>
@@ -9910,7 +10713,7 @@
           <a:p>
             <a:fld id="{5DB4ED54-5B5E-4A04-93D3-5772E3CE3818}" type="datetime1">
               <a:rPr lang="en-US" smtClean="0"/>
-              <a:t>11/26/2020</a:t>
+              <a:t>12/3/2020</a:t>
             </a:fld>
             <a:endParaRPr lang="en-US" dirty="0"/>
           </a:p>
@@ -10005,7 +10808,7 @@
           <a:p>
             <a:fld id="{4EDE50D6-574B-40AF-946F-D52A04ADE379}" type="datetime1">
               <a:rPr lang="en-US" smtClean="0"/>
-              <a:t>11/26/2020</a:t>
+              <a:t>12/3/2020</a:t>
             </a:fld>
             <a:endParaRPr lang="en-US" dirty="0"/>
           </a:p>
@@ -10382,7 +11185,7 @@
           <a:p>
             <a:fld id="{D82884F1-FFEA-405F-9602-3DCA865EDA4E}" type="datetime1">
               <a:rPr lang="en-US" smtClean="0"/>
-              <a:t>11/26/2020</a:t>
+              <a:t>12/3/2020</a:t>
             </a:fld>
             <a:endParaRPr lang="en-US" dirty="0"/>
           </a:p>
@@ -10675,7 +11478,7 @@
           <a:p>
             <a:fld id="{7E18DB4A-8810-4A10-AD5C-D5E2C667F5B3}" type="datetime1">
               <a:rPr lang="en-US" smtClean="0"/>
-              <a:t>11/26/2020</a:t>
+              <a:t>12/3/2020</a:t>
             </a:fld>
             <a:endParaRPr lang="en-US" dirty="0"/>
           </a:p>
@@ -10890,7 +11693,7 @@
           <a:p>
             <a:fld id="{ED291B17-9318-49DB-B28B-6E5994AE9581}" type="datetime1">
               <a:rPr lang="en-US" smtClean="0"/>
-              <a:t>11/26/2020</a:t>
+              <a:t>12/3/2020</a:t>
             </a:fld>
             <a:endParaRPr lang="en-US" dirty="0"/>
           </a:p>
@@ -11741,7 +12544,7 @@
                   <a:schemeClr val="tx1"/>
                 </a:solidFill>
               </a:rPr>
-              <a:t>5 November 2020</a:t>
+              <a:t>4 December 2020</a:t>
             </a:r>
           </a:p>
         </p:txBody>
@@ -12060,7 +12863,7 @@
         <p:spPr>
           <a:xfrm>
             <a:off x="813516" y="2135142"/>
-            <a:ext cx="10564968" cy="3797193"/>
+            <a:ext cx="10564968" cy="3365537"/>
           </a:xfrm>
           <a:prstGeom prst="rect">
             <a:avLst/>
@@ -12073,107 +12876,73 @@
           </a:bodyPr>
           <a:lstStyle/>
           <a:p>
-            <a:pPr marL="342900" indent="-342900" algn="thaiDist">
+            <a:pPr algn="thaiDist">
               <a:lnSpc>
                 <a:spcPct val="150000"/>
               </a:lnSpc>
-              <a:buFont typeface="+mj-lt"/>
-              <a:buAutoNum type="arabicPeriod"/>
             </a:pPr>
             <a:r>
               <a:rPr lang="en-US" dirty="0"/>
-              <a:t>The protocol uses distributed aggregation scheduling to eliminates all collisions when transmitting data.</a:t>
-            </a:r>
-          </a:p>
-          <a:p>
-            <a:pPr marL="742950" lvl="1" indent="-285750" algn="thaiDist">
+              <a:t>The minimized latency Multi-hop </a:t>
+            </a:r>
+            <a:r>
+              <a:rPr lang="en-US" dirty="0" err="1"/>
+              <a:t>LoRa</a:t>
+            </a:r>
+            <a:r>
+              <a:rPr lang="en-US" dirty="0"/>
+              <a:t> protocol has 3 key features.</a:t>
+            </a:r>
+          </a:p>
+          <a:p>
+            <a:pPr marL="285750" indent="-285750" algn="thaiDist">
               <a:lnSpc>
                 <a:spcPct val="150000"/>
               </a:lnSpc>
-              <a:buFont typeface="Wingdings" panose="05000000000000000000" pitchFamily="2" charset="2"/>
-              <a:buChar char="Ø"/>
+              <a:buFont typeface="Arial" panose="020B0604020202020204" pitchFamily="34" charset="0"/>
+              <a:buChar char="•"/>
             </a:pPr>
             <a:r>
+              <a:rPr lang="en-US" b="1" dirty="0"/>
+              <a:t>Distributed Aggregation Scheduling: </a:t>
+            </a:r>
+            <a:r>
               <a:rPr lang="en-US" dirty="0"/>
-              <a:t>the reliability of data transmission is high.</a:t>
-            </a:r>
-          </a:p>
-          <a:p>
-            <a:pPr marL="342900" indent="-342900" algn="thaiDist">
+              <a:t>all the nodes in the network make the schedule without all network topology information. they only know their neighbor nodes’ information.</a:t>
+            </a:r>
+          </a:p>
+          <a:p>
+            <a:pPr marL="285750" indent="-285750" algn="thaiDist">
               <a:lnSpc>
                 <a:spcPct val="150000"/>
               </a:lnSpc>
-              <a:buFont typeface="+mj-lt"/>
-              <a:buAutoNum type="arabicPeriod"/>
+              <a:buFont typeface="Arial" panose="020B0604020202020204" pitchFamily="34" charset="0"/>
+              <a:buChar char="•"/>
             </a:pPr>
             <a:r>
+              <a:rPr lang="en-US" b="1" dirty="0"/>
+              <a:t>Parallel Transmissions: </a:t>
+            </a:r>
+            <a:r>
               <a:rPr lang="en-US" dirty="0"/>
-              <a:t>The protocol uses a parallel transmissions for utilized channel maximization.</a:t>
-            </a:r>
-          </a:p>
-          <a:p>
-            <a:pPr marL="800100" lvl="1" indent="-342900" algn="thaiDist">
+              <a:t>the proposed protocol allows parallel non-conflicting transmission in the network. This approach reduces the latency in the network and minimizes the number of timeslots that are assigned to all the links in the network.</a:t>
+            </a:r>
+          </a:p>
+          <a:p>
+            <a:pPr marL="285750" indent="-285750" algn="thaiDist">
               <a:lnSpc>
                 <a:spcPct val="150000"/>
               </a:lnSpc>
-              <a:buFont typeface="Wingdings" panose="05000000000000000000" pitchFamily="2" charset="2"/>
-              <a:buChar char="Ø"/>
+              <a:buFont typeface="Arial" panose="020B0604020202020204" pitchFamily="34" charset="0"/>
+              <a:buChar char="•"/>
             </a:pPr>
             <a:r>
+              <a:rPr lang="en-US" b="1" dirty="0"/>
+              <a:t>Minimize Packet Size: </a:t>
+            </a:r>
+            <a:r>
               <a:rPr lang="en-US" dirty="0"/>
-              <a:t>the number of neighbor nodes can be increased.</a:t>
-            </a:r>
-          </a:p>
-          <a:p>
-            <a:pPr marL="342900" indent="-342900" algn="thaiDist">
-              <a:lnSpc>
-                <a:spcPct val="150000"/>
-              </a:lnSpc>
-              <a:buFont typeface="+mj-lt"/>
-              <a:buAutoNum type="arabicPeriod"/>
-            </a:pPr>
-            <a:r>
-              <a:rPr lang="en-US" dirty="0"/>
-              <a:t>The protocol uses a tree construction algorithm, which achieves a high balance load.</a:t>
-            </a:r>
-          </a:p>
-          <a:p>
-            <a:pPr marL="800100" lvl="1" indent="-342900" algn="thaiDist">
-              <a:lnSpc>
-                <a:spcPct val="150000"/>
-              </a:lnSpc>
-              <a:buFont typeface="Wingdings" panose="05000000000000000000" pitchFamily="2" charset="2"/>
-              <a:buChar char="Ø"/>
-            </a:pPr>
-            <a:r>
-              <a:rPr lang="en-US" dirty="0"/>
-              <a:t>All power consumption of nodes are balanced.</a:t>
-            </a:r>
-          </a:p>
-          <a:p>
-            <a:pPr marL="342900" indent="-342900" algn="thaiDist">
-              <a:lnSpc>
-                <a:spcPct val="150000"/>
-              </a:lnSpc>
-              <a:buFont typeface="+mj-lt"/>
-              <a:buAutoNum type="arabicPeriod"/>
-            </a:pPr>
-            <a:r>
-              <a:rPr lang="en-US" dirty="0"/>
-              <a:t>The protocol uses a timeslot and channel assignment algorithm to support the parallel node transmit data.</a:t>
-            </a:r>
-          </a:p>
-          <a:p>
-            <a:pPr marL="800100" lvl="1" indent="-342900" algn="thaiDist">
-              <a:lnSpc>
-                <a:spcPct val="150000"/>
-              </a:lnSpc>
-              <a:buFont typeface="Wingdings" panose="05000000000000000000" pitchFamily="2" charset="2"/>
-              <a:buChar char="Ø"/>
-            </a:pPr>
-            <a:r>
-              <a:rPr lang="en-US" dirty="0"/>
-              <a:t>The source node can send to the multi-destination nodes at the same time. </a:t>
+              <a:t>in the proposed protocol, based on the choice of parent, the packet sizes at the nodes will be minimized.</a:t>
             </a:r>
           </a:p>
         </p:txBody>
@@ -12181,7 +12950,7 @@
     </p:spTree>
     <p:extLst>
       <p:ext uri="{BB962C8B-B14F-4D97-AF65-F5344CB8AC3E}">
-        <p14:creationId xmlns:p14="http://schemas.microsoft.com/office/powerpoint/2010/main" val="445678229"/>
+        <p14:creationId xmlns:p14="http://schemas.microsoft.com/office/powerpoint/2010/main" val="3144423225"/>
       </p:ext>
     </p:extLst>
   </p:cSld>
@@ -12614,15 +13383,7 @@
           <a:p>
             <a:r>
               <a:rPr lang="en-US" dirty="0"/>
-              <a:t>Minimized Latency Multi-hop </a:t>
-            </a:r>
-            <a:r>
-              <a:rPr lang="en-US" dirty="0" err="1"/>
-              <a:t>LoRa</a:t>
-            </a:r>
-            <a:r>
-              <a:rPr lang="en-US" dirty="0"/>
-              <a:t> Network Protocol</a:t>
+              <a:t>Major cycles (MC)</a:t>
             </a:r>
             <a:endParaRPr lang="th-TH" dirty="0">
               <a:solidFill>
@@ -12914,6 +13675,58 @@
           </a:p>
         </p:txBody>
       </p:sp>
+      <p:sp>
+        <p:nvSpPr>
+          <p:cNvPr id="9" name="Rectangle 8">
+            <a:extLst>
+              <a:ext uri="{FF2B5EF4-FFF2-40B4-BE49-F238E27FC236}">
+                <a16:creationId xmlns:a16="http://schemas.microsoft.com/office/drawing/2014/main" id="{44D627FD-8922-472F-AB6E-BBEDB1EA7EE0}"/>
+              </a:ext>
+            </a:extLst>
+          </p:cNvPr>
+          <p:cNvSpPr/>
+          <p:nvPr/>
+        </p:nvSpPr>
+        <p:spPr>
+          <a:xfrm>
+            <a:off x="3193445" y="3669460"/>
+            <a:ext cx="3351733" cy="1682186"/>
+          </a:xfrm>
+          <a:prstGeom prst="rect">
+            <a:avLst/>
+          </a:prstGeom>
+          <a:noFill/>
+          <a:ln w="28575">
+            <a:solidFill>
+              <a:srgbClr val="00B050"/>
+            </a:solidFill>
+          </a:ln>
+        </p:spPr>
+        <p:style>
+          <a:lnRef idx="2">
+            <a:schemeClr val="accent1">
+              <a:shade val="50000"/>
+            </a:schemeClr>
+          </a:lnRef>
+          <a:fillRef idx="1">
+            <a:schemeClr val="accent1"/>
+          </a:fillRef>
+          <a:effectRef idx="0">
+            <a:schemeClr val="accent1"/>
+          </a:effectRef>
+          <a:fontRef idx="minor">
+            <a:schemeClr val="lt1"/>
+          </a:fontRef>
+        </p:style>
+        <p:txBody>
+          <a:bodyPr rtlCol="0" anchor="ctr"/>
+          <a:lstStyle/>
+          <a:p>
+            <a:pPr algn="ctr"/>
+            <a:endParaRPr lang="th-TH"/>
+          </a:p>
+        </p:txBody>
+      </p:sp>
     </p:spTree>
     <p:extLst>
       <p:ext uri="{BB962C8B-B14F-4D97-AF65-F5344CB8AC3E}">
@@ -12967,15 +13780,7 @@
           <a:p>
             <a:r>
               <a:rPr lang="en-US" dirty="0"/>
-              <a:t>Minimized Latency Multi-hop </a:t>
-            </a:r>
-            <a:r>
-              <a:rPr lang="en-US" dirty="0" err="1"/>
-              <a:t>LoRa</a:t>
-            </a:r>
-            <a:r>
-              <a:rPr lang="en-US" dirty="0"/>
-              <a:t> Network Protocol</a:t>
+              <a:t>The upward transmission period (UTP)</a:t>
             </a:r>
             <a:endParaRPr lang="th-TH" dirty="0">
               <a:solidFill>
@@ -13330,15 +14135,7 @@
           <a:p>
             <a:r>
               <a:rPr lang="en-US" dirty="0"/>
-              <a:t>Minimized Latency Multi-hop </a:t>
-            </a:r>
-            <a:r>
-              <a:rPr lang="en-US" dirty="0" err="1"/>
-              <a:t>LoRa</a:t>
-            </a:r>
-            <a:r>
-              <a:rPr lang="en-US" dirty="0"/>
-              <a:t> Network Protocol</a:t>
+              <a:t>The downward transmission period (DTP)</a:t>
             </a:r>
             <a:endParaRPr lang="th-TH" dirty="0">
               <a:solidFill>
@@ -13612,6 +14409,409 @@
           <a:chExt cx="0" cy="0"/>
         </a:xfrm>
       </p:grpSpPr>
+      <p:sp>
+        <p:nvSpPr>
+          <p:cNvPr id="2" name="Title 1">
+            <a:extLst>
+              <a:ext uri="{FF2B5EF4-FFF2-40B4-BE49-F238E27FC236}">
+                <a16:creationId xmlns:a16="http://schemas.microsoft.com/office/drawing/2014/main" id="{08069A03-1512-4369-9FE2-D698F3178988}"/>
+              </a:ext>
+            </a:extLst>
+          </p:cNvPr>
+          <p:cNvSpPr>
+            <a:spLocks noGrp="1"/>
+          </p:cNvSpPr>
+          <p:nvPr>
+            <p:ph type="title"/>
+          </p:nvPr>
+        </p:nvSpPr>
+        <p:spPr/>
+        <p:txBody>
+          <a:bodyPr/>
+          <a:lstStyle/>
+          <a:p>
+            <a:r>
+              <a:rPr lang="en-US" dirty="0"/>
+              <a:t>Example</a:t>
+            </a:r>
+            <a:endParaRPr lang="th-TH" dirty="0">
+              <a:solidFill>
+                <a:schemeClr val="tx1"/>
+              </a:solidFill>
+            </a:endParaRPr>
+          </a:p>
+        </p:txBody>
+      </p:sp>
+      <p:pic>
+        <p:nvPicPr>
+          <p:cNvPr id="4" name="Picture 3">
+            <a:extLst>
+              <a:ext uri="{FF2B5EF4-FFF2-40B4-BE49-F238E27FC236}">
+                <a16:creationId xmlns:a16="http://schemas.microsoft.com/office/drawing/2014/main" id="{191C2B10-A83C-48B6-875C-6702F93FBB1E}"/>
+              </a:ext>
+            </a:extLst>
+          </p:cNvPr>
+          <p:cNvPicPr>
+            <a:picLocks noChangeAspect="1"/>
+          </p:cNvPicPr>
+          <p:nvPr/>
+        </p:nvPicPr>
+        <p:blipFill>
+          <a:blip r:embed="rId3"/>
+          <a:stretch>
+            <a:fillRect/>
+          </a:stretch>
+        </p:blipFill>
+        <p:spPr>
+          <a:xfrm>
+            <a:off x="2850356" y="667828"/>
+            <a:ext cx="6491288" cy="2761172"/>
+          </a:xfrm>
+          <a:prstGeom prst="rect">
+            <a:avLst/>
+          </a:prstGeom>
+        </p:spPr>
+      </p:pic>
+      <p:sp>
+        <p:nvSpPr>
+          <p:cNvPr id="9" name="TextBox 8">
+            <a:extLst>
+              <a:ext uri="{FF2B5EF4-FFF2-40B4-BE49-F238E27FC236}">
+                <a16:creationId xmlns:a16="http://schemas.microsoft.com/office/drawing/2014/main" id="{AF60CB29-7D45-4220-93C3-F2774E892237}"/>
+              </a:ext>
+            </a:extLst>
+          </p:cNvPr>
+          <p:cNvSpPr txBox="1"/>
+          <p:nvPr/>
+        </p:nvSpPr>
+        <p:spPr>
+          <a:xfrm>
+            <a:off x="7496175" y="1050295"/>
+            <a:ext cx="923925" cy="246221"/>
+          </a:xfrm>
+          <a:prstGeom prst="rect">
+            <a:avLst/>
+          </a:prstGeom>
+          <a:noFill/>
+        </p:spPr>
+        <p:txBody>
+          <a:bodyPr wrap="square" rtlCol="0">
+            <a:spAutoFit/>
+          </a:bodyPr>
+          <a:lstStyle/>
+          <a:p>
+            <a:r>
+              <a:rPr lang="en-US" sz="1000" dirty="0"/>
+              <a:t>Ch0,T5</a:t>
+            </a:r>
+            <a:endParaRPr lang="th-TH" sz="1000" dirty="0"/>
+          </a:p>
+        </p:txBody>
+      </p:sp>
+      <p:sp>
+        <p:nvSpPr>
+          <p:cNvPr id="12" name="TextBox 11">
+            <a:extLst>
+              <a:ext uri="{FF2B5EF4-FFF2-40B4-BE49-F238E27FC236}">
+                <a16:creationId xmlns:a16="http://schemas.microsoft.com/office/drawing/2014/main" id="{377F92D3-AA48-4A06-8F16-26C258CA85B8}"/>
+              </a:ext>
+            </a:extLst>
+          </p:cNvPr>
+          <p:cNvSpPr txBox="1"/>
+          <p:nvPr/>
+        </p:nvSpPr>
+        <p:spPr>
+          <a:xfrm>
+            <a:off x="6372225" y="1073080"/>
+            <a:ext cx="923925" cy="246221"/>
+          </a:xfrm>
+          <a:prstGeom prst="rect">
+            <a:avLst/>
+          </a:prstGeom>
+          <a:noFill/>
+        </p:spPr>
+        <p:txBody>
+          <a:bodyPr wrap="square" rtlCol="0">
+            <a:spAutoFit/>
+          </a:bodyPr>
+          <a:lstStyle/>
+          <a:p>
+            <a:r>
+              <a:rPr lang="en-US" sz="1000" dirty="0"/>
+              <a:t>Ch0,T4</a:t>
+            </a:r>
+            <a:endParaRPr lang="th-TH" sz="1000" dirty="0"/>
+          </a:p>
+        </p:txBody>
+      </p:sp>
+      <p:pic>
+        <p:nvPicPr>
+          <p:cNvPr id="5" name="Picture 4">
+            <a:extLst>
+              <a:ext uri="{FF2B5EF4-FFF2-40B4-BE49-F238E27FC236}">
+                <a16:creationId xmlns:a16="http://schemas.microsoft.com/office/drawing/2014/main" id="{1B6E9C0A-9491-43F7-B9AA-EC90C5B8E2E2}"/>
+              </a:ext>
+            </a:extLst>
+          </p:cNvPr>
+          <p:cNvPicPr>
+            <a:picLocks noChangeAspect="1"/>
+          </p:cNvPicPr>
+          <p:nvPr/>
+        </p:nvPicPr>
+        <p:blipFill>
+          <a:blip r:embed="rId4"/>
+          <a:stretch>
+            <a:fillRect/>
+          </a:stretch>
+        </p:blipFill>
+        <p:spPr>
+          <a:xfrm>
+            <a:off x="3087290" y="3490500"/>
+            <a:ext cx="6017419" cy="3367500"/>
+          </a:xfrm>
+          <a:prstGeom prst="rect">
+            <a:avLst/>
+          </a:prstGeom>
+        </p:spPr>
+      </p:pic>
+      <p:sp>
+        <p:nvSpPr>
+          <p:cNvPr id="6" name="TextBox 5">
+            <a:extLst>
+              <a:ext uri="{FF2B5EF4-FFF2-40B4-BE49-F238E27FC236}">
+                <a16:creationId xmlns:a16="http://schemas.microsoft.com/office/drawing/2014/main" id="{41FD30F3-0A18-4595-89A6-E70402D60B97}"/>
+              </a:ext>
+            </a:extLst>
+          </p:cNvPr>
+          <p:cNvSpPr txBox="1"/>
+          <p:nvPr/>
+        </p:nvSpPr>
+        <p:spPr>
+          <a:xfrm>
+            <a:off x="5929312" y="1952376"/>
+            <a:ext cx="923925" cy="246221"/>
+          </a:xfrm>
+          <a:prstGeom prst="rect">
+            <a:avLst/>
+          </a:prstGeom>
+          <a:noFill/>
+        </p:spPr>
+        <p:txBody>
+          <a:bodyPr wrap="square" rtlCol="0">
+            <a:spAutoFit/>
+          </a:bodyPr>
+          <a:lstStyle/>
+          <a:p>
+            <a:r>
+              <a:rPr lang="en-US" sz="1000" dirty="0"/>
+              <a:t>Ch1,T3</a:t>
+            </a:r>
+            <a:endParaRPr lang="th-TH" sz="1000" dirty="0"/>
+          </a:p>
+        </p:txBody>
+      </p:sp>
+      <p:sp>
+        <p:nvSpPr>
+          <p:cNvPr id="8" name="TextBox 7">
+            <a:extLst>
+              <a:ext uri="{FF2B5EF4-FFF2-40B4-BE49-F238E27FC236}">
+                <a16:creationId xmlns:a16="http://schemas.microsoft.com/office/drawing/2014/main" id="{98C37BAA-7D63-4072-9A52-E4A5656EE68F}"/>
+              </a:ext>
+            </a:extLst>
+          </p:cNvPr>
+          <p:cNvSpPr txBox="1"/>
+          <p:nvPr/>
+        </p:nvSpPr>
+        <p:spPr>
+          <a:xfrm>
+            <a:off x="7386637" y="1850032"/>
+            <a:ext cx="923925" cy="246221"/>
+          </a:xfrm>
+          <a:prstGeom prst="rect">
+            <a:avLst/>
+          </a:prstGeom>
+          <a:noFill/>
+        </p:spPr>
+        <p:txBody>
+          <a:bodyPr wrap="square" rtlCol="0">
+            <a:spAutoFit/>
+          </a:bodyPr>
+          <a:lstStyle/>
+          <a:p>
+            <a:r>
+              <a:rPr lang="en-US" sz="1000" dirty="0"/>
+              <a:t>Ch0,T3</a:t>
+            </a:r>
+            <a:endParaRPr lang="th-TH" sz="1000" dirty="0"/>
+          </a:p>
+        </p:txBody>
+      </p:sp>
+      <p:sp>
+        <p:nvSpPr>
+          <p:cNvPr id="14" name="TextBox 13">
+            <a:extLst>
+              <a:ext uri="{FF2B5EF4-FFF2-40B4-BE49-F238E27FC236}">
+                <a16:creationId xmlns:a16="http://schemas.microsoft.com/office/drawing/2014/main" id="{7ECF7017-FAE1-4E03-BF8A-E1BB8E03F85D}"/>
+              </a:ext>
+            </a:extLst>
+          </p:cNvPr>
+          <p:cNvSpPr txBox="1"/>
+          <p:nvPr/>
+        </p:nvSpPr>
+        <p:spPr>
+          <a:xfrm>
+            <a:off x="7958137" y="1992794"/>
+            <a:ext cx="923925" cy="246221"/>
+          </a:xfrm>
+          <a:prstGeom prst="rect">
+            <a:avLst/>
+          </a:prstGeom>
+          <a:noFill/>
+        </p:spPr>
+        <p:txBody>
+          <a:bodyPr wrap="square" rtlCol="0">
+            <a:spAutoFit/>
+          </a:bodyPr>
+          <a:lstStyle/>
+          <a:p>
+            <a:r>
+              <a:rPr lang="en-US" sz="1000" dirty="0"/>
+              <a:t>Ch1,T4</a:t>
+            </a:r>
+            <a:endParaRPr lang="th-TH" sz="1000" dirty="0"/>
+          </a:p>
+        </p:txBody>
+      </p:sp>
+      <p:sp>
+        <p:nvSpPr>
+          <p:cNvPr id="3" name="Rectangle 2">
+            <a:extLst>
+              <a:ext uri="{FF2B5EF4-FFF2-40B4-BE49-F238E27FC236}">
+                <a16:creationId xmlns:a16="http://schemas.microsoft.com/office/drawing/2014/main" id="{E646D375-E1DD-4EAA-9007-0B22BE8E9C86}"/>
+              </a:ext>
+            </a:extLst>
+          </p:cNvPr>
+          <p:cNvSpPr/>
+          <p:nvPr/>
+        </p:nvSpPr>
+        <p:spPr>
+          <a:xfrm>
+            <a:off x="2492942" y="1828023"/>
+            <a:ext cx="1302231" cy="410992"/>
+          </a:xfrm>
+          <a:prstGeom prst="rect">
+            <a:avLst/>
+          </a:prstGeom>
+        </p:spPr>
+        <p:style>
+          <a:lnRef idx="2">
+            <a:schemeClr val="accent1">
+              <a:shade val="50000"/>
+            </a:schemeClr>
+          </a:lnRef>
+          <a:fillRef idx="1">
+            <a:schemeClr val="accent1"/>
+          </a:fillRef>
+          <a:effectRef idx="0">
+            <a:schemeClr val="accent1"/>
+          </a:effectRef>
+          <a:fontRef idx="minor">
+            <a:schemeClr val="lt1"/>
+          </a:fontRef>
+        </p:style>
+        <p:txBody>
+          <a:bodyPr rtlCol="0" anchor="ctr"/>
+          <a:lstStyle/>
+          <a:p>
+            <a:pPr algn="ctr"/>
+            <a:r>
+              <a:rPr lang="en-US" dirty="0"/>
+              <a:t>Before NCP</a:t>
+            </a:r>
+            <a:endParaRPr lang="th-TH" dirty="0"/>
+          </a:p>
+        </p:txBody>
+      </p:sp>
+      <p:sp>
+        <p:nvSpPr>
+          <p:cNvPr id="13" name="Rectangle 12">
+            <a:extLst>
+              <a:ext uri="{FF2B5EF4-FFF2-40B4-BE49-F238E27FC236}">
+                <a16:creationId xmlns:a16="http://schemas.microsoft.com/office/drawing/2014/main" id="{15CE1002-7929-40FC-8C62-811CD4A899C1}"/>
+              </a:ext>
+            </a:extLst>
+          </p:cNvPr>
+          <p:cNvSpPr/>
+          <p:nvPr/>
+        </p:nvSpPr>
+        <p:spPr>
+          <a:xfrm>
+            <a:off x="8522879" y="1828023"/>
+            <a:ext cx="1302231" cy="410992"/>
+          </a:xfrm>
+          <a:prstGeom prst="rect">
+            <a:avLst/>
+          </a:prstGeom>
+        </p:spPr>
+        <p:style>
+          <a:lnRef idx="2">
+            <a:schemeClr val="accent1">
+              <a:shade val="50000"/>
+            </a:schemeClr>
+          </a:lnRef>
+          <a:fillRef idx="1">
+            <a:schemeClr val="accent1"/>
+          </a:fillRef>
+          <a:effectRef idx="0">
+            <a:schemeClr val="accent1"/>
+          </a:effectRef>
+          <a:fontRef idx="minor">
+            <a:schemeClr val="lt1"/>
+          </a:fontRef>
+        </p:style>
+        <p:txBody>
+          <a:bodyPr rtlCol="0" anchor="ctr"/>
+          <a:lstStyle/>
+          <a:p>
+            <a:pPr algn="ctr"/>
+            <a:r>
+              <a:rPr lang="en-US" dirty="0"/>
+              <a:t>After NCP</a:t>
+            </a:r>
+            <a:endParaRPr lang="th-TH" dirty="0"/>
+          </a:p>
+        </p:txBody>
+      </p:sp>
+    </p:spTree>
+    <p:extLst>
+      <p:ext uri="{BB962C8B-B14F-4D97-AF65-F5344CB8AC3E}">
+        <p14:creationId xmlns:p14="http://schemas.microsoft.com/office/powerpoint/2010/main" val="1041491866"/>
+      </p:ext>
+    </p:extLst>
+  </p:cSld>
+  <p:clrMapOvr>
+    <a:masterClrMapping/>
+  </p:clrMapOvr>
+</p:sld>
+</file>
+
+<file path=ppt/slides/slide16.xml><?xml version="1.0" encoding="utf-8"?>
+<p:sld xmlns:a="http://schemas.openxmlformats.org/drawingml/2006/main" xmlns:r="http://schemas.openxmlformats.org/officeDocument/2006/relationships" xmlns:p="http://schemas.openxmlformats.org/presentationml/2006/main">
+  <p:cSld>
+    <p:spTree>
+      <p:nvGrpSpPr>
+        <p:cNvPr id="1" name=""/>
+        <p:cNvGrpSpPr/>
+        <p:nvPr/>
+      </p:nvGrpSpPr>
+      <p:grpSpPr>
+        <a:xfrm>
+          <a:off x="0" y="0"/>
+          <a:ext cx="0" cy="0"/>
+          <a:chOff x="0" y="0"/>
+          <a:chExt cx="0" cy="0"/>
+        </a:xfrm>
+      </p:grpSpPr>
       <p:pic>
         <p:nvPicPr>
           <p:cNvPr id="10" name="Picture 9">
@@ -13665,15 +14865,7 @@
           <a:p>
             <a:r>
               <a:rPr lang="en-US" dirty="0"/>
-              <a:t>Minimized Latency Multi-hop </a:t>
-            </a:r>
-            <a:r>
-              <a:rPr lang="en-US" dirty="0" err="1"/>
-              <a:t>LoRa</a:t>
-            </a:r>
-            <a:r>
-              <a:rPr lang="en-US" dirty="0"/>
-              <a:t> Network Protocol</a:t>
+              <a:t>Protocol packets</a:t>
             </a:r>
             <a:endParaRPr lang="th-TH" dirty="0">
               <a:solidFill>
@@ -13951,176 +15143,6 @@
     <p:extLst>
       <p:ext uri="{BB962C8B-B14F-4D97-AF65-F5344CB8AC3E}">
         <p14:creationId xmlns:p14="http://schemas.microsoft.com/office/powerpoint/2010/main" val="398238873"/>
-      </p:ext>
-    </p:extLst>
-  </p:cSld>
-  <p:clrMapOvr>
-    <a:masterClrMapping/>
-  </p:clrMapOvr>
-</p:sld>
-</file>
-
-<file path=ppt/slides/slide16.xml><?xml version="1.0" encoding="utf-8"?>
-<p:sld xmlns:a="http://schemas.openxmlformats.org/drawingml/2006/main" xmlns:r="http://schemas.openxmlformats.org/officeDocument/2006/relationships" xmlns:p="http://schemas.openxmlformats.org/presentationml/2006/main">
-  <p:cSld>
-    <p:spTree>
-      <p:nvGrpSpPr>
-        <p:cNvPr id="1" name=""/>
-        <p:cNvGrpSpPr/>
-        <p:nvPr/>
-      </p:nvGrpSpPr>
-      <p:grpSpPr>
-        <a:xfrm>
-          <a:off x="0" y="0"/>
-          <a:ext cx="0" cy="0"/>
-          <a:chOff x="0" y="0"/>
-          <a:chExt cx="0" cy="0"/>
-        </a:xfrm>
-      </p:grpSpPr>
-      <p:sp>
-        <p:nvSpPr>
-          <p:cNvPr id="2" name="Title 1">
-            <a:extLst>
-              <a:ext uri="{FF2B5EF4-FFF2-40B4-BE49-F238E27FC236}">
-                <a16:creationId xmlns:a16="http://schemas.microsoft.com/office/drawing/2014/main" id="{08069A03-1512-4369-9FE2-D698F3178988}"/>
-              </a:ext>
-            </a:extLst>
-          </p:cNvPr>
-          <p:cNvSpPr>
-            <a:spLocks noGrp="1"/>
-          </p:cNvSpPr>
-          <p:nvPr>
-            <p:ph type="title"/>
-          </p:nvPr>
-        </p:nvSpPr>
-        <p:spPr/>
-        <p:txBody>
-          <a:bodyPr/>
-          <a:lstStyle/>
-          <a:p>
-            <a:r>
-              <a:rPr lang="en-US" dirty="0"/>
-              <a:t>Minimized Latency Multi-hop </a:t>
-            </a:r>
-            <a:r>
-              <a:rPr lang="en-US" dirty="0" err="1"/>
-              <a:t>LoRa’s</a:t>
-            </a:r>
-            <a:r>
-              <a:rPr lang="en-US" dirty="0"/>
-              <a:t> Key Aspects</a:t>
-            </a:r>
-            <a:endParaRPr lang="th-TH" dirty="0">
-              <a:solidFill>
-                <a:schemeClr val="tx1"/>
-              </a:solidFill>
-            </a:endParaRPr>
-          </a:p>
-        </p:txBody>
-      </p:sp>
-      <p:sp>
-        <p:nvSpPr>
-          <p:cNvPr id="6" name="TextBox 5">
-            <a:extLst>
-              <a:ext uri="{FF2B5EF4-FFF2-40B4-BE49-F238E27FC236}">
-                <a16:creationId xmlns:a16="http://schemas.microsoft.com/office/drawing/2014/main" id="{D6600F39-D50B-40E0-B05C-4BA417758BE0}"/>
-              </a:ext>
-            </a:extLst>
-          </p:cNvPr>
-          <p:cNvSpPr txBox="1"/>
-          <p:nvPr/>
-        </p:nvSpPr>
-        <p:spPr>
-          <a:xfrm>
-            <a:off x="813516" y="2135142"/>
-            <a:ext cx="10564968" cy="3365537"/>
-          </a:xfrm>
-          <a:prstGeom prst="rect">
-            <a:avLst/>
-          </a:prstGeom>
-          <a:noFill/>
-        </p:spPr>
-        <p:txBody>
-          <a:bodyPr wrap="square" rtlCol="0">
-            <a:spAutoFit/>
-          </a:bodyPr>
-          <a:lstStyle/>
-          <a:p>
-            <a:pPr algn="thaiDist">
-              <a:lnSpc>
-                <a:spcPct val="150000"/>
-              </a:lnSpc>
-            </a:pPr>
-            <a:r>
-              <a:rPr lang="en-US" dirty="0"/>
-              <a:t>The minimized latency Multi-hop </a:t>
-            </a:r>
-            <a:r>
-              <a:rPr lang="en-US" dirty="0" err="1"/>
-              <a:t>LoRa</a:t>
-            </a:r>
-            <a:r>
-              <a:rPr lang="en-US" dirty="0"/>
-              <a:t> protocol has some key features, which are described as follows:</a:t>
-            </a:r>
-          </a:p>
-          <a:p>
-            <a:pPr marL="285750" indent="-285750" algn="thaiDist">
-              <a:lnSpc>
-                <a:spcPct val="150000"/>
-              </a:lnSpc>
-              <a:buFont typeface="Arial" panose="020B0604020202020204" pitchFamily="34" charset="0"/>
-              <a:buChar char="•"/>
-            </a:pPr>
-            <a:r>
-              <a:rPr lang="en-US" b="1" dirty="0"/>
-              <a:t>Distributed Aggregation Scheduling: </a:t>
-            </a:r>
-            <a:r>
-              <a:rPr lang="en-US" dirty="0"/>
-              <a:t>all the nodes in the network make the schedule without all network topology information; they only know their neighbor nodes’ information.</a:t>
-            </a:r>
-          </a:p>
-          <a:p>
-            <a:pPr marL="285750" indent="-285750" algn="thaiDist">
-              <a:lnSpc>
-                <a:spcPct val="150000"/>
-              </a:lnSpc>
-              <a:buFont typeface="Arial" panose="020B0604020202020204" pitchFamily="34" charset="0"/>
-              <a:buChar char="•"/>
-            </a:pPr>
-            <a:r>
-              <a:rPr lang="en-US" b="1" dirty="0"/>
-              <a:t>Parallel Transmissions: </a:t>
-            </a:r>
-            <a:r>
-              <a:rPr lang="en-US" dirty="0"/>
-              <a:t>the proposed protocol allows parallel non-conflicting transmission in the network. This approach reduces the latency in the network and minimizes the number of timeslots that are assigned to all the links in the network.</a:t>
-            </a:r>
-          </a:p>
-          <a:p>
-            <a:pPr marL="285750" indent="-285750" algn="thaiDist">
-              <a:lnSpc>
-                <a:spcPct val="150000"/>
-              </a:lnSpc>
-              <a:buFont typeface="Arial" panose="020B0604020202020204" pitchFamily="34" charset="0"/>
-              <a:buChar char="•"/>
-            </a:pPr>
-            <a:r>
-              <a:rPr lang="en-US" b="1" dirty="0"/>
-              <a:t>Minimize Packet Size: </a:t>
-            </a:r>
-            <a:r>
-              <a:rPr lang="en-US" dirty="0"/>
-              <a:t>in the proposed protocol, based on the choice of parent, the packet sizes at the nodes will be minimized.</a:t>
-            </a:r>
-          </a:p>
-        </p:txBody>
-      </p:sp>
-    </p:spTree>
-    <p:extLst>
-      <p:ext uri="{BB962C8B-B14F-4D97-AF65-F5344CB8AC3E}">
-        <p14:creationId xmlns:p14="http://schemas.microsoft.com/office/powerpoint/2010/main" val="3144423225"/>
       </p:ext>
     </p:extLst>
   </p:cSld>
@@ -15302,7 +16324,7 @@
             </a:r>
             <a:r>
               <a:rPr lang="en-US" sz="1400" dirty="0"/>
-              <a:t> is a cell assignment list (channels and timeslots) of its neighbors. </a:t>
+              <a:t> is a used cell assignment list (used channels and used timeslots) of its neighbors.</a:t>
             </a:r>
           </a:p>
           <a:p>
@@ -15710,7 +16732,7 @@
         <p:spPr>
           <a:xfrm>
             <a:off x="813516" y="2135142"/>
-            <a:ext cx="10564968" cy="1703543"/>
+            <a:ext cx="10564968" cy="2119042"/>
           </a:xfrm>
           <a:prstGeom prst="rect">
             <a:avLst/>
@@ -15738,7 +16760,26 @@
             </a:r>
             <a:r>
               <a:rPr lang="en-US" dirty="0"/>
-              <a:t>, but JOIN packets can collide, as shown in Figure 4a. We propose a packet collision–avoidance mechanism, as explained in the next sub-section, to avoid this. Collisions can happen between JOIN packets and INIT packets, as shown in Figure 4b. If a node loses contention, it tries to retransmit this packet in the next cycle.</a:t>
+              <a:t>, but JOIN packets can collide, as shown in Figure 4a. they propose a </a:t>
+            </a:r>
+            <a:r>
+              <a:rPr lang="en-US" b="1" u="sng" dirty="0"/>
+              <a:t>packet collision–avoidance mechanism</a:t>
+            </a:r>
+            <a:r>
+              <a:rPr lang="en-US" dirty="0"/>
+              <a:t>, as explained in the next sub-section, to avoid this.</a:t>
+            </a:r>
+          </a:p>
+          <a:p>
+            <a:pPr algn="thaiDist">
+              <a:lnSpc>
+                <a:spcPct val="150000"/>
+              </a:lnSpc>
+            </a:pPr>
+            <a:r>
+              <a:rPr lang="en-US" dirty="0"/>
+              <a:t>Collisions can happen between JOIN packets and INIT packets, as shown in Figure 4b. If a node loses contention, it tries to retransmit this packet in the next cycle.</a:t>
             </a:r>
           </a:p>
         </p:txBody>
@@ -15765,8 +16806,8 @@
         </p:blipFill>
         <p:spPr>
           <a:xfrm>
-            <a:off x="2947987" y="4006751"/>
-            <a:ext cx="6296025" cy="2481061"/>
+            <a:off x="2979009" y="4334013"/>
+            <a:ext cx="6233981" cy="2456612"/>
           </a:xfrm>
           <a:prstGeom prst="rect">
             <a:avLst/>
@@ -16017,7 +17058,19 @@
             </a:pPr>
             <a:r>
               <a:rPr lang="en-US" dirty="0"/>
-              <a:t>After transmitting the INIT packet, if a node receives a JOIN packet from a node, this node chooses a timeslot and a collision-free channel with the U</a:t>
+              <a:t>After transmitting the INIT packet, if a node receives a JOIN packet from a node, this node chooses a </a:t>
+            </a:r>
+            <a:r>
+              <a:rPr lang="en-US" b="1" u="sng" dirty="0"/>
+              <a:t>timeslot and a collision-free channel</a:t>
+            </a:r>
+            <a:r>
+              <a:rPr lang="en-US" b="1" dirty="0"/>
+              <a:t> </a:t>
+            </a:r>
+            <a:r>
+              <a:rPr lang="en-US" dirty="0"/>
+              <a:t>with the U</a:t>
             </a:r>
             <a:r>
               <a:rPr lang="en-US" baseline="-25000" dirty="0"/>
@@ -17198,7 +18251,7 @@
           <a:p>
             <a:r>
               <a:rPr lang="en-US" dirty="0"/>
-              <a:t>Example</a:t>
+              <a:t>Packet Collision Avoidance Mechanism</a:t>
             </a:r>
             <a:endParaRPr lang="th-TH" dirty="0">
               <a:solidFill>
@@ -17208,12 +18261,133 @@
           </a:p>
         </p:txBody>
       </p:sp>
+      <p:sp>
+        <p:nvSpPr>
+          <p:cNvPr id="6" name="TextBox 5">
+            <a:extLst>
+              <a:ext uri="{FF2B5EF4-FFF2-40B4-BE49-F238E27FC236}">
+                <a16:creationId xmlns:a16="http://schemas.microsoft.com/office/drawing/2014/main" id="{D6600F39-D50B-40E0-B05C-4BA417758BE0}"/>
+              </a:ext>
+            </a:extLst>
+          </p:cNvPr>
+          <p:cNvSpPr txBox="1"/>
+          <p:nvPr/>
+        </p:nvSpPr>
+        <p:spPr>
+          <a:xfrm>
+            <a:off x="813516" y="2135142"/>
+            <a:ext cx="10564968" cy="2119042"/>
+          </a:xfrm>
+          <a:prstGeom prst="rect">
+            <a:avLst/>
+          </a:prstGeom>
+          <a:noFill/>
+        </p:spPr>
+        <p:txBody>
+          <a:bodyPr wrap="square" rtlCol="0">
+            <a:spAutoFit/>
+          </a:bodyPr>
+          <a:lstStyle/>
+          <a:p>
+            <a:pPr algn="thaiDist">
+              <a:lnSpc>
+                <a:spcPct val="150000"/>
+              </a:lnSpc>
+            </a:pPr>
+            <a:r>
+              <a:rPr lang="en-US" dirty="0" err="1"/>
+              <a:t>LoRa’s</a:t>
+            </a:r>
+            <a:r>
+              <a:rPr lang="en-US" dirty="0"/>
+              <a:t> transceiver uses the channel activity detection (CAD) mechanism to detect packets in the air.</a:t>
+            </a:r>
+          </a:p>
+          <a:p>
+            <a:pPr algn="thaiDist">
+              <a:lnSpc>
+                <a:spcPct val="150000"/>
+              </a:lnSpc>
+            </a:pPr>
+            <a:r>
+              <a:rPr lang="en-US" dirty="0"/>
+              <a:t>They propose a packet collision avoidance mechanism based on CAD.</a:t>
+            </a:r>
+          </a:p>
+          <a:p>
+            <a:pPr algn="thaiDist">
+              <a:lnSpc>
+                <a:spcPct val="150000"/>
+              </a:lnSpc>
+            </a:pPr>
+            <a:r>
+              <a:rPr lang="en-US" dirty="0"/>
+              <a:t>mechanism needs T</a:t>
+            </a:r>
+            <a:r>
+              <a:rPr lang="en-US" baseline="-25000" dirty="0"/>
+              <a:t>CAD</a:t>
+            </a:r>
+            <a:r>
+              <a:rPr lang="en-US" dirty="0"/>
+              <a:t> (CAD time) to detect packets.</a:t>
+            </a:r>
+          </a:p>
+          <a:p>
+            <a:pPr algn="thaiDist">
+              <a:lnSpc>
+                <a:spcPct val="150000"/>
+              </a:lnSpc>
+            </a:pPr>
+            <a:r>
+              <a:rPr lang="en-US" dirty="0"/>
+              <a:t>T</a:t>
+            </a:r>
+            <a:r>
+              <a:rPr lang="en-US" baseline="-25000" dirty="0"/>
+              <a:t>CAD</a:t>
+            </a:r>
+            <a:r>
+              <a:rPr lang="en-US" dirty="0"/>
+              <a:t> = 2 × </a:t>
+            </a:r>
+            <a:r>
+              <a:rPr lang="en-US" dirty="0" err="1"/>
+              <a:t>T</a:t>
+            </a:r>
+            <a:r>
+              <a:rPr lang="en-US" baseline="-25000" dirty="0" err="1"/>
+              <a:t>sym</a:t>
+            </a:r>
+            <a:endParaRPr lang="en-US" dirty="0"/>
+          </a:p>
+          <a:p>
+            <a:pPr algn="thaiDist">
+              <a:lnSpc>
+                <a:spcPct val="150000"/>
+              </a:lnSpc>
+            </a:pPr>
+            <a:r>
+              <a:rPr lang="en-US" dirty="0" err="1"/>
+              <a:t>T</a:t>
+            </a:r>
+            <a:r>
+              <a:rPr lang="en-US" baseline="-25000" dirty="0" err="1"/>
+              <a:t>sym</a:t>
+            </a:r>
+            <a:r>
+              <a:rPr lang="en-US" dirty="0"/>
+              <a:t> is dependent on spreading factor (SF).</a:t>
+            </a:r>
+          </a:p>
+        </p:txBody>
+      </p:sp>
       <p:pic>
         <p:nvPicPr>
           <p:cNvPr id="4" name="Picture 3">
             <a:extLst>
               <a:ext uri="{FF2B5EF4-FFF2-40B4-BE49-F238E27FC236}">
-                <a16:creationId xmlns:a16="http://schemas.microsoft.com/office/drawing/2014/main" id="{191C2B10-A83C-48B6-875C-6702F93FBB1E}"/>
+                <a16:creationId xmlns:a16="http://schemas.microsoft.com/office/drawing/2014/main" id="{3D1017CA-E383-4A5B-9C77-02B6C961A04C}"/>
               </a:ext>
             </a:extLst>
           </p:cNvPr>
@@ -17230,228 +18404,18 @@
         </p:blipFill>
         <p:spPr>
           <a:xfrm>
-            <a:off x="2850356" y="667828"/>
-            <a:ext cx="6491288" cy="2761172"/>
+            <a:off x="8683507" y="3099335"/>
+            <a:ext cx="2355968" cy="3389614"/>
           </a:xfrm>
           <a:prstGeom prst="rect">
             <a:avLst/>
           </a:prstGeom>
         </p:spPr>
       </p:pic>
-      <p:sp>
-        <p:nvSpPr>
-          <p:cNvPr id="9" name="TextBox 8">
-            <a:extLst>
-              <a:ext uri="{FF2B5EF4-FFF2-40B4-BE49-F238E27FC236}">
-                <a16:creationId xmlns:a16="http://schemas.microsoft.com/office/drawing/2014/main" id="{AF60CB29-7D45-4220-93C3-F2774E892237}"/>
-              </a:ext>
-            </a:extLst>
-          </p:cNvPr>
-          <p:cNvSpPr txBox="1"/>
-          <p:nvPr/>
-        </p:nvSpPr>
-        <p:spPr>
-          <a:xfrm>
-            <a:off x="7496175" y="1050295"/>
-            <a:ext cx="923925" cy="246221"/>
-          </a:xfrm>
-          <a:prstGeom prst="rect">
-            <a:avLst/>
-          </a:prstGeom>
-          <a:noFill/>
-        </p:spPr>
-        <p:txBody>
-          <a:bodyPr wrap="square" rtlCol="0">
-            <a:spAutoFit/>
-          </a:bodyPr>
-          <a:lstStyle/>
-          <a:p>
-            <a:r>
-              <a:rPr lang="en-US" sz="1000" dirty="0"/>
-              <a:t>Ch0,T5</a:t>
-            </a:r>
-            <a:endParaRPr lang="th-TH" sz="1000" dirty="0"/>
-          </a:p>
-        </p:txBody>
-      </p:sp>
-      <p:sp>
-        <p:nvSpPr>
-          <p:cNvPr id="12" name="TextBox 11">
-            <a:extLst>
-              <a:ext uri="{FF2B5EF4-FFF2-40B4-BE49-F238E27FC236}">
-                <a16:creationId xmlns:a16="http://schemas.microsoft.com/office/drawing/2014/main" id="{377F92D3-AA48-4A06-8F16-26C258CA85B8}"/>
-              </a:ext>
-            </a:extLst>
-          </p:cNvPr>
-          <p:cNvSpPr txBox="1"/>
-          <p:nvPr/>
-        </p:nvSpPr>
-        <p:spPr>
-          <a:xfrm>
-            <a:off x="6372225" y="1073080"/>
-            <a:ext cx="923925" cy="246221"/>
-          </a:xfrm>
-          <a:prstGeom prst="rect">
-            <a:avLst/>
-          </a:prstGeom>
-          <a:noFill/>
-        </p:spPr>
-        <p:txBody>
-          <a:bodyPr wrap="square" rtlCol="0">
-            <a:spAutoFit/>
-          </a:bodyPr>
-          <a:lstStyle/>
-          <a:p>
-            <a:r>
-              <a:rPr lang="en-US" sz="1000" dirty="0"/>
-              <a:t>Ch0,T4</a:t>
-            </a:r>
-            <a:endParaRPr lang="th-TH" sz="1000" dirty="0"/>
-          </a:p>
-        </p:txBody>
-      </p:sp>
-      <p:pic>
-        <p:nvPicPr>
-          <p:cNvPr id="5" name="Picture 4">
-            <a:extLst>
-              <a:ext uri="{FF2B5EF4-FFF2-40B4-BE49-F238E27FC236}">
-                <a16:creationId xmlns:a16="http://schemas.microsoft.com/office/drawing/2014/main" id="{1B6E9C0A-9491-43F7-B9AA-EC90C5B8E2E2}"/>
-              </a:ext>
-            </a:extLst>
-          </p:cNvPr>
-          <p:cNvPicPr>
-            <a:picLocks noChangeAspect="1"/>
-          </p:cNvPicPr>
-          <p:nvPr/>
-        </p:nvPicPr>
-        <p:blipFill>
-          <a:blip r:embed="rId4"/>
-          <a:stretch>
-            <a:fillRect/>
-          </a:stretch>
-        </p:blipFill>
-        <p:spPr>
-          <a:xfrm>
-            <a:off x="3087290" y="3490500"/>
-            <a:ext cx="6017419" cy="3367500"/>
-          </a:xfrm>
-          <a:prstGeom prst="rect">
-            <a:avLst/>
-          </a:prstGeom>
-        </p:spPr>
-      </p:pic>
-      <p:sp>
-        <p:nvSpPr>
-          <p:cNvPr id="6" name="TextBox 5">
-            <a:extLst>
-              <a:ext uri="{FF2B5EF4-FFF2-40B4-BE49-F238E27FC236}">
-                <a16:creationId xmlns:a16="http://schemas.microsoft.com/office/drawing/2014/main" id="{41FD30F3-0A18-4595-89A6-E70402D60B97}"/>
-              </a:ext>
-            </a:extLst>
-          </p:cNvPr>
-          <p:cNvSpPr txBox="1"/>
-          <p:nvPr/>
-        </p:nvSpPr>
-        <p:spPr>
-          <a:xfrm>
-            <a:off x="5929312" y="1952376"/>
-            <a:ext cx="923925" cy="246221"/>
-          </a:xfrm>
-          <a:prstGeom prst="rect">
-            <a:avLst/>
-          </a:prstGeom>
-          <a:noFill/>
-        </p:spPr>
-        <p:txBody>
-          <a:bodyPr wrap="square" rtlCol="0">
-            <a:spAutoFit/>
-          </a:bodyPr>
-          <a:lstStyle/>
-          <a:p>
-            <a:r>
-              <a:rPr lang="en-US" sz="1000" dirty="0"/>
-              <a:t>Ch1,T3</a:t>
-            </a:r>
-            <a:endParaRPr lang="th-TH" sz="1000" dirty="0"/>
-          </a:p>
-        </p:txBody>
-      </p:sp>
-      <p:sp>
-        <p:nvSpPr>
-          <p:cNvPr id="8" name="TextBox 7">
-            <a:extLst>
-              <a:ext uri="{FF2B5EF4-FFF2-40B4-BE49-F238E27FC236}">
-                <a16:creationId xmlns:a16="http://schemas.microsoft.com/office/drawing/2014/main" id="{98C37BAA-7D63-4072-9A52-E4A5656EE68F}"/>
-              </a:ext>
-            </a:extLst>
-          </p:cNvPr>
-          <p:cNvSpPr txBox="1"/>
-          <p:nvPr/>
-        </p:nvSpPr>
-        <p:spPr>
-          <a:xfrm>
-            <a:off x="7386637" y="1850032"/>
-            <a:ext cx="923925" cy="246221"/>
-          </a:xfrm>
-          <a:prstGeom prst="rect">
-            <a:avLst/>
-          </a:prstGeom>
-          <a:noFill/>
-        </p:spPr>
-        <p:txBody>
-          <a:bodyPr wrap="square" rtlCol="0">
-            <a:spAutoFit/>
-          </a:bodyPr>
-          <a:lstStyle/>
-          <a:p>
-            <a:r>
-              <a:rPr lang="en-US" sz="1000" dirty="0"/>
-              <a:t>Ch0,T3</a:t>
-            </a:r>
-            <a:endParaRPr lang="th-TH" sz="1000" dirty="0"/>
-          </a:p>
-        </p:txBody>
-      </p:sp>
-      <p:sp>
-        <p:nvSpPr>
-          <p:cNvPr id="14" name="TextBox 13">
-            <a:extLst>
-              <a:ext uri="{FF2B5EF4-FFF2-40B4-BE49-F238E27FC236}">
-                <a16:creationId xmlns:a16="http://schemas.microsoft.com/office/drawing/2014/main" id="{7ECF7017-FAE1-4E03-BF8A-E1BB8E03F85D}"/>
-              </a:ext>
-            </a:extLst>
-          </p:cNvPr>
-          <p:cNvSpPr txBox="1"/>
-          <p:nvPr/>
-        </p:nvSpPr>
-        <p:spPr>
-          <a:xfrm>
-            <a:off x="7958137" y="1992794"/>
-            <a:ext cx="923925" cy="246221"/>
-          </a:xfrm>
-          <a:prstGeom prst="rect">
-            <a:avLst/>
-          </a:prstGeom>
-          <a:noFill/>
-        </p:spPr>
-        <p:txBody>
-          <a:bodyPr wrap="square" rtlCol="0">
-            <a:spAutoFit/>
-          </a:bodyPr>
-          <a:lstStyle/>
-          <a:p>
-            <a:r>
-              <a:rPr lang="en-US" sz="1000" dirty="0"/>
-              <a:t>Ch1,T4</a:t>
-            </a:r>
-            <a:endParaRPr lang="th-TH" sz="1000" dirty="0"/>
-          </a:p>
-        </p:txBody>
-      </p:sp>
     </p:spTree>
     <p:extLst>
       <p:ext uri="{BB962C8B-B14F-4D97-AF65-F5344CB8AC3E}">
-        <p14:creationId xmlns:p14="http://schemas.microsoft.com/office/powerpoint/2010/main" val="1041491866"/>
+        <p14:creationId xmlns:p14="http://schemas.microsoft.com/office/powerpoint/2010/main" val="3205047409"/>
       </p:ext>
     </p:extLst>
   </p:cSld>
@@ -17478,140 +18442,12 @@
           <a:chExt cx="0" cy="0"/>
         </a:xfrm>
       </p:grpSpPr>
-      <p:sp>
-        <p:nvSpPr>
-          <p:cNvPr id="2" name="Title 1">
-            <a:extLst>
-              <a:ext uri="{FF2B5EF4-FFF2-40B4-BE49-F238E27FC236}">
-                <a16:creationId xmlns:a16="http://schemas.microsoft.com/office/drawing/2014/main" id="{08069A03-1512-4369-9FE2-D698F3178988}"/>
-              </a:ext>
-            </a:extLst>
-          </p:cNvPr>
-          <p:cNvSpPr>
-            <a:spLocks noGrp="1"/>
-          </p:cNvSpPr>
-          <p:nvPr>
-            <p:ph type="title"/>
-          </p:nvPr>
-        </p:nvSpPr>
-        <p:spPr/>
-        <p:txBody>
-          <a:bodyPr/>
-          <a:lstStyle/>
-          <a:p>
-            <a:r>
-              <a:rPr lang="en-US" dirty="0"/>
-              <a:t>Packet Collision Avoidance Mechanism</a:t>
-            </a:r>
-            <a:endParaRPr lang="th-TH" dirty="0">
-              <a:solidFill>
-                <a:schemeClr val="tx1"/>
-              </a:solidFill>
-            </a:endParaRPr>
-          </a:p>
-        </p:txBody>
-      </p:sp>
-      <p:sp>
-        <p:nvSpPr>
-          <p:cNvPr id="6" name="TextBox 5">
-            <a:extLst>
-              <a:ext uri="{FF2B5EF4-FFF2-40B4-BE49-F238E27FC236}">
-                <a16:creationId xmlns:a16="http://schemas.microsoft.com/office/drawing/2014/main" id="{D6600F39-D50B-40E0-B05C-4BA417758BE0}"/>
-              </a:ext>
-            </a:extLst>
-          </p:cNvPr>
-          <p:cNvSpPr txBox="1"/>
-          <p:nvPr/>
-        </p:nvSpPr>
-        <p:spPr>
-          <a:xfrm>
-            <a:off x="813516" y="2135142"/>
-            <a:ext cx="10564968" cy="1288045"/>
-          </a:xfrm>
-          <a:prstGeom prst="rect">
-            <a:avLst/>
-          </a:prstGeom>
-          <a:noFill/>
-        </p:spPr>
-        <p:txBody>
-          <a:bodyPr wrap="square" rtlCol="0">
-            <a:spAutoFit/>
-          </a:bodyPr>
-          <a:lstStyle/>
-          <a:p>
-            <a:pPr algn="thaiDist">
-              <a:lnSpc>
-                <a:spcPct val="150000"/>
-              </a:lnSpc>
-            </a:pPr>
-            <a:r>
-              <a:rPr lang="en-US" dirty="0" err="1"/>
-              <a:t>LoRa’s</a:t>
-            </a:r>
-            <a:r>
-              <a:rPr lang="en-US" dirty="0"/>
-              <a:t> transceiver uses the channel activity detection (CAD) mechanism to detect packets in the air. We propose a packet collision avoidance mechanism based on CAD.</a:t>
-            </a:r>
-          </a:p>
-          <a:p>
-            <a:pPr algn="thaiDist">
-              <a:lnSpc>
-                <a:spcPct val="150000"/>
-              </a:lnSpc>
-            </a:pPr>
-            <a:r>
-              <a:rPr lang="en-US" dirty="0"/>
-              <a:t>we need T</a:t>
-            </a:r>
-            <a:r>
-              <a:rPr lang="en-US" baseline="-25000" dirty="0"/>
-              <a:t>CAD</a:t>
-            </a:r>
-            <a:r>
-              <a:rPr lang="en-US" dirty="0"/>
-              <a:t> (CAD time) to detect packets, and T</a:t>
-            </a:r>
-            <a:r>
-              <a:rPr lang="en-US" baseline="-25000" dirty="0"/>
-              <a:t>CAD</a:t>
-            </a:r>
-            <a:r>
-              <a:rPr lang="en-US" dirty="0"/>
-              <a:t> = 2 × </a:t>
-            </a:r>
-            <a:r>
-              <a:rPr lang="en-US" dirty="0" err="1"/>
-              <a:t>T</a:t>
-            </a:r>
-            <a:r>
-              <a:rPr lang="en-US" baseline="-25000" dirty="0" err="1"/>
-              <a:t>sym</a:t>
-            </a:r>
-            <a:r>
-              <a:rPr lang="en-US" dirty="0"/>
-              <a:t>, </a:t>
-            </a:r>
-            <a:r>
-              <a:rPr lang="en-US" dirty="0" err="1"/>
-              <a:t>T</a:t>
-            </a:r>
-            <a:r>
-              <a:rPr lang="en-US" baseline="-25000" dirty="0" err="1"/>
-              <a:t>sym</a:t>
-            </a:r>
-            <a:r>
-              <a:rPr lang="en-US" dirty="0"/>
-              <a:t> is dependent on spreading factor (SF).</a:t>
-            </a:r>
-          </a:p>
-        </p:txBody>
-      </p:sp>
       <p:pic>
         <p:nvPicPr>
-          <p:cNvPr id="4" name="Picture 3">
-            <a:extLst>
-              <a:ext uri="{FF2B5EF4-FFF2-40B4-BE49-F238E27FC236}">
-                <a16:creationId xmlns:a16="http://schemas.microsoft.com/office/drawing/2014/main" id="{3D1017CA-E383-4A5B-9C77-02B6C961A04C}"/>
+          <p:cNvPr id="5" name="Picture 4">
+            <a:extLst>
+              <a:ext uri="{FF2B5EF4-FFF2-40B4-BE49-F238E27FC236}">
+                <a16:creationId xmlns:a16="http://schemas.microsoft.com/office/drawing/2014/main" id="{F641BD08-C804-41C4-85FF-1620C3E54D57}"/>
               </a:ext>
             </a:extLst>
           </p:cNvPr>
@@ -17628,18 +18464,260 @@
         </p:blipFill>
         <p:spPr>
           <a:xfrm>
-            <a:off x="8963025" y="3501489"/>
-            <a:ext cx="2076449" cy="2987460"/>
+            <a:off x="3126235" y="4488304"/>
+            <a:ext cx="5939529" cy="2369696"/>
           </a:xfrm>
           <a:prstGeom prst="rect">
             <a:avLst/>
           </a:prstGeom>
         </p:spPr>
       </p:pic>
+      <p:sp>
+        <p:nvSpPr>
+          <p:cNvPr id="2" name="Title 1">
+            <a:extLst>
+              <a:ext uri="{FF2B5EF4-FFF2-40B4-BE49-F238E27FC236}">
+                <a16:creationId xmlns:a16="http://schemas.microsoft.com/office/drawing/2014/main" id="{08069A03-1512-4369-9FE2-D698F3178988}"/>
+              </a:ext>
+            </a:extLst>
+          </p:cNvPr>
+          <p:cNvSpPr>
+            <a:spLocks noGrp="1"/>
+          </p:cNvSpPr>
+          <p:nvPr>
+            <p:ph type="title"/>
+          </p:nvPr>
+        </p:nvSpPr>
+        <p:spPr/>
+        <p:txBody>
+          <a:bodyPr/>
+          <a:lstStyle/>
+          <a:p>
+            <a:r>
+              <a:rPr lang="en-US" dirty="0"/>
+              <a:t>Packet Collision Avoidance Mechanism</a:t>
+            </a:r>
+            <a:endParaRPr lang="th-TH" dirty="0">
+              <a:solidFill>
+                <a:schemeClr val="tx1"/>
+              </a:solidFill>
+            </a:endParaRPr>
+          </a:p>
+        </p:txBody>
+      </p:sp>
+      <p:sp>
+        <p:nvSpPr>
+          <p:cNvPr id="6" name="TextBox 5">
+            <a:extLst>
+              <a:ext uri="{FF2B5EF4-FFF2-40B4-BE49-F238E27FC236}">
+                <a16:creationId xmlns:a16="http://schemas.microsoft.com/office/drawing/2014/main" id="{D6600F39-D50B-40E0-B05C-4BA417758BE0}"/>
+              </a:ext>
+            </a:extLst>
+          </p:cNvPr>
+          <p:cNvSpPr txBox="1"/>
+          <p:nvPr/>
+        </p:nvSpPr>
+        <p:spPr>
+          <a:xfrm>
+            <a:off x="813516" y="2135142"/>
+            <a:ext cx="10564968" cy="2349874"/>
+          </a:xfrm>
+          <a:prstGeom prst="rect">
+            <a:avLst/>
+          </a:prstGeom>
+          <a:noFill/>
+        </p:spPr>
+        <p:txBody>
+          <a:bodyPr wrap="square" rtlCol="0">
+            <a:spAutoFit/>
+          </a:bodyPr>
+          <a:lstStyle/>
+          <a:p>
+            <a:pPr algn="thaiDist">
+              <a:lnSpc>
+                <a:spcPct val="150000"/>
+              </a:lnSpc>
+            </a:pPr>
+            <a:r>
+              <a:rPr lang="en-US" dirty="0"/>
+              <a:t>In TS</a:t>
+            </a:r>
+            <a:r>
+              <a:rPr lang="en-US" baseline="-25000" dirty="0"/>
+              <a:t>1</a:t>
+            </a:r>
+            <a:r>
+              <a:rPr lang="en-US" dirty="0"/>
+              <a:t> and TS</a:t>
+            </a:r>
+            <a:r>
+              <a:rPr lang="en-US" baseline="-25000" dirty="0"/>
+              <a:t>2</a:t>
+            </a:r>
+            <a:r>
+              <a:rPr lang="en-US" dirty="0"/>
+              <a:t> of each cycle in the NCP, each node calculates a random delay time r (r = w × T</a:t>
+            </a:r>
+            <a:r>
+              <a:rPr lang="en-US" baseline="-25000" dirty="0"/>
+              <a:t>CAD</a:t>
+            </a:r>
+            <a:r>
+              <a:rPr lang="en-US" dirty="0"/>
+              <a:t>).</a:t>
+            </a:r>
+          </a:p>
+          <a:p>
+            <a:pPr algn="thaiDist">
+              <a:lnSpc>
+                <a:spcPct val="150000"/>
+              </a:lnSpc>
+            </a:pPr>
+            <a:r>
+              <a:rPr lang="en-US" dirty="0"/>
+              <a:t>w = random{D × CW, D × CW + CW - 1}</a:t>
+            </a:r>
+          </a:p>
+          <a:p>
+            <a:pPr marL="285750" indent="-285750" algn="thaiDist">
+              <a:lnSpc>
+                <a:spcPct val="150000"/>
+              </a:lnSpc>
+              <a:buFont typeface="Arial" panose="020B0604020202020204" pitchFamily="34" charset="0"/>
+              <a:buChar char="•"/>
+            </a:pPr>
+            <a:r>
+              <a:rPr lang="en-US" sz="1400" dirty="0"/>
+              <a:t>D is depth of this node.</a:t>
+            </a:r>
+          </a:p>
+          <a:p>
+            <a:pPr marL="285750" indent="-285750" algn="thaiDist">
+              <a:lnSpc>
+                <a:spcPct val="150000"/>
+              </a:lnSpc>
+              <a:buFont typeface="Arial" panose="020B0604020202020204" pitchFamily="34" charset="0"/>
+              <a:buChar char="•"/>
+            </a:pPr>
+            <a:r>
+              <a:rPr lang="en-US" sz="1400" dirty="0"/>
+              <a:t>CW represents the contention window size parameter.</a:t>
+            </a:r>
+          </a:p>
+          <a:p>
+            <a:pPr algn="thaiDist">
+              <a:lnSpc>
+                <a:spcPct val="150000"/>
+              </a:lnSpc>
+            </a:pPr>
+            <a:r>
+              <a:rPr lang="en-US" dirty="0"/>
+              <a:t>During delay time, if the CAD mechanism detects a packet. it initiates a ‘</a:t>
+            </a:r>
+            <a:r>
+              <a:rPr lang="en-US" dirty="0" err="1"/>
+              <a:t>CAD_detected</a:t>
+            </a:r>
+            <a:r>
+              <a:rPr lang="en-US" dirty="0"/>
+              <a:t>’ event to inform the node. So, node will be lost contention. It will have to try to retransmit the packet in the next cycle.</a:t>
+            </a:r>
+            <a:endParaRPr lang="en-US" sz="1600" dirty="0"/>
+          </a:p>
+        </p:txBody>
+      </p:sp>
+      <p:sp>
+        <p:nvSpPr>
+          <p:cNvPr id="3" name="TextBox 2">
+            <a:extLst>
+              <a:ext uri="{FF2B5EF4-FFF2-40B4-BE49-F238E27FC236}">
+                <a16:creationId xmlns:a16="http://schemas.microsoft.com/office/drawing/2014/main" id="{4B6E1FF9-0A43-4DAE-8445-9CC4493EF4C1}"/>
+              </a:ext>
+            </a:extLst>
+          </p:cNvPr>
+          <p:cNvSpPr txBox="1"/>
+          <p:nvPr/>
+        </p:nvSpPr>
+        <p:spPr>
+          <a:xfrm>
+            <a:off x="3859730" y="4908884"/>
+            <a:ext cx="664144" cy="276999"/>
+          </a:xfrm>
+          <a:prstGeom prst="rect">
+            <a:avLst/>
+          </a:prstGeom>
+          <a:noFill/>
+        </p:spPr>
+        <p:txBody>
+          <a:bodyPr wrap="square" rtlCol="0">
+            <a:spAutoFit/>
+          </a:bodyPr>
+          <a:lstStyle/>
+          <a:p>
+            <a:r>
+              <a:rPr lang="en-US" sz="1200" dirty="0"/>
+              <a:t>r</a:t>
+            </a:r>
+            <a:r>
+              <a:rPr lang="en-US" sz="1200" baseline="-25000" dirty="0"/>
+              <a:t>1</a:t>
+            </a:r>
+            <a:r>
+              <a:rPr lang="en-US" sz="1200" dirty="0"/>
+              <a:t> us</a:t>
+            </a:r>
+            <a:endParaRPr lang="th-TH" sz="1200" dirty="0"/>
+          </a:p>
+        </p:txBody>
+      </p:sp>
+      <p:sp>
+        <p:nvSpPr>
+          <p:cNvPr id="7" name="TextBox 6">
+            <a:extLst>
+              <a:ext uri="{FF2B5EF4-FFF2-40B4-BE49-F238E27FC236}">
+                <a16:creationId xmlns:a16="http://schemas.microsoft.com/office/drawing/2014/main" id="{25747722-09AE-4401-B27A-D7E264C37BEA}"/>
+              </a:ext>
+            </a:extLst>
+          </p:cNvPr>
+          <p:cNvSpPr txBox="1"/>
+          <p:nvPr/>
+        </p:nvSpPr>
+        <p:spPr>
+          <a:xfrm>
+            <a:off x="4191802" y="5534652"/>
+            <a:ext cx="664144" cy="276999"/>
+          </a:xfrm>
+          <a:prstGeom prst="rect">
+            <a:avLst/>
+          </a:prstGeom>
+          <a:noFill/>
+        </p:spPr>
+        <p:txBody>
+          <a:bodyPr wrap="square" rtlCol="0">
+            <a:spAutoFit/>
+          </a:bodyPr>
+          <a:lstStyle/>
+          <a:p>
+            <a:r>
+              <a:rPr lang="en-US" sz="1200" dirty="0"/>
+              <a:t>r</a:t>
+            </a:r>
+            <a:r>
+              <a:rPr lang="en-US" sz="1200" baseline="-25000" dirty="0"/>
+              <a:t>2</a:t>
+            </a:r>
+            <a:r>
+              <a:rPr lang="en-US" sz="1200" dirty="0"/>
+              <a:t> us</a:t>
+            </a:r>
+            <a:endParaRPr lang="th-TH" sz="1200" dirty="0"/>
+          </a:p>
+        </p:txBody>
+      </p:sp>
     </p:spTree>
     <p:extLst>
       <p:ext uri="{BB962C8B-B14F-4D97-AF65-F5344CB8AC3E}">
-        <p14:creationId xmlns:p14="http://schemas.microsoft.com/office/powerpoint/2010/main" val="3205047409"/>
+        <p14:creationId xmlns:p14="http://schemas.microsoft.com/office/powerpoint/2010/main" val="4203152478"/>
       </p:ext>
     </p:extLst>
   </p:cSld>
@@ -17666,220 +18744,6 @@
           <a:chExt cx="0" cy="0"/>
         </a:xfrm>
       </p:grpSpPr>
-      <p:pic>
-        <p:nvPicPr>
-          <p:cNvPr id="5" name="Picture 4">
-            <a:extLst>
-              <a:ext uri="{FF2B5EF4-FFF2-40B4-BE49-F238E27FC236}">
-                <a16:creationId xmlns:a16="http://schemas.microsoft.com/office/drawing/2014/main" id="{F641BD08-C804-41C4-85FF-1620C3E54D57}"/>
-              </a:ext>
-            </a:extLst>
-          </p:cNvPr>
-          <p:cNvPicPr>
-            <a:picLocks noChangeAspect="1"/>
-          </p:cNvPicPr>
-          <p:nvPr/>
-        </p:nvPicPr>
-        <p:blipFill>
-          <a:blip r:embed="rId3"/>
-          <a:stretch>
-            <a:fillRect/>
-          </a:stretch>
-        </p:blipFill>
-        <p:spPr>
-          <a:xfrm>
-            <a:off x="3126235" y="4488304"/>
-            <a:ext cx="5939529" cy="2369696"/>
-          </a:xfrm>
-          <a:prstGeom prst="rect">
-            <a:avLst/>
-          </a:prstGeom>
-        </p:spPr>
-      </p:pic>
-      <p:sp>
-        <p:nvSpPr>
-          <p:cNvPr id="2" name="Title 1">
-            <a:extLst>
-              <a:ext uri="{FF2B5EF4-FFF2-40B4-BE49-F238E27FC236}">
-                <a16:creationId xmlns:a16="http://schemas.microsoft.com/office/drawing/2014/main" id="{08069A03-1512-4369-9FE2-D698F3178988}"/>
-              </a:ext>
-            </a:extLst>
-          </p:cNvPr>
-          <p:cNvSpPr>
-            <a:spLocks noGrp="1"/>
-          </p:cNvSpPr>
-          <p:nvPr>
-            <p:ph type="title"/>
-          </p:nvPr>
-        </p:nvSpPr>
-        <p:spPr/>
-        <p:txBody>
-          <a:bodyPr/>
-          <a:lstStyle/>
-          <a:p>
-            <a:r>
-              <a:rPr lang="en-US" dirty="0"/>
-              <a:t>Packet Collision Avoidance Mechanism</a:t>
-            </a:r>
-            <a:endParaRPr lang="th-TH" dirty="0">
-              <a:solidFill>
-                <a:schemeClr val="tx1"/>
-              </a:solidFill>
-            </a:endParaRPr>
-          </a:p>
-        </p:txBody>
-      </p:sp>
-      <p:sp>
-        <p:nvSpPr>
-          <p:cNvPr id="6" name="TextBox 5">
-            <a:extLst>
-              <a:ext uri="{FF2B5EF4-FFF2-40B4-BE49-F238E27FC236}">
-                <a16:creationId xmlns:a16="http://schemas.microsoft.com/office/drawing/2014/main" id="{D6600F39-D50B-40E0-B05C-4BA417758BE0}"/>
-              </a:ext>
-            </a:extLst>
-          </p:cNvPr>
-          <p:cNvSpPr txBox="1"/>
-          <p:nvPr/>
-        </p:nvSpPr>
-        <p:spPr>
-          <a:xfrm>
-            <a:off x="813516" y="2135142"/>
-            <a:ext cx="10564968" cy="2765372"/>
-          </a:xfrm>
-          <a:prstGeom prst="rect">
-            <a:avLst/>
-          </a:prstGeom>
-          <a:noFill/>
-        </p:spPr>
-        <p:txBody>
-          <a:bodyPr wrap="square" rtlCol="0">
-            <a:spAutoFit/>
-          </a:bodyPr>
-          <a:lstStyle/>
-          <a:p>
-            <a:pPr algn="thaiDist">
-              <a:lnSpc>
-                <a:spcPct val="150000"/>
-              </a:lnSpc>
-            </a:pPr>
-            <a:r>
-              <a:rPr lang="en-US" dirty="0"/>
-              <a:t>In TS</a:t>
-            </a:r>
-            <a:r>
-              <a:rPr lang="en-US" baseline="-25000" dirty="0"/>
-              <a:t>1</a:t>
-            </a:r>
-            <a:r>
-              <a:rPr lang="en-US" dirty="0"/>
-              <a:t> and TS</a:t>
-            </a:r>
-            <a:r>
-              <a:rPr lang="en-US" baseline="-25000" dirty="0"/>
-              <a:t>2</a:t>
-            </a:r>
-            <a:r>
-              <a:rPr lang="en-US" dirty="0"/>
-              <a:t> of each cycle in the NCP, each node calculates a random delay time r (r = w × T</a:t>
-            </a:r>
-            <a:r>
-              <a:rPr lang="en-US" baseline="-25000" dirty="0"/>
-              <a:t>CAD</a:t>
-            </a:r>
-            <a:r>
-              <a:rPr lang="en-US" dirty="0"/>
-              <a:t>).</a:t>
-            </a:r>
-          </a:p>
-          <a:p>
-            <a:pPr algn="thaiDist">
-              <a:lnSpc>
-                <a:spcPct val="150000"/>
-              </a:lnSpc>
-            </a:pPr>
-            <a:r>
-              <a:rPr lang="en-US" dirty="0"/>
-              <a:t>w = {D × CW, D × CW + CW−1}</a:t>
-            </a:r>
-          </a:p>
-          <a:p>
-            <a:pPr marL="285750" indent="-285750" algn="thaiDist">
-              <a:lnSpc>
-                <a:spcPct val="150000"/>
-              </a:lnSpc>
-              <a:buFont typeface="Arial" panose="020B0604020202020204" pitchFamily="34" charset="0"/>
-              <a:buChar char="•"/>
-            </a:pPr>
-            <a:r>
-              <a:rPr lang="en-US" sz="1400" dirty="0"/>
-              <a:t>D is depth of this node.</a:t>
-            </a:r>
-          </a:p>
-          <a:p>
-            <a:pPr marL="285750" indent="-285750" algn="thaiDist">
-              <a:lnSpc>
-                <a:spcPct val="150000"/>
-              </a:lnSpc>
-              <a:buFont typeface="Arial" panose="020B0604020202020204" pitchFamily="34" charset="0"/>
-              <a:buChar char="•"/>
-            </a:pPr>
-            <a:r>
-              <a:rPr lang="en-US" sz="1400" dirty="0"/>
-              <a:t>CW represents the contention window size.</a:t>
-            </a:r>
-          </a:p>
-          <a:p>
-            <a:pPr algn="thaiDist">
-              <a:lnSpc>
-                <a:spcPct val="150000"/>
-              </a:lnSpc>
-            </a:pPr>
-            <a:r>
-              <a:rPr lang="en-US" dirty="0"/>
-              <a:t>During delay time, if the CAD mechanism detects a packet, it initiates a ‘</a:t>
-            </a:r>
-            <a:r>
-              <a:rPr lang="en-US" dirty="0" err="1"/>
-              <a:t>CAD_detected</a:t>
-            </a:r>
-            <a:r>
-              <a:rPr lang="en-US" dirty="0"/>
-              <a:t>’ event to inform the node that there is a packet in the air and that it lost contention and will have to try to retransmit the packet in the next cycle.</a:t>
-            </a:r>
-            <a:endParaRPr lang="en-US" sz="1600" dirty="0"/>
-          </a:p>
-        </p:txBody>
-      </p:sp>
-    </p:spTree>
-    <p:extLst>
-      <p:ext uri="{BB962C8B-B14F-4D97-AF65-F5344CB8AC3E}">
-        <p14:creationId xmlns:p14="http://schemas.microsoft.com/office/powerpoint/2010/main" val="4203152478"/>
-      </p:ext>
-    </p:extLst>
-  </p:cSld>
-  <p:clrMapOvr>
-    <a:masterClrMapping/>
-  </p:clrMapOvr>
-</p:sld>
-</file>
-
-<file path=ppt/slides/slide27.xml><?xml version="1.0" encoding="utf-8"?>
-<p:sld xmlns:a="http://schemas.openxmlformats.org/drawingml/2006/main" xmlns:r="http://schemas.openxmlformats.org/officeDocument/2006/relationships" xmlns:p="http://schemas.openxmlformats.org/presentationml/2006/main">
-  <p:cSld>
-    <p:spTree>
-      <p:nvGrpSpPr>
-        <p:cNvPr id="1" name=""/>
-        <p:cNvGrpSpPr/>
-        <p:nvPr/>
-      </p:nvGrpSpPr>
-      <p:grpSpPr>
-        <a:xfrm>
-          <a:off x="0" y="0"/>
-          <a:ext cx="0" cy="0"/>
-          <a:chOff x="0" y="0"/>
-          <a:chExt cx="0" cy="0"/>
-        </a:xfrm>
-      </p:grpSpPr>
       <p:sp>
         <p:nvSpPr>
           <p:cNvPr id="2" name="Title 1">
@@ -17948,7 +18812,23 @@
             </a:pPr>
             <a:r>
               <a:rPr lang="en-US" dirty="0"/>
-              <a:t>After receiving JOIN packet, at the parent node, Algorithm 1 chooses the latest timeslot before the timeslot in which this node communicates with its parent node.</a:t>
+              <a:t>After receiving JOIN packet, at the parent node, Algorithm 1 </a:t>
+            </a:r>
+            <a:r>
+              <a:rPr lang="en-US" u="sng" dirty="0"/>
+              <a:t>chooses the latest timeslot</a:t>
+            </a:r>
+            <a:r>
+              <a:rPr lang="en-US" dirty="0"/>
+              <a:t> before the </a:t>
+            </a:r>
+            <a:r>
+              <a:rPr lang="en-US" u="sng" dirty="0"/>
+              <a:t>timeslot in which this node communicates with its parent node</a:t>
+            </a:r>
+            <a:r>
+              <a:rPr lang="en-US" dirty="0"/>
+              <a:t>.</a:t>
             </a:r>
           </a:p>
           <a:p>
@@ -18232,6 +19112,95 @@
           </a:p>
         </p:txBody>
       </p:sp>
+      <p:cxnSp>
+        <p:nvCxnSpPr>
+          <p:cNvPr id="8" name="Straight Arrow Connector 7">
+            <a:extLst>
+              <a:ext uri="{FF2B5EF4-FFF2-40B4-BE49-F238E27FC236}">
+                <a16:creationId xmlns:a16="http://schemas.microsoft.com/office/drawing/2014/main" id="{950F8FFA-C3DC-4E11-8694-A282AE68CD8E}"/>
+              </a:ext>
+            </a:extLst>
+          </p:cNvPr>
+          <p:cNvCxnSpPr>
+            <a:cxnSpLocks/>
+          </p:cNvCxnSpPr>
+          <p:nvPr/>
+        </p:nvCxnSpPr>
+        <p:spPr>
+          <a:xfrm>
+            <a:off x="2036070" y="3792354"/>
+            <a:ext cx="1020937" cy="2223436"/>
+          </a:xfrm>
+          <a:prstGeom prst="straightConnector1">
+            <a:avLst/>
+          </a:prstGeom>
+          <a:ln>
+            <a:solidFill>
+              <a:srgbClr val="FF0000"/>
+            </a:solidFill>
+            <a:tailEnd type="triangle"/>
+          </a:ln>
+        </p:spPr>
+        <p:style>
+          <a:lnRef idx="1">
+            <a:schemeClr val="accent1"/>
+          </a:lnRef>
+          <a:fillRef idx="0">
+            <a:schemeClr val="accent1"/>
+          </a:fillRef>
+          <a:effectRef idx="0">
+            <a:schemeClr val="accent1"/>
+          </a:effectRef>
+          <a:fontRef idx="minor">
+            <a:schemeClr val="tx1"/>
+          </a:fontRef>
+        </p:style>
+      </p:cxnSp>
+      <p:cxnSp>
+        <p:nvCxnSpPr>
+          <p:cNvPr id="14" name="Straight Arrow Connector 13">
+            <a:extLst>
+              <a:ext uri="{FF2B5EF4-FFF2-40B4-BE49-F238E27FC236}">
+                <a16:creationId xmlns:a16="http://schemas.microsoft.com/office/drawing/2014/main" id="{12301D35-8351-4030-87FE-E0F05A9C8D4D}"/>
+              </a:ext>
+            </a:extLst>
+          </p:cNvPr>
+          <p:cNvCxnSpPr>
+            <a:cxnSpLocks/>
+            <a:endCxn id="12" idx="0"/>
+          </p:cNvCxnSpPr>
+          <p:nvPr/>
+        </p:nvCxnSpPr>
+        <p:spPr>
+          <a:xfrm>
+            <a:off x="4352077" y="2964581"/>
+            <a:ext cx="1105450" cy="3051209"/>
+          </a:xfrm>
+          <a:prstGeom prst="straightConnector1">
+            <a:avLst/>
+          </a:prstGeom>
+          <a:ln>
+            <a:solidFill>
+              <a:srgbClr val="FF0000"/>
+            </a:solidFill>
+            <a:tailEnd type="triangle"/>
+          </a:ln>
+        </p:spPr>
+        <p:style>
+          <a:lnRef idx="1">
+            <a:schemeClr val="accent1"/>
+          </a:lnRef>
+          <a:fillRef idx="0">
+            <a:schemeClr val="accent1"/>
+          </a:fillRef>
+          <a:effectRef idx="0">
+            <a:schemeClr val="accent1"/>
+          </a:effectRef>
+          <a:fontRef idx="minor">
+            <a:schemeClr val="tx1"/>
+          </a:fontRef>
+        </p:style>
+      </p:cxnSp>
     </p:spTree>
     <p:extLst>
       <p:ext uri="{BB962C8B-B14F-4D97-AF65-F5344CB8AC3E}">
@@ -18245,7 +19214,7 @@
 </p:sld>
 </file>
 
-<file path=ppt/slides/slide28.xml><?xml version="1.0" encoding="utf-8"?>
+<file path=ppt/slides/slide27.xml><?xml version="1.0" encoding="utf-8"?>
 <p:sld xmlns:a="http://schemas.openxmlformats.org/drawingml/2006/main" xmlns:r="http://schemas.openxmlformats.org/officeDocument/2006/relationships" xmlns:p="http://schemas.openxmlformats.org/presentationml/2006/main">
   <p:cSld>
     <p:spTree>
@@ -18714,7 +19683,7 @@
 </p:sld>
 </file>
 
-<file path=ppt/slides/slide29.xml><?xml version="1.0" encoding="utf-8"?>
+<file path=ppt/slides/slide28.xml><?xml version="1.0" encoding="utf-8"?>
 <p:sld xmlns:a="http://schemas.openxmlformats.org/drawingml/2006/main" xmlns:r="http://schemas.openxmlformats.org/officeDocument/2006/relationships" xmlns:p="http://schemas.openxmlformats.org/presentationml/2006/main">
   <p:cSld>
     <p:spTree>
@@ -18835,7 +19804,7 @@
             </a:r>
             <a:r>
               <a:rPr lang="en-US" dirty="0"/>
-              <a:t> nodes are forwarded to the sink node.</a:t>
+              <a:t> nodes were forwarded to the sink node.</a:t>
             </a:r>
           </a:p>
         </p:txBody>
@@ -18935,6 +19904,148 @@
 </p:sld>
 </file>
 
+<file path=ppt/slides/slide29.xml><?xml version="1.0" encoding="utf-8"?>
+<p:sld xmlns:a="http://schemas.openxmlformats.org/drawingml/2006/main" xmlns:r="http://schemas.openxmlformats.org/officeDocument/2006/relationships" xmlns:p="http://schemas.openxmlformats.org/presentationml/2006/main">
+  <p:cSld>
+    <p:spTree>
+      <p:nvGrpSpPr>
+        <p:cNvPr id="1" name=""/>
+        <p:cNvGrpSpPr/>
+        <p:nvPr/>
+      </p:nvGrpSpPr>
+      <p:grpSpPr>
+        <a:xfrm>
+          <a:off x="0" y="0"/>
+          <a:ext cx="0" cy="0"/>
+          <a:chOff x="0" y="0"/>
+          <a:chExt cx="0" cy="0"/>
+        </a:xfrm>
+      </p:grpSpPr>
+      <p:sp>
+        <p:nvSpPr>
+          <p:cNvPr id="2" name="Title 1">
+            <a:extLst>
+              <a:ext uri="{FF2B5EF4-FFF2-40B4-BE49-F238E27FC236}">
+                <a16:creationId xmlns:a16="http://schemas.microsoft.com/office/drawing/2014/main" id="{08069A03-1512-4369-9FE2-D698F3178988}"/>
+              </a:ext>
+            </a:extLst>
+          </p:cNvPr>
+          <p:cNvSpPr>
+            <a:spLocks noGrp="1"/>
+          </p:cNvSpPr>
+          <p:nvPr>
+            <p:ph type="title"/>
+          </p:nvPr>
+        </p:nvSpPr>
+        <p:spPr/>
+        <p:txBody>
+          <a:bodyPr/>
+          <a:lstStyle/>
+          <a:p>
+            <a:r>
+              <a:rPr lang="en-US" dirty="0"/>
+              <a:t>Parent Choice Mechanism</a:t>
+            </a:r>
+            <a:endParaRPr lang="th-TH" dirty="0">
+              <a:solidFill>
+                <a:schemeClr val="tx1"/>
+              </a:solidFill>
+            </a:endParaRPr>
+          </a:p>
+        </p:txBody>
+      </p:sp>
+      <p:sp>
+        <p:nvSpPr>
+          <p:cNvPr id="6" name="TextBox 5">
+            <a:extLst>
+              <a:ext uri="{FF2B5EF4-FFF2-40B4-BE49-F238E27FC236}">
+                <a16:creationId xmlns:a16="http://schemas.microsoft.com/office/drawing/2014/main" id="{D6600F39-D50B-40E0-B05C-4BA417758BE0}"/>
+              </a:ext>
+            </a:extLst>
+          </p:cNvPr>
+          <p:cNvSpPr txBox="1"/>
+          <p:nvPr/>
+        </p:nvSpPr>
+        <p:spPr>
+          <a:xfrm>
+            <a:off x="813516" y="2135142"/>
+            <a:ext cx="10564968" cy="2119042"/>
+          </a:xfrm>
+          <a:prstGeom prst="rect">
+            <a:avLst/>
+          </a:prstGeom>
+          <a:noFill/>
+        </p:spPr>
+        <p:txBody>
+          <a:bodyPr wrap="square" rtlCol="0">
+            <a:spAutoFit/>
+          </a:bodyPr>
+          <a:lstStyle/>
+          <a:p>
+            <a:pPr algn="thaiDist">
+              <a:lnSpc>
+                <a:spcPct val="150000"/>
+              </a:lnSpc>
+            </a:pPr>
+            <a:r>
+              <a:rPr lang="en-US" dirty="0"/>
+              <a:t>Before the node receives a timeslot and channel assignment from the parent node, this node updates its parent based on the parent choice mechanism from the parent list as a priority, which is Rule 1.</a:t>
+            </a:r>
+          </a:p>
+          <a:p>
+            <a:pPr marL="285750" indent="-285750" algn="thaiDist">
+              <a:lnSpc>
+                <a:spcPct val="150000"/>
+              </a:lnSpc>
+              <a:buFont typeface="Arial" panose="020B0604020202020204" pitchFamily="34" charset="0"/>
+              <a:buChar char="•"/>
+            </a:pPr>
+            <a:r>
+              <a:rPr lang="en-US" dirty="0"/>
+              <a:t>The node has the lowest depth.</a:t>
+            </a:r>
+          </a:p>
+          <a:p>
+            <a:pPr marL="285750" indent="-285750" algn="thaiDist">
+              <a:lnSpc>
+                <a:spcPct val="150000"/>
+              </a:lnSpc>
+              <a:buFont typeface="Arial" panose="020B0604020202020204" pitchFamily="34" charset="0"/>
+              <a:buChar char="•"/>
+            </a:pPr>
+            <a:r>
+              <a:rPr lang="en-US" dirty="0"/>
+              <a:t>The node has the smallest number of children.</a:t>
+            </a:r>
+          </a:p>
+          <a:p>
+            <a:pPr marL="285750" indent="-285750" algn="thaiDist">
+              <a:lnSpc>
+                <a:spcPct val="150000"/>
+              </a:lnSpc>
+              <a:buFont typeface="Arial" panose="020B0604020202020204" pitchFamily="34" charset="0"/>
+              <a:buChar char="•"/>
+            </a:pPr>
+            <a:r>
+              <a:rPr lang="en-US" dirty="0"/>
+              <a:t>The node has the latest timeslot assigned for communication with its parent node. </a:t>
+            </a:r>
+          </a:p>
+        </p:txBody>
+      </p:sp>
+    </p:spTree>
+    <p:extLst>
+      <p:ext uri="{BB962C8B-B14F-4D97-AF65-F5344CB8AC3E}">
+        <p14:creationId xmlns:p14="http://schemas.microsoft.com/office/powerpoint/2010/main" val="1598012770"/>
+      </p:ext>
+    </p:extLst>
+  </p:cSld>
+  <p:clrMapOvr>
+    <a:masterClrMapping/>
+  </p:clrMapOvr>
+</p:sld>
+</file>
+
 <file path=ppt/slides/slide3.xml><?xml version="1.0" encoding="utf-8"?>
 <p:sld xmlns:a="http://schemas.openxmlformats.org/drawingml/2006/main" xmlns:r="http://schemas.openxmlformats.org/officeDocument/2006/relationships" xmlns:p="http://schemas.openxmlformats.org/presentationml/2006/main">
   <p:cSld>
@@ -19112,148 +20223,6 @@
 </file>
 
 <file path=ppt/slides/slide30.xml><?xml version="1.0" encoding="utf-8"?>
-<p:sld xmlns:a="http://schemas.openxmlformats.org/drawingml/2006/main" xmlns:r="http://schemas.openxmlformats.org/officeDocument/2006/relationships" xmlns:p="http://schemas.openxmlformats.org/presentationml/2006/main">
-  <p:cSld>
-    <p:spTree>
-      <p:nvGrpSpPr>
-        <p:cNvPr id="1" name=""/>
-        <p:cNvGrpSpPr/>
-        <p:nvPr/>
-      </p:nvGrpSpPr>
-      <p:grpSpPr>
-        <a:xfrm>
-          <a:off x="0" y="0"/>
-          <a:ext cx="0" cy="0"/>
-          <a:chOff x="0" y="0"/>
-          <a:chExt cx="0" cy="0"/>
-        </a:xfrm>
-      </p:grpSpPr>
-      <p:sp>
-        <p:nvSpPr>
-          <p:cNvPr id="2" name="Title 1">
-            <a:extLst>
-              <a:ext uri="{FF2B5EF4-FFF2-40B4-BE49-F238E27FC236}">
-                <a16:creationId xmlns:a16="http://schemas.microsoft.com/office/drawing/2014/main" id="{08069A03-1512-4369-9FE2-D698F3178988}"/>
-              </a:ext>
-            </a:extLst>
-          </p:cNvPr>
-          <p:cNvSpPr>
-            <a:spLocks noGrp="1"/>
-          </p:cNvSpPr>
-          <p:nvPr>
-            <p:ph type="title"/>
-          </p:nvPr>
-        </p:nvSpPr>
-        <p:spPr/>
-        <p:txBody>
-          <a:bodyPr/>
-          <a:lstStyle/>
-          <a:p>
-            <a:r>
-              <a:rPr lang="en-US" dirty="0"/>
-              <a:t>Parent Choice Mechanism</a:t>
-            </a:r>
-            <a:endParaRPr lang="th-TH" dirty="0">
-              <a:solidFill>
-                <a:schemeClr val="tx1"/>
-              </a:solidFill>
-            </a:endParaRPr>
-          </a:p>
-        </p:txBody>
-      </p:sp>
-      <p:sp>
-        <p:nvSpPr>
-          <p:cNvPr id="6" name="TextBox 5">
-            <a:extLst>
-              <a:ext uri="{FF2B5EF4-FFF2-40B4-BE49-F238E27FC236}">
-                <a16:creationId xmlns:a16="http://schemas.microsoft.com/office/drawing/2014/main" id="{D6600F39-D50B-40E0-B05C-4BA417758BE0}"/>
-              </a:ext>
-            </a:extLst>
-          </p:cNvPr>
-          <p:cNvSpPr txBox="1"/>
-          <p:nvPr/>
-        </p:nvSpPr>
-        <p:spPr>
-          <a:xfrm>
-            <a:off x="813516" y="2135142"/>
-            <a:ext cx="10564968" cy="2534540"/>
-          </a:xfrm>
-          <a:prstGeom prst="rect">
-            <a:avLst/>
-          </a:prstGeom>
-          <a:noFill/>
-        </p:spPr>
-        <p:txBody>
-          <a:bodyPr wrap="square" rtlCol="0">
-            <a:spAutoFit/>
-          </a:bodyPr>
-          <a:lstStyle/>
-          <a:p>
-            <a:pPr algn="thaiDist">
-              <a:lnSpc>
-                <a:spcPct val="150000"/>
-              </a:lnSpc>
-            </a:pPr>
-            <a:r>
-              <a:rPr lang="en-US" dirty="0"/>
-              <a:t>Before the node receives a timeslot and channel assignment from the parent node, this node updates its parent based on the parent choice mechanism from the parent list as a priority, which is Rule 1 (described below):</a:t>
-            </a:r>
-          </a:p>
-          <a:p>
-            <a:pPr marL="285750" indent="-285750" algn="thaiDist">
-              <a:lnSpc>
-                <a:spcPct val="150000"/>
-              </a:lnSpc>
-              <a:buFont typeface="Arial" panose="020B0604020202020204" pitchFamily="34" charset="0"/>
-              <a:buChar char="•"/>
-            </a:pPr>
-            <a:r>
-              <a:rPr lang="en-US" dirty="0"/>
-              <a:t>The node has the lowest depth.</a:t>
-            </a:r>
-          </a:p>
-          <a:p>
-            <a:pPr marL="285750" indent="-285750" algn="thaiDist">
-              <a:lnSpc>
-                <a:spcPct val="150000"/>
-              </a:lnSpc>
-              <a:buFont typeface="Arial" panose="020B0604020202020204" pitchFamily="34" charset="0"/>
-              <a:buChar char="•"/>
-            </a:pPr>
-            <a:r>
-              <a:rPr lang="en-US" dirty="0"/>
-              <a:t>The node has the smallest number of children.</a:t>
-            </a:r>
-          </a:p>
-          <a:p>
-            <a:pPr marL="285750" indent="-285750" algn="thaiDist">
-              <a:lnSpc>
-                <a:spcPct val="150000"/>
-              </a:lnSpc>
-              <a:buFont typeface="Arial" panose="020B0604020202020204" pitchFamily="34" charset="0"/>
-              <a:buChar char="•"/>
-            </a:pPr>
-            <a:r>
-              <a:rPr lang="en-US" dirty="0"/>
-              <a:t>The node has the latest timeslot assigned for communication with its parent node. </a:t>
-            </a:r>
-          </a:p>
-        </p:txBody>
-      </p:sp>
-    </p:spTree>
-    <p:extLst>
-      <p:ext uri="{BB962C8B-B14F-4D97-AF65-F5344CB8AC3E}">
-        <p14:creationId xmlns:p14="http://schemas.microsoft.com/office/powerpoint/2010/main" val="1598012770"/>
-      </p:ext>
-    </p:extLst>
-  </p:cSld>
-  <p:clrMapOvr>
-    <a:masterClrMapping/>
-  </p:clrMapOvr>
-</p:sld>
-</file>
-
-<file path=ppt/slides/slide31.xml><?xml version="1.0" encoding="utf-8"?>
 <p:sld xmlns:a="http://schemas.openxmlformats.org/drawingml/2006/main" xmlns:r="http://schemas.openxmlformats.org/officeDocument/2006/relationships" xmlns:p="http://schemas.openxmlformats.org/presentationml/2006/main">
   <p:cSld>
     <p:spTree>
@@ -19467,7 +20436,7 @@
 </p:sld>
 </file>
 
-<file path=ppt/slides/slide32.xml><?xml version="1.0" encoding="utf-8"?>
+<file path=ppt/slides/slide31.xml><?xml version="1.0" encoding="utf-8"?>
 <p:sld xmlns:a="http://schemas.openxmlformats.org/drawingml/2006/main" xmlns:r="http://schemas.openxmlformats.org/officeDocument/2006/relationships" xmlns:p="http://schemas.openxmlformats.org/presentationml/2006/main">
   <p:cSld>
     <p:spTree>
@@ -19637,7 +20606,7 @@
             </a:pPr>
             <a:r>
               <a:rPr lang="en-US" dirty="0"/>
-              <a:t>If node 2 is chosen, it will have a 240 bytes packet size, </a:t>
+              <a:t>If node 2 is chosen, it will have 240 bytes packet size, </a:t>
             </a:r>
           </a:p>
           <a:p>
@@ -19811,6 +20780,188 @@
 </p:sld>
 </file>
 
+<file path=ppt/slides/slide32.xml><?xml version="1.0" encoding="utf-8"?>
+<p:sld xmlns:a="http://schemas.openxmlformats.org/drawingml/2006/main" xmlns:r="http://schemas.openxmlformats.org/officeDocument/2006/relationships" xmlns:p="http://schemas.openxmlformats.org/presentationml/2006/main">
+  <p:cSld>
+    <p:spTree>
+      <p:nvGrpSpPr>
+        <p:cNvPr id="1" name=""/>
+        <p:cNvGrpSpPr/>
+        <p:nvPr/>
+      </p:nvGrpSpPr>
+      <p:grpSpPr>
+        <a:xfrm>
+          <a:off x="0" y="0"/>
+          <a:ext cx="0" cy="0"/>
+          <a:chOff x="0" y="0"/>
+          <a:chExt cx="0" cy="0"/>
+        </a:xfrm>
+      </p:grpSpPr>
+      <p:pic>
+        <p:nvPicPr>
+          <p:cNvPr id="4" name="Picture 3">
+            <a:extLst>
+              <a:ext uri="{FF2B5EF4-FFF2-40B4-BE49-F238E27FC236}">
+                <a16:creationId xmlns:a16="http://schemas.microsoft.com/office/drawing/2014/main" id="{D8988952-6A52-4E94-AAE8-DB3FC009741E}"/>
+              </a:ext>
+            </a:extLst>
+          </p:cNvPr>
+          <p:cNvPicPr>
+            <a:picLocks noChangeAspect="1"/>
+          </p:cNvPicPr>
+          <p:nvPr/>
+        </p:nvPicPr>
+        <p:blipFill>
+          <a:blip r:embed="rId3"/>
+          <a:stretch>
+            <a:fillRect/>
+          </a:stretch>
+        </p:blipFill>
+        <p:spPr>
+          <a:xfrm>
+            <a:off x="7430703" y="1622635"/>
+            <a:ext cx="4761297" cy="5235365"/>
+          </a:xfrm>
+          <a:prstGeom prst="rect">
+            <a:avLst/>
+          </a:prstGeom>
+        </p:spPr>
+      </p:pic>
+      <p:sp>
+        <p:nvSpPr>
+          <p:cNvPr id="2" name="Title 1">
+            <a:extLst>
+              <a:ext uri="{FF2B5EF4-FFF2-40B4-BE49-F238E27FC236}">
+                <a16:creationId xmlns:a16="http://schemas.microsoft.com/office/drawing/2014/main" id="{08069A03-1512-4369-9FE2-D698F3178988}"/>
+              </a:ext>
+            </a:extLst>
+          </p:cNvPr>
+          <p:cNvSpPr>
+            <a:spLocks noGrp="1"/>
+          </p:cNvSpPr>
+          <p:nvPr>
+            <p:ph type="title"/>
+          </p:nvPr>
+        </p:nvSpPr>
+        <p:spPr/>
+        <p:txBody>
+          <a:bodyPr/>
+          <a:lstStyle/>
+          <a:p>
+            <a:r>
+              <a:rPr lang="en-US" dirty="0"/>
+              <a:t>REDUCE command packet</a:t>
+            </a:r>
+            <a:endParaRPr lang="th-TH" dirty="0">
+              <a:solidFill>
+                <a:schemeClr val="tx1"/>
+              </a:solidFill>
+            </a:endParaRPr>
+          </a:p>
+        </p:txBody>
+      </p:sp>
+      <p:sp>
+        <p:nvSpPr>
+          <p:cNvPr id="6" name="TextBox 5">
+            <a:extLst>
+              <a:ext uri="{FF2B5EF4-FFF2-40B4-BE49-F238E27FC236}">
+                <a16:creationId xmlns:a16="http://schemas.microsoft.com/office/drawing/2014/main" id="{D6600F39-D50B-40E0-B05C-4BA417758BE0}"/>
+              </a:ext>
+            </a:extLst>
+          </p:cNvPr>
+          <p:cNvSpPr txBox="1"/>
+          <p:nvPr/>
+        </p:nvSpPr>
+        <p:spPr>
+          <a:xfrm>
+            <a:off x="813516" y="2135142"/>
+            <a:ext cx="6463183" cy="2119042"/>
+          </a:xfrm>
+          <a:prstGeom prst="rect">
+            <a:avLst/>
+          </a:prstGeom>
+          <a:noFill/>
+        </p:spPr>
+        <p:txBody>
+          <a:bodyPr wrap="square" rtlCol="0">
+            <a:spAutoFit/>
+          </a:bodyPr>
+          <a:lstStyle/>
+          <a:p>
+            <a:pPr algn="thaiDist">
+              <a:lnSpc>
+                <a:spcPct val="150000"/>
+              </a:lnSpc>
+            </a:pPr>
+            <a:r>
+              <a:rPr lang="en-US" dirty="0"/>
+              <a:t>In Figure 9, we can see that two timeslots, T1 and T2, are not used; thus, to minimize the delay time and maximize the data rate, they removed these timeslots by REDUCE command packet. </a:t>
+            </a:r>
+          </a:p>
+          <a:p>
+            <a:pPr algn="thaiDist">
+              <a:lnSpc>
+                <a:spcPct val="150000"/>
+              </a:lnSpc>
+            </a:pPr>
+            <a:r>
+              <a:rPr lang="en-US" dirty="0"/>
+              <a:t>Figure 10 shows data transmissions after all the nodes received the REDUCE command packet.</a:t>
+            </a:r>
+          </a:p>
+        </p:txBody>
+      </p:sp>
+      <p:sp>
+        <p:nvSpPr>
+          <p:cNvPr id="3" name="TextBox 2">
+            <a:extLst>
+              <a:ext uri="{FF2B5EF4-FFF2-40B4-BE49-F238E27FC236}">
+                <a16:creationId xmlns:a16="http://schemas.microsoft.com/office/drawing/2014/main" id="{3A5FD984-7949-4813-926F-9DC30CDB07E6}"/>
+              </a:ext>
+            </a:extLst>
+          </p:cNvPr>
+          <p:cNvSpPr txBox="1"/>
+          <p:nvPr/>
+        </p:nvSpPr>
+        <p:spPr>
+          <a:xfrm>
+            <a:off x="8903370" y="6642556"/>
+            <a:ext cx="529389" cy="215444"/>
+          </a:xfrm>
+          <a:prstGeom prst="rect">
+            <a:avLst/>
+          </a:prstGeom>
+          <a:solidFill>
+            <a:schemeClr val="bg1"/>
+          </a:solidFill>
+        </p:spPr>
+        <p:txBody>
+          <a:bodyPr wrap="square" rtlCol="0">
+            <a:spAutoFit/>
+          </a:bodyPr>
+          <a:lstStyle/>
+          <a:p>
+            <a:r>
+              <a:rPr lang="en-US" sz="800" dirty="0"/>
+              <a:t>DTC</a:t>
+            </a:r>
+            <a:endParaRPr lang="th-TH" sz="800" dirty="0"/>
+          </a:p>
+        </p:txBody>
+      </p:sp>
+    </p:spTree>
+    <p:extLst>
+      <p:ext uri="{BB962C8B-B14F-4D97-AF65-F5344CB8AC3E}">
+        <p14:creationId xmlns:p14="http://schemas.microsoft.com/office/powerpoint/2010/main" val="2298318322"/>
+      </p:ext>
+    </p:extLst>
+  </p:cSld>
+  <p:clrMapOvr>
+    <a:masterClrMapping/>
+  </p:clrMapOvr>
+</p:sld>
+</file>
+
 <file path=ppt/slides/slide33.xml><?xml version="1.0" encoding="utf-8"?>
 <p:sld xmlns:a="http://schemas.openxmlformats.org/drawingml/2006/main" xmlns:r="http://schemas.openxmlformats.org/officeDocument/2006/relationships" xmlns:p="http://schemas.openxmlformats.org/presentationml/2006/main">
   <p:cSld>
@@ -19851,7 +21002,7 @@
           <a:p>
             <a:r>
               <a:rPr lang="en-US" dirty="0"/>
-              <a:t>Data Transmission in the Proposed Protocol</a:t>
+              <a:t>How to insert the New Node</a:t>
             </a:r>
             <a:endParaRPr lang="th-TH" dirty="0">
               <a:solidFill>
@@ -19876,7 +21027,7 @@
         <p:spPr>
           <a:xfrm>
             <a:off x="813516" y="2135142"/>
-            <a:ext cx="10564968" cy="1288045"/>
+            <a:ext cx="10553920" cy="2534540"/>
           </a:xfrm>
           <a:prstGeom prst="rect">
             <a:avLst/>
@@ -19896,15 +21047,255 @@
             </a:pPr>
             <a:r>
               <a:rPr lang="en-US" dirty="0"/>
-              <a:t>In each UTC, each node transmits one data packet. If the parent node receives all the data packets from its child, it combines its own data, then transmits the packet using the channel and timeslot that is assigned during the NCP.</a:t>
-            </a:r>
+              <a:t>During the UTCs, All nodes forward a data packet to the sink node. So, the sink node can know the number of joined nodes in the network.</a:t>
+            </a:r>
+          </a:p>
+          <a:p>
+            <a:pPr algn="thaiDist">
+              <a:lnSpc>
+                <a:spcPct val="150000"/>
+              </a:lnSpc>
+            </a:pPr>
+            <a:r>
+              <a:rPr lang="en-US" dirty="0"/>
+              <a:t>Base on this information, in the DTP, if the sink node determines that other nodes need to join the network, the sink node transmits the ADD command packet to notify all joined nodes to allow new nodes to join the network. Thus, before one UTC, we add one NCP cycle.</a:t>
+            </a:r>
+          </a:p>
+          <a:p>
+            <a:pPr algn="thaiDist">
+              <a:lnSpc>
+                <a:spcPct val="150000"/>
+              </a:lnSpc>
+            </a:pPr>
+            <a:endParaRPr lang="en-US" dirty="0"/>
+          </a:p>
+        </p:txBody>
+      </p:sp>
+      <p:pic>
+        <p:nvPicPr>
+          <p:cNvPr id="7" name="Picture 6">
+            <a:extLst>
+              <a:ext uri="{FF2B5EF4-FFF2-40B4-BE49-F238E27FC236}">
+                <a16:creationId xmlns:a16="http://schemas.microsoft.com/office/drawing/2014/main" id="{224F2F98-ECB6-49A3-8427-CFEE0EC89CAC}"/>
+              </a:ext>
+            </a:extLst>
+          </p:cNvPr>
+          <p:cNvPicPr>
+            <a:picLocks noChangeAspect="1"/>
+          </p:cNvPicPr>
+          <p:nvPr/>
+        </p:nvPicPr>
+        <p:blipFill>
+          <a:blip r:embed="rId3"/>
+          <a:stretch>
+            <a:fillRect/>
+          </a:stretch>
+        </p:blipFill>
+        <p:spPr>
+          <a:xfrm>
+            <a:off x="2290762" y="4221000"/>
+            <a:ext cx="7610475" cy="2209800"/>
+          </a:xfrm>
+          <a:prstGeom prst="rect">
+            <a:avLst/>
+          </a:prstGeom>
+        </p:spPr>
+      </p:pic>
+      <p:pic>
+        <p:nvPicPr>
+          <p:cNvPr id="8" name="Picture 7">
+            <a:extLst>
+              <a:ext uri="{FF2B5EF4-FFF2-40B4-BE49-F238E27FC236}">
+                <a16:creationId xmlns:a16="http://schemas.microsoft.com/office/drawing/2014/main" id="{BE313314-1E87-475B-8078-A51E2D308C81}"/>
+              </a:ext>
+            </a:extLst>
+          </p:cNvPr>
+          <p:cNvPicPr>
+            <a:picLocks noChangeAspect="1"/>
+          </p:cNvPicPr>
+          <p:nvPr/>
+        </p:nvPicPr>
+        <p:blipFill rotWithShape="1">
+          <a:blip r:embed="rId3"/>
+          <a:srcRect l="2172" t="58207" r="85813" b="24370"/>
+          <a:stretch/>
+        </p:blipFill>
+        <p:spPr>
+          <a:xfrm>
+            <a:off x="6545177" y="4284671"/>
+            <a:ext cx="914401" cy="385011"/>
+          </a:xfrm>
+          <a:prstGeom prst="rect">
+            <a:avLst/>
+          </a:prstGeom>
+        </p:spPr>
+      </p:pic>
+      <p:cxnSp>
+        <p:nvCxnSpPr>
+          <p:cNvPr id="9" name="Straight Arrow Connector 8">
+            <a:extLst>
+              <a:ext uri="{FF2B5EF4-FFF2-40B4-BE49-F238E27FC236}">
+                <a16:creationId xmlns:a16="http://schemas.microsoft.com/office/drawing/2014/main" id="{41C343BD-DA6A-4DEB-98BC-5788956F812E}"/>
+              </a:ext>
+            </a:extLst>
+          </p:cNvPr>
+          <p:cNvCxnSpPr/>
+          <p:nvPr/>
+        </p:nvCxnSpPr>
+        <p:spPr>
+          <a:xfrm flipH="1">
+            <a:off x="6400800" y="4669682"/>
+            <a:ext cx="596766" cy="855219"/>
+          </a:xfrm>
+          <a:prstGeom prst="straightConnector1">
+            <a:avLst/>
+          </a:prstGeom>
+          <a:ln>
+            <a:tailEnd type="triangle"/>
+          </a:ln>
+        </p:spPr>
+        <p:style>
+          <a:lnRef idx="1">
+            <a:schemeClr val="accent1"/>
+          </a:lnRef>
+          <a:fillRef idx="0">
+            <a:schemeClr val="accent1"/>
+          </a:fillRef>
+          <a:effectRef idx="0">
+            <a:schemeClr val="accent1"/>
+          </a:effectRef>
+          <a:fontRef idx="minor">
+            <a:schemeClr val="tx1"/>
+          </a:fontRef>
+        </p:style>
+      </p:cxnSp>
+      <p:pic>
+        <p:nvPicPr>
+          <p:cNvPr id="10" name="Picture 9">
+            <a:extLst>
+              <a:ext uri="{FF2B5EF4-FFF2-40B4-BE49-F238E27FC236}">
+                <a16:creationId xmlns:a16="http://schemas.microsoft.com/office/drawing/2014/main" id="{49448F44-AA91-4960-9F1D-F2854ADB9CA4}"/>
+              </a:ext>
+            </a:extLst>
+          </p:cNvPr>
+          <p:cNvPicPr>
+            <a:picLocks noChangeAspect="1"/>
+          </p:cNvPicPr>
+          <p:nvPr/>
+        </p:nvPicPr>
+        <p:blipFill rotWithShape="1">
+          <a:blip r:embed="rId3"/>
+          <a:srcRect l="2172" t="58207" r="85813" b="24370"/>
+          <a:stretch/>
+        </p:blipFill>
+        <p:spPr>
+          <a:xfrm>
+            <a:off x="7836540" y="4284671"/>
+            <a:ext cx="914401" cy="385011"/>
+          </a:xfrm>
+          <a:prstGeom prst="rect">
+            <a:avLst/>
+          </a:prstGeom>
+        </p:spPr>
+      </p:pic>
+      <p:cxnSp>
+        <p:nvCxnSpPr>
+          <p:cNvPr id="11" name="Straight Arrow Connector 10">
+            <a:extLst>
+              <a:ext uri="{FF2B5EF4-FFF2-40B4-BE49-F238E27FC236}">
+                <a16:creationId xmlns:a16="http://schemas.microsoft.com/office/drawing/2014/main" id="{D28DA09C-3CA6-4C14-816B-4045A82750A6}"/>
+              </a:ext>
+            </a:extLst>
+          </p:cNvPr>
+          <p:cNvCxnSpPr/>
+          <p:nvPr/>
+        </p:nvCxnSpPr>
+        <p:spPr>
+          <a:xfrm flipH="1">
+            <a:off x="7692163" y="4669682"/>
+            <a:ext cx="596766" cy="855219"/>
+          </a:xfrm>
+          <a:prstGeom prst="straightConnector1">
+            <a:avLst/>
+          </a:prstGeom>
+          <a:ln>
+            <a:tailEnd type="triangle"/>
+          </a:ln>
+        </p:spPr>
+        <p:style>
+          <a:lnRef idx="1">
+            <a:schemeClr val="accent1"/>
+          </a:lnRef>
+          <a:fillRef idx="0">
+            <a:schemeClr val="accent1"/>
+          </a:fillRef>
+          <a:effectRef idx="0">
+            <a:schemeClr val="accent1"/>
+          </a:effectRef>
+          <a:fontRef idx="minor">
+            <a:schemeClr val="tx1"/>
+          </a:fontRef>
+        </p:style>
+      </p:cxnSp>
+      <p:sp>
+        <p:nvSpPr>
+          <p:cNvPr id="12" name="Callout: Down Arrow 11">
+            <a:extLst>
+              <a:ext uri="{FF2B5EF4-FFF2-40B4-BE49-F238E27FC236}">
+                <a16:creationId xmlns:a16="http://schemas.microsoft.com/office/drawing/2014/main" id="{9C34AAA2-6E29-49C7-B91F-F51A1FCB4B27}"/>
+              </a:ext>
+            </a:extLst>
+          </p:cNvPr>
+          <p:cNvSpPr/>
+          <p:nvPr/>
+        </p:nvSpPr>
+        <p:spPr>
+          <a:xfrm>
+            <a:off x="5646824" y="4327521"/>
+            <a:ext cx="609599" cy="1172853"/>
+          </a:xfrm>
+          <a:prstGeom prst="downArrowCallout">
+            <a:avLst>
+              <a:gd name="adj1" fmla="val 25000"/>
+              <a:gd name="adj2" fmla="val 25000"/>
+              <a:gd name="adj3" fmla="val 25000"/>
+              <a:gd name="adj4" fmla="val 33792"/>
+            </a:avLst>
+          </a:prstGeom>
+        </p:spPr>
+        <p:style>
+          <a:lnRef idx="2">
+            <a:schemeClr val="accent1">
+              <a:shade val="50000"/>
+            </a:schemeClr>
+          </a:lnRef>
+          <a:fillRef idx="1">
+            <a:schemeClr val="accent1"/>
+          </a:fillRef>
+          <a:effectRef idx="0">
+            <a:schemeClr val="accent1"/>
+          </a:effectRef>
+          <a:fontRef idx="minor">
+            <a:schemeClr val="lt1"/>
+          </a:fontRef>
+        </p:style>
+        <p:txBody>
+          <a:bodyPr rtlCol="0" anchor="ctr"/>
+          <a:lstStyle/>
+          <a:p>
+            <a:pPr algn="ctr"/>
+            <a:r>
+              <a:rPr lang="en-US" dirty="0"/>
+              <a:t>ADD</a:t>
+            </a:r>
+            <a:endParaRPr lang="th-TH" dirty="0"/>
           </a:p>
         </p:txBody>
       </p:sp>
     </p:spTree>
     <p:extLst>
       <p:ext uri="{BB962C8B-B14F-4D97-AF65-F5344CB8AC3E}">
-        <p14:creationId xmlns:p14="http://schemas.microsoft.com/office/powerpoint/2010/main" val="1289282481"/>
+        <p14:creationId xmlns:p14="http://schemas.microsoft.com/office/powerpoint/2010/main" val="193553434"/>
       </p:ext>
     </p:extLst>
   </p:cSld>
@@ -19931,12 +21322,85 @@
           <a:chExt cx="0" cy="0"/>
         </a:xfrm>
       </p:grpSpPr>
+      <p:sp>
+        <p:nvSpPr>
+          <p:cNvPr id="2" name="Title 1">
+            <a:extLst>
+              <a:ext uri="{FF2B5EF4-FFF2-40B4-BE49-F238E27FC236}">
+                <a16:creationId xmlns:a16="http://schemas.microsoft.com/office/drawing/2014/main" id="{08069A03-1512-4369-9FE2-D698F3178988}"/>
+              </a:ext>
+            </a:extLst>
+          </p:cNvPr>
+          <p:cNvSpPr>
+            <a:spLocks noGrp="1"/>
+          </p:cNvSpPr>
+          <p:nvPr>
+            <p:ph type="title"/>
+          </p:nvPr>
+        </p:nvSpPr>
+        <p:spPr/>
+        <p:txBody>
+          <a:bodyPr/>
+          <a:lstStyle/>
+          <a:p>
+            <a:r>
+              <a:rPr lang="en-US" dirty="0"/>
+              <a:t>How to insert the New Node</a:t>
+            </a:r>
+            <a:endParaRPr lang="th-TH" dirty="0">
+              <a:solidFill>
+                <a:schemeClr val="tx1"/>
+              </a:solidFill>
+            </a:endParaRPr>
+          </a:p>
+        </p:txBody>
+      </p:sp>
+      <p:sp>
+        <p:nvSpPr>
+          <p:cNvPr id="6" name="TextBox 5">
+            <a:extLst>
+              <a:ext uri="{FF2B5EF4-FFF2-40B4-BE49-F238E27FC236}">
+                <a16:creationId xmlns:a16="http://schemas.microsoft.com/office/drawing/2014/main" id="{D6600F39-D50B-40E0-B05C-4BA417758BE0}"/>
+              </a:ext>
+            </a:extLst>
+          </p:cNvPr>
+          <p:cNvSpPr txBox="1"/>
+          <p:nvPr/>
+        </p:nvSpPr>
+        <p:spPr>
+          <a:xfrm>
+            <a:off x="813516" y="2135142"/>
+            <a:ext cx="10553920" cy="1288045"/>
+          </a:xfrm>
+          <a:prstGeom prst="rect">
+            <a:avLst/>
+          </a:prstGeom>
+          <a:noFill/>
+        </p:spPr>
+        <p:txBody>
+          <a:bodyPr wrap="square" rtlCol="0">
+            <a:spAutoFit/>
+          </a:bodyPr>
+          <a:lstStyle/>
+          <a:p>
+            <a:pPr algn="thaiDist">
+              <a:lnSpc>
+                <a:spcPct val="150000"/>
+              </a:lnSpc>
+            </a:pPr>
+            <a:r>
+              <a:rPr lang="en-US" dirty="0"/>
+              <a:t>After that, in the next DTC, if the sink node determines that all nodes have already joined the network, the sink node will transmit a REMOVE_ADD command packet to notify all the nodes to remove the NCP cycle before the UTC.</a:t>
+            </a:r>
+          </a:p>
+        </p:txBody>
+      </p:sp>
       <p:pic>
         <p:nvPicPr>
-          <p:cNvPr id="4" name="Picture 3">
-            <a:extLst>
-              <a:ext uri="{FF2B5EF4-FFF2-40B4-BE49-F238E27FC236}">
-                <a16:creationId xmlns:a16="http://schemas.microsoft.com/office/drawing/2014/main" id="{D8988952-6A52-4E94-AAE8-DB3FC009741E}"/>
+          <p:cNvPr id="12" name="Picture 11">
+            <a:extLst>
+              <a:ext uri="{FF2B5EF4-FFF2-40B4-BE49-F238E27FC236}">
+                <a16:creationId xmlns:a16="http://schemas.microsoft.com/office/drawing/2014/main" id="{C6944CEF-BF2F-40CB-B129-D24E254DDCE7}"/>
               </a:ext>
             </a:extLst>
           </p:cNvPr>
@@ -19953,102 +21417,313 @@
         </p:blipFill>
         <p:spPr>
           <a:xfrm>
-            <a:off x="7430703" y="1622635"/>
-            <a:ext cx="4761297" cy="5235365"/>
+            <a:off x="2290762" y="4221000"/>
+            <a:ext cx="7610475" cy="2209800"/>
           </a:xfrm>
           <a:prstGeom prst="rect">
             <a:avLst/>
           </a:prstGeom>
         </p:spPr>
       </p:pic>
-      <p:sp>
-        <p:nvSpPr>
-          <p:cNvPr id="2" name="Title 1">
-            <a:extLst>
-              <a:ext uri="{FF2B5EF4-FFF2-40B4-BE49-F238E27FC236}">
-                <a16:creationId xmlns:a16="http://schemas.microsoft.com/office/drawing/2014/main" id="{08069A03-1512-4369-9FE2-D698F3178988}"/>
-              </a:ext>
-            </a:extLst>
-          </p:cNvPr>
-          <p:cNvSpPr>
-            <a:spLocks noGrp="1"/>
-          </p:cNvSpPr>
-          <p:nvPr>
-            <p:ph type="title"/>
-          </p:nvPr>
-        </p:nvSpPr>
-        <p:spPr/>
-        <p:txBody>
-          <a:bodyPr/>
-          <a:lstStyle/>
-          <a:p>
-            <a:r>
-              <a:rPr lang="en-US" dirty="0"/>
-              <a:t>REDUCE command packet</a:t>
-            </a:r>
-            <a:endParaRPr lang="th-TH" dirty="0">
-              <a:solidFill>
-                <a:schemeClr val="tx1"/>
-              </a:solidFill>
-            </a:endParaRPr>
-          </a:p>
-        </p:txBody>
-      </p:sp>
-      <p:sp>
-        <p:nvSpPr>
-          <p:cNvPr id="6" name="TextBox 5">
-            <a:extLst>
-              <a:ext uri="{FF2B5EF4-FFF2-40B4-BE49-F238E27FC236}">
-                <a16:creationId xmlns:a16="http://schemas.microsoft.com/office/drawing/2014/main" id="{D6600F39-D50B-40E0-B05C-4BA417758BE0}"/>
-              </a:ext>
-            </a:extLst>
-          </p:cNvPr>
-          <p:cNvSpPr txBox="1"/>
+      <p:pic>
+        <p:nvPicPr>
+          <p:cNvPr id="13" name="Picture 12">
+            <a:extLst>
+              <a:ext uri="{FF2B5EF4-FFF2-40B4-BE49-F238E27FC236}">
+                <a16:creationId xmlns:a16="http://schemas.microsoft.com/office/drawing/2014/main" id="{20FAAED1-9252-4BDE-8675-A4A7013EC18D}"/>
+              </a:ext>
+            </a:extLst>
+          </p:cNvPr>
+          <p:cNvPicPr>
+            <a:picLocks noChangeAspect="1"/>
+          </p:cNvPicPr>
           <p:nvPr/>
-        </p:nvSpPr>
+        </p:nvPicPr>
+        <p:blipFill rotWithShape="1">
+          <a:blip r:embed="rId3"/>
+          <a:srcRect l="2172" t="58207" r="85813" b="24370"/>
+          <a:stretch/>
+        </p:blipFill>
         <p:spPr>
           <a:xfrm>
-            <a:off x="813516" y="2135142"/>
-            <a:ext cx="6463183" cy="2119042"/>
+            <a:off x="6545177" y="4284671"/>
+            <a:ext cx="914401" cy="385011"/>
           </a:xfrm>
           <a:prstGeom prst="rect">
             <a:avLst/>
           </a:prstGeom>
-          <a:noFill/>
         </p:spPr>
-        <p:txBody>
-          <a:bodyPr wrap="square" rtlCol="0">
-            <a:spAutoFit/>
-          </a:bodyPr>
-          <a:lstStyle/>
-          <a:p>
-            <a:pPr algn="thaiDist">
-              <a:lnSpc>
-                <a:spcPct val="150000"/>
-              </a:lnSpc>
-            </a:pPr>
+      </p:pic>
+      <p:cxnSp>
+        <p:nvCxnSpPr>
+          <p:cNvPr id="14" name="Straight Arrow Connector 13">
+            <a:extLst>
+              <a:ext uri="{FF2B5EF4-FFF2-40B4-BE49-F238E27FC236}">
+                <a16:creationId xmlns:a16="http://schemas.microsoft.com/office/drawing/2014/main" id="{168FC4E1-0587-4E26-9DEA-A1532DB1B98C}"/>
+              </a:ext>
+            </a:extLst>
+          </p:cNvPr>
+          <p:cNvCxnSpPr/>
+          <p:nvPr/>
+        </p:nvCxnSpPr>
+        <p:spPr>
+          <a:xfrm flipH="1">
+            <a:off x="6400800" y="4669682"/>
+            <a:ext cx="596766" cy="855219"/>
+          </a:xfrm>
+          <a:prstGeom prst="straightConnector1">
+            <a:avLst/>
+          </a:prstGeom>
+          <a:ln>
+            <a:tailEnd type="triangle"/>
+          </a:ln>
+        </p:spPr>
+        <p:style>
+          <a:lnRef idx="1">
+            <a:schemeClr val="accent1"/>
+          </a:lnRef>
+          <a:fillRef idx="0">
+            <a:schemeClr val="accent1"/>
+          </a:fillRef>
+          <a:effectRef idx="0">
+            <a:schemeClr val="accent1"/>
+          </a:effectRef>
+          <a:fontRef idx="minor">
+            <a:schemeClr val="tx1"/>
+          </a:fontRef>
+        </p:style>
+      </p:cxnSp>
+      <p:pic>
+        <p:nvPicPr>
+          <p:cNvPr id="15" name="Picture 14">
+            <a:extLst>
+              <a:ext uri="{FF2B5EF4-FFF2-40B4-BE49-F238E27FC236}">
+                <a16:creationId xmlns:a16="http://schemas.microsoft.com/office/drawing/2014/main" id="{D47DCE06-74C7-4AEF-BB94-CC76F1B69C7A}"/>
+              </a:ext>
+            </a:extLst>
+          </p:cNvPr>
+          <p:cNvPicPr>
+            <a:picLocks noChangeAspect="1"/>
+          </p:cNvPicPr>
+          <p:nvPr/>
+        </p:nvPicPr>
+        <p:blipFill rotWithShape="1">
+          <a:blip r:embed="rId3"/>
+          <a:srcRect l="2172" t="58207" r="85813" b="24370"/>
+          <a:stretch/>
+        </p:blipFill>
+        <p:spPr>
+          <a:xfrm>
+            <a:off x="7836540" y="4284671"/>
+            <a:ext cx="914401" cy="385011"/>
+          </a:xfrm>
+          <a:prstGeom prst="rect">
+            <a:avLst/>
+          </a:prstGeom>
+        </p:spPr>
+      </p:pic>
+      <p:cxnSp>
+        <p:nvCxnSpPr>
+          <p:cNvPr id="16" name="Straight Arrow Connector 15">
+            <a:extLst>
+              <a:ext uri="{FF2B5EF4-FFF2-40B4-BE49-F238E27FC236}">
+                <a16:creationId xmlns:a16="http://schemas.microsoft.com/office/drawing/2014/main" id="{96B05E73-3695-43D4-9A3D-1401B841E073}"/>
+              </a:ext>
+            </a:extLst>
+          </p:cNvPr>
+          <p:cNvCxnSpPr/>
+          <p:nvPr/>
+        </p:nvCxnSpPr>
+        <p:spPr>
+          <a:xfrm flipH="1">
+            <a:off x="7692163" y="4669682"/>
+            <a:ext cx="596766" cy="855219"/>
+          </a:xfrm>
+          <a:prstGeom prst="straightConnector1">
+            <a:avLst/>
+          </a:prstGeom>
+          <a:ln>
+            <a:tailEnd type="triangle"/>
+          </a:ln>
+        </p:spPr>
+        <p:style>
+          <a:lnRef idx="1">
+            <a:schemeClr val="accent1"/>
+          </a:lnRef>
+          <a:fillRef idx="0">
+            <a:schemeClr val="accent1"/>
+          </a:fillRef>
+          <a:effectRef idx="0">
+            <a:schemeClr val="accent1"/>
+          </a:effectRef>
+          <a:fontRef idx="minor">
+            <a:schemeClr val="tx1"/>
+          </a:fontRef>
+        </p:style>
+      </p:cxnSp>
+      <p:sp>
+        <p:nvSpPr>
+          <p:cNvPr id="17" name="Callout: Down Arrow 16">
+            <a:extLst>
+              <a:ext uri="{FF2B5EF4-FFF2-40B4-BE49-F238E27FC236}">
+                <a16:creationId xmlns:a16="http://schemas.microsoft.com/office/drawing/2014/main" id="{0AE4B5D9-A858-4A96-A70C-19EB4877A415}"/>
+              </a:ext>
+            </a:extLst>
+          </p:cNvPr>
+          <p:cNvSpPr/>
+          <p:nvPr/>
+        </p:nvSpPr>
+        <p:spPr>
+          <a:xfrm>
+            <a:off x="5414212" y="4284671"/>
+            <a:ext cx="914400" cy="1172853"/>
+          </a:xfrm>
+          <a:prstGeom prst="downArrowCallout">
+            <a:avLst>
+              <a:gd name="adj1" fmla="val 25000"/>
+              <a:gd name="adj2" fmla="val 25000"/>
+              <a:gd name="adj3" fmla="val 25000"/>
+              <a:gd name="adj4" fmla="val 33792"/>
+            </a:avLst>
+          </a:prstGeom>
+        </p:spPr>
+        <p:style>
+          <a:lnRef idx="2">
+            <a:schemeClr val="accent1">
+              <a:shade val="50000"/>
+            </a:schemeClr>
+          </a:lnRef>
+          <a:fillRef idx="1">
+            <a:schemeClr val="accent1"/>
+          </a:fillRef>
+          <a:effectRef idx="0">
+            <a:schemeClr val="accent1"/>
+          </a:effectRef>
+          <a:fontRef idx="minor">
+            <a:schemeClr val="lt1"/>
+          </a:fontRef>
+        </p:style>
+        <p:txBody>
+          <a:bodyPr rtlCol="0" anchor="ctr"/>
+          <a:lstStyle/>
+          <a:p>
+            <a:pPr algn="ctr"/>
             <a:r>
               <a:rPr lang="en-US" dirty="0"/>
-              <a:t>In Figure 9, we can see that two timeslots, T1 and T2, are not used; thus, to minimize the delay time and maximize the data rate, we removed these timeslots by REDUCE command packet. </a:t>
-            </a:r>
-          </a:p>
-          <a:p>
-            <a:pPr algn="thaiDist">
-              <a:lnSpc>
-                <a:spcPct val="150000"/>
-              </a:lnSpc>
-            </a:pPr>
-            <a:r>
-              <a:rPr lang="en-US" dirty="0"/>
-              <a:t>Figure 10 shows data transmissions after all the nodes received the REDUCE command packet.</a:t>
-            </a:r>
+              <a:t>remove</a:t>
+            </a:r>
+            <a:endParaRPr lang="th-TH" dirty="0"/>
+          </a:p>
+        </p:txBody>
+      </p:sp>
+      <p:sp>
+        <p:nvSpPr>
+          <p:cNvPr id="4" name="Multiplication Sign 3">
+            <a:extLst>
+              <a:ext uri="{FF2B5EF4-FFF2-40B4-BE49-F238E27FC236}">
+                <a16:creationId xmlns:a16="http://schemas.microsoft.com/office/drawing/2014/main" id="{B12DDD4E-C5D6-4D68-A34E-8F35112F653E}"/>
+              </a:ext>
+            </a:extLst>
+          </p:cNvPr>
+          <p:cNvSpPr/>
+          <p:nvPr/>
+        </p:nvSpPr>
+        <p:spPr>
+          <a:xfrm>
+            <a:off x="6642991" y="4030316"/>
+            <a:ext cx="747574" cy="855219"/>
+          </a:xfrm>
+          <a:prstGeom prst="mathMultiply">
+            <a:avLst/>
+          </a:prstGeom>
+          <a:solidFill>
+            <a:srgbClr val="FF0000"/>
+          </a:solidFill>
+          <a:ln>
+            <a:noFill/>
+          </a:ln>
+        </p:spPr>
+        <p:style>
+          <a:lnRef idx="2">
+            <a:schemeClr val="accent1">
+              <a:shade val="50000"/>
+            </a:schemeClr>
+          </a:lnRef>
+          <a:fillRef idx="1">
+            <a:schemeClr val="accent1"/>
+          </a:fillRef>
+          <a:effectRef idx="0">
+            <a:schemeClr val="accent1"/>
+          </a:effectRef>
+          <a:fontRef idx="minor">
+            <a:schemeClr val="lt1"/>
+          </a:fontRef>
+        </p:style>
+        <p:txBody>
+          <a:bodyPr rtlCol="0" anchor="ctr"/>
+          <a:lstStyle/>
+          <a:p>
+            <a:pPr algn="ctr"/>
+            <a:endParaRPr lang="th-TH"/>
+          </a:p>
+        </p:txBody>
+      </p:sp>
+      <p:sp>
+        <p:nvSpPr>
+          <p:cNvPr id="18" name="Multiplication Sign 17">
+            <a:extLst>
+              <a:ext uri="{FF2B5EF4-FFF2-40B4-BE49-F238E27FC236}">
+                <a16:creationId xmlns:a16="http://schemas.microsoft.com/office/drawing/2014/main" id="{5B6ED2D9-B520-4A31-9DBF-9F7082BCCFB3}"/>
+              </a:ext>
+            </a:extLst>
+          </p:cNvPr>
+          <p:cNvSpPr/>
+          <p:nvPr/>
+        </p:nvSpPr>
+        <p:spPr>
+          <a:xfrm>
+            <a:off x="7891945" y="4009244"/>
+            <a:ext cx="747574" cy="855219"/>
+          </a:xfrm>
+          <a:prstGeom prst="mathMultiply">
+            <a:avLst/>
+          </a:prstGeom>
+          <a:solidFill>
+            <a:srgbClr val="FF0000"/>
+          </a:solidFill>
+          <a:ln>
+            <a:noFill/>
+          </a:ln>
+        </p:spPr>
+        <p:style>
+          <a:lnRef idx="2">
+            <a:schemeClr val="accent1">
+              <a:shade val="50000"/>
+            </a:schemeClr>
+          </a:lnRef>
+          <a:fillRef idx="1">
+            <a:schemeClr val="accent1"/>
+          </a:fillRef>
+          <a:effectRef idx="0">
+            <a:schemeClr val="accent1"/>
+          </a:effectRef>
+          <a:fontRef idx="minor">
+            <a:schemeClr val="lt1"/>
+          </a:fontRef>
+        </p:style>
+        <p:txBody>
+          <a:bodyPr rtlCol="0" anchor="ctr"/>
+          <a:lstStyle/>
+          <a:p>
+            <a:pPr algn="ctr"/>
+            <a:endParaRPr lang="th-TH"/>
           </a:p>
         </p:txBody>
       </p:sp>
     </p:spTree>
     <p:extLst>
       <p:ext uri="{BB962C8B-B14F-4D97-AF65-F5344CB8AC3E}">
-        <p14:creationId xmlns:p14="http://schemas.microsoft.com/office/powerpoint/2010/main" val="2298318322"/>
+        <p14:creationId xmlns:p14="http://schemas.microsoft.com/office/powerpoint/2010/main" val="1762992572"/>
       </p:ext>
     </p:extLst>
   </p:cSld>
@@ -20143,17 +21818,17 @@
             </a:pPr>
             <a:r>
               <a:rPr lang="en-US" dirty="0"/>
-              <a:t>After receiving a command packet, based on Equation (1), we calculated the time on air based on the received packet size, Spreading Factor (SF) and Coding Rate (CR).</a:t>
+              <a:t>If we knew the time on air, then we can estimate when the next timeslot starts, as shown in Figure 13, to resynchronize the timeslot between the child nodes and the parent nodes.</a:t>
             </a:r>
           </a:p>
         </p:txBody>
       </p:sp>
       <p:pic>
         <p:nvPicPr>
-          <p:cNvPr id="4" name="Picture 3">
-            <a:extLst>
-              <a:ext uri="{FF2B5EF4-FFF2-40B4-BE49-F238E27FC236}">
-                <a16:creationId xmlns:a16="http://schemas.microsoft.com/office/drawing/2014/main" id="{34D4D017-E006-4478-8812-A457D0336F6A}"/>
+          <p:cNvPr id="5" name="Picture 4">
+            <a:extLst>
+              <a:ext uri="{FF2B5EF4-FFF2-40B4-BE49-F238E27FC236}">
+                <a16:creationId xmlns:a16="http://schemas.microsoft.com/office/drawing/2014/main" id="{E15B352A-A68A-4B96-9274-CA46ECDD1642}"/>
               </a:ext>
             </a:extLst>
           </p:cNvPr>
@@ -20170,38 +21845,8 @@
         </p:blipFill>
         <p:spPr>
           <a:xfrm>
-            <a:off x="1287203" y="3667453"/>
-            <a:ext cx="9617593" cy="1083554"/>
-          </a:xfrm>
-          <a:prstGeom prst="rect">
-            <a:avLst/>
-          </a:prstGeom>
-        </p:spPr>
-      </p:pic>
-      <p:pic>
-        <p:nvPicPr>
-          <p:cNvPr id="7" name="Picture 6">
-            <a:extLst>
-              <a:ext uri="{FF2B5EF4-FFF2-40B4-BE49-F238E27FC236}">
-                <a16:creationId xmlns:a16="http://schemas.microsoft.com/office/drawing/2014/main" id="{FE2A7AE1-F35D-49BC-871C-4E928B15F5ED}"/>
-              </a:ext>
-            </a:extLst>
-          </p:cNvPr>
-          <p:cNvPicPr>
-            <a:picLocks noChangeAspect="1"/>
-          </p:cNvPicPr>
-          <p:nvPr/>
-        </p:nvPicPr>
-        <p:blipFill>
-          <a:blip r:embed="rId4"/>
-          <a:stretch>
-            <a:fillRect/>
-          </a:stretch>
-        </p:blipFill>
-        <p:spPr>
-          <a:xfrm>
-            <a:off x="1911511" y="4896139"/>
-            <a:ext cx="5795065" cy="1756611"/>
+            <a:off x="1425249" y="3457552"/>
+            <a:ext cx="9341502" cy="2698292"/>
           </a:xfrm>
           <a:prstGeom prst="rect">
             <a:avLst/>
@@ -20211,7 +21856,7 @@
     </p:spTree>
     <p:extLst>
       <p:ext uri="{BB962C8B-B14F-4D97-AF65-F5344CB8AC3E}">
-        <p14:creationId xmlns:p14="http://schemas.microsoft.com/office/powerpoint/2010/main" val="4219928725"/>
+        <p14:creationId xmlns:p14="http://schemas.microsoft.com/office/powerpoint/2010/main" val="2392052200"/>
       </p:ext>
     </p:extLst>
   </p:cSld>
@@ -20306,17 +21951,17 @@
             </a:pPr>
             <a:r>
               <a:rPr lang="en-US" dirty="0"/>
-              <a:t>If we knew the time on air, then we estimated when the next timeslot starts, as shown in Figure 13, to resynchronize the time between the child nodes and the parent nodes.</a:t>
+              <a:t>After receiving a command packet, based on Equation (1), they calculated the time on air based on the received packet size, Spreading Factor (SF) and Coding Rate (CR).</a:t>
             </a:r>
           </a:p>
         </p:txBody>
       </p:sp>
       <p:pic>
         <p:nvPicPr>
-          <p:cNvPr id="5" name="Picture 4">
-            <a:extLst>
-              <a:ext uri="{FF2B5EF4-FFF2-40B4-BE49-F238E27FC236}">
-                <a16:creationId xmlns:a16="http://schemas.microsoft.com/office/drawing/2014/main" id="{E15B352A-A68A-4B96-9274-CA46ECDD1642}"/>
+          <p:cNvPr id="4" name="Picture 3">
+            <a:extLst>
+              <a:ext uri="{FF2B5EF4-FFF2-40B4-BE49-F238E27FC236}">
+                <a16:creationId xmlns:a16="http://schemas.microsoft.com/office/drawing/2014/main" id="{34D4D017-E006-4478-8812-A457D0336F6A}"/>
               </a:ext>
             </a:extLst>
           </p:cNvPr>
@@ -20333,8 +21978,38 @@
         </p:blipFill>
         <p:spPr>
           <a:xfrm>
-            <a:off x="1425249" y="3457552"/>
-            <a:ext cx="9341502" cy="2698292"/>
+            <a:off x="1287203" y="3251955"/>
+            <a:ext cx="9617593" cy="1083554"/>
+          </a:xfrm>
+          <a:prstGeom prst="rect">
+            <a:avLst/>
+          </a:prstGeom>
+        </p:spPr>
+      </p:pic>
+      <p:pic>
+        <p:nvPicPr>
+          <p:cNvPr id="7" name="Picture 6">
+            <a:extLst>
+              <a:ext uri="{FF2B5EF4-FFF2-40B4-BE49-F238E27FC236}">
+                <a16:creationId xmlns:a16="http://schemas.microsoft.com/office/drawing/2014/main" id="{FE2A7AE1-F35D-49BC-871C-4E928B15F5ED}"/>
+              </a:ext>
+            </a:extLst>
+          </p:cNvPr>
+          <p:cNvPicPr>
+            <a:picLocks noChangeAspect="1"/>
+          </p:cNvPicPr>
+          <p:nvPr/>
+        </p:nvPicPr>
+        <p:blipFill>
+          <a:blip r:embed="rId4"/>
+          <a:stretch>
+            <a:fillRect/>
+          </a:stretch>
+        </p:blipFill>
+        <p:spPr>
+          <a:xfrm>
+            <a:off x="1911511" y="4480641"/>
+            <a:ext cx="5795065" cy="1756611"/>
           </a:xfrm>
           <a:prstGeom prst="rect">
             <a:avLst/>
@@ -20344,7 +22019,7 @@
     </p:spTree>
     <p:extLst>
       <p:ext uri="{BB962C8B-B14F-4D97-AF65-F5344CB8AC3E}">
-        <p14:creationId xmlns:p14="http://schemas.microsoft.com/office/powerpoint/2010/main" val="2392052200"/>
+        <p14:creationId xmlns:p14="http://schemas.microsoft.com/office/powerpoint/2010/main" val="4219928725"/>
       </p:ext>
     </p:extLst>
   </p:cSld>
@@ -20695,7 +22370,7 @@
             </a:pPr>
             <a:r>
               <a:rPr lang="en-US" dirty="0"/>
-              <a:t>We developed the proposed protocol using the MultiTech </a:t>
+              <a:t>They developed the proposed protocol using the MultiTech </a:t>
             </a:r>
             <a:r>
               <a:rPr lang="en-US" dirty="0" err="1"/>
@@ -20838,7 +22513,7 @@
             </a:pPr>
             <a:r>
               <a:rPr lang="en-US" dirty="0"/>
-              <a:t>we conducted an experiment by deploying 16 nodes with the set of parameters in Table 2.</a:t>
+              <a:t>They conducted an experiment by deploying 16 nodes with the set of parameters in Table 2.</a:t>
             </a:r>
           </a:p>
         </p:txBody>
@@ -20865,8 +22540,8 @@
         </p:blipFill>
         <p:spPr>
           <a:xfrm>
-            <a:off x="2411178" y="2836456"/>
-            <a:ext cx="7369643" cy="1558226"/>
+            <a:off x="1574557" y="3144464"/>
+            <a:ext cx="9042885" cy="1912014"/>
           </a:xfrm>
           <a:prstGeom prst="rect">
             <a:avLst/>
@@ -20951,7 +22626,7 @@
         <p:spPr>
           <a:xfrm>
             <a:off x="813516" y="2135142"/>
-            <a:ext cx="10564968" cy="2534540"/>
+            <a:ext cx="10564968" cy="1703543"/>
           </a:xfrm>
           <a:prstGeom prst="rect">
             <a:avLst/>
@@ -20971,66 +22646,50 @@
             </a:pPr>
             <a:r>
               <a:rPr lang="en-US" dirty="0"/>
-              <a:t>We measured the performance from a successful tree construction of the proposed protocol in terms of contention window size, successful data reception ratio at the sink after tree construction and the end-to-end (E2E) delay average.</a:t>
-            </a:r>
-          </a:p>
-          <a:p>
-            <a:pPr algn="thaiDist">
+              <a:t>They measured the performance from a successful tree construction of the proposed protocol in terms of </a:t>
+            </a:r>
+          </a:p>
+          <a:p>
+            <a:pPr marL="285750" indent="-285750" algn="thaiDist">
               <a:lnSpc>
                 <a:spcPct val="150000"/>
               </a:lnSpc>
+              <a:buFont typeface="Arial" panose="020B0604020202020204" pitchFamily="34" charset="0"/>
+              <a:buChar char="•"/>
             </a:pPr>
             <a:r>
               <a:rPr lang="en-US" dirty="0"/>
-              <a:t>The experiment was performed under the following scenario. </a:t>
-            </a:r>
-          </a:p>
-          <a:p>
-            <a:pPr algn="thaiDist">
+              <a:t>contention window size</a:t>
+            </a:r>
+          </a:p>
+          <a:p>
+            <a:pPr marL="285750" indent="-285750" algn="thaiDist">
               <a:lnSpc>
                 <a:spcPct val="150000"/>
               </a:lnSpc>
+              <a:buFont typeface="Arial" panose="020B0604020202020204" pitchFamily="34" charset="0"/>
+              <a:buChar char="•"/>
             </a:pPr>
             <a:r>
               <a:rPr lang="en-US" dirty="0"/>
-              <a:t>	Scenario: nodes are deployed on the university campus area (400 m × 400 m) as shown in Figure 14, and the density of the nodes is 1 node/10,000 m</a:t>
-            </a:r>
-            <a:r>
-              <a:rPr lang="en-US" baseline="30000" dirty="0"/>
-              <a:t>2</a:t>
-            </a:r>
-          </a:p>
-        </p:txBody>
-      </p:sp>
-      <p:pic>
-        <p:nvPicPr>
-          <p:cNvPr id="7" name="Picture 6">
-            <a:extLst>
-              <a:ext uri="{FF2B5EF4-FFF2-40B4-BE49-F238E27FC236}">
-                <a16:creationId xmlns:a16="http://schemas.microsoft.com/office/drawing/2014/main" id="{720DCAD8-976D-4B2F-B2B8-B2B1F1C5EC2F}"/>
-              </a:ext>
-            </a:extLst>
-          </p:cNvPr>
-          <p:cNvPicPr>
-            <a:picLocks noChangeAspect="1"/>
-          </p:cNvPicPr>
-          <p:nvPr/>
-        </p:nvPicPr>
-        <p:blipFill rotWithShape="1">
-          <a:blip r:embed="rId3"/>
-          <a:srcRect l="283" r="36349"/>
-          <a:stretch/>
-        </p:blipFill>
-        <p:spPr>
-          <a:xfrm>
-            <a:off x="6945839" y="4247535"/>
-            <a:ext cx="2837258" cy="2610465"/>
-          </a:xfrm>
-          <a:prstGeom prst="rect">
-            <a:avLst/>
-          </a:prstGeom>
-        </p:spPr>
-      </p:pic>
+              <a:t>successful data reception ratio at the sink after tree construction</a:t>
+            </a:r>
+          </a:p>
+          <a:p>
+            <a:pPr marL="285750" indent="-285750" algn="thaiDist">
+              <a:lnSpc>
+                <a:spcPct val="150000"/>
+              </a:lnSpc>
+              <a:buFont typeface="Arial" panose="020B0604020202020204" pitchFamily="34" charset="0"/>
+              <a:buChar char="•"/>
+            </a:pPr>
+            <a:r>
+              <a:rPr lang="en-US" dirty="0"/>
+              <a:t>the end-to-end (E2E) delay average</a:t>
+            </a:r>
+          </a:p>
+        </p:txBody>
+      </p:sp>
     </p:spTree>
     <p:extLst>
       <p:ext uri="{BB962C8B-B14F-4D97-AF65-F5344CB8AC3E}">
@@ -21413,6 +23072,153 @@
           <a:p>
             <a:r>
               <a:rPr lang="en-US" dirty="0"/>
+              <a:t>Scenario</a:t>
+            </a:r>
+            <a:endParaRPr lang="th-TH" dirty="0">
+              <a:solidFill>
+                <a:schemeClr val="tx1"/>
+              </a:solidFill>
+            </a:endParaRPr>
+          </a:p>
+        </p:txBody>
+      </p:sp>
+      <p:sp>
+        <p:nvSpPr>
+          <p:cNvPr id="6" name="TextBox 5">
+            <a:extLst>
+              <a:ext uri="{FF2B5EF4-FFF2-40B4-BE49-F238E27FC236}">
+                <a16:creationId xmlns:a16="http://schemas.microsoft.com/office/drawing/2014/main" id="{D6600F39-D50B-40E0-B05C-4BA417758BE0}"/>
+              </a:ext>
+            </a:extLst>
+          </p:cNvPr>
+          <p:cNvSpPr txBox="1"/>
+          <p:nvPr/>
+        </p:nvSpPr>
+        <p:spPr>
+          <a:xfrm>
+            <a:off x="813516" y="2135142"/>
+            <a:ext cx="4509255" cy="2534540"/>
+          </a:xfrm>
+          <a:prstGeom prst="rect">
+            <a:avLst/>
+          </a:prstGeom>
+          <a:noFill/>
+        </p:spPr>
+        <p:txBody>
+          <a:bodyPr wrap="square" rtlCol="0">
+            <a:spAutoFit/>
+          </a:bodyPr>
+          <a:lstStyle/>
+          <a:p>
+            <a:pPr algn="thaiDist">
+              <a:lnSpc>
+                <a:spcPct val="150000"/>
+              </a:lnSpc>
+            </a:pPr>
+            <a:r>
+              <a:rPr lang="en-US" dirty="0"/>
+              <a:t>The experiment was performed under the following scenario. </a:t>
+            </a:r>
+          </a:p>
+          <a:p>
+            <a:pPr algn="thaiDist">
+              <a:lnSpc>
+                <a:spcPct val="150000"/>
+              </a:lnSpc>
+            </a:pPr>
+            <a:r>
+              <a:rPr lang="en-US" dirty="0"/>
+              <a:t>	Scenario: nodes are deployed on the university campus area (400 m × 400 m) as shown in Figure 14, and the density of the nodes is 1 node/10,000 m</a:t>
+            </a:r>
+            <a:r>
+              <a:rPr lang="en-US" baseline="30000" dirty="0"/>
+              <a:t>2</a:t>
+            </a:r>
+          </a:p>
+        </p:txBody>
+      </p:sp>
+      <p:pic>
+        <p:nvPicPr>
+          <p:cNvPr id="7" name="Picture 6">
+            <a:extLst>
+              <a:ext uri="{FF2B5EF4-FFF2-40B4-BE49-F238E27FC236}">
+                <a16:creationId xmlns:a16="http://schemas.microsoft.com/office/drawing/2014/main" id="{720DCAD8-976D-4B2F-B2B8-B2B1F1C5EC2F}"/>
+              </a:ext>
+            </a:extLst>
+          </p:cNvPr>
+          <p:cNvPicPr>
+            <a:picLocks noChangeAspect="1"/>
+          </p:cNvPicPr>
+          <p:nvPr/>
+        </p:nvPicPr>
+        <p:blipFill rotWithShape="1">
+          <a:blip r:embed="rId3"/>
+          <a:srcRect l="283" r="36349"/>
+          <a:stretch/>
+        </p:blipFill>
+        <p:spPr>
+          <a:xfrm>
+            <a:off x="5322771" y="1139634"/>
+            <a:ext cx="5934187" cy="5459845"/>
+          </a:xfrm>
+          <a:prstGeom prst="rect">
+            <a:avLst/>
+          </a:prstGeom>
+        </p:spPr>
+      </p:pic>
+    </p:spTree>
+    <p:extLst>
+      <p:ext uri="{BB962C8B-B14F-4D97-AF65-F5344CB8AC3E}">
+        <p14:creationId xmlns:p14="http://schemas.microsoft.com/office/powerpoint/2010/main" val="134525541"/>
+      </p:ext>
+    </p:extLst>
+  </p:cSld>
+  <p:clrMapOvr>
+    <a:masterClrMapping/>
+  </p:clrMapOvr>
+</p:sld>
+</file>
+
+<file path=ppt/slides/slide41.xml><?xml version="1.0" encoding="utf-8"?>
+<p:sld xmlns:a="http://schemas.openxmlformats.org/drawingml/2006/main" xmlns:r="http://schemas.openxmlformats.org/officeDocument/2006/relationships" xmlns:p="http://schemas.openxmlformats.org/presentationml/2006/main">
+  <p:cSld>
+    <p:spTree>
+      <p:nvGrpSpPr>
+        <p:cNvPr id="1" name=""/>
+        <p:cNvGrpSpPr/>
+        <p:nvPr/>
+      </p:nvGrpSpPr>
+      <p:grpSpPr>
+        <a:xfrm>
+          <a:off x="0" y="0"/>
+          <a:ext cx="0" cy="0"/>
+          <a:chOff x="0" y="0"/>
+          <a:chExt cx="0" cy="0"/>
+        </a:xfrm>
+      </p:grpSpPr>
+      <p:sp>
+        <p:nvSpPr>
+          <p:cNvPr id="2" name="Title 1">
+            <a:extLst>
+              <a:ext uri="{FF2B5EF4-FFF2-40B4-BE49-F238E27FC236}">
+                <a16:creationId xmlns:a16="http://schemas.microsoft.com/office/drawing/2014/main" id="{08069A03-1512-4369-9FE2-D698F3178988}"/>
+              </a:ext>
+            </a:extLst>
+          </p:cNvPr>
+          <p:cNvSpPr>
+            <a:spLocks noGrp="1"/>
+          </p:cNvSpPr>
+          <p:nvPr>
+            <p:ph type="title"/>
+          </p:nvPr>
+        </p:nvSpPr>
+        <p:spPr/>
+        <p:txBody>
+          <a:bodyPr/>
+          <a:lstStyle/>
+          <a:p>
+            <a:r>
+              <a:rPr lang="en-US" dirty="0"/>
               <a:t>result</a:t>
             </a:r>
             <a:endParaRPr lang="th-TH" dirty="0">
@@ -21458,7 +23264,7 @@
             </a:pPr>
             <a:r>
               <a:rPr lang="en-US" dirty="0"/>
-              <a:t>Figure 15 shows the percentages of joined nodes after the NCP for 16 nodes when we increase the contention window size, the percentages of joined nodes as the NCP increased.</a:t>
+              <a:t>Figure 15 shows the percentages of joined nodes after the NCP for 16 nodes when they increase the contention window size, the percentages of joined nodes as the NCP increased.</a:t>
             </a:r>
           </a:p>
         </p:txBody>
@@ -21506,163 +23312,6 @@
 </p:sld>
 </file>
 
-<file path=ppt/slides/slide41.xml><?xml version="1.0" encoding="utf-8"?>
-<p:sld xmlns:a="http://schemas.openxmlformats.org/drawingml/2006/main" xmlns:r="http://schemas.openxmlformats.org/officeDocument/2006/relationships" xmlns:p="http://schemas.openxmlformats.org/presentationml/2006/main">
-  <p:cSld>
-    <p:spTree>
-      <p:nvGrpSpPr>
-        <p:cNvPr id="1" name=""/>
-        <p:cNvGrpSpPr/>
-        <p:nvPr/>
-      </p:nvGrpSpPr>
-      <p:grpSpPr>
-        <a:xfrm>
-          <a:off x="0" y="0"/>
-          <a:ext cx="0" cy="0"/>
-          <a:chOff x="0" y="0"/>
-          <a:chExt cx="0" cy="0"/>
-        </a:xfrm>
-      </p:grpSpPr>
-      <p:sp>
-        <p:nvSpPr>
-          <p:cNvPr id="2" name="Title 1">
-            <a:extLst>
-              <a:ext uri="{FF2B5EF4-FFF2-40B4-BE49-F238E27FC236}">
-                <a16:creationId xmlns:a16="http://schemas.microsoft.com/office/drawing/2014/main" id="{08069A03-1512-4369-9FE2-D698F3178988}"/>
-              </a:ext>
-            </a:extLst>
-          </p:cNvPr>
-          <p:cNvSpPr>
-            <a:spLocks noGrp="1"/>
-          </p:cNvSpPr>
-          <p:nvPr>
-            <p:ph type="title"/>
-          </p:nvPr>
-        </p:nvSpPr>
-        <p:spPr/>
-        <p:txBody>
-          <a:bodyPr/>
-          <a:lstStyle/>
-          <a:p>
-            <a:r>
-              <a:rPr lang="en-US" dirty="0"/>
-              <a:t>result</a:t>
-            </a:r>
-            <a:endParaRPr lang="th-TH" dirty="0">
-              <a:solidFill>
-                <a:schemeClr val="tx1"/>
-              </a:solidFill>
-            </a:endParaRPr>
-          </a:p>
-        </p:txBody>
-      </p:sp>
-      <p:sp>
-        <p:nvSpPr>
-          <p:cNvPr id="6" name="TextBox 5">
-            <a:extLst>
-              <a:ext uri="{FF2B5EF4-FFF2-40B4-BE49-F238E27FC236}">
-                <a16:creationId xmlns:a16="http://schemas.microsoft.com/office/drawing/2014/main" id="{D6600F39-D50B-40E0-B05C-4BA417758BE0}"/>
-              </a:ext>
-            </a:extLst>
-          </p:cNvPr>
-          <p:cNvSpPr txBox="1"/>
-          <p:nvPr/>
-        </p:nvSpPr>
-        <p:spPr>
-          <a:xfrm>
-            <a:off x="813516" y="2135142"/>
-            <a:ext cx="10564968" cy="2119042"/>
-          </a:xfrm>
-          <a:prstGeom prst="rect">
-            <a:avLst/>
-          </a:prstGeom>
-          <a:noFill/>
-        </p:spPr>
-        <p:txBody>
-          <a:bodyPr wrap="square" rtlCol="0">
-            <a:spAutoFit/>
-          </a:bodyPr>
-          <a:lstStyle/>
-          <a:p>
-            <a:pPr algn="thaiDist">
-              <a:lnSpc>
-                <a:spcPct val="150000"/>
-              </a:lnSpc>
-            </a:pPr>
-            <a:r>
-              <a:rPr lang="en-US" dirty="0"/>
-              <a:t>The number of timeslots that the proposed protocol used is low because the proposed protocol allows parallel transmissions to minimize the number timeslots used by all nodes in the network; thus, the proposed protocol can increase the </a:t>
-            </a:r>
-            <a:r>
-              <a:rPr lang="en-US" dirty="0" err="1"/>
-              <a:t>LoRa</a:t>
-            </a:r>
-            <a:r>
-              <a:rPr lang="en-US" dirty="0"/>
-              <a:t> data rate. The result is better than the </a:t>
-            </a:r>
-            <a:r>
-              <a:rPr lang="en-US" dirty="0" err="1"/>
-              <a:t>LoRa</a:t>
-            </a:r>
-            <a:r>
-              <a:rPr lang="en-US" dirty="0"/>
-              <a:t> linear multi-hop protocol because the </a:t>
-            </a:r>
-            <a:r>
-              <a:rPr lang="en-US" dirty="0" err="1"/>
-              <a:t>LoRa</a:t>
-            </a:r>
-            <a:r>
-              <a:rPr lang="en-US" dirty="0"/>
-              <a:t> linear multi-hop protocol needs the same number of timeslots as there are nodes in the network.</a:t>
-            </a:r>
-          </a:p>
-        </p:txBody>
-      </p:sp>
-      <p:pic>
-        <p:nvPicPr>
-          <p:cNvPr id="5" name="Picture 4">
-            <a:extLst>
-              <a:ext uri="{FF2B5EF4-FFF2-40B4-BE49-F238E27FC236}">
-                <a16:creationId xmlns:a16="http://schemas.microsoft.com/office/drawing/2014/main" id="{E7325C2D-EE76-495F-9FAF-2C725E4097F4}"/>
-              </a:ext>
-            </a:extLst>
-          </p:cNvPr>
-          <p:cNvPicPr>
-            <a:picLocks noChangeAspect="1"/>
-          </p:cNvPicPr>
-          <p:nvPr/>
-        </p:nvPicPr>
-        <p:blipFill>
-          <a:blip r:embed="rId3"/>
-          <a:stretch>
-            <a:fillRect/>
-          </a:stretch>
-        </p:blipFill>
-        <p:spPr>
-          <a:xfrm>
-            <a:off x="2680410" y="4518188"/>
-            <a:ext cx="6831179" cy="1637656"/>
-          </a:xfrm>
-          <a:prstGeom prst="rect">
-            <a:avLst/>
-          </a:prstGeom>
-        </p:spPr>
-      </p:pic>
-    </p:spTree>
-    <p:extLst>
-      <p:ext uri="{BB962C8B-B14F-4D97-AF65-F5344CB8AC3E}">
-        <p14:creationId xmlns:p14="http://schemas.microsoft.com/office/powerpoint/2010/main" val="3169299740"/>
-      </p:ext>
-    </p:extLst>
-  </p:cSld>
-  <p:clrMapOvr>
-    <a:masterClrMapping/>
-  </p:clrMapOvr>
-</p:sld>
-</file>
-
 <file path=ppt/slides/slide42.xml><?xml version="1.0" encoding="utf-8"?>
 <p:sld xmlns:a="http://schemas.openxmlformats.org/drawingml/2006/main" xmlns:r="http://schemas.openxmlformats.org/officeDocument/2006/relationships" xmlns:p="http://schemas.openxmlformats.org/presentationml/2006/main">
   <p:cSld>
@@ -21728,7 +23377,7 @@
         <p:spPr>
           <a:xfrm>
             <a:off x="813516" y="2135142"/>
-            <a:ext cx="10564968" cy="872547"/>
+            <a:ext cx="10564968" cy="1288045"/>
           </a:xfrm>
           <a:prstGeom prst="rect">
             <a:avLst/>
@@ -21748,17 +23397,41 @@
             </a:pPr>
             <a:r>
               <a:rPr lang="en-US" dirty="0"/>
-              <a:t>The proposed protocol has a low E2E delay average because it uses parallel transmissions; therefore, the proposed protocol can be applied to low-latency applications.</a:t>
+              <a:t>The number of timeslots is low. the proposed protocol can increase the </a:t>
+            </a:r>
+            <a:r>
+              <a:rPr lang="en-US" dirty="0" err="1"/>
+              <a:t>LoRa</a:t>
+            </a:r>
+            <a:r>
+              <a:rPr lang="en-US" dirty="0"/>
+              <a:t> data rate. The result is better than the </a:t>
+            </a:r>
+            <a:r>
+              <a:rPr lang="en-US" dirty="0" err="1"/>
+              <a:t>LoRa</a:t>
+            </a:r>
+            <a:r>
+              <a:rPr lang="en-US" dirty="0"/>
+              <a:t> linear multi-hop protocol because the </a:t>
+            </a:r>
+            <a:r>
+              <a:rPr lang="en-US" dirty="0" err="1"/>
+              <a:t>LoRa</a:t>
+            </a:r>
+            <a:r>
+              <a:rPr lang="en-US" dirty="0"/>
+              <a:t> linear multi-hop protocol needs the number of timeslots and the number of nodes in the same.</a:t>
             </a:r>
           </a:p>
         </p:txBody>
       </p:sp>
       <p:pic>
         <p:nvPicPr>
-          <p:cNvPr id="8" name="Picture 7">
-            <a:extLst>
-              <a:ext uri="{FF2B5EF4-FFF2-40B4-BE49-F238E27FC236}">
-                <a16:creationId xmlns:a16="http://schemas.microsoft.com/office/drawing/2014/main" id="{6565ED73-580E-4D5F-A0E6-D3EAF6581730}"/>
+          <p:cNvPr id="5" name="Picture 4">
+            <a:extLst>
+              <a:ext uri="{FF2B5EF4-FFF2-40B4-BE49-F238E27FC236}">
+                <a16:creationId xmlns:a16="http://schemas.microsoft.com/office/drawing/2014/main" id="{E7325C2D-EE76-495F-9FAF-2C725E4097F4}"/>
               </a:ext>
             </a:extLst>
           </p:cNvPr>
@@ -21775,8 +23448,8 @@
         </p:blipFill>
         <p:spPr>
           <a:xfrm>
-            <a:off x="2693459" y="3604434"/>
-            <a:ext cx="6805081" cy="1598509"/>
+            <a:off x="2680410" y="3767418"/>
+            <a:ext cx="6831179" cy="1637656"/>
           </a:xfrm>
           <a:prstGeom prst="rect">
             <a:avLst/>
@@ -21786,7 +23459,7 @@
     </p:spTree>
     <p:extLst>
       <p:ext uri="{BB962C8B-B14F-4D97-AF65-F5344CB8AC3E}">
-        <p14:creationId xmlns:p14="http://schemas.microsoft.com/office/powerpoint/2010/main" val="7938750"/>
+        <p14:creationId xmlns:p14="http://schemas.microsoft.com/office/powerpoint/2010/main" val="3169299740"/>
       </p:ext>
     </p:extLst>
   </p:cSld>
@@ -21836,6 +23509,139 @@
           <a:p>
             <a:r>
               <a:rPr lang="en-US" dirty="0"/>
+              <a:t>result</a:t>
+            </a:r>
+            <a:endParaRPr lang="th-TH" dirty="0">
+              <a:solidFill>
+                <a:schemeClr val="tx1"/>
+              </a:solidFill>
+            </a:endParaRPr>
+          </a:p>
+        </p:txBody>
+      </p:sp>
+      <p:sp>
+        <p:nvSpPr>
+          <p:cNvPr id="6" name="TextBox 5">
+            <a:extLst>
+              <a:ext uri="{FF2B5EF4-FFF2-40B4-BE49-F238E27FC236}">
+                <a16:creationId xmlns:a16="http://schemas.microsoft.com/office/drawing/2014/main" id="{D6600F39-D50B-40E0-B05C-4BA417758BE0}"/>
+              </a:ext>
+            </a:extLst>
+          </p:cNvPr>
+          <p:cNvSpPr txBox="1"/>
+          <p:nvPr/>
+        </p:nvSpPr>
+        <p:spPr>
+          <a:xfrm>
+            <a:off x="813516" y="2135142"/>
+            <a:ext cx="10564968" cy="872547"/>
+          </a:xfrm>
+          <a:prstGeom prst="rect">
+            <a:avLst/>
+          </a:prstGeom>
+          <a:noFill/>
+        </p:spPr>
+        <p:txBody>
+          <a:bodyPr wrap="square" rtlCol="0">
+            <a:spAutoFit/>
+          </a:bodyPr>
+          <a:lstStyle/>
+          <a:p>
+            <a:pPr algn="thaiDist">
+              <a:lnSpc>
+                <a:spcPct val="150000"/>
+              </a:lnSpc>
+            </a:pPr>
+            <a:r>
+              <a:rPr lang="en-US" dirty="0"/>
+              <a:t>The proposed protocol has a low E2E delay average because it uses parallel transmissions; therefore, the proposed protocol can be applied to low-latency applications.</a:t>
+            </a:r>
+          </a:p>
+        </p:txBody>
+      </p:sp>
+      <p:pic>
+        <p:nvPicPr>
+          <p:cNvPr id="8" name="Picture 7">
+            <a:extLst>
+              <a:ext uri="{FF2B5EF4-FFF2-40B4-BE49-F238E27FC236}">
+                <a16:creationId xmlns:a16="http://schemas.microsoft.com/office/drawing/2014/main" id="{6565ED73-580E-4D5F-A0E6-D3EAF6581730}"/>
+              </a:ext>
+            </a:extLst>
+          </p:cNvPr>
+          <p:cNvPicPr>
+            <a:picLocks noChangeAspect="1"/>
+          </p:cNvPicPr>
+          <p:nvPr/>
+        </p:nvPicPr>
+        <p:blipFill>
+          <a:blip r:embed="rId3"/>
+          <a:stretch>
+            <a:fillRect/>
+          </a:stretch>
+        </p:blipFill>
+        <p:spPr>
+          <a:xfrm>
+            <a:off x="2693459" y="3792562"/>
+            <a:ext cx="6805081" cy="1598509"/>
+          </a:xfrm>
+          <a:prstGeom prst="rect">
+            <a:avLst/>
+          </a:prstGeom>
+        </p:spPr>
+      </p:pic>
+    </p:spTree>
+    <p:extLst>
+      <p:ext uri="{BB962C8B-B14F-4D97-AF65-F5344CB8AC3E}">
+        <p14:creationId xmlns:p14="http://schemas.microsoft.com/office/powerpoint/2010/main" val="7938750"/>
+      </p:ext>
+    </p:extLst>
+  </p:cSld>
+  <p:clrMapOvr>
+    <a:masterClrMapping/>
+  </p:clrMapOvr>
+</p:sld>
+</file>
+
+<file path=ppt/slides/slide44.xml><?xml version="1.0" encoding="utf-8"?>
+<p:sld xmlns:a="http://schemas.openxmlformats.org/drawingml/2006/main" xmlns:r="http://schemas.openxmlformats.org/officeDocument/2006/relationships" xmlns:p="http://schemas.openxmlformats.org/presentationml/2006/main">
+  <p:cSld>
+    <p:spTree>
+      <p:nvGrpSpPr>
+        <p:cNvPr id="1" name=""/>
+        <p:cNvGrpSpPr/>
+        <p:nvPr/>
+      </p:nvGrpSpPr>
+      <p:grpSpPr>
+        <a:xfrm>
+          <a:off x="0" y="0"/>
+          <a:ext cx="0" cy="0"/>
+          <a:chOff x="0" y="0"/>
+          <a:chExt cx="0" cy="0"/>
+        </a:xfrm>
+      </p:grpSpPr>
+      <p:sp>
+        <p:nvSpPr>
+          <p:cNvPr id="2" name="Title 1">
+            <a:extLst>
+              <a:ext uri="{FF2B5EF4-FFF2-40B4-BE49-F238E27FC236}">
+                <a16:creationId xmlns:a16="http://schemas.microsoft.com/office/drawing/2014/main" id="{08069A03-1512-4369-9FE2-D698F3178988}"/>
+              </a:ext>
+            </a:extLst>
+          </p:cNvPr>
+          <p:cNvSpPr>
+            <a:spLocks noGrp="1"/>
+          </p:cNvSpPr>
+          <p:nvPr>
+            <p:ph type="title"/>
+          </p:nvPr>
+        </p:nvSpPr>
+        <p:spPr/>
+        <p:txBody>
+          <a:bodyPr/>
+          <a:lstStyle/>
+          <a:p>
+            <a:r>
+              <a:rPr lang="en-US" dirty="0"/>
               <a:t>Conclusions</a:t>
             </a:r>
             <a:endParaRPr lang="th-TH" dirty="0">
@@ -21891,7 +23697,7 @@
             </a:r>
             <a:r>
               <a:rPr lang="en-US" dirty="0"/>
-              <a:t> communication technology because the time we transmit a packet is much longer than with other technologies in WSNs.</a:t>
+              <a:t> communication technology because the time they transmit a packet is much longer than with other technologies in WSNs.</a:t>
             </a:r>
           </a:p>
           <a:p>
@@ -21904,7 +23710,7 @@
             </a:pPr>
             <a:r>
               <a:rPr lang="en-US" dirty="0"/>
-              <a:t>In the proposed protocol, each node can transmit data reliably by eliminating data packet collisions with neighbor nodes.</a:t>
+              <a:t>In the proposed protocol, each node can reliably transmit data by eliminating data packet collisions with neighbor nodes.</a:t>
             </a:r>
           </a:p>
           <a:p>
@@ -21917,7 +23723,7 @@
             </a:pPr>
             <a:r>
               <a:rPr lang="en-US" dirty="0"/>
-              <a:t>The experiments demonstrate that the proposed protocol has high data reliability and low latency.</a:t>
+              <a:t>The experiments show that the proposed protocol has high data reliability and low latency.</a:t>
             </a:r>
           </a:p>
           <a:p>
@@ -21930,7 +23736,7 @@
             </a:pPr>
             <a:r>
               <a:rPr lang="en-US" dirty="0"/>
-              <a:t>In future research, we will analyze the energy consumption of our protocol, and improve its performance in terms of energy consumption.</a:t>
+              <a:t>In future research, they will analyze the energy consumption of our protocol, and improve its performance in terms of energy consumption.</a:t>
             </a:r>
           </a:p>
         </p:txBody>
@@ -21948,7 +23754,110 @@
 </p:sld>
 </file>
 
-<file path=ppt/slides/slide44.xml><?xml version="1.0" encoding="utf-8"?>
+<file path=ppt/slides/slide45.xml><?xml version="1.0" encoding="utf-8"?>
+<p:sld xmlns:a="http://schemas.openxmlformats.org/drawingml/2006/main" xmlns:r="http://schemas.openxmlformats.org/officeDocument/2006/relationships" xmlns:p="http://schemas.openxmlformats.org/presentationml/2006/main">
+  <p:cSld>
+    <p:spTree>
+      <p:nvGrpSpPr>
+        <p:cNvPr id="1" name=""/>
+        <p:cNvGrpSpPr/>
+        <p:nvPr/>
+      </p:nvGrpSpPr>
+      <p:grpSpPr>
+        <a:xfrm>
+          <a:off x="0" y="0"/>
+          <a:ext cx="0" cy="0"/>
+          <a:chOff x="0" y="0"/>
+          <a:chExt cx="0" cy="0"/>
+        </a:xfrm>
+      </p:grpSpPr>
+      <p:sp>
+        <p:nvSpPr>
+          <p:cNvPr id="2" name="Title 1">
+            <a:extLst>
+              <a:ext uri="{FF2B5EF4-FFF2-40B4-BE49-F238E27FC236}">
+                <a16:creationId xmlns:a16="http://schemas.microsoft.com/office/drawing/2014/main" id="{08069A03-1512-4369-9FE2-D698F3178988}"/>
+              </a:ext>
+            </a:extLst>
+          </p:cNvPr>
+          <p:cNvSpPr>
+            <a:spLocks noGrp="1"/>
+          </p:cNvSpPr>
+          <p:nvPr>
+            <p:ph type="title"/>
+          </p:nvPr>
+        </p:nvSpPr>
+        <p:spPr/>
+        <p:txBody>
+          <a:bodyPr/>
+          <a:lstStyle/>
+          <a:p>
+            <a:r>
+              <a:rPr lang="en-US" dirty="0"/>
+              <a:t>Data Transmission in the Proposed Protocol</a:t>
+            </a:r>
+            <a:endParaRPr lang="th-TH" dirty="0">
+              <a:solidFill>
+                <a:schemeClr val="tx1"/>
+              </a:solidFill>
+            </a:endParaRPr>
+          </a:p>
+        </p:txBody>
+      </p:sp>
+      <p:sp>
+        <p:nvSpPr>
+          <p:cNvPr id="6" name="TextBox 5">
+            <a:extLst>
+              <a:ext uri="{FF2B5EF4-FFF2-40B4-BE49-F238E27FC236}">
+                <a16:creationId xmlns:a16="http://schemas.microsoft.com/office/drawing/2014/main" id="{D6600F39-D50B-40E0-B05C-4BA417758BE0}"/>
+              </a:ext>
+            </a:extLst>
+          </p:cNvPr>
+          <p:cNvSpPr txBox="1"/>
+          <p:nvPr/>
+        </p:nvSpPr>
+        <p:spPr>
+          <a:xfrm>
+            <a:off x="813516" y="2135142"/>
+            <a:ext cx="10564968" cy="1288045"/>
+          </a:xfrm>
+          <a:prstGeom prst="rect">
+            <a:avLst/>
+          </a:prstGeom>
+          <a:noFill/>
+        </p:spPr>
+        <p:txBody>
+          <a:bodyPr wrap="square" rtlCol="0">
+            <a:spAutoFit/>
+          </a:bodyPr>
+          <a:lstStyle/>
+          <a:p>
+            <a:pPr algn="thaiDist">
+              <a:lnSpc>
+                <a:spcPct val="150000"/>
+              </a:lnSpc>
+            </a:pPr>
+            <a:r>
+              <a:rPr lang="en-US" dirty="0"/>
+              <a:t>In each UTC, each node transmits one data packet. If the parent node receives all the data packets from its child, it combines its own data, then transmits the packet using the channel and timeslot that is assigned during the NCP.</a:t>
+            </a:r>
+          </a:p>
+        </p:txBody>
+      </p:sp>
+    </p:spTree>
+    <p:extLst>
+      <p:ext uri="{BB962C8B-B14F-4D97-AF65-F5344CB8AC3E}">
+        <p14:creationId xmlns:p14="http://schemas.microsoft.com/office/powerpoint/2010/main" val="1289282481"/>
+      </p:ext>
+    </p:extLst>
+  </p:cSld>
+  <p:clrMapOvr>
+    <a:masterClrMapping/>
+  </p:clrMapOvr>
+</p:sld>
+</file>
+
+<file path=ppt/slides/slide46.xml><?xml version="1.0" encoding="utf-8"?>
 <p:sld xmlns:a="http://schemas.openxmlformats.org/drawingml/2006/main" xmlns:r="http://schemas.openxmlformats.org/officeDocument/2006/relationships" xmlns:p="http://schemas.openxmlformats.org/presentationml/2006/main">
   <p:cSld>
     <p:spTree>
@@ -22220,7 +24129,251 @@
 </p:sld>
 </file>
 
-<file path=ppt/slides/slide45.xml><?xml version="1.0" encoding="utf-8"?>
+<file path=ppt/slides/slide47.xml><?xml version="1.0" encoding="utf-8"?>
+<p:sld xmlns:a="http://schemas.openxmlformats.org/drawingml/2006/main" xmlns:r="http://schemas.openxmlformats.org/officeDocument/2006/relationships" xmlns:p="http://schemas.openxmlformats.org/presentationml/2006/main">
+  <p:cSld>
+    <p:spTree>
+      <p:nvGrpSpPr>
+        <p:cNvPr id="1" name=""/>
+        <p:cNvGrpSpPr/>
+        <p:nvPr/>
+      </p:nvGrpSpPr>
+      <p:grpSpPr>
+        <a:xfrm>
+          <a:off x="0" y="0"/>
+          <a:ext cx="0" cy="0"/>
+          <a:chOff x="0" y="0"/>
+          <a:chExt cx="0" cy="0"/>
+        </a:xfrm>
+      </p:grpSpPr>
+      <p:sp>
+        <p:nvSpPr>
+          <p:cNvPr id="2" name="Title 1">
+            <a:extLst>
+              <a:ext uri="{FF2B5EF4-FFF2-40B4-BE49-F238E27FC236}">
+                <a16:creationId xmlns:a16="http://schemas.microsoft.com/office/drawing/2014/main" id="{08069A03-1512-4369-9FE2-D698F3178988}"/>
+              </a:ext>
+            </a:extLst>
+          </p:cNvPr>
+          <p:cNvSpPr>
+            <a:spLocks noGrp="1"/>
+          </p:cNvSpPr>
+          <p:nvPr>
+            <p:ph type="title"/>
+          </p:nvPr>
+        </p:nvSpPr>
+        <p:spPr/>
+        <p:txBody>
+          <a:bodyPr/>
+          <a:lstStyle/>
+          <a:p>
+            <a:r>
+              <a:rPr lang="en-US" dirty="0"/>
+              <a:t>Research methodology</a:t>
+            </a:r>
+            <a:endParaRPr lang="th-TH" dirty="0">
+              <a:solidFill>
+                <a:schemeClr val="tx1"/>
+              </a:solidFill>
+            </a:endParaRPr>
+          </a:p>
+        </p:txBody>
+      </p:sp>
+      <p:sp>
+        <p:nvSpPr>
+          <p:cNvPr id="6" name="TextBox 5">
+            <a:extLst>
+              <a:ext uri="{FF2B5EF4-FFF2-40B4-BE49-F238E27FC236}">
+                <a16:creationId xmlns:a16="http://schemas.microsoft.com/office/drawing/2014/main" id="{D6600F39-D50B-40E0-B05C-4BA417758BE0}"/>
+              </a:ext>
+            </a:extLst>
+          </p:cNvPr>
+          <p:cNvSpPr txBox="1"/>
+          <p:nvPr/>
+        </p:nvSpPr>
+        <p:spPr>
+          <a:xfrm>
+            <a:off x="813516" y="2135142"/>
+            <a:ext cx="10564968" cy="3797193"/>
+          </a:xfrm>
+          <a:prstGeom prst="rect">
+            <a:avLst/>
+          </a:prstGeom>
+          <a:noFill/>
+        </p:spPr>
+        <p:txBody>
+          <a:bodyPr wrap="square" rtlCol="0">
+            <a:spAutoFit/>
+          </a:bodyPr>
+          <a:lstStyle/>
+          <a:p>
+            <a:pPr marL="342900" indent="-342900" algn="thaiDist">
+              <a:lnSpc>
+                <a:spcPct val="150000"/>
+              </a:lnSpc>
+              <a:buFont typeface="+mj-lt"/>
+              <a:buAutoNum type="arabicPeriod"/>
+            </a:pPr>
+            <a:r>
+              <a:rPr lang="en-US" dirty="0"/>
+              <a:t>The protocol uses </a:t>
+            </a:r>
+            <a:r>
+              <a:rPr lang="en-US" b="1" u="sng" dirty="0">
+                <a:solidFill>
+                  <a:srgbClr val="C00000"/>
+                </a:solidFill>
+              </a:rPr>
+              <a:t>distributed aggregation scheduling</a:t>
+            </a:r>
+            <a:r>
+              <a:rPr lang="en-US" dirty="0"/>
+              <a:t> to eliminates all collisions when transmitting data.</a:t>
+            </a:r>
+          </a:p>
+          <a:p>
+            <a:pPr marL="742950" lvl="1" indent="-285750" algn="thaiDist">
+              <a:lnSpc>
+                <a:spcPct val="150000"/>
+              </a:lnSpc>
+              <a:buFont typeface="Wingdings" panose="05000000000000000000" pitchFamily="2" charset="2"/>
+              <a:buChar char="Ø"/>
+            </a:pPr>
+            <a:r>
+              <a:rPr lang="en-US" dirty="0"/>
+              <a:t>the reliability of data transmission is high.</a:t>
+            </a:r>
+          </a:p>
+          <a:p>
+            <a:pPr marL="342900" indent="-342900" algn="thaiDist">
+              <a:lnSpc>
+                <a:spcPct val="150000"/>
+              </a:lnSpc>
+              <a:buFont typeface="+mj-lt"/>
+              <a:buAutoNum type="arabicPeriod"/>
+            </a:pPr>
+            <a:r>
+              <a:rPr lang="en-US" dirty="0"/>
+              <a:t>The protocol uses </a:t>
+            </a:r>
+            <a:r>
+              <a:rPr lang="en-US" b="1" u="sng" dirty="0">
+                <a:solidFill>
+                  <a:srgbClr val="C00000"/>
+                </a:solidFill>
+              </a:rPr>
+              <a:t>parallel transmissions</a:t>
+            </a:r>
+            <a:r>
+              <a:rPr lang="en-US" dirty="0"/>
+              <a:t> to maximize utilized channel.</a:t>
+            </a:r>
+          </a:p>
+          <a:p>
+            <a:pPr marL="800100" lvl="1" indent="-342900" algn="thaiDist">
+              <a:lnSpc>
+                <a:spcPct val="150000"/>
+              </a:lnSpc>
+              <a:buFont typeface="Wingdings" panose="05000000000000000000" pitchFamily="2" charset="2"/>
+              <a:buChar char="Ø"/>
+            </a:pPr>
+            <a:r>
+              <a:rPr lang="en-US" dirty="0"/>
+              <a:t>The channel utilization is increased.</a:t>
+            </a:r>
+          </a:p>
+          <a:p>
+            <a:pPr marL="342900" indent="-342900" algn="thaiDist">
+              <a:lnSpc>
+                <a:spcPct val="150000"/>
+              </a:lnSpc>
+              <a:buFont typeface="+mj-lt"/>
+              <a:buAutoNum type="arabicPeriod"/>
+            </a:pPr>
+            <a:r>
+              <a:rPr lang="en-US" dirty="0"/>
+              <a:t>The protocol uses a </a:t>
+            </a:r>
+            <a:r>
+              <a:rPr lang="en-US" b="1" u="sng" dirty="0">
+                <a:solidFill>
+                  <a:srgbClr val="C00000"/>
+                </a:solidFill>
+              </a:rPr>
+              <a:t>tree construction algorithm</a:t>
+            </a:r>
+            <a:r>
+              <a:rPr lang="en-US" dirty="0"/>
+              <a:t>, which achieves a high balance load.</a:t>
+            </a:r>
+          </a:p>
+          <a:p>
+            <a:pPr marL="800100" lvl="1" indent="-342900" algn="thaiDist">
+              <a:lnSpc>
+                <a:spcPct val="150000"/>
+              </a:lnSpc>
+              <a:buFont typeface="Wingdings" panose="05000000000000000000" pitchFamily="2" charset="2"/>
+              <a:buChar char="Ø"/>
+            </a:pPr>
+            <a:r>
+              <a:rPr lang="en-US" dirty="0"/>
+              <a:t>All packet size of nodes are balanced.</a:t>
+            </a:r>
+          </a:p>
+          <a:p>
+            <a:pPr marL="342900" indent="-342900" algn="thaiDist">
+              <a:lnSpc>
+                <a:spcPct val="150000"/>
+              </a:lnSpc>
+              <a:buFont typeface="+mj-lt"/>
+              <a:buAutoNum type="arabicPeriod"/>
+            </a:pPr>
+            <a:r>
+              <a:rPr lang="en-US" dirty="0"/>
+              <a:t>The protocol uses a </a:t>
+            </a:r>
+            <a:r>
+              <a:rPr lang="en-US" b="1" u="sng" dirty="0">
+                <a:solidFill>
+                  <a:srgbClr val="C00000"/>
+                </a:solidFill>
+              </a:rPr>
+              <a:t>timeslot and channel assignment algorithm</a:t>
+            </a:r>
+            <a:r>
+              <a:rPr lang="en-US" dirty="0"/>
+              <a:t> to support the parallel node transmit data.</a:t>
+            </a:r>
+          </a:p>
+          <a:p>
+            <a:pPr marL="800100" lvl="1" indent="-342900" algn="thaiDist">
+              <a:lnSpc>
+                <a:spcPct val="150000"/>
+              </a:lnSpc>
+              <a:buFont typeface="Wingdings" panose="05000000000000000000" pitchFamily="2" charset="2"/>
+              <a:buChar char="Ø"/>
+            </a:pPr>
+            <a:r>
+              <a:rPr lang="en-US" dirty="0"/>
+              <a:t>Any source nodes can send data to any destination nodes at the same timeslot. </a:t>
+            </a:r>
+          </a:p>
+        </p:txBody>
+      </p:sp>
+    </p:spTree>
+    <p:extLst>
+      <p:ext uri="{BB962C8B-B14F-4D97-AF65-F5344CB8AC3E}">
+        <p14:creationId xmlns:p14="http://schemas.microsoft.com/office/powerpoint/2010/main" val="445678229"/>
+      </p:ext>
+    </p:extLst>
+  </p:cSld>
+  <p:clrMapOvr>
+    <a:masterClrMapping/>
+  </p:clrMapOvr>
+</p:sld>
+</file>
+
+<file path=ppt/slides/slide48.xml><?xml version="1.0" encoding="utf-8"?>
 <p:sld xmlns:a="http://schemas.openxmlformats.org/drawingml/2006/main" xmlns:r="http://schemas.openxmlformats.org/officeDocument/2006/relationships" xmlns:p="http://schemas.openxmlformats.org/presentationml/2006/main">
   <p:cSld>
     <p:spTree>
@@ -22928,7 +25081,7 @@
 </p:sld>
 </file>
 
-<file path=ppt/slides/slide46.xml><?xml version="1.0" encoding="utf-8"?>
+<file path=ppt/slides/slide49.xml><?xml version="1.0" encoding="utf-8"?>
 <p:sld xmlns:a="http://schemas.openxmlformats.org/drawingml/2006/main" xmlns:r="http://schemas.openxmlformats.org/officeDocument/2006/relationships" xmlns:p="http://schemas.openxmlformats.org/presentationml/2006/main">
   <p:cSld>
     <p:spTree>
@@ -23063,8 +25216,8 @@
         </p:blipFill>
         <p:spPr bwMode="auto">
           <a:xfrm>
-            <a:off x="3847688" y="3467867"/>
-            <a:ext cx="4496624" cy="3215851"/>
+            <a:off x="6959065" y="3609474"/>
+            <a:ext cx="4451503" cy="3183582"/>
           </a:xfrm>
           <a:prstGeom prst="rect">
             <a:avLst/>
@@ -23103,14 +25256,6 @@
           <a:lstStyle/>
           <a:p>
             <a:r>
-              <a:rPr lang="en-US" dirty="0">
-                <a:solidFill>
-                  <a:schemeClr val="tx1"/>
-                </a:solidFill>
-              </a:rPr>
-              <a:t>What is </a:t>
-            </a:r>
-            <a:r>
               <a:rPr lang="en-US" dirty="0" err="1">
                 <a:solidFill>
                   <a:schemeClr val="tx1"/>
@@ -23124,7 +25269,7 @@
                   <a:schemeClr val="tx1"/>
                 </a:solidFill>
               </a:rPr>
-              <a:t>?</a:t>
+              <a:t> network</a:t>
             </a:r>
             <a:endParaRPr lang="th-TH" dirty="0">
               <a:solidFill>
@@ -23172,7 +25317,7 @@
             </a:r>
             <a:r>
               <a:rPr lang="en-US" dirty="0"/>
-              <a:t> (Long Range) is a long-range wireless communications capacity with chirp spread spectrum modulation. </a:t>
+              <a:t> (Long Range) is a long-range wireless communication technology with chirp spread spectrum modulation.</a:t>
             </a:r>
           </a:p>
           <a:p>
@@ -23182,7 +25327,7 @@
             </a:pPr>
             <a:r>
               <a:rPr lang="en-US" dirty="0"/>
-              <a:t>It has been developed for Internet of Things (IoT) applications for long-distance and low power consumption. </a:t>
+              <a:t>It has been developed for Internet of Things (IoT) applications for long-distance and low power consumption.</a:t>
             </a:r>
           </a:p>
           <a:p>
@@ -23475,15 +25620,27 @@
             <a:pPr algn="thaiDist"/>
             <a:r>
               <a:rPr lang="en-US" dirty="0"/>
-              <a:t>this paper proposed a minimized latency multi-hop </a:t>
-            </a:r>
-            <a:r>
-              <a:rPr lang="en-US" dirty="0" err="1"/>
+              <a:t>this paper proposed a </a:t>
+            </a:r>
+            <a:r>
+              <a:rPr lang="en-US" b="1" u="sng" dirty="0"/>
+              <a:t>minimized latency multi-hop </a:t>
+            </a:r>
+            <a:r>
+              <a:rPr lang="en-US" b="1" u="sng" dirty="0" err="1"/>
               <a:t>LoRa</a:t>
             </a:r>
             <a:r>
+              <a:rPr lang="en-US" b="1" u="sng" dirty="0"/>
+              <a:t> protocol</a:t>
+            </a:r>
+            <a:r>
+              <a:rPr lang="en-US" b="1" dirty="0"/>
+              <a:t> </a:t>
+            </a:r>
+            <a:r>
               <a:rPr lang="en-US" dirty="0"/>
-              <a:t> protocol for monitoring and controlling applications over long-distance and low power consumption.</a:t>
+              <a:t>for monitoring and controlling applications over long-distance and low power consumption.</a:t>
             </a:r>
             <a:endParaRPr lang="th-TH" dirty="0"/>
           </a:p>
@@ -23567,14 +25724,14 @@
           <p:nvPr/>
         </p:nvPicPr>
         <p:blipFill>
-          <a:blip r:embed="rId2"/>
+          <a:blip r:embed="rId3"/>
           <a:stretch>
             <a:fillRect/>
           </a:stretch>
         </p:blipFill>
         <p:spPr>
           <a:xfrm>
-            <a:off x="8143708" y="3122229"/>
+            <a:off x="8143708" y="3150804"/>
             <a:ext cx="3467100" cy="3421480"/>
           </a:xfrm>
           <a:prstGeom prst="rect">
@@ -23623,7 +25780,7 @@
             </a:pPr>
             <a:r>
               <a:rPr lang="en-US" dirty="0"/>
-              <a:t>The Low Power Wide Area Network (LP-WAN) consists of one sink and several sensor nodes for tree topology.</a:t>
+              <a:t>The Low Power Wide Area Network (LP-WAN) consists of one sink node and several sensor nodes for tree topology.</a:t>
             </a:r>
           </a:p>
           <a:p>
@@ -23653,7 +25810,7 @@
             </a:pPr>
             <a:r>
               <a:rPr lang="en-US" dirty="0"/>
-              <a:t>Two nodes have a link if they can transmit directly to each other.</a:t>
+              <a:t>Two nodes have a link, if they can transmit directly to each other.</a:t>
             </a:r>
           </a:p>
           <a:p>
@@ -23664,6 +25821,56 @@
             <a:r>
               <a:rPr lang="en-US" dirty="0"/>
               <a:t>A link on which a child and parent node communicates together is tree link.</a:t>
+            </a:r>
+            <a:endParaRPr lang="th-TH" dirty="0"/>
+          </a:p>
+        </p:txBody>
+      </p:sp>
+      <p:sp>
+        <p:nvSpPr>
+          <p:cNvPr id="5" name="Callout: Left Arrow 4">
+            <a:extLst>
+              <a:ext uri="{FF2B5EF4-FFF2-40B4-BE49-F238E27FC236}">
+                <a16:creationId xmlns:a16="http://schemas.microsoft.com/office/drawing/2014/main" id="{AE2EC9C4-B0A1-4E3B-8AC9-49FF68CE880B}"/>
+              </a:ext>
+            </a:extLst>
+          </p:cNvPr>
+          <p:cNvSpPr/>
+          <p:nvPr/>
+        </p:nvSpPr>
+        <p:spPr>
+          <a:xfrm>
+            <a:off x="10191793" y="3218915"/>
+            <a:ext cx="1419015" cy="420169"/>
+          </a:xfrm>
+          <a:prstGeom prst="leftArrowCallout">
+            <a:avLst/>
+          </a:prstGeom>
+        </p:spPr>
+        <p:style>
+          <a:lnRef idx="2">
+            <a:schemeClr val="accent1">
+              <a:shade val="50000"/>
+            </a:schemeClr>
+          </a:lnRef>
+          <a:fillRef idx="1">
+            <a:schemeClr val="accent1"/>
+          </a:fillRef>
+          <a:effectRef idx="0">
+            <a:schemeClr val="accent1"/>
+          </a:effectRef>
+          <a:fontRef idx="minor">
+            <a:schemeClr val="lt1"/>
+          </a:fontRef>
+        </p:style>
+        <p:txBody>
+          <a:bodyPr rtlCol="0" anchor="ctr"/>
+          <a:lstStyle/>
+          <a:p>
+            <a:pPr algn="ctr"/>
+            <a:r>
+              <a:rPr lang="en-US" dirty="0"/>
+              <a:t>sink</a:t>
             </a:r>
             <a:endParaRPr lang="th-TH" dirty="0"/>
           </a:p>
@@ -23747,7 +25954,7 @@
         <p:spPr>
           <a:xfrm>
             <a:off x="813516" y="2135142"/>
-            <a:ext cx="10564968" cy="2862322"/>
+            <a:ext cx="10564968" cy="2308324"/>
           </a:xfrm>
           <a:prstGeom prst="rect">
             <a:avLst/>
@@ -23783,7 +25990,7 @@
             </a:pPr>
             <a:r>
               <a:rPr lang="en-US" dirty="0"/>
-              <a:t>All nodes in the network are assigned timeslot and channel (radio frequency) to communicate to the parent node or child node, which is collision-free with the neighboring node in the tree construction period.</a:t>
+              <a:t>All nodes in the network are assigned timeslot and channel (radio frequency) to communicate. These timeslot and channel are collision-free with the neighboring node.</a:t>
             </a:r>
           </a:p>
           <a:p>
@@ -23793,7 +26000,7 @@
             </a:pPr>
             <a:r>
               <a:rPr lang="en-US" dirty="0"/>
-              <a:t>Based on the timeslot and channel, In the data transmission period, the child node transmits the data packet to its parent node.</a:t>
+              <a:t>In the data transmission period, the child node transmits the data packet to its parent node based on the timeslot and channel.</a:t>
             </a:r>
           </a:p>
           <a:p>
@@ -23805,13 +26012,6 @@
               <a:rPr lang="en-US" dirty="0"/>
               <a:t>After receiving the data packet from all child nodes, the parent node combines all child nodes’ data with its own data and then transmits that to its parent node.</a:t>
             </a:r>
-          </a:p>
-          <a:p>
-            <a:pPr marL="342900" indent="-342900" algn="thaiDist">
-              <a:buFont typeface="+mj-lt"/>
-              <a:buAutoNum type="arabicPeriod"/>
-            </a:pPr>
-            <a:endParaRPr lang="th-TH" dirty="0"/>
           </a:p>
         </p:txBody>
       </p:sp>
@@ -24393,15 +26593,6 @@
 </file>
 
 <file path=customXml/item1.xml><?xml version="1.0" encoding="utf-8"?>
-<p:properties xmlns:p="http://schemas.microsoft.com/office/2006/metadata/properties" xmlns:xsi="http://www.w3.org/2001/XMLSchema-instance" xmlns:pc="http://schemas.microsoft.com/office/infopath/2007/PartnerControls">
-  <documentManagement>
-    <Status xmlns="71af3243-3dd4-4a8d-8c0d-dd76da1f02a5">Not started</Status>
-    <MediaServiceKeyPoints xmlns="71af3243-3dd4-4a8d-8c0d-dd76da1f02a5" xsi:nil="true"/>
-  </documentManagement>
-</p:properties>
-</file>
-
-<file path=customXml/item2.xml><?xml version="1.0" encoding="utf-8"?>
 <?mso-contentType ?>
 <FormTemplates xmlns="http://schemas.microsoft.com/sharepoint/v3/contenttype/forms">
   <Display>DocumentLibraryForm</Display>
@@ -24410,7 +26601,7 @@
 </FormTemplates>
 </file>
 
-<file path=customXml/item3.xml><?xml version="1.0" encoding="utf-8"?>
+<file path=customXml/item2.xml><?xml version="1.0" encoding="utf-8"?>
 <ct:contentTypeSchema xmlns:ct="http://schemas.microsoft.com/office/2006/metadata/contentType" xmlns:ma="http://schemas.microsoft.com/office/2006/metadata/properties/metaAttributes" ct:_="" ma:_="" ma:contentTypeName="Document" ma:contentTypeID="0x01010079F111ED35F8CC479449609E8A0923A6" ma:contentTypeVersion="12" ma:contentTypeDescription="Create a new document." ma:contentTypeScope="" ma:versionID="a410dd7f93c95333ffa1b60ed6adedd1">
   <xsd:schema xmlns:xsd="http://www.w3.org/2001/XMLSchema" xmlns:xs="http://www.w3.org/2001/XMLSchema" xmlns:p="http://schemas.microsoft.com/office/2006/metadata/properties" xmlns:ns2="71af3243-3dd4-4a8d-8c0d-dd76da1f02a5" xmlns:ns3="16c05727-aa75-4e4a-9b5f-8a80a1165891" targetNamespace="http://schemas.microsoft.com/office/2006/metadata/properties" ma:root="true" ma:fieldsID="a936d9baba76aa3866493feff160faab" ns2:_="" ns3:_="">
     <xsd:import namespace="71af3243-3dd4-4a8d-8c0d-dd76da1f02a5"/>
@@ -24631,17 +26822,16 @@
 </ct:contentTypeSchema>
 </file>
 
-<file path=customXml/itemProps1.xml><?xml version="1.0" encoding="utf-8"?>
-<ds:datastoreItem xmlns:ds="http://schemas.openxmlformats.org/officeDocument/2006/customXml" ds:itemID="{8D289AE2-D2AE-49D1-AFAC-3A79F6794255}">
-  <ds:schemaRefs>
-    <ds:schemaRef ds:uri="http://schemas.microsoft.com/office/2006/metadata/properties"/>
-    <ds:schemaRef ds:uri="http://schemas.microsoft.com/office/infopath/2007/PartnerControls"/>
-    <ds:schemaRef ds:uri="71af3243-3dd4-4a8d-8c0d-dd76da1f02a5"/>
-  </ds:schemaRefs>
-</ds:datastoreItem>
+<file path=customXml/item3.xml><?xml version="1.0" encoding="utf-8"?>
+<p:properties xmlns:p="http://schemas.microsoft.com/office/2006/metadata/properties" xmlns:xsi="http://www.w3.org/2001/XMLSchema-instance" xmlns:pc="http://schemas.microsoft.com/office/infopath/2007/PartnerControls">
+  <documentManagement>
+    <Status xmlns="71af3243-3dd4-4a8d-8c0d-dd76da1f02a5">Not started</Status>
+    <MediaServiceKeyPoints xmlns="71af3243-3dd4-4a8d-8c0d-dd76da1f02a5" xsi:nil="true"/>
+  </documentManagement>
+</p:properties>
 </file>
 
-<file path=customXml/itemProps2.xml><?xml version="1.0" encoding="utf-8"?>
+<file path=customXml/itemProps1.xml><?xml version="1.0" encoding="utf-8"?>
 <ds:datastoreItem xmlns:ds="http://schemas.openxmlformats.org/officeDocument/2006/customXml" ds:itemID="{927BD4C1-B6B1-4715-ABF9-E660A51A4EA0}">
   <ds:schemaRefs>
     <ds:schemaRef ds:uri="http://schemas.microsoft.com/sharepoint/v3/contenttype/forms"/>
@@ -24649,7 +26839,7 @@
 </ds:datastoreItem>
 </file>
 
-<file path=customXml/itemProps3.xml><?xml version="1.0" encoding="utf-8"?>
+<file path=customXml/itemProps2.xml><?xml version="1.0" encoding="utf-8"?>
 <ds:datastoreItem xmlns:ds="http://schemas.openxmlformats.org/officeDocument/2006/customXml" ds:itemID="{41E7CA09-9778-4414-AE97-8064B12DA30E}">
   <ds:schemaRefs>
     <ds:schemaRef ds:uri="http://schemas.microsoft.com/office/2006/metadata/contentType"/>
@@ -24666,4 +26856,14 @@
     <ds:schemaRef ds:uri="http://schemas.microsoft.com/internal/obd"/>
   </ds:schemaRefs>
 </ds:datastoreItem>
+</file>
+
+<file path=customXml/itemProps3.xml><?xml version="1.0" encoding="utf-8"?>
+<ds:datastoreItem xmlns:ds="http://schemas.openxmlformats.org/officeDocument/2006/customXml" ds:itemID="{8D289AE2-D2AE-49D1-AFAC-3A79F6794255}">
+  <ds:schemaRefs>
+    <ds:schemaRef ds:uri="http://schemas.microsoft.com/office/2006/metadata/properties"/>
+    <ds:schemaRef ds:uri="http://schemas.microsoft.com/office/infopath/2007/PartnerControls"/>
+    <ds:schemaRef ds:uri="71af3243-3dd4-4a8d-8c0d-dd76da1f02a5"/>
+  </ds:schemaRefs>
+</ds:datastoreItem>
 </file>